--- a/IHearISay/I_HEAR_I_SAY_Bilan.pptx
+++ b/IHearISay/I_HEAR_I_SAY_Bilan.pptx
@@ -11,10 +11,10 @@
     <p:sldId id="256" r:id="rId2"/>
     <p:sldId id="258" r:id="rId3"/>
     <p:sldId id="269" r:id="rId4"/>
-    <p:sldId id="262" r:id="rId5"/>
-    <p:sldId id="266" r:id="rId6"/>
+    <p:sldId id="266" r:id="rId5"/>
+    <p:sldId id="259" r:id="rId6"/>
     <p:sldId id="260" r:id="rId7"/>
-    <p:sldId id="259" r:id="rId8"/>
+    <p:sldId id="262" r:id="rId8"/>
     <p:sldId id="268" r:id="rId9"/>
   </p:sldIdLst>
   <p:sldSz cx="12192000" cy="6858000"/>
@@ -6381,25 +6381,25 @@
   </dgm:ptLst>
   <dgm:cxnLst>
     <dgm:cxn modelId="{469C87CF-F5DF-49FE-99F1-2B80000E8C7F}" srcId="{2A76A016-75FB-4EB8-A025-6ACD7A3F5B7D}" destId="{6C099256-A3F1-42A6-931A-474918379EC3}" srcOrd="0" destOrd="0" parTransId="{7AC3B3FF-A9FA-4238-87B0-F8A658AD7018}" sibTransId="{148C0DA2-0218-4FFE-8809-25F2D2ED809C}"/>
-    <dgm:cxn modelId="{64A80E75-03BB-4EA8-8C96-03ADE2E0E669}" type="presOf" srcId="{141F5721-50D1-4463-BE0E-D2740313485D}" destId="{1137F16A-3FBD-40A3-8437-7FEA55E131EF}" srcOrd="0" destOrd="0" presId="urn:microsoft.com/office/officeart/2005/8/layout/chevron1"/>
+    <dgm:cxn modelId="{56A2BB9E-CCEA-461B-BACB-839D3D3F7CA0}" type="presOf" srcId="{80E5E9DF-95FB-48E6-BD6C-ADC19D57C0A3}" destId="{624C66D0-AA35-4C2D-8400-996503DFD2AE}" srcOrd="0" destOrd="0" presId="urn:microsoft.com/office/officeart/2005/8/layout/chevron1"/>
     <dgm:cxn modelId="{6C3F1AC4-298B-4D68-A3B6-46A3E4B5E6DC}" srcId="{2A76A016-75FB-4EB8-A025-6ACD7A3F5B7D}" destId="{0259D84A-4796-4366-BA60-D7065EA96C71}" srcOrd="3" destOrd="0" parTransId="{2844B534-BEBF-43CF-B484-5CFCA8900E85}" sibTransId="{CA49B43B-3BCA-497E-B500-5523E9DB4D6C}"/>
-    <dgm:cxn modelId="{EADB09FD-E6A6-4F32-A18C-5CF804F1982A}" type="presOf" srcId="{6C099256-A3F1-42A6-931A-474918379EC3}" destId="{1F6056EB-C534-4970-B58E-AD722CC6900E}" srcOrd="0" destOrd="0" presId="urn:microsoft.com/office/officeart/2005/8/layout/chevron1"/>
+    <dgm:cxn modelId="{06B27306-E20E-4159-96B0-AF5CFA872E16}" type="presOf" srcId="{141F5721-50D1-4463-BE0E-D2740313485D}" destId="{1137F16A-3FBD-40A3-8437-7FEA55E131EF}" srcOrd="0" destOrd="0" presId="urn:microsoft.com/office/officeart/2005/8/layout/chevron1"/>
+    <dgm:cxn modelId="{81938C64-5EF8-4274-AC18-03555E22923A}" type="presOf" srcId="{6C099256-A3F1-42A6-931A-474918379EC3}" destId="{1F6056EB-C534-4970-B58E-AD722CC6900E}" srcOrd="0" destOrd="0" presId="urn:microsoft.com/office/officeart/2005/8/layout/chevron1"/>
+    <dgm:cxn modelId="{B5CFFB9A-371B-4B78-933F-4F6B038AE7FA}" type="presOf" srcId="{2A76A016-75FB-4EB8-A025-6ACD7A3F5B7D}" destId="{2DFC64A5-769C-4372-9615-1FA4B1491470}" srcOrd="0" destOrd="0" presId="urn:microsoft.com/office/officeart/2005/8/layout/chevron1"/>
     <dgm:cxn modelId="{54CD1257-05B7-4992-90E1-19728B5A48CD}" srcId="{2A76A016-75FB-4EB8-A025-6ACD7A3F5B7D}" destId="{68E789BA-346D-43BD-9465-734B217059F0}" srcOrd="1" destOrd="0" parTransId="{BFCF06E6-B9DC-4E18-9537-7296BC3BCBA2}" sibTransId="{C9B12BE5-522A-43A8-A491-AC2795BA9602}"/>
-    <dgm:cxn modelId="{7C76F156-D6D3-4FAE-84E3-C7406C8B7853}" type="presOf" srcId="{2A76A016-75FB-4EB8-A025-6ACD7A3F5B7D}" destId="{2DFC64A5-769C-4372-9615-1FA4B1491470}" srcOrd="0" destOrd="0" presId="urn:microsoft.com/office/officeart/2005/8/layout/chevron1"/>
+    <dgm:cxn modelId="{2F2805D4-64BF-4F3A-8C05-E0BC847D684E}" type="presOf" srcId="{0259D84A-4796-4366-BA60-D7065EA96C71}" destId="{DF757741-D2C4-47CD-B81F-0494B81FB4EA}" srcOrd="0" destOrd="0" presId="urn:microsoft.com/office/officeart/2005/8/layout/chevron1"/>
     <dgm:cxn modelId="{DAC9D7F0-396E-4DEE-9465-684C88AA5D85}" srcId="{2A76A016-75FB-4EB8-A025-6ACD7A3F5B7D}" destId="{80E5E9DF-95FB-48E6-BD6C-ADC19D57C0A3}" srcOrd="2" destOrd="0" parTransId="{710E6872-57CB-42B7-A54D-88A4118DC8A3}" sibTransId="{B49B5B59-8BFC-448F-B2EE-53202542A6CE}"/>
-    <dgm:cxn modelId="{09E43216-ABE5-42CA-B371-151C4C194EA4}" type="presOf" srcId="{0259D84A-4796-4366-BA60-D7065EA96C71}" destId="{DF757741-D2C4-47CD-B81F-0494B81FB4EA}" srcOrd="0" destOrd="0" presId="urn:microsoft.com/office/officeart/2005/8/layout/chevron1"/>
+    <dgm:cxn modelId="{75D6A02F-BF77-4165-A403-8DB9D4865D53}" type="presOf" srcId="{68E789BA-346D-43BD-9465-734B217059F0}" destId="{1AA5F17D-B47A-4297-B5BB-8C6B99E6C5DA}" srcOrd="0" destOrd="0" presId="urn:microsoft.com/office/officeart/2005/8/layout/chevron1"/>
     <dgm:cxn modelId="{ACC5D66D-A940-4C16-83F0-C87E584FFD2B}" srcId="{2A76A016-75FB-4EB8-A025-6ACD7A3F5B7D}" destId="{141F5721-50D1-4463-BE0E-D2740313485D}" srcOrd="4" destOrd="0" parTransId="{76CAB4C6-3908-47F3-A9B5-64E31B886BE6}" sibTransId="{3A7DF44F-3F8C-406B-AB9C-2F17AC583398}"/>
-    <dgm:cxn modelId="{06C69EAC-0853-438B-8AFF-0A11F71E15CE}" type="presOf" srcId="{68E789BA-346D-43BD-9465-734B217059F0}" destId="{1AA5F17D-B47A-4297-B5BB-8C6B99E6C5DA}" srcOrd="0" destOrd="0" presId="urn:microsoft.com/office/officeart/2005/8/layout/chevron1"/>
-    <dgm:cxn modelId="{25506632-207F-477C-B722-230173A97138}" type="presOf" srcId="{80E5E9DF-95FB-48E6-BD6C-ADC19D57C0A3}" destId="{624C66D0-AA35-4C2D-8400-996503DFD2AE}" srcOrd="0" destOrd="0" presId="urn:microsoft.com/office/officeart/2005/8/layout/chevron1"/>
-    <dgm:cxn modelId="{FDD04C52-E53F-4D69-88CE-08A23D375AA6}" type="presParOf" srcId="{2DFC64A5-769C-4372-9615-1FA4B1491470}" destId="{1F6056EB-C534-4970-B58E-AD722CC6900E}" srcOrd="0" destOrd="0" presId="urn:microsoft.com/office/officeart/2005/8/layout/chevron1"/>
-    <dgm:cxn modelId="{02F0E53F-E822-4DD3-ABE1-CA1A3A09D386}" type="presParOf" srcId="{2DFC64A5-769C-4372-9615-1FA4B1491470}" destId="{C077A35C-7EC3-45E8-86F1-4EB37DB15503}" srcOrd="1" destOrd="0" presId="urn:microsoft.com/office/officeart/2005/8/layout/chevron1"/>
-    <dgm:cxn modelId="{C83A1B19-0918-4AF6-A64B-80BE96FA4B41}" type="presParOf" srcId="{2DFC64A5-769C-4372-9615-1FA4B1491470}" destId="{1AA5F17D-B47A-4297-B5BB-8C6B99E6C5DA}" srcOrd="2" destOrd="0" presId="urn:microsoft.com/office/officeart/2005/8/layout/chevron1"/>
-    <dgm:cxn modelId="{6C01C976-EB17-4B66-BFF1-B22FE76AA92F}" type="presParOf" srcId="{2DFC64A5-769C-4372-9615-1FA4B1491470}" destId="{4AB4D21E-58BB-49F4-9B51-BB842C62FFF9}" srcOrd="3" destOrd="0" presId="urn:microsoft.com/office/officeart/2005/8/layout/chevron1"/>
-    <dgm:cxn modelId="{F475D99B-A573-4B2A-AB49-A008346563EC}" type="presParOf" srcId="{2DFC64A5-769C-4372-9615-1FA4B1491470}" destId="{624C66D0-AA35-4C2D-8400-996503DFD2AE}" srcOrd="4" destOrd="0" presId="urn:microsoft.com/office/officeart/2005/8/layout/chevron1"/>
-    <dgm:cxn modelId="{8D6A0D99-45C4-4602-892C-C57CBD21F0C6}" type="presParOf" srcId="{2DFC64A5-769C-4372-9615-1FA4B1491470}" destId="{C839562D-C2F0-4F43-A440-F8EB257A5ED3}" srcOrd="5" destOrd="0" presId="urn:microsoft.com/office/officeart/2005/8/layout/chevron1"/>
-    <dgm:cxn modelId="{11690BFC-F250-4D24-9005-674A1F0A332B}" type="presParOf" srcId="{2DFC64A5-769C-4372-9615-1FA4B1491470}" destId="{DF757741-D2C4-47CD-B81F-0494B81FB4EA}" srcOrd="6" destOrd="0" presId="urn:microsoft.com/office/officeart/2005/8/layout/chevron1"/>
-    <dgm:cxn modelId="{A1D9C94A-A6F0-4928-90D0-69AE89DDC81A}" type="presParOf" srcId="{2DFC64A5-769C-4372-9615-1FA4B1491470}" destId="{C0385E65-BED5-46A7-8BCB-7BE0B13B97D8}" srcOrd="7" destOrd="0" presId="urn:microsoft.com/office/officeart/2005/8/layout/chevron1"/>
-    <dgm:cxn modelId="{C7A4F5C5-A1BB-4531-9CA8-D092A1BE3CCB}" type="presParOf" srcId="{2DFC64A5-769C-4372-9615-1FA4B1491470}" destId="{1137F16A-3FBD-40A3-8437-7FEA55E131EF}" srcOrd="8" destOrd="0" presId="urn:microsoft.com/office/officeart/2005/8/layout/chevron1"/>
+    <dgm:cxn modelId="{B3BA17A5-5415-427B-8E68-AE7164F84547}" type="presParOf" srcId="{2DFC64A5-769C-4372-9615-1FA4B1491470}" destId="{1F6056EB-C534-4970-B58E-AD722CC6900E}" srcOrd="0" destOrd="0" presId="urn:microsoft.com/office/officeart/2005/8/layout/chevron1"/>
+    <dgm:cxn modelId="{CA247C37-42C4-4F17-AEE9-8B76559642E1}" type="presParOf" srcId="{2DFC64A5-769C-4372-9615-1FA4B1491470}" destId="{C077A35C-7EC3-45E8-86F1-4EB37DB15503}" srcOrd="1" destOrd="0" presId="urn:microsoft.com/office/officeart/2005/8/layout/chevron1"/>
+    <dgm:cxn modelId="{C1C1C504-84AC-4D72-B8DF-8FE2D496ED4B}" type="presParOf" srcId="{2DFC64A5-769C-4372-9615-1FA4B1491470}" destId="{1AA5F17D-B47A-4297-B5BB-8C6B99E6C5DA}" srcOrd="2" destOrd="0" presId="urn:microsoft.com/office/officeart/2005/8/layout/chevron1"/>
+    <dgm:cxn modelId="{FA38C4FE-5097-4CF6-929F-99E98709D225}" type="presParOf" srcId="{2DFC64A5-769C-4372-9615-1FA4B1491470}" destId="{4AB4D21E-58BB-49F4-9B51-BB842C62FFF9}" srcOrd="3" destOrd="0" presId="urn:microsoft.com/office/officeart/2005/8/layout/chevron1"/>
+    <dgm:cxn modelId="{BE0ACBF2-1F4A-4BAC-90D7-D6ABB9D3F770}" type="presParOf" srcId="{2DFC64A5-769C-4372-9615-1FA4B1491470}" destId="{624C66D0-AA35-4C2D-8400-996503DFD2AE}" srcOrd="4" destOrd="0" presId="urn:microsoft.com/office/officeart/2005/8/layout/chevron1"/>
+    <dgm:cxn modelId="{70CD04F3-75B3-4D0E-A12D-6FA1BD155D52}" type="presParOf" srcId="{2DFC64A5-769C-4372-9615-1FA4B1491470}" destId="{C839562D-C2F0-4F43-A440-F8EB257A5ED3}" srcOrd="5" destOrd="0" presId="urn:microsoft.com/office/officeart/2005/8/layout/chevron1"/>
+    <dgm:cxn modelId="{AEB5C8E8-8EE9-49B4-B66C-9826E0418482}" type="presParOf" srcId="{2DFC64A5-769C-4372-9615-1FA4B1491470}" destId="{DF757741-D2C4-47CD-B81F-0494B81FB4EA}" srcOrd="6" destOrd="0" presId="urn:microsoft.com/office/officeart/2005/8/layout/chevron1"/>
+    <dgm:cxn modelId="{E462124E-1391-4919-8C35-E13DC8822CFC}" type="presParOf" srcId="{2DFC64A5-769C-4372-9615-1FA4B1491470}" destId="{C0385E65-BED5-46A7-8BCB-7BE0B13B97D8}" srcOrd="7" destOrd="0" presId="urn:microsoft.com/office/officeart/2005/8/layout/chevron1"/>
+    <dgm:cxn modelId="{797DAE26-267A-4F2D-9177-342E32156342}" type="presParOf" srcId="{2DFC64A5-769C-4372-9615-1FA4B1491470}" destId="{1137F16A-3FBD-40A3-8437-7FEA55E131EF}" srcOrd="8" destOrd="0" presId="urn:microsoft.com/office/officeart/2005/8/layout/chevron1"/>
   </dgm:cxnLst>
   <dgm:bg/>
   <dgm:whole>
@@ -6736,26 +6736,26 @@
     </dgm:pt>
   </dgm:ptLst>
   <dgm:cxnLst>
+    <dgm:cxn modelId="{EA41C015-94AD-4B5D-928B-928CBE0809F7}" type="presOf" srcId="{2A76A016-75FB-4EB8-A025-6ACD7A3F5B7D}" destId="{2DFC64A5-769C-4372-9615-1FA4B1491470}" srcOrd="0" destOrd="0" presId="urn:microsoft.com/office/officeart/2005/8/layout/chevron1"/>
+    <dgm:cxn modelId="{6C3F1AC4-298B-4D68-A3B6-46A3E4B5E6DC}" srcId="{2A76A016-75FB-4EB8-A025-6ACD7A3F5B7D}" destId="{0259D84A-4796-4366-BA60-D7065EA96C71}" srcOrd="3" destOrd="0" parTransId="{2844B534-BEBF-43CF-B484-5CFCA8900E85}" sibTransId="{CA49B43B-3BCA-497E-B500-5523E9DB4D6C}"/>
+    <dgm:cxn modelId="{76DEEC78-3BA7-42F3-B238-C1AF496EBBDE}" type="presOf" srcId="{80E5E9DF-95FB-48E6-BD6C-ADC19D57C0A3}" destId="{624C66D0-AA35-4C2D-8400-996503DFD2AE}" srcOrd="0" destOrd="0" presId="urn:microsoft.com/office/officeart/2005/8/layout/chevron1"/>
+    <dgm:cxn modelId="{ACC5D66D-A940-4C16-83F0-C87E584FFD2B}" srcId="{2A76A016-75FB-4EB8-A025-6ACD7A3F5B7D}" destId="{141F5721-50D1-4463-BE0E-D2740313485D}" srcOrd="4" destOrd="0" parTransId="{76CAB4C6-3908-47F3-A9B5-64E31B886BE6}" sibTransId="{3A7DF44F-3F8C-406B-AB9C-2F17AC583398}"/>
+    <dgm:cxn modelId="{2E3681B6-4CE2-4E83-B5E7-5F48389F0D9E}" type="presOf" srcId="{6C099256-A3F1-42A6-931A-474918379EC3}" destId="{1F6056EB-C534-4970-B58E-AD722CC6900E}" srcOrd="0" destOrd="0" presId="urn:microsoft.com/office/officeart/2005/8/layout/chevron1"/>
+    <dgm:cxn modelId="{21EAEF21-9F7B-4E48-B77C-C3CDBE0B5C87}" type="presOf" srcId="{141F5721-50D1-4463-BE0E-D2740313485D}" destId="{1137F16A-3FBD-40A3-8437-7FEA55E131EF}" srcOrd="0" destOrd="0" presId="urn:microsoft.com/office/officeart/2005/8/layout/chevron1"/>
+    <dgm:cxn modelId="{54CD1257-05B7-4992-90E1-19728B5A48CD}" srcId="{2A76A016-75FB-4EB8-A025-6ACD7A3F5B7D}" destId="{68E789BA-346D-43BD-9465-734B217059F0}" srcOrd="1" destOrd="0" parTransId="{BFCF06E6-B9DC-4E18-9537-7296BC3BCBA2}" sibTransId="{C9B12BE5-522A-43A8-A491-AC2795BA9602}"/>
     <dgm:cxn modelId="{469C87CF-F5DF-49FE-99F1-2B80000E8C7F}" srcId="{2A76A016-75FB-4EB8-A025-6ACD7A3F5B7D}" destId="{6C099256-A3F1-42A6-931A-474918379EC3}" srcOrd="0" destOrd="0" parTransId="{7AC3B3FF-A9FA-4238-87B0-F8A658AD7018}" sibTransId="{148C0DA2-0218-4FFE-8809-25F2D2ED809C}"/>
-    <dgm:cxn modelId="{56A2BB9E-CCEA-461B-BACB-839D3D3F7CA0}" type="presOf" srcId="{80E5E9DF-95FB-48E6-BD6C-ADC19D57C0A3}" destId="{624C66D0-AA35-4C2D-8400-996503DFD2AE}" srcOrd="0" destOrd="0" presId="urn:microsoft.com/office/officeart/2005/8/layout/chevron1"/>
-    <dgm:cxn modelId="{6C3F1AC4-298B-4D68-A3B6-46A3E4B5E6DC}" srcId="{2A76A016-75FB-4EB8-A025-6ACD7A3F5B7D}" destId="{0259D84A-4796-4366-BA60-D7065EA96C71}" srcOrd="3" destOrd="0" parTransId="{2844B534-BEBF-43CF-B484-5CFCA8900E85}" sibTransId="{CA49B43B-3BCA-497E-B500-5523E9DB4D6C}"/>
-    <dgm:cxn modelId="{06B27306-E20E-4159-96B0-AF5CFA872E16}" type="presOf" srcId="{141F5721-50D1-4463-BE0E-D2740313485D}" destId="{1137F16A-3FBD-40A3-8437-7FEA55E131EF}" srcOrd="0" destOrd="0" presId="urn:microsoft.com/office/officeart/2005/8/layout/chevron1"/>
-    <dgm:cxn modelId="{81938C64-5EF8-4274-AC18-03555E22923A}" type="presOf" srcId="{6C099256-A3F1-42A6-931A-474918379EC3}" destId="{1F6056EB-C534-4970-B58E-AD722CC6900E}" srcOrd="0" destOrd="0" presId="urn:microsoft.com/office/officeart/2005/8/layout/chevron1"/>
-    <dgm:cxn modelId="{B5CFFB9A-371B-4B78-933F-4F6B038AE7FA}" type="presOf" srcId="{2A76A016-75FB-4EB8-A025-6ACD7A3F5B7D}" destId="{2DFC64A5-769C-4372-9615-1FA4B1491470}" srcOrd="0" destOrd="0" presId="urn:microsoft.com/office/officeart/2005/8/layout/chevron1"/>
-    <dgm:cxn modelId="{54CD1257-05B7-4992-90E1-19728B5A48CD}" srcId="{2A76A016-75FB-4EB8-A025-6ACD7A3F5B7D}" destId="{68E789BA-346D-43BD-9465-734B217059F0}" srcOrd="1" destOrd="0" parTransId="{BFCF06E6-B9DC-4E18-9537-7296BC3BCBA2}" sibTransId="{C9B12BE5-522A-43A8-A491-AC2795BA9602}"/>
-    <dgm:cxn modelId="{2F2805D4-64BF-4F3A-8C05-E0BC847D684E}" type="presOf" srcId="{0259D84A-4796-4366-BA60-D7065EA96C71}" destId="{DF757741-D2C4-47CD-B81F-0494B81FB4EA}" srcOrd="0" destOrd="0" presId="urn:microsoft.com/office/officeart/2005/8/layout/chevron1"/>
+    <dgm:cxn modelId="{228945B1-004F-4FE4-9858-5C0FBDDD37F4}" type="presOf" srcId="{68E789BA-346D-43BD-9465-734B217059F0}" destId="{1AA5F17D-B47A-4297-B5BB-8C6B99E6C5DA}" srcOrd="0" destOrd="0" presId="urn:microsoft.com/office/officeart/2005/8/layout/chevron1"/>
+    <dgm:cxn modelId="{AD8C5B48-9B23-4CD6-9D3D-9BC101256E04}" type="presOf" srcId="{0259D84A-4796-4366-BA60-D7065EA96C71}" destId="{DF757741-D2C4-47CD-B81F-0494B81FB4EA}" srcOrd="0" destOrd="0" presId="urn:microsoft.com/office/officeart/2005/8/layout/chevron1"/>
     <dgm:cxn modelId="{DAC9D7F0-396E-4DEE-9465-684C88AA5D85}" srcId="{2A76A016-75FB-4EB8-A025-6ACD7A3F5B7D}" destId="{80E5E9DF-95FB-48E6-BD6C-ADC19D57C0A3}" srcOrd="2" destOrd="0" parTransId="{710E6872-57CB-42B7-A54D-88A4118DC8A3}" sibTransId="{B49B5B59-8BFC-448F-B2EE-53202542A6CE}"/>
-    <dgm:cxn modelId="{75D6A02F-BF77-4165-A403-8DB9D4865D53}" type="presOf" srcId="{68E789BA-346D-43BD-9465-734B217059F0}" destId="{1AA5F17D-B47A-4297-B5BB-8C6B99E6C5DA}" srcOrd="0" destOrd="0" presId="urn:microsoft.com/office/officeart/2005/8/layout/chevron1"/>
-    <dgm:cxn modelId="{ACC5D66D-A940-4C16-83F0-C87E584FFD2B}" srcId="{2A76A016-75FB-4EB8-A025-6ACD7A3F5B7D}" destId="{141F5721-50D1-4463-BE0E-D2740313485D}" srcOrd="4" destOrd="0" parTransId="{76CAB4C6-3908-47F3-A9B5-64E31B886BE6}" sibTransId="{3A7DF44F-3F8C-406B-AB9C-2F17AC583398}"/>
-    <dgm:cxn modelId="{B3BA17A5-5415-427B-8E68-AE7164F84547}" type="presParOf" srcId="{2DFC64A5-769C-4372-9615-1FA4B1491470}" destId="{1F6056EB-C534-4970-B58E-AD722CC6900E}" srcOrd="0" destOrd="0" presId="urn:microsoft.com/office/officeart/2005/8/layout/chevron1"/>
-    <dgm:cxn modelId="{CA247C37-42C4-4F17-AEE9-8B76559642E1}" type="presParOf" srcId="{2DFC64A5-769C-4372-9615-1FA4B1491470}" destId="{C077A35C-7EC3-45E8-86F1-4EB37DB15503}" srcOrd="1" destOrd="0" presId="urn:microsoft.com/office/officeart/2005/8/layout/chevron1"/>
-    <dgm:cxn modelId="{C1C1C504-84AC-4D72-B8DF-8FE2D496ED4B}" type="presParOf" srcId="{2DFC64A5-769C-4372-9615-1FA4B1491470}" destId="{1AA5F17D-B47A-4297-B5BB-8C6B99E6C5DA}" srcOrd="2" destOrd="0" presId="urn:microsoft.com/office/officeart/2005/8/layout/chevron1"/>
-    <dgm:cxn modelId="{FA38C4FE-5097-4CF6-929F-99E98709D225}" type="presParOf" srcId="{2DFC64A5-769C-4372-9615-1FA4B1491470}" destId="{4AB4D21E-58BB-49F4-9B51-BB842C62FFF9}" srcOrd="3" destOrd="0" presId="urn:microsoft.com/office/officeart/2005/8/layout/chevron1"/>
-    <dgm:cxn modelId="{BE0ACBF2-1F4A-4BAC-90D7-D6ABB9D3F770}" type="presParOf" srcId="{2DFC64A5-769C-4372-9615-1FA4B1491470}" destId="{624C66D0-AA35-4C2D-8400-996503DFD2AE}" srcOrd="4" destOrd="0" presId="urn:microsoft.com/office/officeart/2005/8/layout/chevron1"/>
-    <dgm:cxn modelId="{70CD04F3-75B3-4D0E-A12D-6FA1BD155D52}" type="presParOf" srcId="{2DFC64A5-769C-4372-9615-1FA4B1491470}" destId="{C839562D-C2F0-4F43-A440-F8EB257A5ED3}" srcOrd="5" destOrd="0" presId="urn:microsoft.com/office/officeart/2005/8/layout/chevron1"/>
-    <dgm:cxn modelId="{AEB5C8E8-8EE9-49B4-B66C-9826E0418482}" type="presParOf" srcId="{2DFC64A5-769C-4372-9615-1FA4B1491470}" destId="{DF757741-D2C4-47CD-B81F-0494B81FB4EA}" srcOrd="6" destOrd="0" presId="urn:microsoft.com/office/officeart/2005/8/layout/chevron1"/>
-    <dgm:cxn modelId="{E462124E-1391-4919-8C35-E13DC8822CFC}" type="presParOf" srcId="{2DFC64A5-769C-4372-9615-1FA4B1491470}" destId="{C0385E65-BED5-46A7-8BCB-7BE0B13B97D8}" srcOrd="7" destOrd="0" presId="urn:microsoft.com/office/officeart/2005/8/layout/chevron1"/>
-    <dgm:cxn modelId="{797DAE26-267A-4F2D-9177-342E32156342}" type="presParOf" srcId="{2DFC64A5-769C-4372-9615-1FA4B1491470}" destId="{1137F16A-3FBD-40A3-8437-7FEA55E131EF}" srcOrd="8" destOrd="0" presId="urn:microsoft.com/office/officeart/2005/8/layout/chevron1"/>
+    <dgm:cxn modelId="{45EF013B-CC51-4461-BF99-8B357C9ABA4E}" type="presParOf" srcId="{2DFC64A5-769C-4372-9615-1FA4B1491470}" destId="{1F6056EB-C534-4970-B58E-AD722CC6900E}" srcOrd="0" destOrd="0" presId="urn:microsoft.com/office/officeart/2005/8/layout/chevron1"/>
+    <dgm:cxn modelId="{16FFD9C7-71C4-462D-84C2-D16AE0CBEAFD}" type="presParOf" srcId="{2DFC64A5-769C-4372-9615-1FA4B1491470}" destId="{C077A35C-7EC3-45E8-86F1-4EB37DB15503}" srcOrd="1" destOrd="0" presId="urn:microsoft.com/office/officeart/2005/8/layout/chevron1"/>
+    <dgm:cxn modelId="{558D0536-5A93-4664-8209-DE60E78EFFFE}" type="presParOf" srcId="{2DFC64A5-769C-4372-9615-1FA4B1491470}" destId="{1AA5F17D-B47A-4297-B5BB-8C6B99E6C5DA}" srcOrd="2" destOrd="0" presId="urn:microsoft.com/office/officeart/2005/8/layout/chevron1"/>
+    <dgm:cxn modelId="{A44BDB96-DD13-4423-9F9E-B5B379F9D530}" type="presParOf" srcId="{2DFC64A5-769C-4372-9615-1FA4B1491470}" destId="{4AB4D21E-58BB-49F4-9B51-BB842C62FFF9}" srcOrd="3" destOrd="0" presId="urn:microsoft.com/office/officeart/2005/8/layout/chevron1"/>
+    <dgm:cxn modelId="{70CFCD3F-1903-41AB-82CE-CA2EF4F4ECFB}" type="presParOf" srcId="{2DFC64A5-769C-4372-9615-1FA4B1491470}" destId="{624C66D0-AA35-4C2D-8400-996503DFD2AE}" srcOrd="4" destOrd="0" presId="urn:microsoft.com/office/officeart/2005/8/layout/chevron1"/>
+    <dgm:cxn modelId="{86A1E418-9D3F-48F7-A13B-CD440A73A858}" type="presParOf" srcId="{2DFC64A5-769C-4372-9615-1FA4B1491470}" destId="{C839562D-C2F0-4F43-A440-F8EB257A5ED3}" srcOrd="5" destOrd="0" presId="urn:microsoft.com/office/officeart/2005/8/layout/chevron1"/>
+    <dgm:cxn modelId="{02657C52-8D5F-4D83-80E0-C72C09C5DE7A}" type="presParOf" srcId="{2DFC64A5-769C-4372-9615-1FA4B1491470}" destId="{DF757741-D2C4-47CD-B81F-0494B81FB4EA}" srcOrd="6" destOrd="0" presId="urn:microsoft.com/office/officeart/2005/8/layout/chevron1"/>
+    <dgm:cxn modelId="{286A8EF3-AEAB-474A-BB69-2A71E51CCED0}" type="presParOf" srcId="{2DFC64A5-769C-4372-9615-1FA4B1491470}" destId="{C0385E65-BED5-46A7-8BCB-7BE0B13B97D8}" srcOrd="7" destOrd="0" presId="urn:microsoft.com/office/officeart/2005/8/layout/chevron1"/>
+    <dgm:cxn modelId="{C3364D1B-B2E4-4CDB-8A2F-84DC324586A9}" type="presParOf" srcId="{2DFC64A5-769C-4372-9615-1FA4B1491470}" destId="{1137F16A-3FBD-40A3-8437-7FEA55E131EF}" srcOrd="8" destOrd="0" presId="urn:microsoft.com/office/officeart/2005/8/layout/chevron1"/>
   </dgm:cxnLst>
   <dgm:bg/>
   <dgm:whole>
@@ -6769,7 +6769,7 @@
   </dgm:whole>
   <dgm:extLst>
     <a:ext uri="http://schemas.microsoft.com/office/drawing/2008/diagram">
-      <dsp:dataModelExt xmlns:dsp="http://schemas.microsoft.com/office/drawing/2008/diagram" relId="rId7" minVer="http://schemas.openxmlformats.org/drawingml/2006/diagram"/>
+      <dsp:dataModelExt xmlns:dsp="http://schemas.microsoft.com/office/drawing/2008/diagram" relId="rId6" minVer="http://schemas.openxmlformats.org/drawingml/2006/diagram"/>
     </a:ext>
   </dgm:extLst>
 </dgm:dataModel>
@@ -7448,26 +7448,26 @@
     </dgm:pt>
   </dgm:ptLst>
   <dgm:cxnLst>
-    <dgm:cxn modelId="{EA41C015-94AD-4B5D-928B-928CBE0809F7}" type="presOf" srcId="{2A76A016-75FB-4EB8-A025-6ACD7A3F5B7D}" destId="{2DFC64A5-769C-4372-9615-1FA4B1491470}" srcOrd="0" destOrd="0" presId="urn:microsoft.com/office/officeart/2005/8/layout/chevron1"/>
+    <dgm:cxn modelId="{469C87CF-F5DF-49FE-99F1-2B80000E8C7F}" srcId="{2A76A016-75FB-4EB8-A025-6ACD7A3F5B7D}" destId="{6C099256-A3F1-42A6-931A-474918379EC3}" srcOrd="0" destOrd="0" parTransId="{7AC3B3FF-A9FA-4238-87B0-F8A658AD7018}" sibTransId="{148C0DA2-0218-4FFE-8809-25F2D2ED809C}"/>
+    <dgm:cxn modelId="{64A80E75-03BB-4EA8-8C96-03ADE2E0E669}" type="presOf" srcId="{141F5721-50D1-4463-BE0E-D2740313485D}" destId="{1137F16A-3FBD-40A3-8437-7FEA55E131EF}" srcOrd="0" destOrd="0" presId="urn:microsoft.com/office/officeart/2005/8/layout/chevron1"/>
     <dgm:cxn modelId="{6C3F1AC4-298B-4D68-A3B6-46A3E4B5E6DC}" srcId="{2A76A016-75FB-4EB8-A025-6ACD7A3F5B7D}" destId="{0259D84A-4796-4366-BA60-D7065EA96C71}" srcOrd="3" destOrd="0" parTransId="{2844B534-BEBF-43CF-B484-5CFCA8900E85}" sibTransId="{CA49B43B-3BCA-497E-B500-5523E9DB4D6C}"/>
-    <dgm:cxn modelId="{76DEEC78-3BA7-42F3-B238-C1AF496EBBDE}" type="presOf" srcId="{80E5E9DF-95FB-48E6-BD6C-ADC19D57C0A3}" destId="{624C66D0-AA35-4C2D-8400-996503DFD2AE}" srcOrd="0" destOrd="0" presId="urn:microsoft.com/office/officeart/2005/8/layout/chevron1"/>
+    <dgm:cxn modelId="{EADB09FD-E6A6-4F32-A18C-5CF804F1982A}" type="presOf" srcId="{6C099256-A3F1-42A6-931A-474918379EC3}" destId="{1F6056EB-C534-4970-B58E-AD722CC6900E}" srcOrd="0" destOrd="0" presId="urn:microsoft.com/office/officeart/2005/8/layout/chevron1"/>
+    <dgm:cxn modelId="{54CD1257-05B7-4992-90E1-19728B5A48CD}" srcId="{2A76A016-75FB-4EB8-A025-6ACD7A3F5B7D}" destId="{68E789BA-346D-43BD-9465-734B217059F0}" srcOrd="1" destOrd="0" parTransId="{BFCF06E6-B9DC-4E18-9537-7296BC3BCBA2}" sibTransId="{C9B12BE5-522A-43A8-A491-AC2795BA9602}"/>
+    <dgm:cxn modelId="{7C76F156-D6D3-4FAE-84E3-C7406C8B7853}" type="presOf" srcId="{2A76A016-75FB-4EB8-A025-6ACD7A3F5B7D}" destId="{2DFC64A5-769C-4372-9615-1FA4B1491470}" srcOrd="0" destOrd="0" presId="urn:microsoft.com/office/officeart/2005/8/layout/chevron1"/>
+    <dgm:cxn modelId="{DAC9D7F0-396E-4DEE-9465-684C88AA5D85}" srcId="{2A76A016-75FB-4EB8-A025-6ACD7A3F5B7D}" destId="{80E5E9DF-95FB-48E6-BD6C-ADC19D57C0A3}" srcOrd="2" destOrd="0" parTransId="{710E6872-57CB-42B7-A54D-88A4118DC8A3}" sibTransId="{B49B5B59-8BFC-448F-B2EE-53202542A6CE}"/>
+    <dgm:cxn modelId="{09E43216-ABE5-42CA-B371-151C4C194EA4}" type="presOf" srcId="{0259D84A-4796-4366-BA60-D7065EA96C71}" destId="{DF757741-D2C4-47CD-B81F-0494B81FB4EA}" srcOrd="0" destOrd="0" presId="urn:microsoft.com/office/officeart/2005/8/layout/chevron1"/>
     <dgm:cxn modelId="{ACC5D66D-A940-4C16-83F0-C87E584FFD2B}" srcId="{2A76A016-75FB-4EB8-A025-6ACD7A3F5B7D}" destId="{141F5721-50D1-4463-BE0E-D2740313485D}" srcOrd="4" destOrd="0" parTransId="{76CAB4C6-3908-47F3-A9B5-64E31B886BE6}" sibTransId="{3A7DF44F-3F8C-406B-AB9C-2F17AC583398}"/>
-    <dgm:cxn modelId="{2E3681B6-4CE2-4E83-B5E7-5F48389F0D9E}" type="presOf" srcId="{6C099256-A3F1-42A6-931A-474918379EC3}" destId="{1F6056EB-C534-4970-B58E-AD722CC6900E}" srcOrd="0" destOrd="0" presId="urn:microsoft.com/office/officeart/2005/8/layout/chevron1"/>
-    <dgm:cxn modelId="{21EAEF21-9F7B-4E48-B77C-C3CDBE0B5C87}" type="presOf" srcId="{141F5721-50D1-4463-BE0E-D2740313485D}" destId="{1137F16A-3FBD-40A3-8437-7FEA55E131EF}" srcOrd="0" destOrd="0" presId="urn:microsoft.com/office/officeart/2005/8/layout/chevron1"/>
-    <dgm:cxn modelId="{54CD1257-05B7-4992-90E1-19728B5A48CD}" srcId="{2A76A016-75FB-4EB8-A025-6ACD7A3F5B7D}" destId="{68E789BA-346D-43BD-9465-734B217059F0}" srcOrd="1" destOrd="0" parTransId="{BFCF06E6-B9DC-4E18-9537-7296BC3BCBA2}" sibTransId="{C9B12BE5-522A-43A8-A491-AC2795BA9602}"/>
-    <dgm:cxn modelId="{469C87CF-F5DF-49FE-99F1-2B80000E8C7F}" srcId="{2A76A016-75FB-4EB8-A025-6ACD7A3F5B7D}" destId="{6C099256-A3F1-42A6-931A-474918379EC3}" srcOrd="0" destOrd="0" parTransId="{7AC3B3FF-A9FA-4238-87B0-F8A658AD7018}" sibTransId="{148C0DA2-0218-4FFE-8809-25F2D2ED809C}"/>
-    <dgm:cxn modelId="{228945B1-004F-4FE4-9858-5C0FBDDD37F4}" type="presOf" srcId="{68E789BA-346D-43BD-9465-734B217059F0}" destId="{1AA5F17D-B47A-4297-B5BB-8C6B99E6C5DA}" srcOrd="0" destOrd="0" presId="urn:microsoft.com/office/officeart/2005/8/layout/chevron1"/>
-    <dgm:cxn modelId="{AD8C5B48-9B23-4CD6-9D3D-9BC101256E04}" type="presOf" srcId="{0259D84A-4796-4366-BA60-D7065EA96C71}" destId="{DF757741-D2C4-47CD-B81F-0494B81FB4EA}" srcOrd="0" destOrd="0" presId="urn:microsoft.com/office/officeart/2005/8/layout/chevron1"/>
-    <dgm:cxn modelId="{DAC9D7F0-396E-4DEE-9465-684C88AA5D85}" srcId="{2A76A016-75FB-4EB8-A025-6ACD7A3F5B7D}" destId="{80E5E9DF-95FB-48E6-BD6C-ADC19D57C0A3}" srcOrd="2" destOrd="0" parTransId="{710E6872-57CB-42B7-A54D-88A4118DC8A3}" sibTransId="{B49B5B59-8BFC-448F-B2EE-53202542A6CE}"/>
-    <dgm:cxn modelId="{45EF013B-CC51-4461-BF99-8B357C9ABA4E}" type="presParOf" srcId="{2DFC64A5-769C-4372-9615-1FA4B1491470}" destId="{1F6056EB-C534-4970-B58E-AD722CC6900E}" srcOrd="0" destOrd="0" presId="urn:microsoft.com/office/officeart/2005/8/layout/chevron1"/>
-    <dgm:cxn modelId="{16FFD9C7-71C4-462D-84C2-D16AE0CBEAFD}" type="presParOf" srcId="{2DFC64A5-769C-4372-9615-1FA4B1491470}" destId="{C077A35C-7EC3-45E8-86F1-4EB37DB15503}" srcOrd="1" destOrd="0" presId="urn:microsoft.com/office/officeart/2005/8/layout/chevron1"/>
-    <dgm:cxn modelId="{558D0536-5A93-4664-8209-DE60E78EFFFE}" type="presParOf" srcId="{2DFC64A5-769C-4372-9615-1FA4B1491470}" destId="{1AA5F17D-B47A-4297-B5BB-8C6B99E6C5DA}" srcOrd="2" destOrd="0" presId="urn:microsoft.com/office/officeart/2005/8/layout/chevron1"/>
-    <dgm:cxn modelId="{A44BDB96-DD13-4423-9F9E-B5B379F9D530}" type="presParOf" srcId="{2DFC64A5-769C-4372-9615-1FA4B1491470}" destId="{4AB4D21E-58BB-49F4-9B51-BB842C62FFF9}" srcOrd="3" destOrd="0" presId="urn:microsoft.com/office/officeart/2005/8/layout/chevron1"/>
-    <dgm:cxn modelId="{70CFCD3F-1903-41AB-82CE-CA2EF4F4ECFB}" type="presParOf" srcId="{2DFC64A5-769C-4372-9615-1FA4B1491470}" destId="{624C66D0-AA35-4C2D-8400-996503DFD2AE}" srcOrd="4" destOrd="0" presId="urn:microsoft.com/office/officeart/2005/8/layout/chevron1"/>
-    <dgm:cxn modelId="{86A1E418-9D3F-48F7-A13B-CD440A73A858}" type="presParOf" srcId="{2DFC64A5-769C-4372-9615-1FA4B1491470}" destId="{C839562D-C2F0-4F43-A440-F8EB257A5ED3}" srcOrd="5" destOrd="0" presId="urn:microsoft.com/office/officeart/2005/8/layout/chevron1"/>
-    <dgm:cxn modelId="{02657C52-8D5F-4D83-80E0-C72C09C5DE7A}" type="presParOf" srcId="{2DFC64A5-769C-4372-9615-1FA4B1491470}" destId="{DF757741-D2C4-47CD-B81F-0494B81FB4EA}" srcOrd="6" destOrd="0" presId="urn:microsoft.com/office/officeart/2005/8/layout/chevron1"/>
-    <dgm:cxn modelId="{286A8EF3-AEAB-474A-BB69-2A71E51CCED0}" type="presParOf" srcId="{2DFC64A5-769C-4372-9615-1FA4B1491470}" destId="{C0385E65-BED5-46A7-8BCB-7BE0B13B97D8}" srcOrd="7" destOrd="0" presId="urn:microsoft.com/office/officeart/2005/8/layout/chevron1"/>
-    <dgm:cxn modelId="{C3364D1B-B2E4-4CDB-8A2F-84DC324586A9}" type="presParOf" srcId="{2DFC64A5-769C-4372-9615-1FA4B1491470}" destId="{1137F16A-3FBD-40A3-8437-7FEA55E131EF}" srcOrd="8" destOrd="0" presId="urn:microsoft.com/office/officeart/2005/8/layout/chevron1"/>
+    <dgm:cxn modelId="{06C69EAC-0853-438B-8AFF-0A11F71E15CE}" type="presOf" srcId="{68E789BA-346D-43BD-9465-734B217059F0}" destId="{1AA5F17D-B47A-4297-B5BB-8C6B99E6C5DA}" srcOrd="0" destOrd="0" presId="urn:microsoft.com/office/officeart/2005/8/layout/chevron1"/>
+    <dgm:cxn modelId="{25506632-207F-477C-B722-230173A97138}" type="presOf" srcId="{80E5E9DF-95FB-48E6-BD6C-ADC19D57C0A3}" destId="{624C66D0-AA35-4C2D-8400-996503DFD2AE}" srcOrd="0" destOrd="0" presId="urn:microsoft.com/office/officeart/2005/8/layout/chevron1"/>
+    <dgm:cxn modelId="{FDD04C52-E53F-4D69-88CE-08A23D375AA6}" type="presParOf" srcId="{2DFC64A5-769C-4372-9615-1FA4B1491470}" destId="{1F6056EB-C534-4970-B58E-AD722CC6900E}" srcOrd="0" destOrd="0" presId="urn:microsoft.com/office/officeart/2005/8/layout/chevron1"/>
+    <dgm:cxn modelId="{02F0E53F-E822-4DD3-ABE1-CA1A3A09D386}" type="presParOf" srcId="{2DFC64A5-769C-4372-9615-1FA4B1491470}" destId="{C077A35C-7EC3-45E8-86F1-4EB37DB15503}" srcOrd="1" destOrd="0" presId="urn:microsoft.com/office/officeart/2005/8/layout/chevron1"/>
+    <dgm:cxn modelId="{C83A1B19-0918-4AF6-A64B-80BE96FA4B41}" type="presParOf" srcId="{2DFC64A5-769C-4372-9615-1FA4B1491470}" destId="{1AA5F17D-B47A-4297-B5BB-8C6B99E6C5DA}" srcOrd="2" destOrd="0" presId="urn:microsoft.com/office/officeart/2005/8/layout/chevron1"/>
+    <dgm:cxn modelId="{6C01C976-EB17-4B66-BFF1-B22FE76AA92F}" type="presParOf" srcId="{2DFC64A5-769C-4372-9615-1FA4B1491470}" destId="{4AB4D21E-58BB-49F4-9B51-BB842C62FFF9}" srcOrd="3" destOrd="0" presId="urn:microsoft.com/office/officeart/2005/8/layout/chevron1"/>
+    <dgm:cxn modelId="{F475D99B-A573-4B2A-AB49-A008346563EC}" type="presParOf" srcId="{2DFC64A5-769C-4372-9615-1FA4B1491470}" destId="{624C66D0-AA35-4C2D-8400-996503DFD2AE}" srcOrd="4" destOrd="0" presId="urn:microsoft.com/office/officeart/2005/8/layout/chevron1"/>
+    <dgm:cxn modelId="{8D6A0D99-45C4-4602-892C-C57CBD21F0C6}" type="presParOf" srcId="{2DFC64A5-769C-4372-9615-1FA4B1491470}" destId="{C839562D-C2F0-4F43-A440-F8EB257A5ED3}" srcOrd="5" destOrd="0" presId="urn:microsoft.com/office/officeart/2005/8/layout/chevron1"/>
+    <dgm:cxn modelId="{11690BFC-F250-4D24-9005-674A1F0A332B}" type="presParOf" srcId="{2DFC64A5-769C-4372-9615-1FA4B1491470}" destId="{DF757741-D2C4-47CD-B81F-0494B81FB4EA}" srcOrd="6" destOrd="0" presId="urn:microsoft.com/office/officeart/2005/8/layout/chevron1"/>
+    <dgm:cxn modelId="{A1D9C94A-A6F0-4928-90D0-69AE89DDC81A}" type="presParOf" srcId="{2DFC64A5-769C-4372-9615-1FA4B1491470}" destId="{C0385E65-BED5-46A7-8BCB-7BE0B13B97D8}" srcOrd="7" destOrd="0" presId="urn:microsoft.com/office/officeart/2005/8/layout/chevron1"/>
+    <dgm:cxn modelId="{C7A4F5C5-A1BB-4531-9CA8-D092A1BE3CCB}" type="presParOf" srcId="{2DFC64A5-769C-4372-9615-1FA4B1491470}" destId="{1137F16A-3FBD-40A3-8437-7FEA55E131EF}" srcOrd="8" destOrd="0" presId="urn:microsoft.com/office/officeart/2005/8/layout/chevron1"/>
   </dgm:cxnLst>
   <dgm:bg/>
   <dgm:whole>
@@ -7481,7 +7481,7 @@
   </dgm:whole>
   <dgm:extLst>
     <a:ext uri="http://schemas.microsoft.com/office/drawing/2008/diagram">
-      <dsp:dataModelExt xmlns:dsp="http://schemas.microsoft.com/office/drawing/2008/diagram" relId="rId6" minVer="http://schemas.openxmlformats.org/drawingml/2006/diagram"/>
+      <dsp:dataModelExt xmlns:dsp="http://schemas.microsoft.com/office/drawing/2008/diagram" relId="rId7" minVer="http://schemas.openxmlformats.org/drawingml/2006/diagram"/>
     </a:ext>
   </dgm:extLst>
 </dgm:dataModel>
@@ -19818,7 +19818,7 @@
           <a:p>
             <a:fld id="{E0D73947-CED3-4729-B2B6-FDB8EDD0C21A}" type="datetimeFigureOut">
               <a:rPr lang="fr-FR" smtClean="0"/>
-              <a:t>14/12/2016</a:t>
+              <a:t>15/12/2016</a:t>
             </a:fld>
             <a:endParaRPr lang="fr-FR"/>
           </a:p>
@@ -20235,7 +20235,7 @@
           <a:p>
             <a:fld id="{55C26200-88C1-4553-AAFD-7D9FCEE8BD26}" type="slidenum">
               <a:rPr lang="fr-FR" smtClean="0"/>
-              <a:t>4</a:t>
+              <a:t>7</a:t>
             </a:fld>
             <a:endParaRPr lang="fr-FR"/>
           </a:p>
@@ -20442,7 +20442,7 @@
           <a:p>
             <a:fld id="{3A213F58-3852-424B-87CB-96F4F4F602A9}" type="datetime1">
               <a:rPr lang="en-US" smtClean="0"/>
-              <a:t>12/14/2016</a:t>
+              <a:t>12/15/2016</a:t>
             </a:fld>
             <a:endParaRPr lang="en-US" dirty="0"/>
           </a:p>
@@ -20792,7 +20792,7 @@
           <a:p>
             <a:fld id="{D854F0A2-9B86-4E90-8D17-A2CCAF6E5B82}" type="datetime1">
               <a:rPr lang="en-US" smtClean="0"/>
-              <a:t>12/14/2016</a:t>
+              <a:t>12/15/2016</a:t>
             </a:fld>
             <a:endParaRPr lang="en-US" dirty="0"/>
           </a:p>
@@ -21205,7 +21205,7 @@
           <a:p>
             <a:fld id="{3179B0B1-CD9F-4A33-8B69-EAB316917FB3}" type="datetime1">
               <a:rPr lang="en-US" smtClean="0"/>
-              <a:t>12/14/2016</a:t>
+              <a:t>12/15/2016</a:t>
             </a:fld>
             <a:endParaRPr lang="en-US" dirty="0"/>
           </a:p>
@@ -21553,7 +21553,7 @@
           <a:p>
             <a:fld id="{3C075D83-5862-4F0A-93A8-64B2D2B61333}" type="datetime1">
               <a:rPr lang="en-US" smtClean="0"/>
-              <a:t>12/14/2016</a:t>
+              <a:t>12/15/2016</a:t>
             </a:fld>
             <a:endParaRPr lang="en-US" dirty="0"/>
           </a:p>
@@ -21885,7 +21885,7 @@
           <a:p>
             <a:fld id="{80006A4A-A824-45F6-BE04-CC3CA8D3BAC2}" type="datetime1">
               <a:rPr lang="en-US" smtClean="0"/>
-              <a:t>12/14/2016</a:t>
+              <a:t>12/15/2016</a:t>
             </a:fld>
             <a:endParaRPr lang="en-US" dirty="0"/>
           </a:p>
@@ -22293,7 +22293,7 @@
           <a:p>
             <a:fld id="{4DA49DD5-57D1-4866-877D-584A5FB34A46}" type="datetime1">
               <a:rPr lang="en-US" smtClean="0"/>
-              <a:t>12/14/2016</a:t>
+              <a:t>12/15/2016</a:t>
             </a:fld>
             <a:endParaRPr lang="en-US" dirty="0"/>
           </a:p>
@@ -22562,7 +22562,7 @@
           <a:p>
             <a:fld id="{CBA5E7C4-4275-43EF-B081-1606F9BA2641}" type="datetime1">
               <a:rPr lang="en-US" smtClean="0"/>
-              <a:t>12/14/2016</a:t>
+              <a:t>12/15/2016</a:t>
             </a:fld>
             <a:endParaRPr lang="en-US" dirty="0"/>
           </a:p>
@@ -22836,7 +22836,7 @@
           <a:p>
             <a:fld id="{61378696-F5F8-430F-BE84-D434C4D4EB8B}" type="datetime1">
               <a:rPr lang="en-US" smtClean="0"/>
-              <a:t>12/14/2016</a:t>
+              <a:t>12/15/2016</a:t>
             </a:fld>
             <a:endParaRPr lang="en-US" dirty="0"/>
           </a:p>
@@ -23110,7 +23110,7 @@
           <a:p>
             <a:fld id="{02C9A2DD-E91A-4022-91F7-282972AA0488}" type="datetime1">
               <a:rPr lang="en-US" smtClean="0"/>
-              <a:t>12/14/2016</a:t>
+              <a:t>12/15/2016</a:t>
             </a:fld>
             <a:endParaRPr lang="en-US" dirty="0"/>
           </a:p>
@@ -23451,7 +23451,7 @@
           <a:p>
             <a:fld id="{517EA931-7F90-456B-85C9-ACE2028EF430}" type="datetime1">
               <a:rPr lang="en-US" smtClean="0"/>
-              <a:t>12/14/2016</a:t>
+              <a:t>12/15/2016</a:t>
             </a:fld>
             <a:endParaRPr lang="en-US" dirty="0"/>
           </a:p>
@@ -23786,7 +23786,7 @@
           <a:p>
             <a:fld id="{B81340F5-93AD-4489-ACED-BEE9CDC5CC2B}" type="datetime1">
               <a:rPr lang="en-US" smtClean="0"/>
-              <a:t>12/14/2016</a:t>
+              <a:t>12/15/2016</a:t>
             </a:fld>
             <a:endParaRPr lang="en-US" dirty="0"/>
           </a:p>
@@ -24255,7 +24255,7 @@
           <a:p>
             <a:fld id="{AC7D3ADB-10F5-43FD-9A85-3BA2A79F8BD1}" type="datetime1">
               <a:rPr lang="en-US" smtClean="0"/>
-              <a:t>12/14/2016</a:t>
+              <a:t>12/15/2016</a:t>
             </a:fld>
             <a:endParaRPr lang="en-US" dirty="0"/>
           </a:p>
@@ -24472,7 +24472,7 @@
           <a:p>
             <a:fld id="{C6ED64C4-8600-416B-9E37-65C3D1772161}" type="datetime1">
               <a:rPr lang="en-US" smtClean="0"/>
-              <a:t>12/14/2016</a:t>
+              <a:t>12/15/2016</a:t>
             </a:fld>
             <a:endParaRPr lang="en-US" dirty="0"/>
           </a:p>
@@ -24661,7 +24661,7 @@
           <a:p>
             <a:fld id="{190285A4-5E48-4659-8557-EEBD26586683}" type="datetime1">
               <a:rPr lang="en-US" smtClean="0"/>
-              <a:t>12/14/2016</a:t>
+              <a:t>12/15/2016</a:t>
             </a:fld>
             <a:endParaRPr lang="en-US" dirty="0"/>
           </a:p>
@@ -25006,7 +25006,7 @@
           <a:p>
             <a:fld id="{FB0ED0D8-1B03-40A2-BA20-A3DF9DC1E44D}" type="datetime1">
               <a:rPr lang="en-US" smtClean="0"/>
-              <a:t>12/14/2016</a:t>
+              <a:t>12/15/2016</a:t>
             </a:fld>
             <a:endParaRPr lang="en-US" dirty="0"/>
           </a:p>
@@ -25363,7 +25363,7 @@
           <a:p>
             <a:fld id="{8DF2AF96-B1FB-4BD6-9E4E-8A5E503A90DB}" type="datetime1">
               <a:rPr lang="en-US" smtClean="0"/>
-              <a:t>12/14/2016</a:t>
+              <a:t>12/15/2016</a:t>
             </a:fld>
             <a:endParaRPr lang="en-US" dirty="0"/>
           </a:p>
@@ -27492,7 +27492,7 @@
           <a:p>
             <a:fld id="{56AD9686-7EB0-4ADF-B47E-D8E49D123469}" type="datetime1">
               <a:rPr lang="en-US" smtClean="0"/>
-              <a:t>12/14/2016</a:t>
+              <a:t>12/15/2016</a:t>
             </a:fld>
             <a:endParaRPr lang="en-US" dirty="0"/>
           </a:p>
@@ -28178,7 +28178,7 @@
             </a:fld>
             <a:r>
               <a:rPr lang="en-US" dirty="0" smtClean="0"/>
-              <a:t>/13</a:t>
+              <a:t>/8</a:t>
             </a:r>
             <a:endParaRPr lang="en-US" dirty="0"/>
           </a:p>
@@ -28235,33 +28235,31 @@
       </p:grpSpPr>
       <p:pic>
         <p:nvPicPr>
-          <p:cNvPr id="6" name="Picture 7"/>
+          <p:cNvPr id="10" name="Image 9"/>
           <p:cNvPicPr>
-            <a:picLocks/>
+            <a:picLocks noChangeAspect="1"/>
           </p:cNvPicPr>
           <p:nvPr/>
         </p:nvPicPr>
         <p:blipFill rotWithShape="1">
-          <a:blip r:embed="rId2"/>
-          <a:srcRect l="36592" t="4139" r="10148" b="56675"/>
+          <a:blip r:embed="rId2">
+            <a:extLst>
+              <a:ext uri="{28A0092B-C50C-407E-A947-70E740481C1C}">
+                <a14:useLocalDpi xmlns:a14="http://schemas.microsoft.com/office/drawing/2010/main" val="0"/>
+              </a:ext>
+            </a:extLst>
+          </a:blip>
+          <a:srcRect l="39862" r="10448"/>
           <a:stretch/>
         </p:blipFill>
-        <p:spPr bwMode="auto">
+        <p:spPr>
           <a:xfrm rot="16200000">
-            <a:off x="3939655" y="-358879"/>
-            <a:ext cx="5537588" cy="7657030"/>
+            <a:off x="4131649" y="-1879022"/>
+            <a:ext cx="4234981" cy="11688560"/>
           </a:xfrm>
           <a:prstGeom prst="rect">
             <a:avLst/>
           </a:prstGeom>
-          <a:ln>
-            <a:noFill/>
-          </a:ln>
-          <a:extLst>
-            <a:ext uri="{53640926-AAD7-44D8-BBD7-CCE9431645EC}">
-              <a14:shadowObscured xmlns:a14="http://schemas.microsoft.com/office/drawing/2010/main"/>
-            </a:ext>
-          </a:extLst>
         </p:spPr>
       </p:pic>
       <p:sp>
@@ -28272,8 +28270,8 @@
         </p:nvSpPr>
         <p:spPr>
           <a:xfrm>
-            <a:off x="3982340" y="1198367"/>
-            <a:ext cx="1495514" cy="783364"/>
+            <a:off x="1490870" y="3246589"/>
+            <a:ext cx="947546" cy="509024"/>
           </a:xfrm>
           <a:prstGeom prst="ellipse">
             <a:avLst/>
@@ -28317,9 +28315,9 @@
           <p:nvPr/>
         </p:nvSpPr>
         <p:spPr>
-          <a:xfrm rot="18230574">
-            <a:off x="5728573" y="-113842"/>
-            <a:ext cx="3279963" cy="5826067"/>
+          <a:xfrm rot="18533455">
+            <a:off x="2050959" y="2578806"/>
+            <a:ext cx="2686972" cy="3639647"/>
           </a:xfrm>
           <a:prstGeom prst="arc">
             <a:avLst/>
@@ -28361,7 +28359,7 @@
         </p:nvSpPr>
         <p:spPr>
           <a:xfrm rot="7424051">
-            <a:off x="8196800" y="1340328"/>
+            <a:off x="4171453" y="3281861"/>
             <a:ext cx="155124" cy="198977"/>
           </a:xfrm>
           <a:prstGeom prst="triangle">
@@ -28421,7 +28419,7 @@
             </a:fld>
             <a:r>
               <a:rPr lang="en-US" dirty="0" smtClean="0"/>
-              <a:t>/13</a:t>
+              <a:t>/8</a:t>
             </a:r>
             <a:endParaRPr lang="en-US" dirty="0"/>
           </a:p>
@@ -28449,6 +28447,169 @@
           </a:graphicData>
         </a:graphic>
       </p:graphicFrame>
+      <p:sp>
+        <p:nvSpPr>
+          <p:cNvPr id="13" name="Ellipse 12"/>
+          <p:cNvSpPr/>
+          <p:nvPr/>
+        </p:nvSpPr>
+        <p:spPr>
+          <a:xfrm>
+            <a:off x="4476272" y="3261597"/>
+            <a:ext cx="947546" cy="509024"/>
+          </a:xfrm>
+          <a:prstGeom prst="ellipse">
+            <a:avLst/>
+          </a:prstGeom>
+          <a:noFill/>
+          <a:ln w="38100">
+            <a:solidFill>
+              <a:srgbClr val="FF0000"/>
+            </a:solidFill>
+          </a:ln>
+        </p:spPr>
+        <p:style>
+          <a:lnRef idx="2">
+            <a:schemeClr val="accent1">
+              <a:shade val="50000"/>
+            </a:schemeClr>
+          </a:lnRef>
+          <a:fillRef idx="1">
+            <a:schemeClr val="accent1"/>
+          </a:fillRef>
+          <a:effectRef idx="0">
+            <a:schemeClr val="accent1"/>
+          </a:effectRef>
+          <a:fontRef idx="minor">
+            <a:schemeClr val="lt1"/>
+          </a:fontRef>
+        </p:style>
+        <p:txBody>
+          <a:bodyPr rtlCol="0" anchor="ctr"/>
+          <a:lstStyle/>
+          <a:p>
+            <a:pPr algn="ctr"/>
+            <a:endParaRPr lang="fr-FR"/>
+          </a:p>
+        </p:txBody>
+      </p:sp>
+      <p:sp>
+        <p:nvSpPr>
+          <p:cNvPr id="14" name="Arc 13"/>
+          <p:cNvSpPr/>
+          <p:nvPr/>
+        </p:nvSpPr>
+        <p:spPr>
+          <a:xfrm rot="7697379">
+            <a:off x="2555505" y="1496029"/>
+            <a:ext cx="2030817" cy="2785244"/>
+          </a:xfrm>
+          <a:prstGeom prst="arc">
+            <a:avLst/>
+          </a:prstGeom>
+          <a:ln w="38100">
+            <a:solidFill>
+              <a:srgbClr val="FF0000"/>
+            </a:solidFill>
+          </a:ln>
+        </p:spPr>
+        <p:style>
+          <a:lnRef idx="1">
+            <a:schemeClr val="accent1"/>
+          </a:lnRef>
+          <a:fillRef idx="0">
+            <a:schemeClr val="accent1"/>
+          </a:fillRef>
+          <a:effectRef idx="0">
+            <a:schemeClr val="accent1"/>
+          </a:effectRef>
+          <a:fontRef idx="minor">
+            <a:schemeClr val="tx1"/>
+          </a:fontRef>
+        </p:style>
+        <p:txBody>
+          <a:bodyPr rtlCol="0" anchor="ctr"/>
+          <a:lstStyle/>
+          <a:p>
+            <a:pPr algn="ctr"/>
+            <a:endParaRPr lang="fr-FR"/>
+          </a:p>
+        </p:txBody>
+      </p:sp>
+      <p:sp>
+        <p:nvSpPr>
+          <p:cNvPr id="15" name="Triangle isocèle 14"/>
+          <p:cNvSpPr/>
+          <p:nvPr/>
+        </p:nvSpPr>
+        <p:spPr>
+          <a:xfrm rot="18853098">
+            <a:off x="2874920" y="3579924"/>
+            <a:ext cx="155124" cy="198977"/>
+          </a:xfrm>
+          <a:prstGeom prst="triangle">
+            <a:avLst/>
+          </a:prstGeom>
+          <a:solidFill>
+            <a:srgbClr val="FF0000"/>
+          </a:solidFill>
+          <a:ln>
+            <a:noFill/>
+          </a:ln>
+        </p:spPr>
+        <p:style>
+          <a:lnRef idx="2">
+            <a:schemeClr val="accent1">
+              <a:shade val="50000"/>
+            </a:schemeClr>
+          </a:lnRef>
+          <a:fillRef idx="1">
+            <a:schemeClr val="accent1"/>
+          </a:fillRef>
+          <a:effectRef idx="0">
+            <a:schemeClr val="accent1"/>
+          </a:effectRef>
+          <a:fontRef idx="minor">
+            <a:schemeClr val="lt1"/>
+          </a:fontRef>
+        </p:style>
+        <p:txBody>
+          <a:bodyPr rtlCol="0" anchor="ctr"/>
+          <a:lstStyle/>
+          <a:p>
+            <a:pPr algn="ctr"/>
+            <a:endParaRPr lang="fr-FR"/>
+          </a:p>
+        </p:txBody>
+      </p:sp>
+      <p:sp>
+        <p:nvSpPr>
+          <p:cNvPr id="16" name="Titre 1"/>
+          <p:cNvSpPr>
+            <a:spLocks noGrp="1"/>
+          </p:cNvSpPr>
+          <p:nvPr>
+            <p:ph type="title"/>
+          </p:nvPr>
+        </p:nvSpPr>
+        <p:spPr>
+          <a:xfrm>
+            <a:off x="2155900" y="689327"/>
+            <a:ext cx="8911687" cy="1280890"/>
+          </a:xfrm>
+        </p:spPr>
+        <p:txBody>
+          <a:bodyPr/>
+          <a:lstStyle/>
+          <a:p>
+            <a:r>
+              <a:rPr lang="fr-FR" dirty="0" err="1" smtClean="0"/>
+              <a:t>Recontextualisation</a:t>
+            </a:r>
+            <a:endParaRPr lang="fr-FR" dirty="0"/>
+          </a:p>
+        </p:txBody>
+      </p:sp>
     </p:spTree>
     <p:extLst>
       <p:ext uri="{BB962C8B-B14F-4D97-AF65-F5344CB8AC3E}">
@@ -28474,9 +28635,286 @@
   <p:timing>
     <p:tnLst>
       <p:par>
-        <p:cTn id="1" dur="indefinite" restart="never" nodeType="tmRoot"/>
+        <p:cTn id="1" dur="indefinite" restart="never" nodeType="tmRoot">
+          <p:childTnLst>
+            <p:seq concurrent="1" nextAc="seek">
+              <p:cTn id="2" dur="indefinite" nodeType="mainSeq">
+                <p:childTnLst>
+                  <p:par>
+                    <p:cTn id="3" fill="hold">
+                      <p:stCondLst>
+                        <p:cond delay="indefinite"/>
+                      </p:stCondLst>
+                      <p:childTnLst>
+                        <p:par>
+                          <p:cTn id="4" fill="hold">
+                            <p:stCondLst>
+                              <p:cond delay="0"/>
+                            </p:stCondLst>
+                            <p:childTnLst>
+                              <p:par>
+                                <p:cTn id="5" presetID="10" presetClass="entr" presetSubtype="0" fill="hold" grpId="0" nodeType="clickEffect">
+                                  <p:stCondLst>
+                                    <p:cond delay="0"/>
+                                  </p:stCondLst>
+                                  <p:childTnLst>
+                                    <p:set>
+                                      <p:cBhvr>
+                                        <p:cTn id="6" dur="1" fill="hold">
+                                          <p:stCondLst>
+                                            <p:cond delay="0"/>
+                                          </p:stCondLst>
+                                        </p:cTn>
+                                        <p:tgtEl>
+                                          <p:spTgt spid="8"/>
+                                        </p:tgtEl>
+                                        <p:attrNameLst>
+                                          <p:attrName>style.visibility</p:attrName>
+                                        </p:attrNameLst>
+                                      </p:cBhvr>
+                                      <p:to>
+                                        <p:strVal val="visible"/>
+                                      </p:to>
+                                    </p:set>
+                                    <p:animEffect transition="in" filter="fade">
+                                      <p:cBhvr>
+                                        <p:cTn id="7" dur="500"/>
+                                        <p:tgtEl>
+                                          <p:spTgt spid="8"/>
+                                        </p:tgtEl>
+                                      </p:cBhvr>
+                                    </p:animEffect>
+                                  </p:childTnLst>
+                                </p:cTn>
+                              </p:par>
+                              <p:par>
+                                <p:cTn id="8" presetID="10" presetClass="entr" presetSubtype="0" fill="hold" grpId="0" nodeType="withEffect">
+                                  <p:stCondLst>
+                                    <p:cond delay="0"/>
+                                  </p:stCondLst>
+                                  <p:childTnLst>
+                                    <p:set>
+                                      <p:cBhvr>
+                                        <p:cTn id="9" dur="1" fill="hold">
+                                          <p:stCondLst>
+                                            <p:cond delay="0"/>
+                                          </p:stCondLst>
+                                        </p:cTn>
+                                        <p:tgtEl>
+                                          <p:spTgt spid="9"/>
+                                        </p:tgtEl>
+                                        <p:attrNameLst>
+                                          <p:attrName>style.visibility</p:attrName>
+                                        </p:attrNameLst>
+                                      </p:cBhvr>
+                                      <p:to>
+                                        <p:strVal val="visible"/>
+                                      </p:to>
+                                    </p:set>
+                                    <p:animEffect transition="in" filter="fade">
+                                      <p:cBhvr>
+                                        <p:cTn id="10" dur="500"/>
+                                        <p:tgtEl>
+                                          <p:spTgt spid="9"/>
+                                        </p:tgtEl>
+                                      </p:cBhvr>
+                                    </p:animEffect>
+                                  </p:childTnLst>
+                                </p:cTn>
+                              </p:par>
+                              <p:par>
+                                <p:cTn id="11" presetID="10" presetClass="entr" presetSubtype="0" fill="hold" grpId="0" nodeType="withEffect">
+                                  <p:stCondLst>
+                                    <p:cond delay="0"/>
+                                  </p:stCondLst>
+                                  <p:childTnLst>
+                                    <p:set>
+                                      <p:cBhvr>
+                                        <p:cTn id="12" dur="1" fill="hold">
+                                          <p:stCondLst>
+                                            <p:cond delay="0"/>
+                                          </p:stCondLst>
+                                        </p:cTn>
+                                        <p:tgtEl>
+                                          <p:spTgt spid="11"/>
+                                        </p:tgtEl>
+                                        <p:attrNameLst>
+                                          <p:attrName>style.visibility</p:attrName>
+                                        </p:attrNameLst>
+                                      </p:cBhvr>
+                                      <p:to>
+                                        <p:strVal val="visible"/>
+                                      </p:to>
+                                    </p:set>
+                                    <p:animEffect transition="in" filter="fade">
+                                      <p:cBhvr>
+                                        <p:cTn id="13" dur="500"/>
+                                        <p:tgtEl>
+                                          <p:spTgt spid="11"/>
+                                        </p:tgtEl>
+                                      </p:cBhvr>
+                                    </p:animEffect>
+                                  </p:childTnLst>
+                                </p:cTn>
+                              </p:par>
+                            </p:childTnLst>
+                          </p:cTn>
+                        </p:par>
+                      </p:childTnLst>
+                    </p:cTn>
+                  </p:par>
+                  <p:par>
+                    <p:cTn id="14" fill="hold">
+                      <p:stCondLst>
+                        <p:cond delay="indefinite"/>
+                      </p:stCondLst>
+                      <p:childTnLst>
+                        <p:par>
+                          <p:cTn id="15" fill="hold">
+                            <p:stCondLst>
+                              <p:cond delay="0"/>
+                            </p:stCondLst>
+                            <p:childTnLst>
+                              <p:par>
+                                <p:cTn id="16" presetID="10" presetClass="entr" presetSubtype="0" fill="hold" grpId="0" nodeType="clickEffect">
+                                  <p:stCondLst>
+                                    <p:cond delay="0"/>
+                                  </p:stCondLst>
+                                  <p:childTnLst>
+                                    <p:set>
+                                      <p:cBhvr>
+                                        <p:cTn id="17" dur="1" fill="hold">
+                                          <p:stCondLst>
+                                            <p:cond delay="0"/>
+                                          </p:stCondLst>
+                                        </p:cTn>
+                                        <p:tgtEl>
+                                          <p:spTgt spid="15"/>
+                                        </p:tgtEl>
+                                        <p:attrNameLst>
+                                          <p:attrName>style.visibility</p:attrName>
+                                        </p:attrNameLst>
+                                      </p:cBhvr>
+                                      <p:to>
+                                        <p:strVal val="visible"/>
+                                      </p:to>
+                                    </p:set>
+                                    <p:animEffect transition="in" filter="fade">
+                                      <p:cBhvr>
+                                        <p:cTn id="18" dur="500"/>
+                                        <p:tgtEl>
+                                          <p:spTgt spid="15"/>
+                                        </p:tgtEl>
+                                      </p:cBhvr>
+                                    </p:animEffect>
+                                  </p:childTnLst>
+                                </p:cTn>
+                              </p:par>
+                              <p:par>
+                                <p:cTn id="19" presetID="10" presetClass="entr" presetSubtype="0" fill="hold" grpId="0" nodeType="withEffect">
+                                  <p:stCondLst>
+                                    <p:cond delay="0"/>
+                                  </p:stCondLst>
+                                  <p:childTnLst>
+                                    <p:set>
+                                      <p:cBhvr>
+                                        <p:cTn id="20" dur="1" fill="hold">
+                                          <p:stCondLst>
+                                            <p:cond delay="0"/>
+                                          </p:stCondLst>
+                                        </p:cTn>
+                                        <p:tgtEl>
+                                          <p:spTgt spid="14"/>
+                                        </p:tgtEl>
+                                        <p:attrNameLst>
+                                          <p:attrName>style.visibility</p:attrName>
+                                        </p:attrNameLst>
+                                      </p:cBhvr>
+                                      <p:to>
+                                        <p:strVal val="visible"/>
+                                      </p:to>
+                                    </p:set>
+                                    <p:animEffect transition="in" filter="fade">
+                                      <p:cBhvr>
+                                        <p:cTn id="21" dur="500"/>
+                                        <p:tgtEl>
+                                          <p:spTgt spid="14"/>
+                                        </p:tgtEl>
+                                      </p:cBhvr>
+                                    </p:animEffect>
+                                  </p:childTnLst>
+                                </p:cTn>
+                              </p:par>
+                              <p:par>
+                                <p:cTn id="22" presetID="10" presetClass="entr" presetSubtype="0" fill="hold" grpId="0" nodeType="withEffect">
+                                  <p:stCondLst>
+                                    <p:cond delay="0"/>
+                                  </p:stCondLst>
+                                  <p:childTnLst>
+                                    <p:set>
+                                      <p:cBhvr>
+                                        <p:cTn id="23" dur="1" fill="hold">
+                                          <p:stCondLst>
+                                            <p:cond delay="0"/>
+                                          </p:stCondLst>
+                                        </p:cTn>
+                                        <p:tgtEl>
+                                          <p:spTgt spid="13"/>
+                                        </p:tgtEl>
+                                        <p:attrNameLst>
+                                          <p:attrName>style.visibility</p:attrName>
+                                        </p:attrNameLst>
+                                      </p:cBhvr>
+                                      <p:to>
+                                        <p:strVal val="visible"/>
+                                      </p:to>
+                                    </p:set>
+                                    <p:animEffect transition="in" filter="fade">
+                                      <p:cBhvr>
+                                        <p:cTn id="24" dur="500"/>
+                                        <p:tgtEl>
+                                          <p:spTgt spid="13"/>
+                                        </p:tgtEl>
+                                      </p:cBhvr>
+                                    </p:animEffect>
+                                  </p:childTnLst>
+                                </p:cTn>
+                              </p:par>
+                            </p:childTnLst>
+                          </p:cTn>
+                        </p:par>
+                      </p:childTnLst>
+                    </p:cTn>
+                  </p:par>
+                </p:childTnLst>
+              </p:cTn>
+              <p:prevCondLst>
+                <p:cond evt="onPrev" delay="0">
+                  <p:tgtEl>
+                    <p:sldTgt/>
+                  </p:tgtEl>
+                </p:cond>
+              </p:prevCondLst>
+              <p:nextCondLst>
+                <p:cond evt="onNext" delay="0">
+                  <p:tgtEl>
+                    <p:sldTgt/>
+                  </p:tgtEl>
+                </p:cond>
+              </p:nextCondLst>
+            </p:seq>
+          </p:childTnLst>
+        </p:cTn>
       </p:par>
     </p:tnLst>
+    <p:bldLst>
+      <p:bldP spid="8" grpId="0" animBg="1"/>
+      <p:bldP spid="9" grpId="0" animBg="1"/>
+      <p:bldP spid="11" grpId="0" animBg="1"/>
+      <p:bldP spid="13" grpId="0" animBg="1"/>
+      <p:bldP spid="14" grpId="0" animBg="1"/>
+      <p:bldP spid="15" grpId="0" animBg="1"/>
+    </p:bldLst>
   </p:timing>
 </p:sld>
 </file>
@@ -28520,7 +28958,7 @@
             </a:fld>
             <a:r>
               <a:rPr lang="en-US" dirty="0" smtClean="0"/>
-              <a:t>/13</a:t>
+              <a:t>/8</a:t>
             </a:r>
             <a:endParaRPr lang="en-US" dirty="0"/>
           </a:p>
@@ -28556,17 +28994,27 @@
         </p:nvSpPr>
         <p:spPr>
           <a:xfrm>
-            <a:off x="2589212" y="2333268"/>
+            <a:off x="4397692" y="2759988"/>
             <a:ext cx="8911687" cy="1280890"/>
           </a:xfrm>
         </p:spPr>
         <p:txBody>
-          <a:bodyPr/>
+          <a:bodyPr>
+            <a:normAutofit fontScale="90000"/>
+          </a:bodyPr>
           <a:lstStyle/>
           <a:p>
             <a:r>
+              <a:rPr lang="fr-FR" sz="7300" dirty="0" smtClean="0">
+                <a:solidFill>
+                  <a:srgbClr val="A53010"/>
+                </a:solidFill>
+              </a:rPr>
+              <a:t>III. Bilan</a:t>
+            </a:r>
+            <a:r>
               <a:rPr lang="fr-FR" dirty="0" smtClean="0"/>
-              <a:t>Bilan</a:t>
+              <a:t/>
             </a:r>
             <a:br>
               <a:rPr lang="fr-FR" dirty="0" smtClean="0"/>
@@ -28640,12 +29088,8 @@
           <a:lstStyle/>
           <a:p>
             <a:r>
-              <a:rPr lang="fr-FR" dirty="0"/>
-              <a:t>Bilan </a:t>
-            </a:r>
-            <a:r>
               <a:rPr lang="fr-FR" dirty="0" smtClean="0"/>
-              <a:t>organisationnel</a:t>
+              <a:t>Bilan technique</a:t>
             </a:r>
             <a:endParaRPr lang="fr-FR" dirty="0"/>
           </a:p>
@@ -28653,108 +29097,83 @@
       </p:sp>
       <p:sp>
         <p:nvSpPr>
-          <p:cNvPr id="5" name="Titre 1"/>
-          <p:cNvSpPr txBox="1">
-            <a:spLocks/>
+          <p:cNvPr id="3" name="Espace réservé du contenu 2"/>
+          <p:cNvSpPr>
+            <a:spLocks noGrp="1"/>
           </p:cNvSpPr>
-          <p:nvPr/>
+          <p:nvPr>
+            <p:ph idx="1"/>
+          </p:nvPr>
         </p:nvSpPr>
-        <p:spPr>
-          <a:xfrm>
-            <a:off x="2592925" y="1905000"/>
-            <a:ext cx="8911687" cy="1280890"/>
-          </a:xfrm>
-          <a:prstGeom prst="rect">
-            <a:avLst/>
-          </a:prstGeom>
-        </p:spPr>
+        <p:spPr/>
         <p:txBody>
-          <a:bodyPr vert="horz" lIns="91440" tIns="45720" rIns="91440" bIns="45720" rtlCol="0" anchor="t">
-            <a:normAutofit/>
-          </a:bodyPr>
-          <a:lstStyle>
-            <a:lvl1pPr algn="l" defTabSz="457200" rtl="0" eaLnBrk="1" latinLnBrk="0" hangingPunct="1">
-              <a:spcBef>
-                <a:spcPct val="0"/>
-              </a:spcBef>
-              <a:buNone/>
-              <a:defRPr sz="3600" kern="1200">
-                <a:solidFill>
-                  <a:schemeClr val="tx1">
-                    <a:lumMod val="85000"/>
-                    <a:lumOff val="15000"/>
-                  </a:schemeClr>
-                </a:solidFill>
-                <a:latin typeface="+mj-lt"/>
-                <a:ea typeface="+mj-ea"/>
-                <a:cs typeface="+mj-cs"/>
-              </a:defRPr>
-            </a:lvl1pPr>
-            <a:lvl2pPr eaLnBrk="1" hangingPunct="1">
-              <a:defRPr>
-                <a:solidFill>
-                  <a:schemeClr val="tx2"/>
-                </a:solidFill>
-              </a:defRPr>
-            </a:lvl2pPr>
-            <a:lvl3pPr eaLnBrk="1" hangingPunct="1">
-              <a:defRPr>
-                <a:solidFill>
-                  <a:schemeClr val="tx2"/>
-                </a:solidFill>
-              </a:defRPr>
-            </a:lvl3pPr>
-            <a:lvl4pPr eaLnBrk="1" hangingPunct="1">
-              <a:defRPr>
-                <a:solidFill>
-                  <a:schemeClr val="tx2"/>
-                </a:solidFill>
-              </a:defRPr>
-            </a:lvl4pPr>
-            <a:lvl5pPr eaLnBrk="1" hangingPunct="1">
-              <a:defRPr>
-                <a:solidFill>
-                  <a:schemeClr val="tx2"/>
-                </a:solidFill>
-              </a:defRPr>
-            </a:lvl5pPr>
-            <a:lvl6pPr eaLnBrk="1" hangingPunct="1">
-              <a:defRPr>
-                <a:solidFill>
-                  <a:schemeClr val="tx2"/>
-                </a:solidFill>
-              </a:defRPr>
-            </a:lvl6pPr>
-            <a:lvl7pPr eaLnBrk="1" hangingPunct="1">
-              <a:defRPr>
-                <a:solidFill>
-                  <a:schemeClr val="tx2"/>
-                </a:solidFill>
-              </a:defRPr>
-            </a:lvl7pPr>
-            <a:lvl8pPr eaLnBrk="1" hangingPunct="1">
-              <a:defRPr>
-                <a:solidFill>
-                  <a:schemeClr val="tx2"/>
-                </a:solidFill>
-              </a:defRPr>
-            </a:lvl8pPr>
-            <a:lvl9pPr eaLnBrk="1" hangingPunct="1">
-              <a:defRPr>
-                <a:solidFill>
-                  <a:schemeClr val="tx2"/>
-                </a:solidFill>
-              </a:defRPr>
-            </a:lvl9pPr>
-          </a:lstStyle>
+          <a:bodyPr/>
+          <a:lstStyle/>
           <a:p>
+            <a:r>
+              <a:rPr lang="fr-FR" dirty="0" smtClean="0"/>
+              <a:t>Méthode agile</a:t>
+            </a:r>
+          </a:p>
+          <a:p>
+            <a:pPr lvl="1"/>
+            <a:r>
+              <a:rPr lang="fr-FR" dirty="0" smtClean="0"/>
+              <a:t>Créer et modifier </a:t>
+            </a:r>
+            <a:r>
+              <a:rPr lang="fr-FR" dirty="0" smtClean="0"/>
+              <a:t>grille</a:t>
+            </a:r>
+          </a:p>
+          <a:p>
+            <a:pPr lvl="1"/>
+            <a:endParaRPr lang="fr-FR" dirty="0"/>
+          </a:p>
+          <a:p>
+            <a:pPr lvl="1"/>
+            <a:endParaRPr lang="fr-FR" dirty="0" smtClean="0"/>
+          </a:p>
+          <a:p>
+            <a:pPr lvl="1"/>
+            <a:endParaRPr lang="fr-FR" dirty="0"/>
+          </a:p>
+          <a:p>
+            <a:pPr lvl="1"/>
+            <a:endParaRPr lang="fr-FR" dirty="0" smtClean="0"/>
+          </a:p>
+          <a:p>
+            <a:pPr lvl="1"/>
+            <a:endParaRPr lang="fr-FR" dirty="0"/>
+          </a:p>
+          <a:p>
+            <a:r>
+              <a:rPr lang="fr-FR" dirty="0" smtClean="0"/>
+              <a:t>340 lignes de code</a:t>
+            </a:r>
+            <a:endParaRPr lang="fr-FR" dirty="0" smtClean="0"/>
+          </a:p>
+          <a:p>
+            <a:pPr lvl="1"/>
+            <a:endParaRPr lang="fr-FR" dirty="0"/>
+          </a:p>
+          <a:p>
+            <a:pPr lvl="1"/>
+            <a:endParaRPr lang="fr-FR" dirty="0" smtClean="0"/>
+          </a:p>
+          <a:p>
+            <a:pPr lvl="1"/>
+            <a:endParaRPr lang="fr-FR" dirty="0" smtClean="0"/>
+          </a:p>
+          <a:p>
+            <a:pPr lvl="1"/>
             <a:endParaRPr lang="fr-FR" dirty="0"/>
           </a:p>
         </p:txBody>
       </p:sp>
       <p:sp>
         <p:nvSpPr>
-          <p:cNvPr id="6" name="Espace réservé du numéro de diapositive 5"/>
+          <p:cNvPr id="4" name="Espace réservé du numéro de diapositive 3"/>
           <p:cNvSpPr>
             <a:spLocks noGrp="1"/>
           </p:cNvSpPr>
@@ -28772,67 +29191,262 @@
               <a:pPr/>
               <a:t>4</a:t>
             </a:fld>
+            <a:r>
+              <a:rPr lang="en-US" dirty="0" smtClean="0"/>
+              <a:t>/8</a:t>
+            </a:r>
             <a:endParaRPr lang="en-US" dirty="0"/>
+          </a:p>
+        </p:txBody>
+      </p:sp>
+      <p:pic>
+        <p:nvPicPr>
+          <p:cNvPr id="7" name="Espace réservé du contenu 5"/>
+          <p:cNvPicPr>
+            <a:picLocks noChangeAspect="1"/>
+          </p:cNvPicPr>
+          <p:nvPr/>
+        </p:nvPicPr>
+        <p:blipFill rotWithShape="1">
+          <a:blip r:embed="rId2"/>
+          <a:srcRect l="23714" t="37395" r="56311" b="12618"/>
+          <a:stretch/>
+        </p:blipFill>
+        <p:spPr>
+          <a:xfrm>
+            <a:off x="6027793" y="1413703"/>
+            <a:ext cx="3906272" cy="5217416"/>
+          </a:xfrm>
+          <a:prstGeom prst="rect">
+            <a:avLst/>
+          </a:prstGeom>
+        </p:spPr>
+      </p:pic>
+      <p:sp>
+        <p:nvSpPr>
+          <p:cNvPr id="8" name="ZoneTexte 7"/>
+          <p:cNvSpPr txBox="1"/>
+          <p:nvPr/>
+        </p:nvSpPr>
+        <p:spPr>
+          <a:xfrm>
+            <a:off x="9975922" y="2182609"/>
+            <a:ext cx="3786623" cy="1200329"/>
+          </a:xfrm>
+          <a:prstGeom prst="rect">
+            <a:avLst/>
+          </a:prstGeom>
+          <a:noFill/>
+        </p:spPr>
+        <p:txBody>
+          <a:bodyPr wrap="square" rtlCol="0">
+            <a:spAutoFit/>
+          </a:bodyPr>
+          <a:lstStyle/>
+          <a:p>
+            <a:pPr marL="285750" indent="-285750">
+              <a:buFont typeface="Arial" panose="020B0604020202020204" pitchFamily="34" charset="0"/>
+              <a:buChar char="•"/>
+            </a:pPr>
+            <a:r>
+              <a:rPr lang="fr-FR" sz="2400" dirty="0" smtClean="0"/>
+              <a:t>Semaine 50</a:t>
+            </a:r>
+          </a:p>
+          <a:p>
+            <a:pPr marL="285750" indent="-285750">
+              <a:buFont typeface="Arial" panose="020B0604020202020204" pitchFamily="34" charset="0"/>
+              <a:buChar char="•"/>
+            </a:pPr>
+            <a:endParaRPr lang="fr-FR" sz="2400" dirty="0"/>
+          </a:p>
+          <a:p>
+            <a:endParaRPr lang="fr-FR" sz="2400" dirty="0" smtClean="0"/>
           </a:p>
         </p:txBody>
       </p:sp>
       <p:sp>
         <p:nvSpPr>
-          <p:cNvPr id="3" name="Espace réservé du pied de page 2"/>
-          <p:cNvSpPr>
-            <a:spLocks noGrp="1"/>
-          </p:cNvSpPr>
-          <p:nvPr>
-            <p:ph type="ftr" sz="quarter" idx="11"/>
-          </p:nvPr>
+          <p:cNvPr id="9" name="ZoneTexte 8"/>
+          <p:cNvSpPr txBox="1"/>
+          <p:nvPr/>
         </p:nvSpPr>
-        <p:spPr/>
+        <p:spPr>
+          <a:xfrm>
+            <a:off x="9975922" y="3011374"/>
+            <a:ext cx="3786623" cy="1200329"/>
+          </a:xfrm>
+          <a:prstGeom prst="rect">
+            <a:avLst/>
+          </a:prstGeom>
+          <a:noFill/>
+        </p:spPr>
         <p:txBody>
-          <a:bodyPr/>
+          <a:bodyPr wrap="square" rtlCol="0">
+            <a:spAutoFit/>
+          </a:bodyPr>
           <a:lstStyle/>
           <a:p>
+            <a:pPr marL="285750" indent="-285750">
+              <a:buFont typeface="Arial" panose="020B0604020202020204" pitchFamily="34" charset="0"/>
+              <a:buChar char="•"/>
+            </a:pPr>
             <a:r>
-              <a:rPr lang="en-US" dirty="0" err="1" smtClean="0"/>
-              <a:t>Yoann</a:t>
+              <a:rPr lang="fr-FR" sz="2400" dirty="0" smtClean="0"/>
+              <a:t>Semaine 50</a:t>
             </a:r>
+          </a:p>
+          <a:p>
+            <a:pPr marL="285750" indent="-285750">
+              <a:buFont typeface="Arial" panose="020B0604020202020204" pitchFamily="34" charset="0"/>
+              <a:buChar char="•"/>
+            </a:pPr>
+            <a:endParaRPr lang="fr-FR" sz="2400" dirty="0"/>
+          </a:p>
+          <a:p>
+            <a:endParaRPr lang="fr-FR" sz="2400" dirty="0" smtClean="0"/>
+          </a:p>
+        </p:txBody>
+      </p:sp>
+      <p:sp>
+        <p:nvSpPr>
+          <p:cNvPr id="10" name="ZoneTexte 9"/>
+          <p:cNvSpPr txBox="1"/>
+          <p:nvPr/>
+        </p:nvSpPr>
+        <p:spPr>
+          <a:xfrm>
+            <a:off x="9975922" y="3918102"/>
+            <a:ext cx="3786623" cy="1200329"/>
+          </a:xfrm>
+          <a:prstGeom prst="rect">
+            <a:avLst/>
+          </a:prstGeom>
+          <a:noFill/>
+        </p:spPr>
+        <p:txBody>
+          <a:bodyPr wrap="square" rtlCol="0">
+            <a:spAutoFit/>
+          </a:bodyPr>
+          <a:lstStyle/>
+          <a:p>
+            <a:pPr marL="285750" indent="-285750">
+              <a:buFont typeface="Arial" panose="020B0604020202020204" pitchFamily="34" charset="0"/>
+              <a:buChar char="•"/>
+            </a:pPr>
             <a:r>
-              <a:rPr lang="en-US" dirty="0" smtClean="0"/>
-              <a:t> </a:t>
+              <a:rPr lang="fr-FR" sz="2400" dirty="0" smtClean="0"/>
+              <a:t>Semaine 1</a:t>
             </a:r>
+          </a:p>
+          <a:p>
+            <a:pPr marL="285750" indent="-285750">
+              <a:buFont typeface="Arial" panose="020B0604020202020204" pitchFamily="34" charset="0"/>
+              <a:buChar char="•"/>
+            </a:pPr>
+            <a:endParaRPr lang="fr-FR" sz="2400" dirty="0"/>
+          </a:p>
+          <a:p>
+            <a:endParaRPr lang="fr-FR" sz="2400" dirty="0" smtClean="0"/>
+          </a:p>
+        </p:txBody>
+      </p:sp>
+      <p:sp>
+        <p:nvSpPr>
+          <p:cNvPr id="11" name="ZoneTexte 10"/>
+          <p:cNvSpPr txBox="1"/>
+          <p:nvPr/>
+        </p:nvSpPr>
+        <p:spPr>
+          <a:xfrm>
+            <a:off x="9975922" y="4830984"/>
+            <a:ext cx="3786623" cy="1200329"/>
+          </a:xfrm>
+          <a:prstGeom prst="rect">
+            <a:avLst/>
+          </a:prstGeom>
+          <a:noFill/>
+        </p:spPr>
+        <p:txBody>
+          <a:bodyPr wrap="square" rtlCol="0">
+            <a:spAutoFit/>
+          </a:bodyPr>
+          <a:lstStyle/>
+          <a:p>
+            <a:pPr marL="285750" indent="-285750">
+              <a:buFont typeface="Arial" panose="020B0604020202020204" pitchFamily="34" charset="0"/>
+              <a:buChar char="•"/>
+            </a:pPr>
             <a:r>
-              <a:rPr lang="en-US" dirty="0" err="1" smtClean="0"/>
-              <a:t>Gathignol</a:t>
+              <a:rPr lang="fr-FR" sz="2400" dirty="0" smtClean="0"/>
+              <a:t>Semaine 2</a:t>
             </a:r>
+          </a:p>
+          <a:p>
+            <a:pPr marL="285750" indent="-285750">
+              <a:buFont typeface="Arial" panose="020B0604020202020204" pitchFamily="34" charset="0"/>
+              <a:buChar char="•"/>
+            </a:pPr>
+            <a:endParaRPr lang="fr-FR" sz="2400" dirty="0"/>
+          </a:p>
+          <a:p>
+            <a:endParaRPr lang="fr-FR" sz="2400" dirty="0" smtClean="0"/>
+          </a:p>
+        </p:txBody>
+      </p:sp>
+      <p:sp>
+        <p:nvSpPr>
+          <p:cNvPr id="12" name="ZoneTexte 11"/>
+          <p:cNvSpPr txBox="1"/>
+          <p:nvPr/>
+        </p:nvSpPr>
+        <p:spPr>
+          <a:xfrm>
+            <a:off x="10017779" y="5767499"/>
+            <a:ext cx="3786623" cy="1200329"/>
+          </a:xfrm>
+          <a:prstGeom prst="rect">
+            <a:avLst/>
+          </a:prstGeom>
+          <a:noFill/>
+        </p:spPr>
+        <p:txBody>
+          <a:bodyPr wrap="square" rtlCol="0">
+            <a:spAutoFit/>
+          </a:bodyPr>
+          <a:lstStyle/>
+          <a:p>
+            <a:pPr marL="285750" indent="-285750">
+              <a:buFont typeface="Arial" panose="020B0604020202020204" pitchFamily="34" charset="0"/>
+              <a:buChar char="•"/>
+            </a:pPr>
             <a:r>
-              <a:rPr lang="en-US" dirty="0" smtClean="0"/>
-              <a:t> - </a:t>
+              <a:rPr lang="fr-FR" sz="2400" dirty="0" smtClean="0"/>
+              <a:t>Semaine 3</a:t>
             </a:r>
-            <a:r>
-              <a:rPr lang="en-US" dirty="0" err="1" smtClean="0"/>
-              <a:t>Titouan</a:t>
-            </a:r>
-            <a:r>
-              <a:rPr lang="en-US" dirty="0" smtClean="0"/>
-              <a:t> </a:t>
-            </a:r>
-            <a:r>
-              <a:rPr lang="en-US" dirty="0" err="1" smtClean="0"/>
-              <a:t>Bouete</a:t>
-            </a:r>
-            <a:r>
-              <a:rPr lang="en-US" dirty="0" smtClean="0"/>
-              <a:t>-Giraud - Guillaume Robert - 1A</a:t>
-            </a:r>
-            <a:endParaRPr lang="en-US" dirty="0"/>
+          </a:p>
+          <a:p>
+            <a:pPr marL="285750" indent="-285750">
+              <a:buFont typeface="Arial" panose="020B0604020202020204" pitchFamily="34" charset="0"/>
+              <a:buChar char="•"/>
+            </a:pPr>
+            <a:endParaRPr lang="fr-FR" sz="2400" dirty="0"/>
+          </a:p>
+          <a:p>
+            <a:endParaRPr lang="fr-FR" sz="2400" dirty="0" smtClean="0"/>
           </a:p>
         </p:txBody>
       </p:sp>
       <p:graphicFrame>
         <p:nvGraphicFramePr>
-          <p:cNvPr id="10" name="Diagramme 9"/>
+          <p:cNvPr id="13" name="Diagramme 12"/>
           <p:cNvGraphicFramePr/>
           <p:nvPr>
-            <p:extLst/>
+            <p:extLst>
+              <p:ext uri="{D42A27DB-BD31-4B8C-83A1-F6EECF244321}">
+                <p14:modId xmlns:p14="http://schemas.microsoft.com/office/powerpoint/2010/main" val="1877490096"/>
+              </p:ext>
+            </p:extLst>
           </p:nvPr>
         </p:nvGraphicFramePr>
         <p:xfrm>
@@ -28845,93 +29459,10 @@
           </a:graphicData>
         </a:graphic>
       </p:graphicFrame>
-      <p:pic>
-        <p:nvPicPr>
-          <p:cNvPr id="9" name="Espace réservé du contenu 8"/>
-          <p:cNvPicPr>
-            <a:picLocks noGrp="1" noChangeAspect="1"/>
-          </p:cNvPicPr>
-          <p:nvPr>
-            <p:ph idx="1"/>
-          </p:nvPr>
-        </p:nvPicPr>
-        <p:blipFill>
-          <a:blip r:embed="rId8">
-            <a:extLst>
-              <a:ext uri="{28A0092B-C50C-407E-A947-70E740481C1C}">
-                <a14:useLocalDpi xmlns:a14="http://schemas.microsoft.com/office/drawing/2010/main" val="0"/>
-              </a:ext>
-            </a:extLst>
-          </a:blip>
-          <a:stretch>
-            <a:fillRect/>
-          </a:stretch>
-        </p:blipFill>
-        <p:spPr>
-          <a:xfrm>
-            <a:off x="1311579" y="1231528"/>
-            <a:ext cx="10136469" cy="4942974"/>
-          </a:xfrm>
-        </p:spPr>
-      </p:pic>
-      <p:pic>
-        <p:nvPicPr>
-          <p:cNvPr id="11" name="Image 10"/>
-          <p:cNvPicPr>
-            <a:picLocks noChangeAspect="1"/>
-          </p:cNvPicPr>
-          <p:nvPr/>
-        </p:nvPicPr>
-        <p:blipFill>
-          <a:blip r:embed="rId9"/>
-          <a:stretch>
-            <a:fillRect/>
-          </a:stretch>
-        </p:blipFill>
-        <p:spPr>
-          <a:xfrm>
-            <a:off x="3531918" y="5738912"/>
-            <a:ext cx="404398" cy="383114"/>
-          </a:xfrm>
-          <a:prstGeom prst="rect">
-            <a:avLst/>
-          </a:prstGeom>
-        </p:spPr>
-      </p:pic>
-      <p:sp>
-        <p:nvSpPr>
-          <p:cNvPr id="12" name="ZoneTexte 11"/>
-          <p:cNvSpPr txBox="1"/>
-          <p:nvPr/>
-        </p:nvSpPr>
-        <p:spPr>
-          <a:xfrm>
-            <a:off x="3992880" y="5752694"/>
-            <a:ext cx="3169920" cy="369332"/>
-          </a:xfrm>
-          <a:prstGeom prst="rect">
-            <a:avLst/>
-          </a:prstGeom>
-          <a:noFill/>
-        </p:spPr>
-        <p:txBody>
-          <a:bodyPr wrap="square" rtlCol="0">
-            <a:spAutoFit/>
-          </a:bodyPr>
-          <a:lstStyle/>
-          <a:p>
-            <a:r>
-              <a:rPr lang="fr-FR" dirty="0" smtClean="0"/>
-              <a:t>Temps de travail rajouté</a:t>
-            </a:r>
-            <a:endParaRPr lang="fr-FR" dirty="0"/>
-          </a:p>
-        </p:txBody>
-      </p:sp>
     </p:spTree>
     <p:extLst>
       <p:ext uri="{BB962C8B-B14F-4D97-AF65-F5344CB8AC3E}">
-        <p14:creationId xmlns:p14="http://schemas.microsoft.com/office/powerpoint/2010/main" val="3371178201"/>
+        <p14:creationId xmlns:p14="http://schemas.microsoft.com/office/powerpoint/2010/main" val="1792170242"/>
       </p:ext>
     </p:extLst>
   </p:cSld>
@@ -28987,14 +29518,23 @@
             <p:ph type="title"/>
           </p:nvPr>
         </p:nvSpPr>
-        <p:spPr/>
+        <p:spPr>
+          <a:xfrm>
+            <a:off x="1838545" y="577223"/>
+            <a:ext cx="8911687" cy="1280890"/>
+          </a:xfrm>
+        </p:spPr>
         <p:txBody>
           <a:bodyPr/>
           <a:lstStyle/>
           <a:p>
             <a:r>
               <a:rPr lang="fr-FR" dirty="0" smtClean="0"/>
-              <a:t>Bilan technique</a:t>
+              <a:t>Méthode </a:t>
+            </a:r>
+            <a:r>
+              <a:rPr lang="fr-FR" dirty="0" err="1" smtClean="0"/>
+              <a:t>MoSCoW</a:t>
             </a:r>
             <a:endParaRPr lang="fr-FR" dirty="0"/>
           </a:p>
@@ -29010,44 +29550,241 @@
             <p:ph idx="1"/>
           </p:nvPr>
         </p:nvSpPr>
-        <p:spPr/>
+        <p:spPr>
+          <a:xfrm>
+            <a:off x="2630625" y="2395040"/>
+            <a:ext cx="8915400" cy="3777622"/>
+          </a:xfrm>
+        </p:spPr>
         <p:txBody>
           <a:bodyPr/>
           <a:lstStyle/>
           <a:p>
             <a:r>
               <a:rPr lang="fr-FR" dirty="0" smtClean="0"/>
-              <a:t>Méthode agile</a:t>
+              <a:t>Must have</a:t>
             </a:r>
           </a:p>
           <a:p>
-            <a:pPr lvl="1"/>
+            <a:r>
+              <a:rPr lang="fr-FR" dirty="0" err="1" smtClean="0"/>
+              <a:t>Should</a:t>
+            </a:r>
             <a:r>
               <a:rPr lang="fr-FR" dirty="0" smtClean="0"/>
-              <a:t>Créer et modifier grille</a:t>
+              <a:t> have</a:t>
             </a:r>
           </a:p>
           <a:p>
-            <a:pPr lvl="1"/>
-            <a:endParaRPr lang="fr-FR" dirty="0"/>
+            <a:r>
+              <a:rPr lang="fr-FR" dirty="0" err="1" smtClean="0"/>
+              <a:t>Could</a:t>
+            </a:r>
+            <a:r>
+              <a:rPr lang="fr-FR" dirty="0" smtClean="0"/>
+              <a:t> have</a:t>
+            </a:r>
           </a:p>
           <a:p>
-            <a:pPr lvl="1"/>
-            <a:endParaRPr lang="fr-FR" dirty="0" smtClean="0"/>
-          </a:p>
-          <a:p>
-            <a:pPr lvl="1"/>
-            <a:endParaRPr lang="fr-FR" dirty="0" smtClean="0"/>
-          </a:p>
-          <a:p>
-            <a:pPr lvl="1"/>
+            <a:r>
+              <a:rPr lang="fr-FR" dirty="0" err="1" smtClean="0"/>
+              <a:t>Won’t</a:t>
+            </a:r>
+            <a:r>
+              <a:rPr lang="fr-FR" dirty="0" smtClean="0"/>
+              <a:t> have</a:t>
+            </a:r>
             <a:endParaRPr lang="fr-FR" dirty="0"/>
           </a:p>
         </p:txBody>
       </p:sp>
       <p:sp>
         <p:nvSpPr>
-          <p:cNvPr id="4" name="Espace réservé du numéro de diapositive 3"/>
+          <p:cNvPr id="6" name="Rectangle 5"/>
+          <p:cNvSpPr/>
+          <p:nvPr/>
+        </p:nvSpPr>
+        <p:spPr>
+          <a:xfrm>
+            <a:off x="2277525" y="2498557"/>
+            <a:ext cx="215660" cy="207034"/>
+          </a:xfrm>
+          <a:prstGeom prst="rect">
+            <a:avLst/>
+          </a:prstGeom>
+          <a:solidFill>
+            <a:srgbClr val="00B050"/>
+          </a:solidFill>
+          <a:ln>
+            <a:noFill/>
+          </a:ln>
+        </p:spPr>
+        <p:style>
+          <a:lnRef idx="2">
+            <a:schemeClr val="accent1">
+              <a:shade val="50000"/>
+            </a:schemeClr>
+          </a:lnRef>
+          <a:fillRef idx="1">
+            <a:schemeClr val="accent1"/>
+          </a:fillRef>
+          <a:effectRef idx="0">
+            <a:schemeClr val="accent1"/>
+          </a:effectRef>
+          <a:fontRef idx="minor">
+            <a:schemeClr val="lt1"/>
+          </a:fontRef>
+        </p:style>
+        <p:txBody>
+          <a:bodyPr rtlCol="0" anchor="ctr"/>
+          <a:lstStyle/>
+          <a:p>
+            <a:pPr algn="ctr"/>
+            <a:endParaRPr lang="fr-FR"/>
+          </a:p>
+        </p:txBody>
+      </p:sp>
+      <p:sp>
+        <p:nvSpPr>
+          <p:cNvPr id="8" name="Rectangle 7"/>
+          <p:cNvSpPr/>
+          <p:nvPr/>
+        </p:nvSpPr>
+        <p:spPr>
+          <a:xfrm>
+            <a:off x="2277525" y="2881896"/>
+            <a:ext cx="215660" cy="207034"/>
+          </a:xfrm>
+          <a:prstGeom prst="rect">
+            <a:avLst/>
+          </a:prstGeom>
+          <a:solidFill>
+            <a:srgbClr val="FFC000"/>
+          </a:solidFill>
+          <a:ln>
+            <a:noFill/>
+          </a:ln>
+        </p:spPr>
+        <p:style>
+          <a:lnRef idx="2">
+            <a:schemeClr val="accent1">
+              <a:shade val="50000"/>
+            </a:schemeClr>
+          </a:lnRef>
+          <a:fillRef idx="1">
+            <a:schemeClr val="accent1"/>
+          </a:fillRef>
+          <a:effectRef idx="0">
+            <a:schemeClr val="accent1"/>
+          </a:effectRef>
+          <a:fontRef idx="minor">
+            <a:schemeClr val="lt1"/>
+          </a:fontRef>
+        </p:style>
+        <p:txBody>
+          <a:bodyPr rtlCol="0" anchor="ctr"/>
+          <a:lstStyle/>
+          <a:p>
+            <a:pPr algn="ctr"/>
+            <a:endParaRPr lang="fr-FR"/>
+          </a:p>
+        </p:txBody>
+      </p:sp>
+      <p:sp>
+        <p:nvSpPr>
+          <p:cNvPr id="9" name="Rectangle 8"/>
+          <p:cNvSpPr/>
+          <p:nvPr/>
+        </p:nvSpPr>
+        <p:spPr>
+          <a:xfrm>
+            <a:off x="2277525" y="3260962"/>
+            <a:ext cx="215660" cy="207034"/>
+          </a:xfrm>
+          <a:prstGeom prst="rect">
+            <a:avLst/>
+          </a:prstGeom>
+          <a:solidFill>
+            <a:srgbClr val="FF0000"/>
+          </a:solidFill>
+          <a:ln>
+            <a:noFill/>
+          </a:ln>
+        </p:spPr>
+        <p:style>
+          <a:lnRef idx="2">
+            <a:schemeClr val="accent1">
+              <a:shade val="50000"/>
+            </a:schemeClr>
+          </a:lnRef>
+          <a:fillRef idx="1">
+            <a:schemeClr val="accent1"/>
+          </a:fillRef>
+          <a:effectRef idx="0">
+            <a:schemeClr val="accent1"/>
+          </a:effectRef>
+          <a:fontRef idx="minor">
+            <a:schemeClr val="lt1"/>
+          </a:fontRef>
+        </p:style>
+        <p:txBody>
+          <a:bodyPr rtlCol="0" anchor="ctr"/>
+          <a:lstStyle/>
+          <a:p>
+            <a:pPr algn="ctr"/>
+            <a:endParaRPr lang="fr-FR"/>
+          </a:p>
+        </p:txBody>
+      </p:sp>
+      <p:sp>
+        <p:nvSpPr>
+          <p:cNvPr id="10" name="Rectangle 9"/>
+          <p:cNvSpPr/>
+          <p:nvPr/>
+        </p:nvSpPr>
+        <p:spPr>
+          <a:xfrm>
+            <a:off x="2277525" y="3640028"/>
+            <a:ext cx="215660" cy="207034"/>
+          </a:xfrm>
+          <a:prstGeom prst="rect">
+            <a:avLst/>
+          </a:prstGeom>
+          <a:solidFill>
+            <a:schemeClr val="tx1"/>
+          </a:solidFill>
+          <a:ln>
+            <a:noFill/>
+          </a:ln>
+        </p:spPr>
+        <p:style>
+          <a:lnRef idx="2">
+            <a:schemeClr val="accent1">
+              <a:shade val="50000"/>
+            </a:schemeClr>
+          </a:lnRef>
+          <a:fillRef idx="1">
+            <a:schemeClr val="accent1"/>
+          </a:fillRef>
+          <a:effectRef idx="0">
+            <a:schemeClr val="accent1"/>
+          </a:effectRef>
+          <a:fontRef idx="minor">
+            <a:schemeClr val="lt1"/>
+          </a:fontRef>
+        </p:style>
+        <p:txBody>
+          <a:bodyPr rtlCol="0" anchor="ctr"/>
+          <a:lstStyle/>
+          <a:p>
+            <a:pPr algn="ctr"/>
+            <a:endParaRPr lang="fr-FR"/>
+          </a:p>
+        </p:txBody>
+      </p:sp>
+      <p:sp>
+        <p:nvSpPr>
+          <p:cNvPr id="7" name="Espace réservé du numéro de diapositive 6"/>
           <p:cNvSpPr>
             <a:spLocks noGrp="1"/>
           </p:cNvSpPr>
@@ -29065,43 +29802,46 @@
               <a:pPr/>
               <a:t>5</a:t>
             </a:fld>
+            <a:r>
+              <a:rPr lang="en-US" dirty="0" smtClean="0"/>
+              <a:t>/8</a:t>
+            </a:r>
             <a:endParaRPr lang="en-US" dirty="0"/>
           </a:p>
         </p:txBody>
       </p:sp>
-      <p:pic>
-        <p:nvPicPr>
-          <p:cNvPr id="7" name="Espace réservé du contenu 5"/>
-          <p:cNvPicPr>
-            <a:picLocks noChangeAspect="1"/>
-          </p:cNvPicPr>
-          <p:nvPr/>
-        </p:nvPicPr>
-        <p:blipFill rotWithShape="1">
-          <a:blip r:embed="rId2"/>
-          <a:srcRect l="23714" t="37395" r="56311" b="12618"/>
-          <a:stretch/>
-        </p:blipFill>
-        <p:spPr>
-          <a:xfrm>
-            <a:off x="7152335" y="1905000"/>
-            <a:ext cx="3083617" cy="4118636"/>
-          </a:xfrm>
-          <a:prstGeom prst="rect">
-            <a:avLst/>
-          </a:prstGeom>
-        </p:spPr>
-      </p:pic>
+      <p:graphicFrame>
+        <p:nvGraphicFramePr>
+          <p:cNvPr id="11" name="Diagramme 10"/>
+          <p:cNvGraphicFramePr/>
+          <p:nvPr>
+            <p:extLst>
+              <p:ext uri="{D42A27DB-BD31-4B8C-83A1-F6EECF244321}">
+                <p14:modId xmlns:p14="http://schemas.microsoft.com/office/powerpoint/2010/main" val="3017274633"/>
+              </p:ext>
+            </p:extLst>
+          </p:nvPr>
+        </p:nvGraphicFramePr>
+        <p:xfrm>
+          <a:off x="324740" y="119379"/>
+          <a:ext cx="11686602" cy="290820"/>
+        </p:xfrm>
+        <a:graphic>
+          <a:graphicData uri="http://schemas.openxmlformats.org/drawingml/2006/diagram">
+            <dgm:relIds xmlns:dgm="http://schemas.openxmlformats.org/drawingml/2006/diagram" xmlns:r="http://schemas.openxmlformats.org/officeDocument/2006/relationships" r:dm="rId2" r:lo="rId3" r:qs="rId4" r:cs="rId5"/>
+          </a:graphicData>
+        </a:graphic>
+      </p:graphicFrame>
       <p:sp>
         <p:nvSpPr>
-          <p:cNvPr id="8" name="ZoneTexte 7"/>
+          <p:cNvPr id="14" name="ZoneTexte 13"/>
           <p:cNvSpPr txBox="1"/>
           <p:nvPr/>
         </p:nvSpPr>
         <p:spPr>
           <a:xfrm>
-            <a:off x="10403449" y="2416039"/>
-            <a:ext cx="1788552" cy="923330"/>
+            <a:off x="7257890" y="5225845"/>
+            <a:ext cx="1450063" cy="584775"/>
           </a:xfrm>
           <a:prstGeom prst="rect">
             <a:avLst/>
@@ -29114,37 +29854,150 @@
           </a:bodyPr>
           <a:lstStyle/>
           <a:p>
-            <a:pPr marL="285750" indent="-285750">
-              <a:buFont typeface="Arial" panose="020B0604020202020204" pitchFamily="34" charset="0"/>
-              <a:buChar char="•"/>
-            </a:pPr>
             <a:r>
-              <a:rPr lang="fr-FR" dirty="0" smtClean="0"/>
-              <a:t>Semaine 50</a:t>
+              <a:rPr lang="fr-FR" sz="3200" dirty="0" smtClean="0"/>
+              <a:t>100 %</a:t>
             </a:r>
+            <a:endParaRPr lang="fr-FR" sz="3200" dirty="0"/>
           </a:p>
+        </p:txBody>
+      </p:sp>
+      <p:pic>
+        <p:nvPicPr>
+          <p:cNvPr id="16" name="Image 15"/>
+          <p:cNvPicPr>
+            <a:picLocks noChangeAspect="1"/>
+          </p:cNvPicPr>
+          <p:nvPr/>
+        </p:nvPicPr>
+        <p:blipFill>
+          <a:blip r:embed="rId7">
+            <a:extLst>
+              <a:ext uri="{28A0092B-C50C-407E-A947-70E740481C1C}">
+                <a14:useLocalDpi xmlns:a14="http://schemas.microsoft.com/office/drawing/2010/main" val="0"/>
+              </a:ext>
+            </a:extLst>
+          </a:blip>
+          <a:stretch>
+            <a:fillRect/>
+          </a:stretch>
+        </p:blipFill>
+        <p:spPr>
+          <a:xfrm>
+            <a:off x="6168041" y="410199"/>
+            <a:ext cx="3763217" cy="6176585"/>
+          </a:xfrm>
+          <a:prstGeom prst="rect">
+            <a:avLst/>
+          </a:prstGeom>
+        </p:spPr>
+      </p:pic>
+      <p:sp>
+        <p:nvSpPr>
+          <p:cNvPr id="17" name="Flèche droite 16"/>
+          <p:cNvSpPr/>
+          <p:nvPr/>
+        </p:nvSpPr>
+        <p:spPr>
+          <a:xfrm>
+            <a:off x="9580738" y="1223548"/>
+            <a:ext cx="584342" cy="369031"/>
+          </a:xfrm>
+          <a:prstGeom prst="rightArrow">
+            <a:avLst/>
+          </a:prstGeom>
+          <a:solidFill>
+            <a:schemeClr val="bg1"/>
+          </a:solidFill>
+          <a:ln>
+            <a:solidFill>
+              <a:schemeClr val="tx1"/>
+            </a:solidFill>
+          </a:ln>
+        </p:spPr>
+        <p:style>
+          <a:lnRef idx="2">
+            <a:schemeClr val="accent1">
+              <a:shade val="50000"/>
+            </a:schemeClr>
+          </a:lnRef>
+          <a:fillRef idx="1">
+            <a:schemeClr val="accent1"/>
+          </a:fillRef>
+          <a:effectRef idx="0">
+            <a:schemeClr val="accent1"/>
+          </a:effectRef>
+          <a:fontRef idx="minor">
+            <a:schemeClr val="lt1"/>
+          </a:fontRef>
+        </p:style>
+        <p:txBody>
+          <a:bodyPr rtlCol="0" anchor="ctr"/>
+          <a:lstStyle/>
           <a:p>
-            <a:pPr marL="285750" indent="-285750">
-              <a:buFont typeface="Arial" panose="020B0604020202020204" pitchFamily="34" charset="0"/>
-              <a:buChar char="•"/>
-            </a:pPr>
-            <a:endParaRPr lang="fr-FR" dirty="0"/>
-          </a:p>
-          <a:p>
-            <a:endParaRPr lang="fr-FR" dirty="0" smtClean="0"/>
+            <a:pPr algn="ctr"/>
+            <a:endParaRPr lang="fr-FR"/>
           </a:p>
         </p:txBody>
       </p:sp>
       <p:sp>
         <p:nvSpPr>
-          <p:cNvPr id="9" name="ZoneTexte 8"/>
+          <p:cNvPr id="19" name="Flèche droite 18"/>
+          <p:cNvSpPr/>
+          <p:nvPr/>
+        </p:nvSpPr>
+        <p:spPr>
+          <a:xfrm>
+            <a:off x="9580738" y="1942061"/>
+            <a:ext cx="584342" cy="369031"/>
+          </a:xfrm>
+          <a:prstGeom prst="rightArrow">
+            <a:avLst/>
+          </a:prstGeom>
+          <a:solidFill>
+            <a:schemeClr val="bg1"/>
+          </a:solidFill>
+          <a:ln>
+            <a:solidFill>
+              <a:schemeClr val="tx1"/>
+            </a:solidFill>
+          </a:ln>
+        </p:spPr>
+        <p:style>
+          <a:lnRef idx="2">
+            <a:schemeClr val="accent1">
+              <a:shade val="50000"/>
+            </a:schemeClr>
+          </a:lnRef>
+          <a:fillRef idx="1">
+            <a:schemeClr val="accent1"/>
+          </a:fillRef>
+          <a:effectRef idx="0">
+            <a:schemeClr val="accent1"/>
+          </a:effectRef>
+          <a:fontRef idx="minor">
+            <a:schemeClr val="lt1"/>
+          </a:fontRef>
+        </p:style>
+        <p:txBody>
+          <a:bodyPr rtlCol="0" anchor="ctr"/>
+          <a:lstStyle/>
+          <a:p>
+            <a:pPr algn="ctr"/>
+            <a:endParaRPr lang="fr-FR"/>
+          </a:p>
+        </p:txBody>
+      </p:sp>
+      <p:sp>
+        <p:nvSpPr>
+          <p:cNvPr id="18" name="ZoneTexte 17"/>
           <p:cNvSpPr txBox="1"/>
           <p:nvPr/>
         </p:nvSpPr>
         <p:spPr>
           <a:xfrm>
-            <a:off x="10403450" y="3117330"/>
-            <a:ext cx="1788552" cy="923330"/>
+            <a:off x="10252686" y="1076707"/>
+            <a:ext cx="1293339" cy="646331"/>
           </a:xfrm>
           <a:prstGeom prst="rect">
             <a:avLst/>
@@ -29157,37 +30010,24 @@
           </a:bodyPr>
           <a:lstStyle/>
           <a:p>
-            <a:pPr marL="285750" indent="-285750">
-              <a:buFont typeface="Arial" panose="020B0604020202020204" pitchFamily="34" charset="0"/>
-              <a:buChar char="•"/>
-            </a:pPr>
             <a:r>
-              <a:rPr lang="fr-FR" dirty="0" smtClean="0"/>
-              <a:t>Semaine 50</a:t>
+              <a:rPr lang="fr-FR" sz="3600" b="1" dirty="0" smtClean="0"/>
+              <a:t>90%</a:t>
             </a:r>
-          </a:p>
-          <a:p>
-            <a:pPr marL="285750" indent="-285750">
-              <a:buFont typeface="Arial" panose="020B0604020202020204" pitchFamily="34" charset="0"/>
-              <a:buChar char="•"/>
-            </a:pPr>
-            <a:endParaRPr lang="fr-FR" dirty="0"/>
-          </a:p>
-          <a:p>
-            <a:endParaRPr lang="fr-FR" dirty="0" smtClean="0"/>
+            <a:endParaRPr lang="fr-FR" sz="3600" b="1" dirty="0"/>
           </a:p>
         </p:txBody>
       </p:sp>
       <p:sp>
         <p:nvSpPr>
-          <p:cNvPr id="10" name="ZoneTexte 9"/>
+          <p:cNvPr id="21" name="ZoneTexte 20"/>
           <p:cNvSpPr txBox="1"/>
           <p:nvPr/>
         </p:nvSpPr>
         <p:spPr>
           <a:xfrm>
-            <a:off x="10403450" y="3858270"/>
-            <a:ext cx="1788552" cy="923330"/>
+            <a:off x="10264277" y="1803411"/>
+            <a:ext cx="1478143" cy="646331"/>
           </a:xfrm>
           <a:prstGeom prst="rect">
             <a:avLst/>
@@ -29200,139 +30040,18 @@
           </a:bodyPr>
           <a:lstStyle/>
           <a:p>
-            <a:pPr marL="285750" indent="-285750">
-              <a:buFont typeface="Arial" panose="020B0604020202020204" pitchFamily="34" charset="0"/>
-              <a:buChar char="•"/>
-            </a:pPr>
             <a:r>
-              <a:rPr lang="fr-FR" dirty="0" smtClean="0"/>
-              <a:t>Semaine 1</a:t>
+              <a:rPr lang="fr-FR" sz="3600" b="1" dirty="0" smtClean="0"/>
+              <a:t>100%</a:t>
             </a:r>
-          </a:p>
-          <a:p>
-            <a:pPr marL="285750" indent="-285750">
-              <a:buFont typeface="Arial" panose="020B0604020202020204" pitchFamily="34" charset="0"/>
-              <a:buChar char="•"/>
-            </a:pPr>
-            <a:endParaRPr lang="fr-FR" dirty="0"/>
-          </a:p>
-          <a:p>
-            <a:endParaRPr lang="fr-FR" dirty="0" smtClean="0"/>
+            <a:endParaRPr lang="fr-FR" sz="3600" b="1" dirty="0"/>
           </a:p>
         </p:txBody>
       </p:sp>
-      <p:sp>
-        <p:nvSpPr>
-          <p:cNvPr id="11" name="ZoneTexte 10"/>
-          <p:cNvSpPr txBox="1"/>
-          <p:nvPr/>
-        </p:nvSpPr>
-        <p:spPr>
-          <a:xfrm>
-            <a:off x="10403448" y="4663871"/>
-            <a:ext cx="1788552" cy="923330"/>
-          </a:xfrm>
-          <a:prstGeom prst="rect">
-            <a:avLst/>
-          </a:prstGeom>
-          <a:noFill/>
-        </p:spPr>
-        <p:txBody>
-          <a:bodyPr wrap="square" rtlCol="0">
-            <a:spAutoFit/>
-          </a:bodyPr>
-          <a:lstStyle/>
-          <a:p>
-            <a:pPr marL="285750" indent="-285750">
-              <a:buFont typeface="Arial" panose="020B0604020202020204" pitchFamily="34" charset="0"/>
-              <a:buChar char="•"/>
-            </a:pPr>
-            <a:r>
-              <a:rPr lang="fr-FR" dirty="0" smtClean="0"/>
-              <a:t>Semaine 2</a:t>
-            </a:r>
-          </a:p>
-          <a:p>
-            <a:pPr marL="285750" indent="-285750">
-              <a:buFont typeface="Arial" panose="020B0604020202020204" pitchFamily="34" charset="0"/>
-              <a:buChar char="•"/>
-            </a:pPr>
-            <a:endParaRPr lang="fr-FR" dirty="0"/>
-          </a:p>
-          <a:p>
-            <a:endParaRPr lang="fr-FR" dirty="0" smtClean="0"/>
-          </a:p>
-        </p:txBody>
-      </p:sp>
-      <p:sp>
-        <p:nvSpPr>
-          <p:cNvPr id="12" name="ZoneTexte 11"/>
-          <p:cNvSpPr txBox="1"/>
-          <p:nvPr/>
-        </p:nvSpPr>
-        <p:spPr>
-          <a:xfrm>
-            <a:off x="10403450" y="5390768"/>
-            <a:ext cx="1788552" cy="923330"/>
-          </a:xfrm>
-          <a:prstGeom prst="rect">
-            <a:avLst/>
-          </a:prstGeom>
-          <a:noFill/>
-        </p:spPr>
-        <p:txBody>
-          <a:bodyPr wrap="square" rtlCol="0">
-            <a:spAutoFit/>
-          </a:bodyPr>
-          <a:lstStyle/>
-          <a:p>
-            <a:pPr marL="285750" indent="-285750">
-              <a:buFont typeface="Arial" panose="020B0604020202020204" pitchFamily="34" charset="0"/>
-              <a:buChar char="•"/>
-            </a:pPr>
-            <a:r>
-              <a:rPr lang="fr-FR" dirty="0" smtClean="0"/>
-              <a:t>Semaine 3</a:t>
-            </a:r>
-          </a:p>
-          <a:p>
-            <a:pPr marL="285750" indent="-285750">
-              <a:buFont typeface="Arial" panose="020B0604020202020204" pitchFamily="34" charset="0"/>
-              <a:buChar char="•"/>
-            </a:pPr>
-            <a:endParaRPr lang="fr-FR" dirty="0"/>
-          </a:p>
-          <a:p>
-            <a:endParaRPr lang="fr-FR" dirty="0" smtClean="0"/>
-          </a:p>
-        </p:txBody>
-      </p:sp>
-      <p:graphicFrame>
-        <p:nvGraphicFramePr>
-          <p:cNvPr id="13" name="Diagramme 12"/>
-          <p:cNvGraphicFramePr/>
-          <p:nvPr>
-            <p:extLst>
-              <p:ext uri="{D42A27DB-BD31-4B8C-83A1-F6EECF244321}">
-                <p14:modId xmlns:p14="http://schemas.microsoft.com/office/powerpoint/2010/main" val="1877490096"/>
-              </p:ext>
-            </p:extLst>
-          </p:nvPr>
-        </p:nvGraphicFramePr>
-        <p:xfrm>
-          <a:off x="324740" y="119379"/>
-          <a:ext cx="11686602" cy="290820"/>
-        </p:xfrm>
-        <a:graphic>
-          <a:graphicData uri="http://schemas.openxmlformats.org/drawingml/2006/diagram">
-            <dgm:relIds xmlns:dgm="http://schemas.openxmlformats.org/drawingml/2006/diagram" xmlns:r="http://schemas.openxmlformats.org/officeDocument/2006/relationships" r:dm="rId3" r:lo="rId4" r:qs="rId5" r:cs="rId6"/>
-          </a:graphicData>
-        </a:graphic>
-      </p:graphicFrame>
     </p:spTree>
     <p:extLst>
       <p:ext uri="{BB962C8B-B14F-4D97-AF65-F5344CB8AC3E}">
-        <p14:creationId xmlns:p14="http://schemas.microsoft.com/office/powerpoint/2010/main" val="1792170242"/>
+        <p14:creationId xmlns:p14="http://schemas.microsoft.com/office/powerpoint/2010/main" val="271093917"/>
       </p:ext>
     </p:extLst>
   </p:cSld>
@@ -29400,7 +30119,7 @@
             </a:fld>
             <a:r>
               <a:rPr lang="en-US" dirty="0" smtClean="0"/>
-              <a:t>/13</a:t>
+              <a:t>/8</a:t>
             </a:r>
             <a:endParaRPr lang="en-US" dirty="0"/>
           </a:p>
@@ -29719,23 +30438,18 @@
             <p:ph type="title"/>
           </p:nvPr>
         </p:nvSpPr>
-        <p:spPr>
-          <a:xfrm>
-            <a:off x="1838545" y="577223"/>
-            <a:ext cx="8911687" cy="1280890"/>
-          </a:xfrm>
-        </p:spPr>
+        <p:spPr/>
         <p:txBody>
           <a:bodyPr/>
           <a:lstStyle/>
           <a:p>
             <a:r>
-              <a:rPr lang="fr-FR" dirty="0" smtClean="0"/>
-              <a:t>Méthode </a:t>
+              <a:rPr lang="fr-FR" dirty="0"/>
+              <a:t>Bilan </a:t>
             </a:r>
             <a:r>
-              <a:rPr lang="fr-FR" dirty="0" err="1" smtClean="0"/>
-              <a:t>MoSCoW</a:t>
+              <a:rPr lang="fr-FR" dirty="0" smtClean="0"/>
+              <a:t>organisationnel</a:t>
             </a:r>
             <a:endParaRPr lang="fr-FR" dirty="0"/>
           </a:p>
@@ -29743,249 +30457,108 @@
       </p:sp>
       <p:sp>
         <p:nvSpPr>
-          <p:cNvPr id="3" name="Espace réservé du contenu 2"/>
-          <p:cNvSpPr>
-            <a:spLocks noGrp="1"/>
+          <p:cNvPr id="5" name="Titre 1"/>
+          <p:cNvSpPr txBox="1">
+            <a:spLocks/>
           </p:cNvSpPr>
-          <p:nvPr>
-            <p:ph idx="1"/>
-          </p:nvPr>
+          <p:nvPr/>
         </p:nvSpPr>
         <p:spPr>
           <a:xfrm>
-            <a:off x="2630625" y="2395040"/>
-            <a:ext cx="8915400" cy="3777622"/>
+            <a:off x="2592925" y="1905000"/>
+            <a:ext cx="8911687" cy="1280890"/>
           </a:xfrm>
+          <a:prstGeom prst="rect">
+            <a:avLst/>
+          </a:prstGeom>
         </p:spPr>
         <p:txBody>
-          <a:bodyPr/>
-          <a:lstStyle/>
+          <a:bodyPr vert="horz" lIns="91440" tIns="45720" rIns="91440" bIns="45720" rtlCol="0" anchor="t">
+            <a:normAutofit/>
+          </a:bodyPr>
+          <a:lstStyle>
+            <a:lvl1pPr algn="l" defTabSz="457200" rtl="0" eaLnBrk="1" latinLnBrk="0" hangingPunct="1">
+              <a:spcBef>
+                <a:spcPct val="0"/>
+              </a:spcBef>
+              <a:buNone/>
+              <a:defRPr sz="3600" kern="1200">
+                <a:solidFill>
+                  <a:schemeClr val="tx1">
+                    <a:lumMod val="85000"/>
+                    <a:lumOff val="15000"/>
+                  </a:schemeClr>
+                </a:solidFill>
+                <a:latin typeface="+mj-lt"/>
+                <a:ea typeface="+mj-ea"/>
+                <a:cs typeface="+mj-cs"/>
+              </a:defRPr>
+            </a:lvl1pPr>
+            <a:lvl2pPr eaLnBrk="1" hangingPunct="1">
+              <a:defRPr>
+                <a:solidFill>
+                  <a:schemeClr val="tx2"/>
+                </a:solidFill>
+              </a:defRPr>
+            </a:lvl2pPr>
+            <a:lvl3pPr eaLnBrk="1" hangingPunct="1">
+              <a:defRPr>
+                <a:solidFill>
+                  <a:schemeClr val="tx2"/>
+                </a:solidFill>
+              </a:defRPr>
+            </a:lvl3pPr>
+            <a:lvl4pPr eaLnBrk="1" hangingPunct="1">
+              <a:defRPr>
+                <a:solidFill>
+                  <a:schemeClr val="tx2"/>
+                </a:solidFill>
+              </a:defRPr>
+            </a:lvl4pPr>
+            <a:lvl5pPr eaLnBrk="1" hangingPunct="1">
+              <a:defRPr>
+                <a:solidFill>
+                  <a:schemeClr val="tx2"/>
+                </a:solidFill>
+              </a:defRPr>
+            </a:lvl5pPr>
+            <a:lvl6pPr eaLnBrk="1" hangingPunct="1">
+              <a:defRPr>
+                <a:solidFill>
+                  <a:schemeClr val="tx2"/>
+                </a:solidFill>
+              </a:defRPr>
+            </a:lvl6pPr>
+            <a:lvl7pPr eaLnBrk="1" hangingPunct="1">
+              <a:defRPr>
+                <a:solidFill>
+                  <a:schemeClr val="tx2"/>
+                </a:solidFill>
+              </a:defRPr>
+            </a:lvl7pPr>
+            <a:lvl8pPr eaLnBrk="1" hangingPunct="1">
+              <a:defRPr>
+                <a:solidFill>
+                  <a:schemeClr val="tx2"/>
+                </a:solidFill>
+              </a:defRPr>
+            </a:lvl8pPr>
+            <a:lvl9pPr eaLnBrk="1" hangingPunct="1">
+              <a:defRPr>
+                <a:solidFill>
+                  <a:schemeClr val="tx2"/>
+                </a:solidFill>
+              </a:defRPr>
+            </a:lvl9pPr>
+          </a:lstStyle>
           <a:p>
-            <a:r>
-              <a:rPr lang="fr-FR" dirty="0" smtClean="0"/>
-              <a:t>Must have</a:t>
-            </a:r>
-          </a:p>
-          <a:p>
-            <a:r>
-              <a:rPr lang="fr-FR" dirty="0" err="1" smtClean="0"/>
-              <a:t>Should</a:t>
-            </a:r>
-            <a:r>
-              <a:rPr lang="fr-FR" dirty="0" smtClean="0"/>
-              <a:t> have</a:t>
-            </a:r>
-          </a:p>
-          <a:p>
-            <a:r>
-              <a:rPr lang="fr-FR" dirty="0" err="1" smtClean="0"/>
-              <a:t>Could</a:t>
-            </a:r>
-            <a:r>
-              <a:rPr lang="fr-FR" dirty="0" smtClean="0"/>
-              <a:t> have</a:t>
-            </a:r>
-          </a:p>
-          <a:p>
-            <a:r>
-              <a:rPr lang="fr-FR" dirty="0" err="1" smtClean="0"/>
-              <a:t>Won’t</a:t>
-            </a:r>
-            <a:r>
-              <a:rPr lang="fr-FR" dirty="0" smtClean="0"/>
-              <a:t> have</a:t>
-            </a:r>
             <a:endParaRPr lang="fr-FR" dirty="0"/>
           </a:p>
         </p:txBody>
       </p:sp>
       <p:sp>
         <p:nvSpPr>
-          <p:cNvPr id="6" name="Rectangle 5"/>
-          <p:cNvSpPr/>
-          <p:nvPr/>
-        </p:nvSpPr>
-        <p:spPr>
-          <a:xfrm>
-            <a:off x="2277525" y="2498557"/>
-            <a:ext cx="215660" cy="207034"/>
-          </a:xfrm>
-          <a:prstGeom prst="rect">
-            <a:avLst/>
-          </a:prstGeom>
-          <a:solidFill>
-            <a:srgbClr val="00B050"/>
-          </a:solidFill>
-          <a:ln>
-            <a:noFill/>
-          </a:ln>
-        </p:spPr>
-        <p:style>
-          <a:lnRef idx="2">
-            <a:schemeClr val="accent1">
-              <a:shade val="50000"/>
-            </a:schemeClr>
-          </a:lnRef>
-          <a:fillRef idx="1">
-            <a:schemeClr val="accent1"/>
-          </a:fillRef>
-          <a:effectRef idx="0">
-            <a:schemeClr val="accent1"/>
-          </a:effectRef>
-          <a:fontRef idx="minor">
-            <a:schemeClr val="lt1"/>
-          </a:fontRef>
-        </p:style>
-        <p:txBody>
-          <a:bodyPr rtlCol="0" anchor="ctr"/>
-          <a:lstStyle/>
-          <a:p>
-            <a:pPr algn="ctr"/>
-            <a:endParaRPr lang="fr-FR"/>
-          </a:p>
-        </p:txBody>
-      </p:sp>
-      <p:sp>
-        <p:nvSpPr>
-          <p:cNvPr id="8" name="Rectangle 7"/>
-          <p:cNvSpPr/>
-          <p:nvPr/>
-        </p:nvSpPr>
-        <p:spPr>
-          <a:xfrm>
-            <a:off x="2277525" y="2881896"/>
-            <a:ext cx="215660" cy="207034"/>
-          </a:xfrm>
-          <a:prstGeom prst="rect">
-            <a:avLst/>
-          </a:prstGeom>
-          <a:solidFill>
-            <a:srgbClr val="FFC000"/>
-          </a:solidFill>
-          <a:ln>
-            <a:noFill/>
-          </a:ln>
-        </p:spPr>
-        <p:style>
-          <a:lnRef idx="2">
-            <a:schemeClr val="accent1">
-              <a:shade val="50000"/>
-            </a:schemeClr>
-          </a:lnRef>
-          <a:fillRef idx="1">
-            <a:schemeClr val="accent1"/>
-          </a:fillRef>
-          <a:effectRef idx="0">
-            <a:schemeClr val="accent1"/>
-          </a:effectRef>
-          <a:fontRef idx="minor">
-            <a:schemeClr val="lt1"/>
-          </a:fontRef>
-        </p:style>
-        <p:txBody>
-          <a:bodyPr rtlCol="0" anchor="ctr"/>
-          <a:lstStyle/>
-          <a:p>
-            <a:pPr algn="ctr"/>
-            <a:endParaRPr lang="fr-FR"/>
-          </a:p>
-        </p:txBody>
-      </p:sp>
-      <p:sp>
-        <p:nvSpPr>
-          <p:cNvPr id="9" name="Rectangle 8"/>
-          <p:cNvSpPr/>
-          <p:nvPr/>
-        </p:nvSpPr>
-        <p:spPr>
-          <a:xfrm>
-            <a:off x="2277525" y="3260962"/>
-            <a:ext cx="215660" cy="207034"/>
-          </a:xfrm>
-          <a:prstGeom prst="rect">
-            <a:avLst/>
-          </a:prstGeom>
-          <a:solidFill>
-            <a:srgbClr val="FF0000"/>
-          </a:solidFill>
-          <a:ln>
-            <a:noFill/>
-          </a:ln>
-        </p:spPr>
-        <p:style>
-          <a:lnRef idx="2">
-            <a:schemeClr val="accent1">
-              <a:shade val="50000"/>
-            </a:schemeClr>
-          </a:lnRef>
-          <a:fillRef idx="1">
-            <a:schemeClr val="accent1"/>
-          </a:fillRef>
-          <a:effectRef idx="0">
-            <a:schemeClr val="accent1"/>
-          </a:effectRef>
-          <a:fontRef idx="minor">
-            <a:schemeClr val="lt1"/>
-          </a:fontRef>
-        </p:style>
-        <p:txBody>
-          <a:bodyPr rtlCol="0" anchor="ctr"/>
-          <a:lstStyle/>
-          <a:p>
-            <a:pPr algn="ctr"/>
-            <a:endParaRPr lang="fr-FR"/>
-          </a:p>
-        </p:txBody>
-      </p:sp>
-      <p:sp>
-        <p:nvSpPr>
-          <p:cNvPr id="10" name="Rectangle 9"/>
-          <p:cNvSpPr/>
-          <p:nvPr/>
-        </p:nvSpPr>
-        <p:spPr>
-          <a:xfrm>
-            <a:off x="2277525" y="3640028"/>
-            <a:ext cx="215660" cy="207034"/>
-          </a:xfrm>
-          <a:prstGeom prst="rect">
-            <a:avLst/>
-          </a:prstGeom>
-          <a:solidFill>
-            <a:schemeClr val="tx1"/>
-          </a:solidFill>
-          <a:ln>
-            <a:noFill/>
-          </a:ln>
-        </p:spPr>
-        <p:style>
-          <a:lnRef idx="2">
-            <a:schemeClr val="accent1">
-              <a:shade val="50000"/>
-            </a:schemeClr>
-          </a:lnRef>
-          <a:fillRef idx="1">
-            <a:schemeClr val="accent1"/>
-          </a:fillRef>
-          <a:effectRef idx="0">
-            <a:schemeClr val="accent1"/>
-          </a:effectRef>
-          <a:fontRef idx="minor">
-            <a:schemeClr val="lt1"/>
-          </a:fontRef>
-        </p:style>
-        <p:txBody>
-          <a:bodyPr rtlCol="0" anchor="ctr"/>
-          <a:lstStyle/>
-          <a:p>
-            <a:pPr algn="ctr"/>
-            <a:endParaRPr lang="fr-FR"/>
-          </a:p>
-        </p:txBody>
-      </p:sp>
-      <p:sp>
-        <p:nvSpPr>
-          <p:cNvPr id="7" name="Espace réservé du numéro de diapositive 6"/>
+          <p:cNvPr id="6" name="Espace réservé du numéro de diapositive 5"/>
           <p:cNvSpPr>
             <a:spLocks noGrp="1"/>
           </p:cNvSpPr>
@@ -30005,7 +30578,58 @@
             </a:fld>
             <a:r>
               <a:rPr lang="en-US" dirty="0" smtClean="0"/>
-              <a:t>/13</a:t>
+              <a:t>/8</a:t>
+            </a:r>
+            <a:endParaRPr lang="en-US" dirty="0"/>
+          </a:p>
+        </p:txBody>
+      </p:sp>
+      <p:sp>
+        <p:nvSpPr>
+          <p:cNvPr id="3" name="Espace réservé du pied de page 2"/>
+          <p:cNvSpPr>
+            <a:spLocks noGrp="1"/>
+          </p:cNvSpPr>
+          <p:nvPr>
+            <p:ph type="ftr" sz="quarter" idx="11"/>
+          </p:nvPr>
+        </p:nvSpPr>
+        <p:spPr/>
+        <p:txBody>
+          <a:bodyPr/>
+          <a:lstStyle/>
+          <a:p>
+            <a:r>
+              <a:rPr lang="en-US" dirty="0" err="1" smtClean="0"/>
+              <a:t>Yoann</a:t>
+            </a:r>
+            <a:r>
+              <a:rPr lang="en-US" dirty="0" smtClean="0"/>
+              <a:t> </a:t>
+            </a:r>
+            <a:r>
+              <a:rPr lang="en-US" dirty="0" err="1" smtClean="0"/>
+              <a:t>Gathignol</a:t>
+            </a:r>
+            <a:r>
+              <a:rPr lang="en-US" dirty="0" smtClean="0"/>
+              <a:t> - </a:t>
+            </a:r>
+            <a:r>
+              <a:rPr lang="en-US" dirty="0" err="1" smtClean="0"/>
+              <a:t>Titouan</a:t>
+            </a:r>
+            <a:r>
+              <a:rPr lang="en-US" dirty="0" smtClean="0"/>
+              <a:t> </a:t>
+            </a:r>
+            <a:r>
+              <a:rPr lang="en-US" dirty="0" err="1" smtClean="0"/>
+              <a:t>Bouete</a:t>
+            </a:r>
+            <a:r>
+              <a:rPr lang="en-US" dirty="0" smtClean="0"/>
+              <a:t>-Giraud - Guillaume Robert - 1A</a:t>
             </a:r>
             <a:endParaRPr lang="en-US" dirty="0"/>
           </a:p>
@@ -30013,14 +30637,10 @@
       </p:sp>
       <p:graphicFrame>
         <p:nvGraphicFramePr>
-          <p:cNvPr id="11" name="Diagramme 10"/>
+          <p:cNvPr id="10" name="Diagramme 9"/>
           <p:cNvGraphicFramePr/>
           <p:nvPr>
-            <p:extLst>
-              <p:ext uri="{D42A27DB-BD31-4B8C-83A1-F6EECF244321}">
-                <p14:modId xmlns:p14="http://schemas.microsoft.com/office/powerpoint/2010/main" val="3017274633"/>
-              </p:ext>
-            </p:extLst>
+            <p:extLst/>
           </p:nvPr>
         </p:nvGraphicFramePr>
         <p:xfrm>
@@ -30029,20 +30649,73 @@
         </p:xfrm>
         <a:graphic>
           <a:graphicData uri="http://schemas.openxmlformats.org/drawingml/2006/diagram">
-            <dgm:relIds xmlns:dgm="http://schemas.openxmlformats.org/drawingml/2006/diagram" xmlns:r="http://schemas.openxmlformats.org/officeDocument/2006/relationships" r:dm="rId2" r:lo="rId3" r:qs="rId4" r:cs="rId5"/>
+            <dgm:relIds xmlns:dgm="http://schemas.openxmlformats.org/drawingml/2006/diagram" xmlns:r="http://schemas.openxmlformats.org/officeDocument/2006/relationships" r:dm="rId3" r:lo="rId4" r:qs="rId5" r:cs="rId6"/>
           </a:graphicData>
         </a:graphic>
       </p:graphicFrame>
+      <p:pic>
+        <p:nvPicPr>
+          <p:cNvPr id="9" name="Espace réservé du contenu 8"/>
+          <p:cNvPicPr>
+            <a:picLocks noGrp="1" noChangeAspect="1"/>
+          </p:cNvPicPr>
+          <p:nvPr>
+            <p:ph idx="1"/>
+          </p:nvPr>
+        </p:nvPicPr>
+        <p:blipFill>
+          <a:blip r:embed="rId8">
+            <a:extLst>
+              <a:ext uri="{28A0092B-C50C-407E-A947-70E740481C1C}">
+                <a14:useLocalDpi xmlns:a14="http://schemas.microsoft.com/office/drawing/2010/main" val="0"/>
+              </a:ext>
+            </a:extLst>
+          </a:blip>
+          <a:stretch>
+            <a:fillRect/>
+          </a:stretch>
+        </p:blipFill>
+        <p:spPr>
+          <a:xfrm>
+            <a:off x="1311579" y="1231528"/>
+            <a:ext cx="10136469" cy="4942974"/>
+          </a:xfrm>
+        </p:spPr>
+      </p:pic>
+      <p:pic>
+        <p:nvPicPr>
+          <p:cNvPr id="11" name="Image 10"/>
+          <p:cNvPicPr>
+            <a:picLocks noChangeAspect="1"/>
+          </p:cNvPicPr>
+          <p:nvPr/>
+        </p:nvPicPr>
+        <p:blipFill>
+          <a:blip r:embed="rId9"/>
+          <a:stretch>
+            <a:fillRect/>
+          </a:stretch>
+        </p:blipFill>
+        <p:spPr>
+          <a:xfrm>
+            <a:off x="3531918" y="5738912"/>
+            <a:ext cx="404398" cy="383114"/>
+          </a:xfrm>
+          <a:prstGeom prst="rect">
+            <a:avLst/>
+          </a:prstGeom>
+        </p:spPr>
+      </p:pic>
       <p:sp>
         <p:nvSpPr>
-          <p:cNvPr id="14" name="ZoneTexte 13"/>
+          <p:cNvPr id="12" name="ZoneTexte 11"/>
           <p:cNvSpPr txBox="1"/>
           <p:nvPr/>
         </p:nvSpPr>
         <p:spPr>
           <a:xfrm>
-            <a:off x="7257890" y="5225845"/>
-            <a:ext cx="1450063" cy="584775"/>
+            <a:off x="3992880" y="5752694"/>
+            <a:ext cx="3169920" cy="369332"/>
           </a:xfrm>
           <a:prstGeom prst="rect">
             <a:avLst/>
@@ -30056,203 +30729,17 @@
           <a:lstStyle/>
           <a:p>
             <a:r>
-              <a:rPr lang="fr-FR" sz="3200" dirty="0" smtClean="0"/>
-              <a:t>100 %</a:t>
+              <a:rPr lang="fr-FR" dirty="0" smtClean="0"/>
+              <a:t>Temps de travail rajouté</a:t>
             </a:r>
-            <a:endParaRPr lang="fr-FR" sz="3200" dirty="0"/>
-          </a:p>
-        </p:txBody>
-      </p:sp>
-      <p:pic>
-        <p:nvPicPr>
-          <p:cNvPr id="16" name="Image 15"/>
-          <p:cNvPicPr>
-            <a:picLocks noChangeAspect="1"/>
-          </p:cNvPicPr>
-          <p:nvPr/>
-        </p:nvPicPr>
-        <p:blipFill>
-          <a:blip r:embed="rId7">
-            <a:extLst>
-              <a:ext uri="{28A0092B-C50C-407E-A947-70E740481C1C}">
-                <a14:useLocalDpi xmlns:a14="http://schemas.microsoft.com/office/drawing/2010/main" val="0"/>
-              </a:ext>
-            </a:extLst>
-          </a:blip>
-          <a:stretch>
-            <a:fillRect/>
-          </a:stretch>
-        </p:blipFill>
-        <p:spPr>
-          <a:xfrm>
-            <a:off x="6168041" y="410199"/>
-            <a:ext cx="3763217" cy="6176585"/>
-          </a:xfrm>
-          <a:prstGeom prst="rect">
-            <a:avLst/>
-          </a:prstGeom>
-        </p:spPr>
-      </p:pic>
-      <p:sp>
-        <p:nvSpPr>
-          <p:cNvPr id="17" name="Flèche droite 16"/>
-          <p:cNvSpPr/>
-          <p:nvPr/>
-        </p:nvSpPr>
-        <p:spPr>
-          <a:xfrm>
-            <a:off x="9580738" y="1223548"/>
-            <a:ext cx="584342" cy="369031"/>
-          </a:xfrm>
-          <a:prstGeom prst="rightArrow">
-            <a:avLst/>
-          </a:prstGeom>
-          <a:solidFill>
-            <a:schemeClr val="bg1"/>
-          </a:solidFill>
-          <a:ln>
-            <a:solidFill>
-              <a:schemeClr val="tx1"/>
-            </a:solidFill>
-          </a:ln>
-        </p:spPr>
-        <p:style>
-          <a:lnRef idx="2">
-            <a:schemeClr val="accent1">
-              <a:shade val="50000"/>
-            </a:schemeClr>
-          </a:lnRef>
-          <a:fillRef idx="1">
-            <a:schemeClr val="accent1"/>
-          </a:fillRef>
-          <a:effectRef idx="0">
-            <a:schemeClr val="accent1"/>
-          </a:effectRef>
-          <a:fontRef idx="minor">
-            <a:schemeClr val="lt1"/>
-          </a:fontRef>
-        </p:style>
-        <p:txBody>
-          <a:bodyPr rtlCol="0" anchor="ctr"/>
-          <a:lstStyle/>
-          <a:p>
-            <a:pPr algn="ctr"/>
-            <a:endParaRPr lang="fr-FR"/>
-          </a:p>
-        </p:txBody>
-      </p:sp>
-      <p:sp>
-        <p:nvSpPr>
-          <p:cNvPr id="19" name="Flèche droite 18"/>
-          <p:cNvSpPr/>
-          <p:nvPr/>
-        </p:nvSpPr>
-        <p:spPr>
-          <a:xfrm>
-            <a:off x="9580738" y="1942061"/>
-            <a:ext cx="584342" cy="369031"/>
-          </a:xfrm>
-          <a:prstGeom prst="rightArrow">
-            <a:avLst/>
-          </a:prstGeom>
-          <a:solidFill>
-            <a:schemeClr val="bg1"/>
-          </a:solidFill>
-          <a:ln>
-            <a:solidFill>
-              <a:schemeClr val="tx1"/>
-            </a:solidFill>
-          </a:ln>
-        </p:spPr>
-        <p:style>
-          <a:lnRef idx="2">
-            <a:schemeClr val="accent1">
-              <a:shade val="50000"/>
-            </a:schemeClr>
-          </a:lnRef>
-          <a:fillRef idx="1">
-            <a:schemeClr val="accent1"/>
-          </a:fillRef>
-          <a:effectRef idx="0">
-            <a:schemeClr val="accent1"/>
-          </a:effectRef>
-          <a:fontRef idx="minor">
-            <a:schemeClr val="lt1"/>
-          </a:fontRef>
-        </p:style>
-        <p:txBody>
-          <a:bodyPr rtlCol="0" anchor="ctr"/>
-          <a:lstStyle/>
-          <a:p>
-            <a:pPr algn="ctr"/>
-            <a:endParaRPr lang="fr-FR"/>
-          </a:p>
-        </p:txBody>
-      </p:sp>
-      <p:sp>
-        <p:nvSpPr>
-          <p:cNvPr id="18" name="ZoneTexte 17"/>
-          <p:cNvSpPr txBox="1"/>
-          <p:nvPr/>
-        </p:nvSpPr>
-        <p:spPr>
-          <a:xfrm>
-            <a:off x="10252686" y="1076707"/>
-            <a:ext cx="1293339" cy="646331"/>
-          </a:xfrm>
-          <a:prstGeom prst="rect">
-            <a:avLst/>
-          </a:prstGeom>
-          <a:noFill/>
-        </p:spPr>
-        <p:txBody>
-          <a:bodyPr wrap="square" rtlCol="0">
-            <a:spAutoFit/>
-          </a:bodyPr>
-          <a:lstStyle/>
-          <a:p>
-            <a:r>
-              <a:rPr lang="fr-FR" sz="3600" b="1" dirty="0" smtClean="0"/>
-              <a:t>90%</a:t>
-            </a:r>
-            <a:endParaRPr lang="fr-FR" sz="3600" b="1" dirty="0"/>
-          </a:p>
-        </p:txBody>
-      </p:sp>
-      <p:sp>
-        <p:nvSpPr>
-          <p:cNvPr id="21" name="ZoneTexte 20"/>
-          <p:cNvSpPr txBox="1"/>
-          <p:nvPr/>
-        </p:nvSpPr>
-        <p:spPr>
-          <a:xfrm>
-            <a:off x="10264277" y="1803411"/>
-            <a:ext cx="1478143" cy="646331"/>
-          </a:xfrm>
-          <a:prstGeom prst="rect">
-            <a:avLst/>
-          </a:prstGeom>
-          <a:noFill/>
-        </p:spPr>
-        <p:txBody>
-          <a:bodyPr wrap="square" rtlCol="0">
-            <a:spAutoFit/>
-          </a:bodyPr>
-          <a:lstStyle/>
-          <a:p>
-            <a:r>
-              <a:rPr lang="fr-FR" sz="3600" b="1" dirty="0" smtClean="0"/>
-              <a:t>100%</a:t>
-            </a:r>
-            <a:endParaRPr lang="fr-FR" sz="3600" b="1" dirty="0"/>
+            <a:endParaRPr lang="fr-FR" dirty="0"/>
           </a:p>
         </p:txBody>
       </p:sp>
     </p:spTree>
     <p:extLst>
       <p:ext uri="{BB962C8B-B14F-4D97-AF65-F5344CB8AC3E}">
-        <p14:creationId xmlns:p14="http://schemas.microsoft.com/office/powerpoint/2010/main" val="271093917"/>
+        <p14:creationId xmlns:p14="http://schemas.microsoft.com/office/powerpoint/2010/main" val="3371178201"/>
       </p:ext>
     </p:extLst>
   </p:cSld>
@@ -30366,6 +30853,15 @@
               <a:rPr lang="fr-FR" dirty="0" smtClean="0"/>
               <a:t> Partage de responsabilité</a:t>
             </a:r>
+          </a:p>
+          <a:p>
+            <a:endParaRPr lang="fr-FR" dirty="0"/>
+          </a:p>
+          <a:p>
+            <a:r>
+              <a:rPr lang="fr-FR" dirty="0" smtClean="0"/>
+              <a:t>Communication </a:t>
+            </a:r>
             <a:endParaRPr lang="fr-FR" dirty="0"/>
           </a:p>
         </p:txBody>
@@ -30390,6 +30886,10 @@
               <a:pPr/>
               <a:t>8</a:t>
             </a:fld>
+            <a:r>
+              <a:rPr lang="en-US" dirty="0" smtClean="0"/>
+              <a:t>/8</a:t>
+            </a:r>
             <a:endParaRPr lang="en-US" dirty="0"/>
           </a:p>
         </p:txBody>
@@ -31062,6 +31562,66 @@
           </a:graphicData>
         </a:graphic>
       </p:graphicFrame>
+      <p:pic>
+        <p:nvPicPr>
+          <p:cNvPr id="13" name="Image 12"/>
+          <p:cNvPicPr>
+            <a:picLocks noChangeAspect="1"/>
+          </p:cNvPicPr>
+          <p:nvPr/>
+        </p:nvPicPr>
+        <p:blipFill>
+          <a:blip r:embed="rId2">
+            <a:extLst>
+              <a:ext uri="{28A0092B-C50C-407E-A947-70E740481C1C}">
+                <a14:useLocalDpi xmlns:a14="http://schemas.microsoft.com/office/drawing/2010/main" val="0"/>
+              </a:ext>
+            </a:extLst>
+          </a:blip>
+          <a:stretch>
+            <a:fillRect/>
+          </a:stretch>
+        </p:blipFill>
+        <p:spPr>
+          <a:xfrm>
+            <a:off x="3818770" y="4453350"/>
+            <a:ext cx="684173" cy="684173"/>
+          </a:xfrm>
+          <a:prstGeom prst="rect">
+            <a:avLst/>
+          </a:prstGeom>
+        </p:spPr>
+      </p:pic>
+      <p:pic>
+        <p:nvPicPr>
+          <p:cNvPr id="14" name="Image 13"/>
+          <p:cNvPicPr>
+            <a:picLocks noChangeAspect="1"/>
+          </p:cNvPicPr>
+          <p:nvPr/>
+        </p:nvPicPr>
+        <p:blipFill>
+          <a:blip r:embed="rId8">
+            <a:extLst>
+              <a:ext uri="{28A0092B-C50C-407E-A947-70E740481C1C}">
+                <a14:useLocalDpi xmlns:a14="http://schemas.microsoft.com/office/drawing/2010/main" val="0"/>
+              </a:ext>
+            </a:extLst>
+          </a:blip>
+          <a:stretch>
+            <a:fillRect/>
+          </a:stretch>
+        </p:blipFill>
+        <p:spPr>
+          <a:xfrm>
+            <a:off x="3876336" y="5407155"/>
+            <a:ext cx="1253214" cy="1253214"/>
+          </a:xfrm>
+          <a:prstGeom prst="rect">
+            <a:avLst/>
+          </a:prstGeom>
+        </p:spPr>
+      </p:pic>
     </p:spTree>
     <p:extLst>
       <p:ext uri="{BB962C8B-B14F-4D97-AF65-F5344CB8AC3E}">
@@ -31264,7 +31824,7 @@
                             </p:stCondLst>
                             <p:childTnLst>
                               <p:par>
-                                <p:cTn id="20" presetID="10" presetClass="entr" presetSubtype="0" fill="hold" grpId="0" nodeType="clickEffect">
+                                <p:cTn id="20" presetID="10" presetClass="entr" presetSubtype="0" fill="hold" nodeType="clickEffect">
                                   <p:stCondLst>
                                     <p:cond delay="0"/>
                                   </p:stCondLst>
@@ -31277,7 +31837,7 @@
                                           </p:stCondLst>
                                         </p:cTn>
                                         <p:tgtEl>
-                                          <p:spTgt spid="10"/>
+                                          <p:spTgt spid="13"/>
                                         </p:tgtEl>
                                         <p:attrNameLst>
                                           <p:attrName>style.visibility</p:attrName>
@@ -31291,7 +31851,7 @@
                                       <p:cBhvr>
                                         <p:cTn id="22" dur="500"/>
                                         <p:tgtEl>
-                                          <p:spTgt spid="10"/>
+                                          <p:spTgt spid="13"/>
                                         </p:tgtEl>
                                       </p:cBhvr>
                                     </p:animEffect>
@@ -31330,6 +31890,59 @@
                                           </p:stCondLst>
                                         </p:cTn>
                                         <p:tgtEl>
+                                          <p:spTgt spid="10"/>
+                                        </p:tgtEl>
+                                        <p:attrNameLst>
+                                          <p:attrName>style.visibility</p:attrName>
+                                        </p:attrNameLst>
+                                      </p:cBhvr>
+                                      <p:to>
+                                        <p:strVal val="visible"/>
+                                      </p:to>
+                                    </p:set>
+                                    <p:animEffect transition="in" filter="fade">
+                                      <p:cBhvr>
+                                        <p:cTn id="27" dur="500"/>
+                                        <p:tgtEl>
+                                          <p:spTgt spid="10"/>
+                                        </p:tgtEl>
+                                      </p:cBhvr>
+                                    </p:animEffect>
+                                  </p:childTnLst>
+                                </p:cTn>
+                              </p:par>
+                            </p:childTnLst>
+                          </p:cTn>
+                        </p:par>
+                      </p:childTnLst>
+                    </p:cTn>
+                  </p:par>
+                  <p:par>
+                    <p:cTn id="28" fill="hold">
+                      <p:stCondLst>
+                        <p:cond delay="indefinite"/>
+                      </p:stCondLst>
+                      <p:childTnLst>
+                        <p:par>
+                          <p:cTn id="29" fill="hold">
+                            <p:stCondLst>
+                              <p:cond delay="0"/>
+                            </p:stCondLst>
+                            <p:childTnLst>
+                              <p:par>
+                                <p:cTn id="30" presetID="10" presetClass="entr" presetSubtype="0" fill="hold" grpId="0" nodeType="clickEffect">
+                                  <p:stCondLst>
+                                    <p:cond delay="0"/>
+                                  </p:stCondLst>
+                                  <p:childTnLst>
+                                    <p:set>
+                                      <p:cBhvr>
+                                        <p:cTn id="31" dur="1" fill="hold">
+                                          <p:stCondLst>
+                                            <p:cond delay="0"/>
+                                          </p:stCondLst>
+                                        </p:cTn>
+                                        <p:tgtEl>
                                           <p:spTgt spid="11"/>
                                         </p:tgtEl>
                                         <p:attrNameLst>
@@ -31342,7 +31955,7 @@
                                     </p:set>
                                     <p:animEffect transition="in" filter="fade">
                                       <p:cBhvr>
-                                        <p:cTn id="27" dur="500"/>
+                                        <p:cTn id="32" dur="500"/>
                                         <p:tgtEl>
                                           <p:spTgt spid="11"/>
                                         </p:tgtEl>

--- a/IHearISay/I_HEAR_I_SAY_Bilan.pptx
+++ b/IHearISay/I_HEAR_I_SAY_Bilan.pptx
@@ -5,17 +5,18 @@
     <p:sldMasterId id="2147483648" r:id="rId1"/>
   </p:sldMasterIdLst>
   <p:notesMasterIdLst>
-    <p:notesMasterId r:id="rId10"/>
+    <p:notesMasterId r:id="rId11"/>
   </p:notesMasterIdLst>
   <p:sldIdLst>
     <p:sldId id="256" r:id="rId2"/>
     <p:sldId id="258" r:id="rId3"/>
     <p:sldId id="269" r:id="rId4"/>
-    <p:sldId id="266" r:id="rId5"/>
-    <p:sldId id="259" r:id="rId6"/>
-    <p:sldId id="260" r:id="rId7"/>
-    <p:sldId id="262" r:id="rId8"/>
-    <p:sldId id="268" r:id="rId9"/>
+    <p:sldId id="259" r:id="rId5"/>
+    <p:sldId id="260" r:id="rId6"/>
+    <p:sldId id="262" r:id="rId7"/>
+    <p:sldId id="268" r:id="rId8"/>
+    <p:sldId id="271" r:id="rId9"/>
+    <p:sldId id="272" r:id="rId10"/>
   </p:sldIdLst>
   <p:sldSz cx="12192000" cy="6858000"/>
   <p:notesSz cx="6858000" cy="9144000"/>
@@ -4605,6 +4606,753 @@
 </file>
 
 <file path=ppt/diagrams/colors7.xml><?xml version="1.0" encoding="utf-8"?>
+<dgm:colorsDef xmlns:dgm="http://schemas.openxmlformats.org/drawingml/2006/diagram" xmlns:a="http://schemas.openxmlformats.org/drawingml/2006/main" uniqueId="urn:microsoft.com/office/officeart/2005/8/colors/accent1_2">
+  <dgm:title val=""/>
+  <dgm:desc val=""/>
+  <dgm:catLst>
+    <dgm:cat type="accent1" pri="11200"/>
+  </dgm:catLst>
+  <dgm:styleLbl name="node0">
+    <dgm:fillClrLst meth="repeat">
+      <a:schemeClr val="accent1"/>
+    </dgm:fillClrLst>
+    <dgm:linClrLst meth="repeat">
+      <a:schemeClr val="lt1"/>
+    </dgm:linClrLst>
+    <dgm:effectClrLst/>
+    <dgm:txLinClrLst/>
+    <dgm:txFillClrLst/>
+    <dgm:txEffectClrLst/>
+  </dgm:styleLbl>
+  <dgm:styleLbl name="alignNode1">
+    <dgm:fillClrLst meth="repeat">
+      <a:schemeClr val="accent1"/>
+    </dgm:fillClrLst>
+    <dgm:linClrLst meth="repeat">
+      <a:schemeClr val="accent1"/>
+    </dgm:linClrLst>
+    <dgm:effectClrLst/>
+    <dgm:txLinClrLst/>
+    <dgm:txFillClrLst/>
+    <dgm:txEffectClrLst/>
+  </dgm:styleLbl>
+  <dgm:styleLbl name="node1">
+    <dgm:fillClrLst meth="repeat">
+      <a:schemeClr val="accent1"/>
+    </dgm:fillClrLst>
+    <dgm:linClrLst meth="repeat">
+      <a:schemeClr val="lt1"/>
+    </dgm:linClrLst>
+    <dgm:effectClrLst/>
+    <dgm:txLinClrLst/>
+    <dgm:txFillClrLst/>
+    <dgm:txEffectClrLst/>
+  </dgm:styleLbl>
+  <dgm:styleLbl name="lnNode1">
+    <dgm:fillClrLst meth="repeat">
+      <a:schemeClr val="accent1"/>
+    </dgm:fillClrLst>
+    <dgm:linClrLst meth="repeat">
+      <a:schemeClr val="lt1"/>
+    </dgm:linClrLst>
+    <dgm:effectClrLst/>
+    <dgm:txLinClrLst/>
+    <dgm:txFillClrLst/>
+    <dgm:txEffectClrLst/>
+  </dgm:styleLbl>
+  <dgm:styleLbl name="vennNode1">
+    <dgm:fillClrLst meth="repeat">
+      <a:schemeClr val="accent1">
+        <a:alpha val="50000"/>
+      </a:schemeClr>
+    </dgm:fillClrLst>
+    <dgm:linClrLst meth="repeat">
+      <a:schemeClr val="lt1"/>
+    </dgm:linClrLst>
+    <dgm:effectClrLst/>
+    <dgm:txLinClrLst/>
+    <dgm:txFillClrLst/>
+    <dgm:txEffectClrLst/>
+  </dgm:styleLbl>
+  <dgm:styleLbl name="node2">
+    <dgm:fillClrLst meth="repeat">
+      <a:schemeClr val="accent1"/>
+    </dgm:fillClrLst>
+    <dgm:linClrLst meth="repeat">
+      <a:schemeClr val="lt1"/>
+    </dgm:linClrLst>
+    <dgm:effectClrLst/>
+    <dgm:txLinClrLst/>
+    <dgm:txFillClrLst/>
+    <dgm:txEffectClrLst/>
+  </dgm:styleLbl>
+  <dgm:styleLbl name="node3">
+    <dgm:fillClrLst meth="repeat">
+      <a:schemeClr val="accent1"/>
+    </dgm:fillClrLst>
+    <dgm:linClrLst meth="repeat">
+      <a:schemeClr val="lt1"/>
+    </dgm:linClrLst>
+    <dgm:effectClrLst/>
+    <dgm:txLinClrLst/>
+    <dgm:txFillClrLst/>
+    <dgm:txEffectClrLst/>
+  </dgm:styleLbl>
+  <dgm:styleLbl name="node4">
+    <dgm:fillClrLst meth="repeat">
+      <a:schemeClr val="accent1"/>
+    </dgm:fillClrLst>
+    <dgm:linClrLst meth="repeat">
+      <a:schemeClr val="lt1"/>
+    </dgm:linClrLst>
+    <dgm:effectClrLst/>
+    <dgm:txLinClrLst/>
+    <dgm:txFillClrLst/>
+    <dgm:txEffectClrLst/>
+  </dgm:styleLbl>
+  <dgm:styleLbl name="fgImgPlace1">
+    <dgm:fillClrLst meth="repeat">
+      <a:schemeClr val="accent1">
+        <a:tint val="50000"/>
+      </a:schemeClr>
+    </dgm:fillClrLst>
+    <dgm:linClrLst meth="repeat">
+      <a:schemeClr val="lt1"/>
+    </dgm:linClrLst>
+    <dgm:effectClrLst/>
+    <dgm:txLinClrLst/>
+    <dgm:txFillClrLst meth="repeat">
+      <a:schemeClr val="lt1"/>
+    </dgm:txFillClrLst>
+    <dgm:txEffectClrLst/>
+  </dgm:styleLbl>
+  <dgm:styleLbl name="alignImgPlace1">
+    <dgm:fillClrLst meth="repeat">
+      <a:schemeClr val="accent1">
+        <a:tint val="50000"/>
+      </a:schemeClr>
+    </dgm:fillClrLst>
+    <dgm:linClrLst meth="repeat">
+      <a:schemeClr val="lt1"/>
+    </dgm:linClrLst>
+    <dgm:effectClrLst/>
+    <dgm:txLinClrLst/>
+    <dgm:txFillClrLst meth="repeat">
+      <a:schemeClr val="lt1"/>
+    </dgm:txFillClrLst>
+    <dgm:txEffectClrLst/>
+  </dgm:styleLbl>
+  <dgm:styleLbl name="bgImgPlace1">
+    <dgm:fillClrLst meth="repeat">
+      <a:schemeClr val="accent1">
+        <a:tint val="50000"/>
+      </a:schemeClr>
+    </dgm:fillClrLst>
+    <dgm:linClrLst meth="repeat">
+      <a:schemeClr val="lt1"/>
+    </dgm:linClrLst>
+    <dgm:effectClrLst/>
+    <dgm:txLinClrLst/>
+    <dgm:txFillClrLst meth="repeat">
+      <a:schemeClr val="lt1"/>
+    </dgm:txFillClrLst>
+    <dgm:txEffectClrLst/>
+  </dgm:styleLbl>
+  <dgm:styleLbl name="sibTrans2D1">
+    <dgm:fillClrLst meth="repeat">
+      <a:schemeClr val="accent1">
+        <a:tint val="60000"/>
+      </a:schemeClr>
+    </dgm:fillClrLst>
+    <dgm:linClrLst meth="repeat">
+      <a:schemeClr val="accent1">
+        <a:tint val="60000"/>
+      </a:schemeClr>
+    </dgm:linClrLst>
+    <dgm:effectClrLst/>
+    <dgm:txLinClrLst/>
+    <dgm:txFillClrLst/>
+    <dgm:txEffectClrLst/>
+  </dgm:styleLbl>
+  <dgm:styleLbl name="fgSibTrans2D1">
+    <dgm:fillClrLst meth="repeat">
+      <a:schemeClr val="accent1">
+        <a:tint val="60000"/>
+      </a:schemeClr>
+    </dgm:fillClrLst>
+    <dgm:linClrLst meth="repeat">
+      <a:schemeClr val="accent1">
+        <a:tint val="60000"/>
+      </a:schemeClr>
+    </dgm:linClrLst>
+    <dgm:effectClrLst/>
+    <dgm:txLinClrLst/>
+    <dgm:txFillClrLst/>
+    <dgm:txEffectClrLst/>
+  </dgm:styleLbl>
+  <dgm:styleLbl name="bgSibTrans2D1">
+    <dgm:fillClrLst meth="repeat">
+      <a:schemeClr val="accent1">
+        <a:tint val="60000"/>
+      </a:schemeClr>
+    </dgm:fillClrLst>
+    <dgm:linClrLst meth="repeat">
+      <a:schemeClr val="accent1">
+        <a:tint val="60000"/>
+      </a:schemeClr>
+    </dgm:linClrLst>
+    <dgm:effectClrLst/>
+    <dgm:txLinClrLst/>
+    <dgm:txFillClrLst/>
+    <dgm:txEffectClrLst/>
+  </dgm:styleLbl>
+  <dgm:styleLbl name="sibTrans1D1">
+    <dgm:fillClrLst meth="repeat">
+      <a:schemeClr val="accent1"/>
+    </dgm:fillClrLst>
+    <dgm:linClrLst meth="repeat">
+      <a:schemeClr val="accent1"/>
+    </dgm:linClrLst>
+    <dgm:effectClrLst/>
+    <dgm:txLinClrLst/>
+    <dgm:txFillClrLst meth="repeat">
+      <a:schemeClr val="tx1"/>
+    </dgm:txFillClrLst>
+    <dgm:txEffectClrLst/>
+  </dgm:styleLbl>
+  <dgm:styleLbl name="callout">
+    <dgm:fillClrLst meth="repeat">
+      <a:schemeClr val="accent1"/>
+    </dgm:fillClrLst>
+    <dgm:linClrLst meth="repeat">
+      <a:schemeClr val="accent1">
+        <a:tint val="50000"/>
+      </a:schemeClr>
+    </dgm:linClrLst>
+    <dgm:effectClrLst/>
+    <dgm:txLinClrLst/>
+    <dgm:txFillClrLst meth="repeat">
+      <a:schemeClr val="tx1"/>
+    </dgm:txFillClrLst>
+    <dgm:txEffectClrLst/>
+  </dgm:styleLbl>
+  <dgm:styleLbl name="asst0">
+    <dgm:fillClrLst meth="repeat">
+      <a:schemeClr val="accent1"/>
+    </dgm:fillClrLst>
+    <dgm:linClrLst meth="repeat">
+      <a:schemeClr val="lt1"/>
+    </dgm:linClrLst>
+    <dgm:effectClrLst/>
+    <dgm:txLinClrLst/>
+    <dgm:txFillClrLst/>
+    <dgm:txEffectClrLst/>
+  </dgm:styleLbl>
+  <dgm:styleLbl name="asst1">
+    <dgm:fillClrLst meth="repeat">
+      <a:schemeClr val="accent1"/>
+    </dgm:fillClrLst>
+    <dgm:linClrLst meth="repeat">
+      <a:schemeClr val="lt1"/>
+    </dgm:linClrLst>
+    <dgm:effectClrLst/>
+    <dgm:txLinClrLst/>
+    <dgm:txFillClrLst/>
+    <dgm:txEffectClrLst/>
+  </dgm:styleLbl>
+  <dgm:styleLbl name="asst2">
+    <dgm:fillClrLst meth="repeat">
+      <a:schemeClr val="accent1"/>
+    </dgm:fillClrLst>
+    <dgm:linClrLst meth="repeat">
+      <a:schemeClr val="lt1"/>
+    </dgm:linClrLst>
+    <dgm:effectClrLst/>
+    <dgm:txLinClrLst/>
+    <dgm:txFillClrLst/>
+    <dgm:txEffectClrLst/>
+  </dgm:styleLbl>
+  <dgm:styleLbl name="asst3">
+    <dgm:fillClrLst meth="repeat">
+      <a:schemeClr val="accent1"/>
+    </dgm:fillClrLst>
+    <dgm:linClrLst meth="repeat">
+      <a:schemeClr val="lt1"/>
+    </dgm:linClrLst>
+    <dgm:effectClrLst/>
+    <dgm:txLinClrLst/>
+    <dgm:txFillClrLst/>
+    <dgm:txEffectClrLst/>
+  </dgm:styleLbl>
+  <dgm:styleLbl name="asst4">
+    <dgm:fillClrLst meth="repeat">
+      <a:schemeClr val="accent1"/>
+    </dgm:fillClrLst>
+    <dgm:linClrLst meth="repeat">
+      <a:schemeClr val="lt1"/>
+    </dgm:linClrLst>
+    <dgm:effectClrLst/>
+    <dgm:txLinClrLst/>
+    <dgm:txFillClrLst/>
+    <dgm:txEffectClrLst/>
+  </dgm:styleLbl>
+  <dgm:styleLbl name="parChTrans2D1">
+    <dgm:fillClrLst meth="repeat">
+      <a:schemeClr val="accent1">
+        <a:tint val="60000"/>
+      </a:schemeClr>
+    </dgm:fillClrLst>
+    <dgm:linClrLst meth="repeat">
+      <a:schemeClr val="accent1">
+        <a:tint val="60000"/>
+      </a:schemeClr>
+    </dgm:linClrLst>
+    <dgm:effectClrLst/>
+    <dgm:txLinClrLst/>
+    <dgm:txFillClrLst meth="repeat">
+      <a:schemeClr val="lt1"/>
+    </dgm:txFillClrLst>
+    <dgm:txEffectClrLst/>
+  </dgm:styleLbl>
+  <dgm:styleLbl name="parChTrans2D2">
+    <dgm:fillClrLst meth="repeat">
+      <a:schemeClr val="accent1"/>
+    </dgm:fillClrLst>
+    <dgm:linClrLst meth="repeat">
+      <a:schemeClr val="accent1"/>
+    </dgm:linClrLst>
+    <dgm:effectClrLst/>
+    <dgm:txLinClrLst/>
+    <dgm:txFillClrLst meth="repeat">
+      <a:schemeClr val="lt1"/>
+    </dgm:txFillClrLst>
+    <dgm:txEffectClrLst/>
+  </dgm:styleLbl>
+  <dgm:styleLbl name="parChTrans2D3">
+    <dgm:fillClrLst meth="repeat">
+      <a:schemeClr val="accent1"/>
+    </dgm:fillClrLst>
+    <dgm:linClrLst meth="repeat">
+      <a:schemeClr val="accent1"/>
+    </dgm:linClrLst>
+    <dgm:effectClrLst/>
+    <dgm:txLinClrLst/>
+    <dgm:txFillClrLst meth="repeat">
+      <a:schemeClr val="lt1"/>
+    </dgm:txFillClrLst>
+    <dgm:txEffectClrLst/>
+  </dgm:styleLbl>
+  <dgm:styleLbl name="parChTrans2D4">
+    <dgm:fillClrLst meth="repeat">
+      <a:schemeClr val="accent1"/>
+    </dgm:fillClrLst>
+    <dgm:linClrLst meth="repeat">
+      <a:schemeClr val="accent1"/>
+    </dgm:linClrLst>
+    <dgm:effectClrLst/>
+    <dgm:txLinClrLst/>
+    <dgm:txFillClrLst meth="repeat">
+      <a:schemeClr val="lt1"/>
+    </dgm:txFillClrLst>
+    <dgm:txEffectClrLst/>
+  </dgm:styleLbl>
+  <dgm:styleLbl name="parChTrans1D1">
+    <dgm:fillClrLst meth="repeat">
+      <a:schemeClr val="accent1"/>
+    </dgm:fillClrLst>
+    <dgm:linClrLst meth="repeat">
+      <a:schemeClr val="accent1">
+        <a:shade val="60000"/>
+      </a:schemeClr>
+    </dgm:linClrLst>
+    <dgm:effectClrLst/>
+    <dgm:txLinClrLst/>
+    <dgm:txFillClrLst meth="repeat">
+      <a:schemeClr val="tx1"/>
+    </dgm:txFillClrLst>
+    <dgm:txEffectClrLst/>
+  </dgm:styleLbl>
+  <dgm:styleLbl name="parChTrans1D2">
+    <dgm:fillClrLst meth="repeat">
+      <a:schemeClr val="accent1"/>
+    </dgm:fillClrLst>
+    <dgm:linClrLst meth="repeat">
+      <a:schemeClr val="accent1">
+        <a:shade val="60000"/>
+      </a:schemeClr>
+    </dgm:linClrLst>
+    <dgm:effectClrLst/>
+    <dgm:txLinClrLst/>
+    <dgm:txFillClrLst meth="repeat">
+      <a:schemeClr val="tx1"/>
+    </dgm:txFillClrLst>
+    <dgm:txEffectClrLst/>
+  </dgm:styleLbl>
+  <dgm:styleLbl name="parChTrans1D3">
+    <dgm:fillClrLst meth="repeat">
+      <a:schemeClr val="accent1"/>
+    </dgm:fillClrLst>
+    <dgm:linClrLst meth="repeat">
+      <a:schemeClr val="accent1">
+        <a:shade val="80000"/>
+      </a:schemeClr>
+    </dgm:linClrLst>
+    <dgm:effectClrLst/>
+    <dgm:txLinClrLst/>
+    <dgm:txFillClrLst meth="repeat">
+      <a:schemeClr val="tx1"/>
+    </dgm:txFillClrLst>
+    <dgm:txEffectClrLst/>
+  </dgm:styleLbl>
+  <dgm:styleLbl name="parChTrans1D4">
+    <dgm:fillClrLst meth="repeat">
+      <a:schemeClr val="accent1"/>
+    </dgm:fillClrLst>
+    <dgm:linClrLst meth="repeat">
+      <a:schemeClr val="accent1">
+        <a:shade val="80000"/>
+      </a:schemeClr>
+    </dgm:linClrLst>
+    <dgm:effectClrLst/>
+    <dgm:txLinClrLst/>
+    <dgm:txFillClrLst meth="repeat">
+      <a:schemeClr val="tx1"/>
+    </dgm:txFillClrLst>
+    <dgm:txEffectClrLst/>
+  </dgm:styleLbl>
+  <dgm:styleLbl name="fgAcc1">
+    <dgm:fillClrLst meth="repeat">
+      <a:schemeClr val="lt1">
+        <a:alpha val="90000"/>
+      </a:schemeClr>
+    </dgm:fillClrLst>
+    <dgm:linClrLst meth="repeat">
+      <a:schemeClr val="accent1"/>
+    </dgm:linClrLst>
+    <dgm:effectClrLst/>
+    <dgm:txLinClrLst/>
+    <dgm:txFillClrLst meth="repeat">
+      <a:schemeClr val="dk1"/>
+    </dgm:txFillClrLst>
+    <dgm:txEffectClrLst/>
+  </dgm:styleLbl>
+  <dgm:styleLbl name="conFgAcc1">
+    <dgm:fillClrLst meth="repeat">
+      <a:schemeClr val="lt1">
+        <a:alpha val="90000"/>
+      </a:schemeClr>
+    </dgm:fillClrLst>
+    <dgm:linClrLst meth="repeat">
+      <a:schemeClr val="accent1"/>
+    </dgm:linClrLst>
+    <dgm:effectClrLst/>
+    <dgm:txLinClrLst/>
+    <dgm:txFillClrLst meth="repeat">
+      <a:schemeClr val="dk1"/>
+    </dgm:txFillClrLst>
+    <dgm:txEffectClrLst/>
+  </dgm:styleLbl>
+  <dgm:styleLbl name="alignAcc1">
+    <dgm:fillClrLst meth="repeat">
+      <a:schemeClr val="lt1">
+        <a:alpha val="90000"/>
+      </a:schemeClr>
+    </dgm:fillClrLst>
+    <dgm:linClrLst meth="repeat">
+      <a:schemeClr val="accent1"/>
+    </dgm:linClrLst>
+    <dgm:effectClrLst/>
+    <dgm:txLinClrLst/>
+    <dgm:txFillClrLst meth="repeat">
+      <a:schemeClr val="dk1"/>
+    </dgm:txFillClrLst>
+    <dgm:txEffectClrLst/>
+  </dgm:styleLbl>
+  <dgm:styleLbl name="trAlignAcc1">
+    <dgm:fillClrLst meth="repeat">
+      <a:schemeClr val="lt1">
+        <a:alpha val="40000"/>
+      </a:schemeClr>
+    </dgm:fillClrLst>
+    <dgm:linClrLst meth="repeat">
+      <a:schemeClr val="accent1"/>
+    </dgm:linClrLst>
+    <dgm:effectClrLst/>
+    <dgm:txLinClrLst/>
+    <dgm:txFillClrLst meth="repeat">
+      <a:schemeClr val="dk1"/>
+    </dgm:txFillClrLst>
+    <dgm:txEffectClrLst/>
+  </dgm:styleLbl>
+  <dgm:styleLbl name="bgAcc1">
+    <dgm:fillClrLst meth="repeat">
+      <a:schemeClr val="lt1">
+        <a:alpha val="90000"/>
+      </a:schemeClr>
+    </dgm:fillClrLst>
+    <dgm:linClrLst meth="repeat">
+      <a:schemeClr val="accent1"/>
+    </dgm:linClrLst>
+    <dgm:effectClrLst/>
+    <dgm:txLinClrLst/>
+    <dgm:txFillClrLst meth="repeat">
+      <a:schemeClr val="dk1"/>
+    </dgm:txFillClrLst>
+    <dgm:txEffectClrLst/>
+  </dgm:styleLbl>
+  <dgm:styleLbl name="solidFgAcc1">
+    <dgm:fillClrLst meth="repeat">
+      <a:schemeClr val="lt1"/>
+    </dgm:fillClrLst>
+    <dgm:linClrLst meth="repeat">
+      <a:schemeClr val="accent1"/>
+    </dgm:linClrLst>
+    <dgm:effectClrLst/>
+    <dgm:txLinClrLst/>
+    <dgm:txFillClrLst meth="repeat">
+      <a:schemeClr val="dk1"/>
+    </dgm:txFillClrLst>
+    <dgm:txEffectClrLst/>
+  </dgm:styleLbl>
+  <dgm:styleLbl name="solidAlignAcc1">
+    <dgm:fillClrLst meth="repeat">
+      <a:schemeClr val="lt1"/>
+    </dgm:fillClrLst>
+    <dgm:linClrLst meth="repeat">
+      <a:schemeClr val="accent1"/>
+    </dgm:linClrLst>
+    <dgm:effectClrLst/>
+    <dgm:txLinClrLst/>
+    <dgm:txFillClrLst meth="repeat">
+      <a:schemeClr val="dk1"/>
+    </dgm:txFillClrLst>
+    <dgm:txEffectClrLst/>
+  </dgm:styleLbl>
+  <dgm:styleLbl name="solidBgAcc1">
+    <dgm:fillClrLst meth="repeat">
+      <a:schemeClr val="lt1"/>
+    </dgm:fillClrLst>
+    <dgm:linClrLst meth="repeat">
+      <a:schemeClr val="accent1"/>
+    </dgm:linClrLst>
+    <dgm:effectClrLst/>
+    <dgm:txLinClrLst/>
+    <dgm:txFillClrLst meth="repeat">
+      <a:schemeClr val="dk1"/>
+    </dgm:txFillClrLst>
+    <dgm:txEffectClrLst/>
+  </dgm:styleLbl>
+  <dgm:styleLbl name="fgAccFollowNode1">
+    <dgm:fillClrLst meth="repeat">
+      <a:schemeClr val="accent1">
+        <a:alpha val="90000"/>
+        <a:tint val="40000"/>
+      </a:schemeClr>
+    </dgm:fillClrLst>
+    <dgm:linClrLst meth="repeat">
+      <a:schemeClr val="accent1">
+        <a:alpha val="90000"/>
+        <a:tint val="40000"/>
+      </a:schemeClr>
+    </dgm:linClrLst>
+    <dgm:effectClrLst/>
+    <dgm:txLinClrLst/>
+    <dgm:txFillClrLst meth="repeat">
+      <a:schemeClr val="dk1"/>
+    </dgm:txFillClrLst>
+    <dgm:txEffectClrLst/>
+  </dgm:styleLbl>
+  <dgm:styleLbl name="alignAccFollowNode1">
+    <dgm:fillClrLst meth="repeat">
+      <a:schemeClr val="accent1">
+        <a:alpha val="90000"/>
+        <a:tint val="40000"/>
+      </a:schemeClr>
+    </dgm:fillClrLst>
+    <dgm:linClrLst meth="repeat">
+      <a:schemeClr val="accent1">
+        <a:alpha val="90000"/>
+        <a:tint val="40000"/>
+      </a:schemeClr>
+    </dgm:linClrLst>
+    <dgm:effectClrLst/>
+    <dgm:txLinClrLst/>
+    <dgm:txFillClrLst meth="repeat">
+      <a:schemeClr val="dk1"/>
+    </dgm:txFillClrLst>
+    <dgm:txEffectClrLst/>
+  </dgm:styleLbl>
+  <dgm:styleLbl name="bgAccFollowNode1">
+    <dgm:fillClrLst meth="repeat">
+      <a:schemeClr val="accent1">
+        <a:alpha val="90000"/>
+        <a:tint val="40000"/>
+      </a:schemeClr>
+    </dgm:fillClrLst>
+    <dgm:linClrLst meth="repeat">
+      <a:schemeClr val="accent1">
+        <a:alpha val="90000"/>
+        <a:tint val="40000"/>
+      </a:schemeClr>
+    </dgm:linClrLst>
+    <dgm:effectClrLst/>
+    <dgm:txLinClrLst/>
+    <dgm:txFillClrLst meth="repeat">
+      <a:schemeClr val="dk1"/>
+    </dgm:txFillClrLst>
+    <dgm:txEffectClrLst/>
+  </dgm:styleLbl>
+  <dgm:styleLbl name="fgAcc0">
+    <dgm:fillClrLst meth="repeat">
+      <a:schemeClr val="lt1">
+        <a:alpha val="90000"/>
+      </a:schemeClr>
+    </dgm:fillClrLst>
+    <dgm:linClrLst meth="repeat">
+      <a:schemeClr val="accent1"/>
+    </dgm:linClrLst>
+    <dgm:effectClrLst/>
+    <dgm:txLinClrLst/>
+    <dgm:txFillClrLst meth="repeat">
+      <a:schemeClr val="dk1"/>
+    </dgm:txFillClrLst>
+    <dgm:txEffectClrLst/>
+  </dgm:styleLbl>
+  <dgm:styleLbl name="fgAcc2">
+    <dgm:fillClrLst meth="repeat">
+      <a:schemeClr val="lt1">
+        <a:alpha val="90000"/>
+      </a:schemeClr>
+    </dgm:fillClrLst>
+    <dgm:linClrLst meth="repeat">
+      <a:schemeClr val="accent1"/>
+    </dgm:linClrLst>
+    <dgm:effectClrLst/>
+    <dgm:txLinClrLst/>
+    <dgm:txFillClrLst meth="repeat">
+      <a:schemeClr val="dk1"/>
+    </dgm:txFillClrLst>
+    <dgm:txEffectClrLst/>
+  </dgm:styleLbl>
+  <dgm:styleLbl name="fgAcc3">
+    <dgm:fillClrLst meth="repeat">
+      <a:schemeClr val="lt1">
+        <a:alpha val="90000"/>
+      </a:schemeClr>
+    </dgm:fillClrLst>
+    <dgm:linClrLst meth="repeat">
+      <a:schemeClr val="accent1"/>
+    </dgm:linClrLst>
+    <dgm:effectClrLst/>
+    <dgm:txLinClrLst/>
+    <dgm:txFillClrLst meth="repeat">
+      <a:schemeClr val="dk1"/>
+    </dgm:txFillClrLst>
+    <dgm:txEffectClrLst/>
+  </dgm:styleLbl>
+  <dgm:styleLbl name="fgAcc4">
+    <dgm:fillClrLst meth="repeat">
+      <a:schemeClr val="lt1">
+        <a:alpha val="90000"/>
+      </a:schemeClr>
+    </dgm:fillClrLst>
+    <dgm:linClrLst meth="repeat">
+      <a:schemeClr val="accent1"/>
+    </dgm:linClrLst>
+    <dgm:effectClrLst/>
+    <dgm:txLinClrLst/>
+    <dgm:txFillClrLst meth="repeat">
+      <a:schemeClr val="dk1"/>
+    </dgm:txFillClrLst>
+    <dgm:txEffectClrLst/>
+  </dgm:styleLbl>
+  <dgm:styleLbl name="bgShp">
+    <dgm:fillClrLst meth="repeat">
+      <a:schemeClr val="accent1">
+        <a:tint val="40000"/>
+      </a:schemeClr>
+    </dgm:fillClrLst>
+    <dgm:linClrLst meth="repeat">
+      <a:schemeClr val="accent1"/>
+    </dgm:linClrLst>
+    <dgm:effectClrLst/>
+    <dgm:txLinClrLst/>
+    <dgm:txFillClrLst meth="repeat">
+      <a:schemeClr val="dk1"/>
+    </dgm:txFillClrLst>
+    <dgm:txEffectClrLst/>
+  </dgm:styleLbl>
+  <dgm:styleLbl name="dkBgShp">
+    <dgm:fillClrLst meth="repeat">
+      <a:schemeClr val="accent1">
+        <a:shade val="80000"/>
+      </a:schemeClr>
+    </dgm:fillClrLst>
+    <dgm:linClrLst meth="repeat">
+      <a:schemeClr val="accent1"/>
+    </dgm:linClrLst>
+    <dgm:effectClrLst/>
+    <dgm:txLinClrLst/>
+    <dgm:txFillClrLst meth="repeat">
+      <a:schemeClr val="lt1"/>
+    </dgm:txFillClrLst>
+    <dgm:txEffectClrLst/>
+  </dgm:styleLbl>
+  <dgm:styleLbl name="trBgShp">
+    <dgm:fillClrLst meth="repeat">
+      <a:schemeClr val="accent1">
+        <a:tint val="50000"/>
+        <a:alpha val="40000"/>
+      </a:schemeClr>
+    </dgm:fillClrLst>
+    <dgm:linClrLst meth="repeat">
+      <a:schemeClr val="accent1"/>
+    </dgm:linClrLst>
+    <dgm:effectClrLst/>
+    <dgm:txLinClrLst/>
+    <dgm:txFillClrLst meth="repeat">
+      <a:schemeClr val="lt1"/>
+    </dgm:txFillClrLst>
+    <dgm:txEffectClrLst/>
+  </dgm:styleLbl>
+  <dgm:styleLbl name="fgShp">
+    <dgm:fillClrLst meth="repeat">
+      <a:schemeClr val="accent1">
+        <a:tint val="60000"/>
+      </a:schemeClr>
+    </dgm:fillClrLst>
+    <dgm:linClrLst meth="repeat">
+      <a:schemeClr val="lt1"/>
+    </dgm:linClrLst>
+    <dgm:effectClrLst/>
+    <dgm:txLinClrLst/>
+    <dgm:txFillClrLst meth="repeat">
+      <a:schemeClr val="dk1"/>
+    </dgm:txFillClrLst>
+    <dgm:txEffectClrLst/>
+  </dgm:styleLbl>
+  <dgm:styleLbl name="revTx">
+    <dgm:fillClrLst meth="repeat">
+      <a:schemeClr val="lt1">
+        <a:alpha val="0"/>
+      </a:schemeClr>
+    </dgm:fillClrLst>
+    <dgm:linClrLst meth="repeat">
+      <a:schemeClr val="dk1">
+        <a:alpha val="0"/>
+      </a:schemeClr>
+    </dgm:linClrLst>
+    <dgm:effectClrLst/>
+    <dgm:txLinClrLst/>
+    <dgm:txFillClrLst meth="repeat">
+      <a:schemeClr val="tx1"/>
+    </dgm:txFillClrLst>
+    <dgm:txEffectClrLst/>
+  </dgm:styleLbl>
+</dgm:colorsDef>
+</file>
+
+<file path=ppt/diagrams/colors8.xml><?xml version="1.0" encoding="utf-8"?>
 <dgm:colorsDef xmlns:dgm="http://schemas.openxmlformats.org/drawingml/2006/diagram" xmlns:a="http://schemas.openxmlformats.org/drawingml/2006/main" uniqueId="urn:microsoft.com/office/officeart/2005/8/colors/accent1_2">
   <dgm:title val=""/>
   <dgm:desc val=""/>
@@ -6380,367 +7128,11 @@
     </dgm:pt>
   </dgm:ptLst>
   <dgm:cxnLst>
-    <dgm:cxn modelId="{469C87CF-F5DF-49FE-99F1-2B80000E8C7F}" srcId="{2A76A016-75FB-4EB8-A025-6ACD7A3F5B7D}" destId="{6C099256-A3F1-42A6-931A-474918379EC3}" srcOrd="0" destOrd="0" parTransId="{7AC3B3FF-A9FA-4238-87B0-F8A658AD7018}" sibTransId="{148C0DA2-0218-4FFE-8809-25F2D2ED809C}"/>
-    <dgm:cxn modelId="{56A2BB9E-CCEA-461B-BACB-839D3D3F7CA0}" type="presOf" srcId="{80E5E9DF-95FB-48E6-BD6C-ADC19D57C0A3}" destId="{624C66D0-AA35-4C2D-8400-996503DFD2AE}" srcOrd="0" destOrd="0" presId="urn:microsoft.com/office/officeart/2005/8/layout/chevron1"/>
-    <dgm:cxn modelId="{6C3F1AC4-298B-4D68-A3B6-46A3E4B5E6DC}" srcId="{2A76A016-75FB-4EB8-A025-6ACD7A3F5B7D}" destId="{0259D84A-4796-4366-BA60-D7065EA96C71}" srcOrd="3" destOrd="0" parTransId="{2844B534-BEBF-43CF-B484-5CFCA8900E85}" sibTransId="{CA49B43B-3BCA-497E-B500-5523E9DB4D6C}"/>
-    <dgm:cxn modelId="{06B27306-E20E-4159-96B0-AF5CFA872E16}" type="presOf" srcId="{141F5721-50D1-4463-BE0E-D2740313485D}" destId="{1137F16A-3FBD-40A3-8437-7FEA55E131EF}" srcOrd="0" destOrd="0" presId="urn:microsoft.com/office/officeart/2005/8/layout/chevron1"/>
-    <dgm:cxn modelId="{81938C64-5EF8-4274-AC18-03555E22923A}" type="presOf" srcId="{6C099256-A3F1-42A6-931A-474918379EC3}" destId="{1F6056EB-C534-4970-B58E-AD722CC6900E}" srcOrd="0" destOrd="0" presId="urn:microsoft.com/office/officeart/2005/8/layout/chevron1"/>
-    <dgm:cxn modelId="{B5CFFB9A-371B-4B78-933F-4F6B038AE7FA}" type="presOf" srcId="{2A76A016-75FB-4EB8-A025-6ACD7A3F5B7D}" destId="{2DFC64A5-769C-4372-9615-1FA4B1491470}" srcOrd="0" destOrd="0" presId="urn:microsoft.com/office/officeart/2005/8/layout/chevron1"/>
-    <dgm:cxn modelId="{54CD1257-05B7-4992-90E1-19728B5A48CD}" srcId="{2A76A016-75FB-4EB8-A025-6ACD7A3F5B7D}" destId="{68E789BA-346D-43BD-9465-734B217059F0}" srcOrd="1" destOrd="0" parTransId="{BFCF06E6-B9DC-4E18-9537-7296BC3BCBA2}" sibTransId="{C9B12BE5-522A-43A8-A491-AC2795BA9602}"/>
-    <dgm:cxn modelId="{2F2805D4-64BF-4F3A-8C05-E0BC847D684E}" type="presOf" srcId="{0259D84A-4796-4366-BA60-D7065EA96C71}" destId="{DF757741-D2C4-47CD-B81F-0494B81FB4EA}" srcOrd="0" destOrd="0" presId="urn:microsoft.com/office/officeart/2005/8/layout/chevron1"/>
-    <dgm:cxn modelId="{DAC9D7F0-396E-4DEE-9465-684C88AA5D85}" srcId="{2A76A016-75FB-4EB8-A025-6ACD7A3F5B7D}" destId="{80E5E9DF-95FB-48E6-BD6C-ADC19D57C0A3}" srcOrd="2" destOrd="0" parTransId="{710E6872-57CB-42B7-A54D-88A4118DC8A3}" sibTransId="{B49B5B59-8BFC-448F-B2EE-53202542A6CE}"/>
-    <dgm:cxn modelId="{75D6A02F-BF77-4165-A403-8DB9D4865D53}" type="presOf" srcId="{68E789BA-346D-43BD-9465-734B217059F0}" destId="{1AA5F17D-B47A-4297-B5BB-8C6B99E6C5DA}" srcOrd="0" destOrd="0" presId="urn:microsoft.com/office/officeart/2005/8/layout/chevron1"/>
-    <dgm:cxn modelId="{ACC5D66D-A940-4C16-83F0-C87E584FFD2B}" srcId="{2A76A016-75FB-4EB8-A025-6ACD7A3F5B7D}" destId="{141F5721-50D1-4463-BE0E-D2740313485D}" srcOrd="4" destOrd="0" parTransId="{76CAB4C6-3908-47F3-A9B5-64E31B886BE6}" sibTransId="{3A7DF44F-3F8C-406B-AB9C-2F17AC583398}"/>
-    <dgm:cxn modelId="{B3BA17A5-5415-427B-8E68-AE7164F84547}" type="presParOf" srcId="{2DFC64A5-769C-4372-9615-1FA4B1491470}" destId="{1F6056EB-C534-4970-B58E-AD722CC6900E}" srcOrd="0" destOrd="0" presId="urn:microsoft.com/office/officeart/2005/8/layout/chevron1"/>
-    <dgm:cxn modelId="{CA247C37-42C4-4F17-AEE9-8B76559642E1}" type="presParOf" srcId="{2DFC64A5-769C-4372-9615-1FA4B1491470}" destId="{C077A35C-7EC3-45E8-86F1-4EB37DB15503}" srcOrd="1" destOrd="0" presId="urn:microsoft.com/office/officeart/2005/8/layout/chevron1"/>
-    <dgm:cxn modelId="{C1C1C504-84AC-4D72-B8DF-8FE2D496ED4B}" type="presParOf" srcId="{2DFC64A5-769C-4372-9615-1FA4B1491470}" destId="{1AA5F17D-B47A-4297-B5BB-8C6B99E6C5DA}" srcOrd="2" destOrd="0" presId="urn:microsoft.com/office/officeart/2005/8/layout/chevron1"/>
-    <dgm:cxn modelId="{FA38C4FE-5097-4CF6-929F-99E98709D225}" type="presParOf" srcId="{2DFC64A5-769C-4372-9615-1FA4B1491470}" destId="{4AB4D21E-58BB-49F4-9B51-BB842C62FFF9}" srcOrd="3" destOrd="0" presId="urn:microsoft.com/office/officeart/2005/8/layout/chevron1"/>
-    <dgm:cxn modelId="{BE0ACBF2-1F4A-4BAC-90D7-D6ABB9D3F770}" type="presParOf" srcId="{2DFC64A5-769C-4372-9615-1FA4B1491470}" destId="{624C66D0-AA35-4C2D-8400-996503DFD2AE}" srcOrd="4" destOrd="0" presId="urn:microsoft.com/office/officeart/2005/8/layout/chevron1"/>
-    <dgm:cxn modelId="{70CD04F3-75B3-4D0E-A12D-6FA1BD155D52}" type="presParOf" srcId="{2DFC64A5-769C-4372-9615-1FA4B1491470}" destId="{C839562D-C2F0-4F43-A440-F8EB257A5ED3}" srcOrd="5" destOrd="0" presId="urn:microsoft.com/office/officeart/2005/8/layout/chevron1"/>
-    <dgm:cxn modelId="{AEB5C8E8-8EE9-49B4-B66C-9826E0418482}" type="presParOf" srcId="{2DFC64A5-769C-4372-9615-1FA4B1491470}" destId="{DF757741-D2C4-47CD-B81F-0494B81FB4EA}" srcOrd="6" destOrd="0" presId="urn:microsoft.com/office/officeart/2005/8/layout/chevron1"/>
-    <dgm:cxn modelId="{E462124E-1391-4919-8C35-E13DC8822CFC}" type="presParOf" srcId="{2DFC64A5-769C-4372-9615-1FA4B1491470}" destId="{C0385E65-BED5-46A7-8BCB-7BE0B13B97D8}" srcOrd="7" destOrd="0" presId="urn:microsoft.com/office/officeart/2005/8/layout/chevron1"/>
-    <dgm:cxn modelId="{797DAE26-267A-4F2D-9177-342E32156342}" type="presParOf" srcId="{2DFC64A5-769C-4372-9615-1FA4B1491470}" destId="{1137F16A-3FBD-40A3-8437-7FEA55E131EF}" srcOrd="8" destOrd="0" presId="urn:microsoft.com/office/officeart/2005/8/layout/chevron1"/>
-  </dgm:cxnLst>
-  <dgm:bg/>
-  <dgm:whole>
-    <a:ln w="9525" cap="flat" cmpd="sng" algn="ctr">
-      <a:noFill/>
-      <a:prstDash val="solid"/>
-      <a:round/>
-      <a:headEnd type="none" w="med" len="med"/>
-      <a:tailEnd type="none" w="med" len="med"/>
-    </a:ln>
-  </dgm:whole>
-  <dgm:extLst>
-    <a:ext uri="http://schemas.microsoft.com/office/drawing/2008/diagram">
-      <dsp:dataModelExt xmlns:dsp="http://schemas.microsoft.com/office/drawing/2008/diagram" relId="rId7" minVer="http://schemas.openxmlformats.org/drawingml/2006/diagram"/>
-    </a:ext>
-  </dgm:extLst>
-</dgm:dataModel>
-</file>
-
-<file path=ppt/diagrams/data4.xml><?xml version="1.0" encoding="utf-8"?>
-<dgm:dataModel xmlns:dgm="http://schemas.openxmlformats.org/drawingml/2006/diagram" xmlns:a="http://schemas.openxmlformats.org/drawingml/2006/main">
-  <dgm:ptLst>
-    <dgm:pt modelId="{2A76A016-75FB-4EB8-A025-6ACD7A3F5B7D}" type="doc">
-      <dgm:prSet loTypeId="urn:microsoft.com/office/officeart/2005/8/layout/chevron1" loCatId="process" qsTypeId="urn:microsoft.com/office/officeart/2005/8/quickstyle/simple1" qsCatId="simple" csTypeId="urn:microsoft.com/office/officeart/2005/8/colors/accent1_2" csCatId="accent1" phldr="1"/>
-      <dgm:spPr/>
-    </dgm:pt>
-    <dgm:pt modelId="{0259D84A-4796-4366-BA60-D7065EA96C71}">
-      <dgm:prSet phldrT="[Texte]"/>
-      <dgm:spPr>
-        <a:solidFill>
-          <a:srgbClr val="FF0000"/>
-        </a:solidFill>
-      </dgm:spPr>
-      <dgm:t>
-        <a:bodyPr/>
-        <a:lstStyle/>
-        <a:p>
-          <a:r>
-            <a:rPr lang="fr-FR" dirty="0" smtClean="0"/>
-            <a:t>Bilan</a:t>
-          </a:r>
-          <a:endParaRPr lang="fr-FR" dirty="0"/>
-        </a:p>
-      </dgm:t>
-    </dgm:pt>
-    <dgm:pt modelId="{CA49B43B-3BCA-497E-B500-5523E9DB4D6C}" type="sibTrans" cxnId="{6C3F1AC4-298B-4D68-A3B6-46A3E4B5E6DC}">
-      <dgm:prSet/>
-      <dgm:spPr/>
-      <dgm:t>
-        <a:bodyPr/>
-        <a:lstStyle/>
-        <a:p>
-          <a:endParaRPr lang="fr-FR"/>
-        </a:p>
-      </dgm:t>
-    </dgm:pt>
-    <dgm:pt modelId="{2844B534-BEBF-43CF-B484-5CFCA8900E85}" type="parTrans" cxnId="{6C3F1AC4-298B-4D68-A3B6-46A3E4B5E6DC}">
-      <dgm:prSet/>
-      <dgm:spPr/>
-      <dgm:t>
-        <a:bodyPr/>
-        <a:lstStyle/>
-        <a:p>
-          <a:endParaRPr lang="fr-FR"/>
-        </a:p>
-      </dgm:t>
-    </dgm:pt>
-    <dgm:pt modelId="{68E789BA-346D-43BD-9465-734B217059F0}">
-      <dgm:prSet phldrT="[Texte]"/>
-      <dgm:spPr/>
-      <dgm:t>
-        <a:bodyPr/>
-        <a:lstStyle/>
-        <a:p>
-          <a:r>
-            <a:rPr lang="fr-FR" dirty="0" smtClean="0"/>
-            <a:t>Analyse et prévision</a:t>
-          </a:r>
-          <a:endParaRPr lang="fr-FR" dirty="0"/>
-        </a:p>
-      </dgm:t>
-    </dgm:pt>
-    <dgm:pt modelId="{C9B12BE5-522A-43A8-A491-AC2795BA9602}" type="sibTrans" cxnId="{54CD1257-05B7-4992-90E1-19728B5A48CD}">
-      <dgm:prSet/>
-      <dgm:spPr/>
-      <dgm:t>
-        <a:bodyPr/>
-        <a:lstStyle/>
-        <a:p>
-          <a:endParaRPr lang="fr-FR"/>
-        </a:p>
-      </dgm:t>
-    </dgm:pt>
-    <dgm:pt modelId="{BFCF06E6-B9DC-4E18-9537-7296BC3BCBA2}" type="parTrans" cxnId="{54CD1257-05B7-4992-90E1-19728B5A48CD}">
-      <dgm:prSet/>
-      <dgm:spPr/>
-      <dgm:t>
-        <a:bodyPr/>
-        <a:lstStyle/>
-        <a:p>
-          <a:endParaRPr lang="fr-FR"/>
-        </a:p>
-      </dgm:t>
-    </dgm:pt>
-    <dgm:pt modelId="{6C099256-A3F1-42A6-931A-474918379EC3}">
-      <dgm:prSet phldrT="[Texte]"/>
-      <dgm:spPr>
-        <a:solidFill>
-          <a:schemeClr val="accent1"/>
-        </a:solidFill>
-      </dgm:spPr>
-      <dgm:t>
-        <a:bodyPr/>
-        <a:lstStyle/>
-        <a:p>
-          <a:r>
-            <a:rPr lang="fr-FR" dirty="0" smtClean="0"/>
-            <a:t>Introduction</a:t>
-          </a:r>
-          <a:endParaRPr lang="fr-FR" dirty="0"/>
-        </a:p>
-      </dgm:t>
-    </dgm:pt>
-    <dgm:pt modelId="{148C0DA2-0218-4FFE-8809-25F2D2ED809C}" type="sibTrans" cxnId="{469C87CF-F5DF-49FE-99F1-2B80000E8C7F}">
-      <dgm:prSet/>
-      <dgm:spPr/>
-      <dgm:t>
-        <a:bodyPr/>
-        <a:lstStyle/>
-        <a:p>
-          <a:endParaRPr lang="fr-FR"/>
-        </a:p>
-      </dgm:t>
-    </dgm:pt>
-    <dgm:pt modelId="{7AC3B3FF-A9FA-4238-87B0-F8A658AD7018}" type="parTrans" cxnId="{469C87CF-F5DF-49FE-99F1-2B80000E8C7F}">
-      <dgm:prSet/>
-      <dgm:spPr/>
-      <dgm:t>
-        <a:bodyPr/>
-        <a:lstStyle/>
-        <a:p>
-          <a:endParaRPr lang="fr-FR"/>
-        </a:p>
-      </dgm:t>
-    </dgm:pt>
-    <dgm:pt modelId="{80E5E9DF-95FB-48E6-BD6C-ADC19D57C0A3}">
-      <dgm:prSet phldrT="[Texte]"/>
-      <dgm:spPr>
-        <a:solidFill>
-          <a:schemeClr val="accent1"/>
-        </a:solidFill>
-      </dgm:spPr>
-      <dgm:t>
-        <a:bodyPr/>
-        <a:lstStyle/>
-        <a:p>
-          <a:r>
-            <a:rPr lang="fr-FR" dirty="0" smtClean="0"/>
-            <a:t>Solutions techniques</a:t>
-          </a:r>
-          <a:endParaRPr lang="fr-FR" dirty="0"/>
-        </a:p>
-      </dgm:t>
-    </dgm:pt>
-    <dgm:pt modelId="{710E6872-57CB-42B7-A54D-88A4118DC8A3}" type="parTrans" cxnId="{DAC9D7F0-396E-4DEE-9465-684C88AA5D85}">
-      <dgm:prSet/>
-      <dgm:spPr/>
-      <dgm:t>
-        <a:bodyPr/>
-        <a:lstStyle/>
-        <a:p>
-          <a:endParaRPr lang="fr-FR"/>
-        </a:p>
-      </dgm:t>
-    </dgm:pt>
-    <dgm:pt modelId="{B49B5B59-8BFC-448F-B2EE-53202542A6CE}" type="sibTrans" cxnId="{DAC9D7F0-396E-4DEE-9465-684C88AA5D85}">
-      <dgm:prSet/>
-      <dgm:spPr/>
-      <dgm:t>
-        <a:bodyPr/>
-        <a:lstStyle/>
-        <a:p>
-          <a:endParaRPr lang="fr-FR"/>
-        </a:p>
-      </dgm:t>
-    </dgm:pt>
-    <dgm:pt modelId="{141F5721-50D1-4463-BE0E-D2740313485D}">
-      <dgm:prSet phldrT="[Texte]"/>
-      <dgm:spPr/>
-      <dgm:t>
-        <a:bodyPr/>
-        <a:lstStyle/>
-        <a:p>
-          <a:r>
-            <a:rPr lang="fr-FR" dirty="0" smtClean="0"/>
-            <a:t>Conclusion</a:t>
-          </a:r>
-          <a:endParaRPr lang="fr-FR" dirty="0"/>
-        </a:p>
-      </dgm:t>
-    </dgm:pt>
-    <dgm:pt modelId="{76CAB4C6-3908-47F3-A9B5-64E31B886BE6}" type="parTrans" cxnId="{ACC5D66D-A940-4C16-83F0-C87E584FFD2B}">
-      <dgm:prSet/>
-      <dgm:spPr/>
-      <dgm:t>
-        <a:bodyPr/>
-        <a:lstStyle/>
-        <a:p>
-          <a:endParaRPr lang="fr-FR"/>
-        </a:p>
-      </dgm:t>
-    </dgm:pt>
-    <dgm:pt modelId="{3A7DF44F-3F8C-406B-AB9C-2F17AC583398}" type="sibTrans" cxnId="{ACC5D66D-A940-4C16-83F0-C87E584FFD2B}">
-      <dgm:prSet/>
-      <dgm:spPr/>
-      <dgm:t>
-        <a:bodyPr/>
-        <a:lstStyle/>
-        <a:p>
-          <a:endParaRPr lang="fr-FR"/>
-        </a:p>
-      </dgm:t>
-    </dgm:pt>
-    <dgm:pt modelId="{2DFC64A5-769C-4372-9615-1FA4B1491470}" type="pres">
-      <dgm:prSet presAssocID="{2A76A016-75FB-4EB8-A025-6ACD7A3F5B7D}" presName="Name0" presStyleCnt="0">
-        <dgm:presLayoutVars>
-          <dgm:dir/>
-          <dgm:animLvl val="lvl"/>
-          <dgm:resizeHandles val="exact"/>
-        </dgm:presLayoutVars>
-      </dgm:prSet>
-      <dgm:spPr/>
-    </dgm:pt>
-    <dgm:pt modelId="{1F6056EB-C534-4970-B58E-AD722CC6900E}" type="pres">
-      <dgm:prSet presAssocID="{6C099256-A3F1-42A6-931A-474918379EC3}" presName="parTxOnly" presStyleLbl="node1" presStyleIdx="0" presStyleCnt="5">
-        <dgm:presLayoutVars>
-          <dgm:chMax val="0"/>
-          <dgm:chPref val="0"/>
-          <dgm:bulletEnabled val="1"/>
-        </dgm:presLayoutVars>
-      </dgm:prSet>
-      <dgm:spPr/>
-      <dgm:t>
-        <a:bodyPr/>
-        <a:lstStyle/>
-        <a:p>
-          <a:endParaRPr lang="fr-FR"/>
-        </a:p>
-      </dgm:t>
-    </dgm:pt>
-    <dgm:pt modelId="{C077A35C-7EC3-45E8-86F1-4EB37DB15503}" type="pres">
-      <dgm:prSet presAssocID="{148C0DA2-0218-4FFE-8809-25F2D2ED809C}" presName="parTxOnlySpace" presStyleCnt="0"/>
-      <dgm:spPr/>
-    </dgm:pt>
-    <dgm:pt modelId="{1AA5F17D-B47A-4297-B5BB-8C6B99E6C5DA}" type="pres">
-      <dgm:prSet presAssocID="{68E789BA-346D-43BD-9465-734B217059F0}" presName="parTxOnly" presStyleLbl="node1" presStyleIdx="1" presStyleCnt="5" custLinFactNeighborX="-9362">
-        <dgm:presLayoutVars>
-          <dgm:chMax val="0"/>
-          <dgm:chPref val="0"/>
-          <dgm:bulletEnabled val="1"/>
-        </dgm:presLayoutVars>
-      </dgm:prSet>
-      <dgm:spPr/>
-      <dgm:t>
-        <a:bodyPr/>
-        <a:lstStyle/>
-        <a:p>
-          <a:endParaRPr lang="fr-FR"/>
-        </a:p>
-      </dgm:t>
-    </dgm:pt>
-    <dgm:pt modelId="{4AB4D21E-58BB-49F4-9B51-BB842C62FFF9}" type="pres">
-      <dgm:prSet presAssocID="{C9B12BE5-522A-43A8-A491-AC2795BA9602}" presName="parTxOnlySpace" presStyleCnt="0"/>
-      <dgm:spPr/>
-    </dgm:pt>
-    <dgm:pt modelId="{624C66D0-AA35-4C2D-8400-996503DFD2AE}" type="pres">
-      <dgm:prSet presAssocID="{80E5E9DF-95FB-48E6-BD6C-ADC19D57C0A3}" presName="parTxOnly" presStyleLbl="node1" presStyleIdx="2" presStyleCnt="5">
-        <dgm:presLayoutVars>
-          <dgm:chMax val="0"/>
-          <dgm:chPref val="0"/>
-          <dgm:bulletEnabled val="1"/>
-        </dgm:presLayoutVars>
-      </dgm:prSet>
-      <dgm:spPr/>
-      <dgm:t>
-        <a:bodyPr/>
-        <a:lstStyle/>
-        <a:p>
-          <a:endParaRPr lang="fr-FR"/>
-        </a:p>
-      </dgm:t>
-    </dgm:pt>
-    <dgm:pt modelId="{C839562D-C2F0-4F43-A440-F8EB257A5ED3}" type="pres">
-      <dgm:prSet presAssocID="{B49B5B59-8BFC-448F-B2EE-53202542A6CE}" presName="parTxOnlySpace" presStyleCnt="0"/>
-      <dgm:spPr/>
-    </dgm:pt>
-    <dgm:pt modelId="{DF757741-D2C4-47CD-B81F-0494B81FB4EA}" type="pres">
-      <dgm:prSet presAssocID="{0259D84A-4796-4366-BA60-D7065EA96C71}" presName="parTxOnly" presStyleLbl="node1" presStyleIdx="3" presStyleCnt="5">
-        <dgm:presLayoutVars>
-          <dgm:chMax val="0"/>
-          <dgm:chPref val="0"/>
-          <dgm:bulletEnabled val="1"/>
-        </dgm:presLayoutVars>
-      </dgm:prSet>
-      <dgm:spPr/>
-      <dgm:t>
-        <a:bodyPr/>
-        <a:lstStyle/>
-        <a:p>
-          <a:endParaRPr lang="fr-FR"/>
-        </a:p>
-      </dgm:t>
-    </dgm:pt>
-    <dgm:pt modelId="{C0385E65-BED5-46A7-8BCB-7BE0B13B97D8}" type="pres">
-      <dgm:prSet presAssocID="{CA49B43B-3BCA-497E-B500-5523E9DB4D6C}" presName="parTxOnlySpace" presStyleCnt="0"/>
-      <dgm:spPr/>
-    </dgm:pt>
-    <dgm:pt modelId="{1137F16A-3FBD-40A3-8437-7FEA55E131EF}" type="pres">
-      <dgm:prSet presAssocID="{141F5721-50D1-4463-BE0E-D2740313485D}" presName="parTxOnly" presStyleLbl="node1" presStyleIdx="4" presStyleCnt="5" custLinFactNeighborX="1124" custLinFactNeighborY="25000">
-        <dgm:presLayoutVars>
-          <dgm:chMax val="0"/>
-          <dgm:chPref val="0"/>
-          <dgm:bulletEnabled val="1"/>
-        </dgm:presLayoutVars>
-      </dgm:prSet>
-      <dgm:spPr/>
-      <dgm:t>
-        <a:bodyPr/>
-        <a:lstStyle/>
-        <a:p>
-          <a:endParaRPr lang="fr-FR"/>
-        </a:p>
-      </dgm:t>
-    </dgm:pt>
-  </dgm:ptLst>
-  <dgm:cxnLst>
     <dgm:cxn modelId="{EA41C015-94AD-4B5D-928B-928CBE0809F7}" type="presOf" srcId="{2A76A016-75FB-4EB8-A025-6ACD7A3F5B7D}" destId="{2DFC64A5-769C-4372-9615-1FA4B1491470}" srcOrd="0" destOrd="0" presId="urn:microsoft.com/office/officeart/2005/8/layout/chevron1"/>
     <dgm:cxn modelId="{6C3F1AC4-298B-4D68-A3B6-46A3E4B5E6DC}" srcId="{2A76A016-75FB-4EB8-A025-6ACD7A3F5B7D}" destId="{0259D84A-4796-4366-BA60-D7065EA96C71}" srcOrd="3" destOrd="0" parTransId="{2844B534-BEBF-43CF-B484-5CFCA8900E85}" sibTransId="{CA49B43B-3BCA-497E-B500-5523E9DB4D6C}"/>
     <dgm:cxn modelId="{76DEEC78-3BA7-42F3-B238-C1AF496EBBDE}" type="presOf" srcId="{80E5E9DF-95FB-48E6-BD6C-ADC19D57C0A3}" destId="{624C66D0-AA35-4C2D-8400-996503DFD2AE}" srcOrd="0" destOrd="0" presId="urn:microsoft.com/office/officeart/2005/8/layout/chevron1"/>
+    <dgm:cxn modelId="{2E3681B6-4CE2-4E83-B5E7-5F48389F0D9E}" type="presOf" srcId="{6C099256-A3F1-42A6-931A-474918379EC3}" destId="{1F6056EB-C534-4970-B58E-AD722CC6900E}" srcOrd="0" destOrd="0" presId="urn:microsoft.com/office/officeart/2005/8/layout/chevron1"/>
     <dgm:cxn modelId="{ACC5D66D-A940-4C16-83F0-C87E584FFD2B}" srcId="{2A76A016-75FB-4EB8-A025-6ACD7A3F5B7D}" destId="{141F5721-50D1-4463-BE0E-D2740313485D}" srcOrd="4" destOrd="0" parTransId="{76CAB4C6-3908-47F3-A9B5-64E31B886BE6}" sibTransId="{3A7DF44F-3F8C-406B-AB9C-2F17AC583398}"/>
-    <dgm:cxn modelId="{2E3681B6-4CE2-4E83-B5E7-5F48389F0D9E}" type="presOf" srcId="{6C099256-A3F1-42A6-931A-474918379EC3}" destId="{1F6056EB-C534-4970-B58E-AD722CC6900E}" srcOrd="0" destOrd="0" presId="urn:microsoft.com/office/officeart/2005/8/layout/chevron1"/>
     <dgm:cxn modelId="{21EAEF21-9F7B-4E48-B77C-C3CDBE0B5C87}" type="presOf" srcId="{141F5721-50D1-4463-BE0E-D2740313485D}" destId="{1137F16A-3FBD-40A3-8437-7FEA55E131EF}" srcOrd="0" destOrd="0" presId="urn:microsoft.com/office/officeart/2005/8/layout/chevron1"/>
     <dgm:cxn modelId="{54CD1257-05B7-4992-90E1-19728B5A48CD}" srcId="{2A76A016-75FB-4EB8-A025-6ACD7A3F5B7D}" destId="{68E789BA-346D-43BD-9465-734B217059F0}" srcOrd="1" destOrd="0" parTransId="{BFCF06E6-B9DC-4E18-9537-7296BC3BCBA2}" sibTransId="{C9B12BE5-522A-43A8-A491-AC2795BA9602}"/>
     <dgm:cxn modelId="{469C87CF-F5DF-49FE-99F1-2B80000E8C7F}" srcId="{2A76A016-75FB-4EB8-A025-6ACD7A3F5B7D}" destId="{6C099256-A3F1-42A6-931A-474918379EC3}" srcOrd="0" destOrd="0" parTransId="{7AC3B3FF-A9FA-4238-87B0-F8A658AD7018}" sibTransId="{148C0DA2-0218-4FFE-8809-25F2D2ED809C}"/>
@@ -6775,7 +7167,7 @@
 </dgm:dataModel>
 </file>
 
-<file path=ppt/diagrams/data5.xml><?xml version="1.0" encoding="utf-8"?>
+<file path=ppt/diagrams/data4.xml><?xml version="1.0" encoding="utf-8"?>
 <dgm:dataModel xmlns:dgm="http://schemas.openxmlformats.org/drawingml/2006/diagram" xmlns:a="http://schemas.openxmlformats.org/drawingml/2006/main">
   <dgm:ptLst>
     <dgm:pt modelId="{2A76A016-75FB-4EB8-A025-6ACD7A3F5B7D}" type="doc">
@@ -7131,7 +7523,7 @@
 </dgm:dataModel>
 </file>
 
-<file path=ppt/diagrams/data6.xml><?xml version="1.0" encoding="utf-8"?>
+<file path=ppt/diagrams/data5.xml><?xml version="1.0" encoding="utf-8"?>
 <dgm:dataModel xmlns:dgm="http://schemas.openxmlformats.org/drawingml/2006/diagram" xmlns:a="http://schemas.openxmlformats.org/drawingml/2006/main">
   <dgm:ptLst>
     <dgm:pt modelId="{2A76A016-75FB-4EB8-A025-6ACD7A3F5B7D}" type="doc">
@@ -7487,7 +7879,7 @@
 </dgm:dataModel>
 </file>
 
-<file path=ppt/diagrams/data7.xml><?xml version="1.0" encoding="utf-8"?>
+<file path=ppt/diagrams/data6.xml><?xml version="1.0" encoding="utf-8"?>
 <dgm:dataModel xmlns:dgm="http://schemas.openxmlformats.org/drawingml/2006/diagram" xmlns:a="http://schemas.openxmlformats.org/drawingml/2006/main">
   <dgm:ptLst>
     <dgm:pt modelId="{2A76A016-75FB-4EB8-A025-6ACD7A3F5B7D}" type="doc">
@@ -7837,7 +8229,727 @@
   </dgm:whole>
   <dgm:extLst>
     <a:ext uri="http://schemas.microsoft.com/office/drawing/2008/diagram">
-      <dsp:dataModelExt xmlns:dsp="http://schemas.microsoft.com/office/drawing/2008/diagram" relId="rId7" minVer="http://schemas.openxmlformats.org/drawingml/2006/diagram"/>
+      <dsp:dataModelExt xmlns:dsp="http://schemas.microsoft.com/office/drawing/2008/diagram" relId="rId6" minVer="http://schemas.openxmlformats.org/drawingml/2006/diagram"/>
+    </a:ext>
+  </dgm:extLst>
+</dgm:dataModel>
+</file>
+
+<file path=ppt/diagrams/data7.xml><?xml version="1.0" encoding="utf-8"?>
+<dgm:dataModel xmlns:dgm="http://schemas.openxmlformats.org/drawingml/2006/diagram" xmlns:a="http://schemas.openxmlformats.org/drawingml/2006/main">
+  <dgm:ptLst>
+    <dgm:pt modelId="{2A76A016-75FB-4EB8-A025-6ACD7A3F5B7D}" type="doc">
+      <dgm:prSet loTypeId="urn:microsoft.com/office/officeart/2005/8/layout/chevron1" loCatId="process" qsTypeId="urn:microsoft.com/office/officeart/2005/8/quickstyle/simple1" qsCatId="simple" csTypeId="urn:microsoft.com/office/officeart/2005/8/colors/accent1_2" csCatId="accent1" phldr="1"/>
+      <dgm:spPr/>
+    </dgm:pt>
+    <dgm:pt modelId="{0259D84A-4796-4366-BA60-D7065EA96C71}">
+      <dgm:prSet phldrT="[Texte]"/>
+      <dgm:spPr>
+        <a:solidFill>
+          <a:schemeClr val="accent1"/>
+        </a:solidFill>
+      </dgm:spPr>
+      <dgm:t>
+        <a:bodyPr/>
+        <a:lstStyle/>
+        <a:p>
+          <a:r>
+            <a:rPr lang="fr-FR" dirty="0" smtClean="0"/>
+            <a:t>Bilan</a:t>
+          </a:r>
+          <a:endParaRPr lang="fr-FR" dirty="0"/>
+        </a:p>
+      </dgm:t>
+    </dgm:pt>
+    <dgm:pt modelId="{CA49B43B-3BCA-497E-B500-5523E9DB4D6C}" type="sibTrans" cxnId="{6C3F1AC4-298B-4D68-A3B6-46A3E4B5E6DC}">
+      <dgm:prSet/>
+      <dgm:spPr/>
+      <dgm:t>
+        <a:bodyPr/>
+        <a:lstStyle/>
+        <a:p>
+          <a:endParaRPr lang="fr-FR"/>
+        </a:p>
+      </dgm:t>
+    </dgm:pt>
+    <dgm:pt modelId="{2844B534-BEBF-43CF-B484-5CFCA8900E85}" type="parTrans" cxnId="{6C3F1AC4-298B-4D68-A3B6-46A3E4B5E6DC}">
+      <dgm:prSet/>
+      <dgm:spPr/>
+      <dgm:t>
+        <a:bodyPr/>
+        <a:lstStyle/>
+        <a:p>
+          <a:endParaRPr lang="fr-FR"/>
+        </a:p>
+      </dgm:t>
+    </dgm:pt>
+    <dgm:pt modelId="{68E789BA-346D-43BD-9465-734B217059F0}">
+      <dgm:prSet phldrT="[Texte]"/>
+      <dgm:spPr/>
+      <dgm:t>
+        <a:bodyPr/>
+        <a:lstStyle/>
+        <a:p>
+          <a:r>
+            <a:rPr lang="fr-FR" dirty="0" smtClean="0"/>
+            <a:t>Analyse et prévision</a:t>
+          </a:r>
+          <a:endParaRPr lang="fr-FR" dirty="0"/>
+        </a:p>
+      </dgm:t>
+    </dgm:pt>
+    <dgm:pt modelId="{C9B12BE5-522A-43A8-A491-AC2795BA9602}" type="sibTrans" cxnId="{54CD1257-05B7-4992-90E1-19728B5A48CD}">
+      <dgm:prSet/>
+      <dgm:spPr/>
+      <dgm:t>
+        <a:bodyPr/>
+        <a:lstStyle/>
+        <a:p>
+          <a:endParaRPr lang="fr-FR"/>
+        </a:p>
+      </dgm:t>
+    </dgm:pt>
+    <dgm:pt modelId="{BFCF06E6-B9DC-4E18-9537-7296BC3BCBA2}" type="parTrans" cxnId="{54CD1257-05B7-4992-90E1-19728B5A48CD}">
+      <dgm:prSet/>
+      <dgm:spPr/>
+      <dgm:t>
+        <a:bodyPr/>
+        <a:lstStyle/>
+        <a:p>
+          <a:endParaRPr lang="fr-FR"/>
+        </a:p>
+      </dgm:t>
+    </dgm:pt>
+    <dgm:pt modelId="{6C099256-A3F1-42A6-931A-474918379EC3}">
+      <dgm:prSet phldrT="[Texte]"/>
+      <dgm:spPr>
+        <a:solidFill>
+          <a:schemeClr val="accent1"/>
+        </a:solidFill>
+      </dgm:spPr>
+      <dgm:t>
+        <a:bodyPr/>
+        <a:lstStyle/>
+        <a:p>
+          <a:r>
+            <a:rPr lang="fr-FR" dirty="0" smtClean="0"/>
+            <a:t>Introduction</a:t>
+          </a:r>
+          <a:endParaRPr lang="fr-FR" dirty="0"/>
+        </a:p>
+      </dgm:t>
+    </dgm:pt>
+    <dgm:pt modelId="{148C0DA2-0218-4FFE-8809-25F2D2ED809C}" type="sibTrans" cxnId="{469C87CF-F5DF-49FE-99F1-2B80000E8C7F}">
+      <dgm:prSet/>
+      <dgm:spPr/>
+      <dgm:t>
+        <a:bodyPr/>
+        <a:lstStyle/>
+        <a:p>
+          <a:endParaRPr lang="fr-FR"/>
+        </a:p>
+      </dgm:t>
+    </dgm:pt>
+    <dgm:pt modelId="{7AC3B3FF-A9FA-4238-87B0-F8A658AD7018}" type="parTrans" cxnId="{469C87CF-F5DF-49FE-99F1-2B80000E8C7F}">
+      <dgm:prSet/>
+      <dgm:spPr/>
+      <dgm:t>
+        <a:bodyPr/>
+        <a:lstStyle/>
+        <a:p>
+          <a:endParaRPr lang="fr-FR"/>
+        </a:p>
+      </dgm:t>
+    </dgm:pt>
+    <dgm:pt modelId="{80E5E9DF-95FB-48E6-BD6C-ADC19D57C0A3}">
+      <dgm:prSet phldrT="[Texte]"/>
+      <dgm:spPr>
+        <a:solidFill>
+          <a:schemeClr val="accent1"/>
+        </a:solidFill>
+      </dgm:spPr>
+      <dgm:t>
+        <a:bodyPr/>
+        <a:lstStyle/>
+        <a:p>
+          <a:r>
+            <a:rPr lang="fr-FR" dirty="0" smtClean="0"/>
+            <a:t>Solutions techniques</a:t>
+          </a:r>
+          <a:endParaRPr lang="fr-FR" dirty="0"/>
+        </a:p>
+      </dgm:t>
+    </dgm:pt>
+    <dgm:pt modelId="{710E6872-57CB-42B7-A54D-88A4118DC8A3}" type="parTrans" cxnId="{DAC9D7F0-396E-4DEE-9465-684C88AA5D85}">
+      <dgm:prSet/>
+      <dgm:spPr/>
+      <dgm:t>
+        <a:bodyPr/>
+        <a:lstStyle/>
+        <a:p>
+          <a:endParaRPr lang="fr-FR"/>
+        </a:p>
+      </dgm:t>
+    </dgm:pt>
+    <dgm:pt modelId="{B49B5B59-8BFC-448F-B2EE-53202542A6CE}" type="sibTrans" cxnId="{DAC9D7F0-396E-4DEE-9465-684C88AA5D85}">
+      <dgm:prSet/>
+      <dgm:spPr/>
+      <dgm:t>
+        <a:bodyPr/>
+        <a:lstStyle/>
+        <a:p>
+          <a:endParaRPr lang="fr-FR"/>
+        </a:p>
+      </dgm:t>
+    </dgm:pt>
+    <dgm:pt modelId="{141F5721-50D1-4463-BE0E-D2740313485D}">
+      <dgm:prSet phldrT="[Texte]"/>
+      <dgm:spPr>
+        <a:solidFill>
+          <a:srgbClr val="FF0000"/>
+        </a:solidFill>
+      </dgm:spPr>
+      <dgm:t>
+        <a:bodyPr/>
+        <a:lstStyle/>
+        <a:p>
+          <a:r>
+            <a:rPr lang="fr-FR" dirty="0" smtClean="0"/>
+            <a:t>Conclusion</a:t>
+          </a:r>
+          <a:endParaRPr lang="fr-FR" dirty="0"/>
+        </a:p>
+      </dgm:t>
+    </dgm:pt>
+    <dgm:pt modelId="{76CAB4C6-3908-47F3-A9B5-64E31B886BE6}" type="parTrans" cxnId="{ACC5D66D-A940-4C16-83F0-C87E584FFD2B}">
+      <dgm:prSet/>
+      <dgm:spPr/>
+      <dgm:t>
+        <a:bodyPr/>
+        <a:lstStyle/>
+        <a:p>
+          <a:endParaRPr lang="fr-FR"/>
+        </a:p>
+      </dgm:t>
+    </dgm:pt>
+    <dgm:pt modelId="{3A7DF44F-3F8C-406B-AB9C-2F17AC583398}" type="sibTrans" cxnId="{ACC5D66D-A940-4C16-83F0-C87E584FFD2B}">
+      <dgm:prSet/>
+      <dgm:spPr/>
+      <dgm:t>
+        <a:bodyPr/>
+        <a:lstStyle/>
+        <a:p>
+          <a:endParaRPr lang="fr-FR"/>
+        </a:p>
+      </dgm:t>
+    </dgm:pt>
+    <dgm:pt modelId="{2DFC64A5-769C-4372-9615-1FA4B1491470}" type="pres">
+      <dgm:prSet presAssocID="{2A76A016-75FB-4EB8-A025-6ACD7A3F5B7D}" presName="Name0" presStyleCnt="0">
+        <dgm:presLayoutVars>
+          <dgm:dir/>
+          <dgm:animLvl val="lvl"/>
+          <dgm:resizeHandles val="exact"/>
+        </dgm:presLayoutVars>
+      </dgm:prSet>
+      <dgm:spPr/>
+    </dgm:pt>
+    <dgm:pt modelId="{1F6056EB-C534-4970-B58E-AD722CC6900E}" type="pres">
+      <dgm:prSet presAssocID="{6C099256-A3F1-42A6-931A-474918379EC3}" presName="parTxOnly" presStyleLbl="node1" presStyleIdx="0" presStyleCnt="5">
+        <dgm:presLayoutVars>
+          <dgm:chMax val="0"/>
+          <dgm:chPref val="0"/>
+          <dgm:bulletEnabled val="1"/>
+        </dgm:presLayoutVars>
+      </dgm:prSet>
+      <dgm:spPr/>
+      <dgm:t>
+        <a:bodyPr/>
+        <a:lstStyle/>
+        <a:p>
+          <a:endParaRPr lang="fr-FR"/>
+        </a:p>
+      </dgm:t>
+    </dgm:pt>
+    <dgm:pt modelId="{C077A35C-7EC3-45E8-86F1-4EB37DB15503}" type="pres">
+      <dgm:prSet presAssocID="{148C0DA2-0218-4FFE-8809-25F2D2ED809C}" presName="parTxOnlySpace" presStyleCnt="0"/>
+      <dgm:spPr/>
+    </dgm:pt>
+    <dgm:pt modelId="{1AA5F17D-B47A-4297-B5BB-8C6B99E6C5DA}" type="pres">
+      <dgm:prSet presAssocID="{68E789BA-346D-43BD-9465-734B217059F0}" presName="parTxOnly" presStyleLbl="node1" presStyleIdx="1" presStyleCnt="5" custLinFactNeighborX="-9362">
+        <dgm:presLayoutVars>
+          <dgm:chMax val="0"/>
+          <dgm:chPref val="0"/>
+          <dgm:bulletEnabled val="1"/>
+        </dgm:presLayoutVars>
+      </dgm:prSet>
+      <dgm:spPr/>
+      <dgm:t>
+        <a:bodyPr/>
+        <a:lstStyle/>
+        <a:p>
+          <a:endParaRPr lang="fr-FR"/>
+        </a:p>
+      </dgm:t>
+    </dgm:pt>
+    <dgm:pt modelId="{4AB4D21E-58BB-49F4-9B51-BB842C62FFF9}" type="pres">
+      <dgm:prSet presAssocID="{C9B12BE5-522A-43A8-A491-AC2795BA9602}" presName="parTxOnlySpace" presStyleCnt="0"/>
+      <dgm:spPr/>
+    </dgm:pt>
+    <dgm:pt modelId="{624C66D0-AA35-4C2D-8400-996503DFD2AE}" type="pres">
+      <dgm:prSet presAssocID="{80E5E9DF-95FB-48E6-BD6C-ADC19D57C0A3}" presName="parTxOnly" presStyleLbl="node1" presStyleIdx="2" presStyleCnt="5">
+        <dgm:presLayoutVars>
+          <dgm:chMax val="0"/>
+          <dgm:chPref val="0"/>
+          <dgm:bulletEnabled val="1"/>
+        </dgm:presLayoutVars>
+      </dgm:prSet>
+      <dgm:spPr/>
+      <dgm:t>
+        <a:bodyPr/>
+        <a:lstStyle/>
+        <a:p>
+          <a:endParaRPr lang="fr-FR"/>
+        </a:p>
+      </dgm:t>
+    </dgm:pt>
+    <dgm:pt modelId="{C839562D-C2F0-4F43-A440-F8EB257A5ED3}" type="pres">
+      <dgm:prSet presAssocID="{B49B5B59-8BFC-448F-B2EE-53202542A6CE}" presName="parTxOnlySpace" presStyleCnt="0"/>
+      <dgm:spPr/>
+    </dgm:pt>
+    <dgm:pt modelId="{DF757741-D2C4-47CD-B81F-0494B81FB4EA}" type="pres">
+      <dgm:prSet presAssocID="{0259D84A-4796-4366-BA60-D7065EA96C71}" presName="parTxOnly" presStyleLbl="node1" presStyleIdx="3" presStyleCnt="5">
+        <dgm:presLayoutVars>
+          <dgm:chMax val="0"/>
+          <dgm:chPref val="0"/>
+          <dgm:bulletEnabled val="1"/>
+        </dgm:presLayoutVars>
+      </dgm:prSet>
+      <dgm:spPr/>
+      <dgm:t>
+        <a:bodyPr/>
+        <a:lstStyle/>
+        <a:p>
+          <a:endParaRPr lang="fr-FR"/>
+        </a:p>
+      </dgm:t>
+    </dgm:pt>
+    <dgm:pt modelId="{C0385E65-BED5-46A7-8BCB-7BE0B13B97D8}" type="pres">
+      <dgm:prSet presAssocID="{CA49B43B-3BCA-497E-B500-5523E9DB4D6C}" presName="parTxOnlySpace" presStyleCnt="0"/>
+      <dgm:spPr/>
+    </dgm:pt>
+    <dgm:pt modelId="{1137F16A-3FBD-40A3-8437-7FEA55E131EF}" type="pres">
+      <dgm:prSet presAssocID="{141F5721-50D1-4463-BE0E-D2740313485D}" presName="parTxOnly" presStyleLbl="node1" presStyleIdx="4" presStyleCnt="5" custLinFactNeighborX="1124" custLinFactNeighborY="25000">
+        <dgm:presLayoutVars>
+          <dgm:chMax val="0"/>
+          <dgm:chPref val="0"/>
+          <dgm:bulletEnabled val="1"/>
+        </dgm:presLayoutVars>
+      </dgm:prSet>
+      <dgm:spPr/>
+      <dgm:t>
+        <a:bodyPr/>
+        <a:lstStyle/>
+        <a:p>
+          <a:endParaRPr lang="fr-FR"/>
+        </a:p>
+      </dgm:t>
+    </dgm:pt>
+  </dgm:ptLst>
+  <dgm:cxnLst>
+    <dgm:cxn modelId="{2E1BD351-EE8A-4807-8428-676013F8EEB3}" type="presOf" srcId="{80E5E9DF-95FB-48E6-BD6C-ADC19D57C0A3}" destId="{624C66D0-AA35-4C2D-8400-996503DFD2AE}" srcOrd="0" destOrd="0" presId="urn:microsoft.com/office/officeart/2005/8/layout/chevron1"/>
+    <dgm:cxn modelId="{469C87CF-F5DF-49FE-99F1-2B80000E8C7F}" srcId="{2A76A016-75FB-4EB8-A025-6ACD7A3F5B7D}" destId="{6C099256-A3F1-42A6-931A-474918379EC3}" srcOrd="0" destOrd="0" parTransId="{7AC3B3FF-A9FA-4238-87B0-F8A658AD7018}" sibTransId="{148C0DA2-0218-4FFE-8809-25F2D2ED809C}"/>
+    <dgm:cxn modelId="{6C3F1AC4-298B-4D68-A3B6-46A3E4B5E6DC}" srcId="{2A76A016-75FB-4EB8-A025-6ACD7A3F5B7D}" destId="{0259D84A-4796-4366-BA60-D7065EA96C71}" srcOrd="3" destOrd="0" parTransId="{2844B534-BEBF-43CF-B484-5CFCA8900E85}" sibTransId="{CA49B43B-3BCA-497E-B500-5523E9DB4D6C}"/>
+    <dgm:cxn modelId="{BF41DBFA-41D8-40AF-8D0A-C7CABE923788}" type="presOf" srcId="{6C099256-A3F1-42A6-931A-474918379EC3}" destId="{1F6056EB-C534-4970-B58E-AD722CC6900E}" srcOrd="0" destOrd="0" presId="urn:microsoft.com/office/officeart/2005/8/layout/chevron1"/>
+    <dgm:cxn modelId="{97F758F8-19B0-4FA3-8AA4-DC9E0DA872E3}" type="presOf" srcId="{68E789BA-346D-43BD-9465-734B217059F0}" destId="{1AA5F17D-B47A-4297-B5BB-8C6B99E6C5DA}" srcOrd="0" destOrd="0" presId="urn:microsoft.com/office/officeart/2005/8/layout/chevron1"/>
+    <dgm:cxn modelId="{97753D70-7CC5-4A8A-82D8-6B8D6682E1D0}" type="presOf" srcId="{2A76A016-75FB-4EB8-A025-6ACD7A3F5B7D}" destId="{2DFC64A5-769C-4372-9615-1FA4B1491470}" srcOrd="0" destOrd="0" presId="urn:microsoft.com/office/officeart/2005/8/layout/chevron1"/>
+    <dgm:cxn modelId="{54CD1257-05B7-4992-90E1-19728B5A48CD}" srcId="{2A76A016-75FB-4EB8-A025-6ACD7A3F5B7D}" destId="{68E789BA-346D-43BD-9465-734B217059F0}" srcOrd="1" destOrd="0" parTransId="{BFCF06E6-B9DC-4E18-9537-7296BC3BCBA2}" sibTransId="{C9B12BE5-522A-43A8-A491-AC2795BA9602}"/>
+    <dgm:cxn modelId="{DAC9D7F0-396E-4DEE-9465-684C88AA5D85}" srcId="{2A76A016-75FB-4EB8-A025-6ACD7A3F5B7D}" destId="{80E5E9DF-95FB-48E6-BD6C-ADC19D57C0A3}" srcOrd="2" destOrd="0" parTransId="{710E6872-57CB-42B7-A54D-88A4118DC8A3}" sibTransId="{B49B5B59-8BFC-448F-B2EE-53202542A6CE}"/>
+    <dgm:cxn modelId="{200CF0F6-EAF2-4611-A377-000BA35ADB46}" type="presOf" srcId="{0259D84A-4796-4366-BA60-D7065EA96C71}" destId="{DF757741-D2C4-47CD-B81F-0494B81FB4EA}" srcOrd="0" destOrd="0" presId="urn:microsoft.com/office/officeart/2005/8/layout/chevron1"/>
+    <dgm:cxn modelId="{7D95DA38-269D-42B1-B2EC-9BE85EC2835A}" type="presOf" srcId="{141F5721-50D1-4463-BE0E-D2740313485D}" destId="{1137F16A-3FBD-40A3-8437-7FEA55E131EF}" srcOrd="0" destOrd="0" presId="urn:microsoft.com/office/officeart/2005/8/layout/chevron1"/>
+    <dgm:cxn modelId="{ACC5D66D-A940-4C16-83F0-C87E584FFD2B}" srcId="{2A76A016-75FB-4EB8-A025-6ACD7A3F5B7D}" destId="{141F5721-50D1-4463-BE0E-D2740313485D}" srcOrd="4" destOrd="0" parTransId="{76CAB4C6-3908-47F3-A9B5-64E31B886BE6}" sibTransId="{3A7DF44F-3F8C-406B-AB9C-2F17AC583398}"/>
+    <dgm:cxn modelId="{3DC2876B-F5DF-45F6-9DFC-A0DB6E9A255E}" type="presParOf" srcId="{2DFC64A5-769C-4372-9615-1FA4B1491470}" destId="{1F6056EB-C534-4970-B58E-AD722CC6900E}" srcOrd="0" destOrd="0" presId="urn:microsoft.com/office/officeart/2005/8/layout/chevron1"/>
+    <dgm:cxn modelId="{683971AE-87B8-49C3-8FA1-27BD1B739FC2}" type="presParOf" srcId="{2DFC64A5-769C-4372-9615-1FA4B1491470}" destId="{C077A35C-7EC3-45E8-86F1-4EB37DB15503}" srcOrd="1" destOrd="0" presId="urn:microsoft.com/office/officeart/2005/8/layout/chevron1"/>
+    <dgm:cxn modelId="{BECBB395-224F-4B3E-BD5C-4242C7D82468}" type="presParOf" srcId="{2DFC64A5-769C-4372-9615-1FA4B1491470}" destId="{1AA5F17D-B47A-4297-B5BB-8C6B99E6C5DA}" srcOrd="2" destOrd="0" presId="urn:microsoft.com/office/officeart/2005/8/layout/chevron1"/>
+    <dgm:cxn modelId="{4F3AD980-BC08-47A7-9272-9A4793E0AACB}" type="presParOf" srcId="{2DFC64A5-769C-4372-9615-1FA4B1491470}" destId="{4AB4D21E-58BB-49F4-9B51-BB842C62FFF9}" srcOrd="3" destOrd="0" presId="urn:microsoft.com/office/officeart/2005/8/layout/chevron1"/>
+    <dgm:cxn modelId="{00ADA536-A88B-4756-8649-4AF2D135684D}" type="presParOf" srcId="{2DFC64A5-769C-4372-9615-1FA4B1491470}" destId="{624C66D0-AA35-4C2D-8400-996503DFD2AE}" srcOrd="4" destOrd="0" presId="urn:microsoft.com/office/officeart/2005/8/layout/chevron1"/>
+    <dgm:cxn modelId="{479E488E-D28F-4B6B-AE6C-A6693D56E99E}" type="presParOf" srcId="{2DFC64A5-769C-4372-9615-1FA4B1491470}" destId="{C839562D-C2F0-4F43-A440-F8EB257A5ED3}" srcOrd="5" destOrd="0" presId="urn:microsoft.com/office/officeart/2005/8/layout/chevron1"/>
+    <dgm:cxn modelId="{E3687A30-24A0-4FBD-BBCB-6F1C8CF7F736}" type="presParOf" srcId="{2DFC64A5-769C-4372-9615-1FA4B1491470}" destId="{DF757741-D2C4-47CD-B81F-0494B81FB4EA}" srcOrd="6" destOrd="0" presId="urn:microsoft.com/office/officeart/2005/8/layout/chevron1"/>
+    <dgm:cxn modelId="{2448A20F-D362-420B-BBE3-E5484744B425}" type="presParOf" srcId="{2DFC64A5-769C-4372-9615-1FA4B1491470}" destId="{C0385E65-BED5-46A7-8BCB-7BE0B13B97D8}" srcOrd="7" destOrd="0" presId="urn:microsoft.com/office/officeart/2005/8/layout/chevron1"/>
+    <dgm:cxn modelId="{4949D01C-45AD-4449-9309-83D5ED0014E3}" type="presParOf" srcId="{2DFC64A5-769C-4372-9615-1FA4B1491470}" destId="{1137F16A-3FBD-40A3-8437-7FEA55E131EF}" srcOrd="8" destOrd="0" presId="urn:microsoft.com/office/officeart/2005/8/layout/chevron1"/>
+  </dgm:cxnLst>
+  <dgm:bg/>
+  <dgm:whole>
+    <a:ln w="9525" cap="flat" cmpd="sng" algn="ctr">
+      <a:noFill/>
+      <a:prstDash val="solid"/>
+      <a:round/>
+      <a:headEnd type="none" w="med" len="med"/>
+      <a:tailEnd type="none" w="med" len="med"/>
+    </a:ln>
+  </dgm:whole>
+  <dgm:extLst>
+    <a:ext uri="http://schemas.microsoft.com/office/drawing/2008/diagram">
+      <dsp:dataModelExt xmlns:dsp="http://schemas.microsoft.com/office/drawing/2008/diagram" relId="rId6" minVer="http://schemas.openxmlformats.org/drawingml/2006/diagram"/>
+    </a:ext>
+  </dgm:extLst>
+</dgm:dataModel>
+</file>
+
+<file path=ppt/diagrams/data8.xml><?xml version="1.0" encoding="utf-8"?>
+<dgm:dataModel xmlns:dgm="http://schemas.openxmlformats.org/drawingml/2006/diagram" xmlns:a="http://schemas.openxmlformats.org/drawingml/2006/main">
+  <dgm:ptLst>
+    <dgm:pt modelId="{2A76A016-75FB-4EB8-A025-6ACD7A3F5B7D}" type="doc">
+      <dgm:prSet loTypeId="urn:microsoft.com/office/officeart/2005/8/layout/chevron1" loCatId="process" qsTypeId="urn:microsoft.com/office/officeart/2005/8/quickstyle/simple1" qsCatId="simple" csTypeId="urn:microsoft.com/office/officeart/2005/8/colors/accent1_2" csCatId="accent1" phldr="1"/>
+      <dgm:spPr/>
+    </dgm:pt>
+    <dgm:pt modelId="{0259D84A-4796-4366-BA60-D7065EA96C71}">
+      <dgm:prSet phldrT="[Texte]"/>
+      <dgm:spPr>
+        <a:solidFill>
+          <a:schemeClr val="accent1"/>
+        </a:solidFill>
+      </dgm:spPr>
+      <dgm:t>
+        <a:bodyPr/>
+        <a:lstStyle/>
+        <a:p>
+          <a:r>
+            <a:rPr lang="fr-FR" dirty="0" smtClean="0"/>
+            <a:t>Bilan</a:t>
+          </a:r>
+          <a:endParaRPr lang="fr-FR" dirty="0"/>
+        </a:p>
+      </dgm:t>
+    </dgm:pt>
+    <dgm:pt modelId="{CA49B43B-3BCA-497E-B500-5523E9DB4D6C}" type="sibTrans" cxnId="{6C3F1AC4-298B-4D68-A3B6-46A3E4B5E6DC}">
+      <dgm:prSet/>
+      <dgm:spPr/>
+      <dgm:t>
+        <a:bodyPr/>
+        <a:lstStyle/>
+        <a:p>
+          <a:endParaRPr lang="fr-FR"/>
+        </a:p>
+      </dgm:t>
+    </dgm:pt>
+    <dgm:pt modelId="{2844B534-BEBF-43CF-B484-5CFCA8900E85}" type="parTrans" cxnId="{6C3F1AC4-298B-4D68-A3B6-46A3E4B5E6DC}">
+      <dgm:prSet/>
+      <dgm:spPr/>
+      <dgm:t>
+        <a:bodyPr/>
+        <a:lstStyle/>
+        <a:p>
+          <a:endParaRPr lang="fr-FR"/>
+        </a:p>
+      </dgm:t>
+    </dgm:pt>
+    <dgm:pt modelId="{68E789BA-346D-43BD-9465-734B217059F0}">
+      <dgm:prSet phldrT="[Texte]"/>
+      <dgm:spPr/>
+      <dgm:t>
+        <a:bodyPr/>
+        <a:lstStyle/>
+        <a:p>
+          <a:r>
+            <a:rPr lang="fr-FR" dirty="0" smtClean="0"/>
+            <a:t>Analyse et prévision</a:t>
+          </a:r>
+          <a:endParaRPr lang="fr-FR" dirty="0"/>
+        </a:p>
+      </dgm:t>
+    </dgm:pt>
+    <dgm:pt modelId="{C9B12BE5-522A-43A8-A491-AC2795BA9602}" type="sibTrans" cxnId="{54CD1257-05B7-4992-90E1-19728B5A48CD}">
+      <dgm:prSet/>
+      <dgm:spPr/>
+      <dgm:t>
+        <a:bodyPr/>
+        <a:lstStyle/>
+        <a:p>
+          <a:endParaRPr lang="fr-FR"/>
+        </a:p>
+      </dgm:t>
+    </dgm:pt>
+    <dgm:pt modelId="{BFCF06E6-B9DC-4E18-9537-7296BC3BCBA2}" type="parTrans" cxnId="{54CD1257-05B7-4992-90E1-19728B5A48CD}">
+      <dgm:prSet/>
+      <dgm:spPr/>
+      <dgm:t>
+        <a:bodyPr/>
+        <a:lstStyle/>
+        <a:p>
+          <a:endParaRPr lang="fr-FR"/>
+        </a:p>
+      </dgm:t>
+    </dgm:pt>
+    <dgm:pt modelId="{6C099256-A3F1-42A6-931A-474918379EC3}">
+      <dgm:prSet phldrT="[Texte]"/>
+      <dgm:spPr>
+        <a:solidFill>
+          <a:schemeClr val="accent1"/>
+        </a:solidFill>
+      </dgm:spPr>
+      <dgm:t>
+        <a:bodyPr/>
+        <a:lstStyle/>
+        <a:p>
+          <a:r>
+            <a:rPr lang="fr-FR" dirty="0" smtClean="0"/>
+            <a:t>Introduction</a:t>
+          </a:r>
+          <a:endParaRPr lang="fr-FR" dirty="0"/>
+        </a:p>
+      </dgm:t>
+    </dgm:pt>
+    <dgm:pt modelId="{148C0DA2-0218-4FFE-8809-25F2D2ED809C}" type="sibTrans" cxnId="{469C87CF-F5DF-49FE-99F1-2B80000E8C7F}">
+      <dgm:prSet/>
+      <dgm:spPr/>
+      <dgm:t>
+        <a:bodyPr/>
+        <a:lstStyle/>
+        <a:p>
+          <a:endParaRPr lang="fr-FR"/>
+        </a:p>
+      </dgm:t>
+    </dgm:pt>
+    <dgm:pt modelId="{7AC3B3FF-A9FA-4238-87B0-F8A658AD7018}" type="parTrans" cxnId="{469C87CF-F5DF-49FE-99F1-2B80000E8C7F}">
+      <dgm:prSet/>
+      <dgm:spPr/>
+      <dgm:t>
+        <a:bodyPr/>
+        <a:lstStyle/>
+        <a:p>
+          <a:endParaRPr lang="fr-FR"/>
+        </a:p>
+      </dgm:t>
+    </dgm:pt>
+    <dgm:pt modelId="{80E5E9DF-95FB-48E6-BD6C-ADC19D57C0A3}">
+      <dgm:prSet phldrT="[Texte]"/>
+      <dgm:spPr>
+        <a:solidFill>
+          <a:schemeClr val="accent1"/>
+        </a:solidFill>
+      </dgm:spPr>
+      <dgm:t>
+        <a:bodyPr/>
+        <a:lstStyle/>
+        <a:p>
+          <a:r>
+            <a:rPr lang="fr-FR" dirty="0" smtClean="0"/>
+            <a:t>Solutions techniques</a:t>
+          </a:r>
+          <a:endParaRPr lang="fr-FR" dirty="0"/>
+        </a:p>
+      </dgm:t>
+    </dgm:pt>
+    <dgm:pt modelId="{710E6872-57CB-42B7-A54D-88A4118DC8A3}" type="parTrans" cxnId="{DAC9D7F0-396E-4DEE-9465-684C88AA5D85}">
+      <dgm:prSet/>
+      <dgm:spPr/>
+      <dgm:t>
+        <a:bodyPr/>
+        <a:lstStyle/>
+        <a:p>
+          <a:endParaRPr lang="fr-FR"/>
+        </a:p>
+      </dgm:t>
+    </dgm:pt>
+    <dgm:pt modelId="{B49B5B59-8BFC-448F-B2EE-53202542A6CE}" type="sibTrans" cxnId="{DAC9D7F0-396E-4DEE-9465-684C88AA5D85}">
+      <dgm:prSet/>
+      <dgm:spPr/>
+      <dgm:t>
+        <a:bodyPr/>
+        <a:lstStyle/>
+        <a:p>
+          <a:endParaRPr lang="fr-FR"/>
+        </a:p>
+      </dgm:t>
+    </dgm:pt>
+    <dgm:pt modelId="{141F5721-50D1-4463-BE0E-D2740313485D}">
+      <dgm:prSet phldrT="[Texte]"/>
+      <dgm:spPr>
+        <a:solidFill>
+          <a:srgbClr val="FF0000"/>
+        </a:solidFill>
+      </dgm:spPr>
+      <dgm:t>
+        <a:bodyPr/>
+        <a:lstStyle/>
+        <a:p>
+          <a:r>
+            <a:rPr lang="fr-FR" dirty="0" smtClean="0"/>
+            <a:t>Conclusion</a:t>
+          </a:r>
+          <a:endParaRPr lang="fr-FR" dirty="0"/>
+        </a:p>
+      </dgm:t>
+    </dgm:pt>
+    <dgm:pt modelId="{76CAB4C6-3908-47F3-A9B5-64E31B886BE6}" type="parTrans" cxnId="{ACC5D66D-A940-4C16-83F0-C87E584FFD2B}">
+      <dgm:prSet/>
+      <dgm:spPr/>
+      <dgm:t>
+        <a:bodyPr/>
+        <a:lstStyle/>
+        <a:p>
+          <a:endParaRPr lang="fr-FR"/>
+        </a:p>
+      </dgm:t>
+    </dgm:pt>
+    <dgm:pt modelId="{3A7DF44F-3F8C-406B-AB9C-2F17AC583398}" type="sibTrans" cxnId="{ACC5D66D-A940-4C16-83F0-C87E584FFD2B}">
+      <dgm:prSet/>
+      <dgm:spPr/>
+      <dgm:t>
+        <a:bodyPr/>
+        <a:lstStyle/>
+        <a:p>
+          <a:endParaRPr lang="fr-FR"/>
+        </a:p>
+      </dgm:t>
+    </dgm:pt>
+    <dgm:pt modelId="{2DFC64A5-769C-4372-9615-1FA4B1491470}" type="pres">
+      <dgm:prSet presAssocID="{2A76A016-75FB-4EB8-A025-6ACD7A3F5B7D}" presName="Name0" presStyleCnt="0">
+        <dgm:presLayoutVars>
+          <dgm:dir/>
+          <dgm:animLvl val="lvl"/>
+          <dgm:resizeHandles val="exact"/>
+        </dgm:presLayoutVars>
+      </dgm:prSet>
+      <dgm:spPr/>
+    </dgm:pt>
+    <dgm:pt modelId="{1F6056EB-C534-4970-B58E-AD722CC6900E}" type="pres">
+      <dgm:prSet presAssocID="{6C099256-A3F1-42A6-931A-474918379EC3}" presName="parTxOnly" presStyleLbl="node1" presStyleIdx="0" presStyleCnt="5">
+        <dgm:presLayoutVars>
+          <dgm:chMax val="0"/>
+          <dgm:chPref val="0"/>
+          <dgm:bulletEnabled val="1"/>
+        </dgm:presLayoutVars>
+      </dgm:prSet>
+      <dgm:spPr/>
+      <dgm:t>
+        <a:bodyPr/>
+        <a:lstStyle/>
+        <a:p>
+          <a:endParaRPr lang="fr-FR"/>
+        </a:p>
+      </dgm:t>
+    </dgm:pt>
+    <dgm:pt modelId="{C077A35C-7EC3-45E8-86F1-4EB37DB15503}" type="pres">
+      <dgm:prSet presAssocID="{148C0DA2-0218-4FFE-8809-25F2D2ED809C}" presName="parTxOnlySpace" presStyleCnt="0"/>
+      <dgm:spPr/>
+    </dgm:pt>
+    <dgm:pt modelId="{1AA5F17D-B47A-4297-B5BB-8C6B99E6C5DA}" type="pres">
+      <dgm:prSet presAssocID="{68E789BA-346D-43BD-9465-734B217059F0}" presName="parTxOnly" presStyleLbl="node1" presStyleIdx="1" presStyleCnt="5" custLinFactNeighborX="-9362">
+        <dgm:presLayoutVars>
+          <dgm:chMax val="0"/>
+          <dgm:chPref val="0"/>
+          <dgm:bulletEnabled val="1"/>
+        </dgm:presLayoutVars>
+      </dgm:prSet>
+      <dgm:spPr/>
+      <dgm:t>
+        <a:bodyPr/>
+        <a:lstStyle/>
+        <a:p>
+          <a:endParaRPr lang="fr-FR"/>
+        </a:p>
+      </dgm:t>
+    </dgm:pt>
+    <dgm:pt modelId="{4AB4D21E-58BB-49F4-9B51-BB842C62FFF9}" type="pres">
+      <dgm:prSet presAssocID="{C9B12BE5-522A-43A8-A491-AC2795BA9602}" presName="parTxOnlySpace" presStyleCnt="0"/>
+      <dgm:spPr/>
+    </dgm:pt>
+    <dgm:pt modelId="{624C66D0-AA35-4C2D-8400-996503DFD2AE}" type="pres">
+      <dgm:prSet presAssocID="{80E5E9DF-95FB-48E6-BD6C-ADC19D57C0A3}" presName="parTxOnly" presStyleLbl="node1" presStyleIdx="2" presStyleCnt="5">
+        <dgm:presLayoutVars>
+          <dgm:chMax val="0"/>
+          <dgm:chPref val="0"/>
+          <dgm:bulletEnabled val="1"/>
+        </dgm:presLayoutVars>
+      </dgm:prSet>
+      <dgm:spPr/>
+      <dgm:t>
+        <a:bodyPr/>
+        <a:lstStyle/>
+        <a:p>
+          <a:endParaRPr lang="fr-FR"/>
+        </a:p>
+      </dgm:t>
+    </dgm:pt>
+    <dgm:pt modelId="{C839562D-C2F0-4F43-A440-F8EB257A5ED3}" type="pres">
+      <dgm:prSet presAssocID="{B49B5B59-8BFC-448F-B2EE-53202542A6CE}" presName="parTxOnlySpace" presStyleCnt="0"/>
+      <dgm:spPr/>
+    </dgm:pt>
+    <dgm:pt modelId="{DF757741-D2C4-47CD-B81F-0494B81FB4EA}" type="pres">
+      <dgm:prSet presAssocID="{0259D84A-4796-4366-BA60-D7065EA96C71}" presName="parTxOnly" presStyleLbl="node1" presStyleIdx="3" presStyleCnt="5">
+        <dgm:presLayoutVars>
+          <dgm:chMax val="0"/>
+          <dgm:chPref val="0"/>
+          <dgm:bulletEnabled val="1"/>
+        </dgm:presLayoutVars>
+      </dgm:prSet>
+      <dgm:spPr/>
+      <dgm:t>
+        <a:bodyPr/>
+        <a:lstStyle/>
+        <a:p>
+          <a:endParaRPr lang="fr-FR"/>
+        </a:p>
+      </dgm:t>
+    </dgm:pt>
+    <dgm:pt modelId="{C0385E65-BED5-46A7-8BCB-7BE0B13B97D8}" type="pres">
+      <dgm:prSet presAssocID="{CA49B43B-3BCA-497E-B500-5523E9DB4D6C}" presName="parTxOnlySpace" presStyleCnt="0"/>
+      <dgm:spPr/>
+    </dgm:pt>
+    <dgm:pt modelId="{1137F16A-3FBD-40A3-8437-7FEA55E131EF}" type="pres">
+      <dgm:prSet presAssocID="{141F5721-50D1-4463-BE0E-D2740313485D}" presName="parTxOnly" presStyleLbl="node1" presStyleIdx="4" presStyleCnt="5" custLinFactNeighborX="1124" custLinFactNeighborY="25000">
+        <dgm:presLayoutVars>
+          <dgm:chMax val="0"/>
+          <dgm:chPref val="0"/>
+          <dgm:bulletEnabled val="1"/>
+        </dgm:presLayoutVars>
+      </dgm:prSet>
+      <dgm:spPr/>
+      <dgm:t>
+        <a:bodyPr/>
+        <a:lstStyle/>
+        <a:p>
+          <a:endParaRPr lang="fr-FR"/>
+        </a:p>
+      </dgm:t>
+    </dgm:pt>
+  </dgm:ptLst>
+  <dgm:cxnLst>
+    <dgm:cxn modelId="{469C87CF-F5DF-49FE-99F1-2B80000E8C7F}" srcId="{2A76A016-75FB-4EB8-A025-6ACD7A3F5B7D}" destId="{6C099256-A3F1-42A6-931A-474918379EC3}" srcOrd="0" destOrd="0" parTransId="{7AC3B3FF-A9FA-4238-87B0-F8A658AD7018}" sibTransId="{148C0DA2-0218-4FFE-8809-25F2D2ED809C}"/>
+    <dgm:cxn modelId="{6C3F1AC4-298B-4D68-A3B6-46A3E4B5E6DC}" srcId="{2A76A016-75FB-4EB8-A025-6ACD7A3F5B7D}" destId="{0259D84A-4796-4366-BA60-D7065EA96C71}" srcOrd="3" destOrd="0" parTransId="{2844B534-BEBF-43CF-B484-5CFCA8900E85}" sibTransId="{CA49B43B-3BCA-497E-B500-5523E9DB4D6C}"/>
+    <dgm:cxn modelId="{D01CA530-82BF-43CD-B1DA-3A44B5D1DA30}" type="presOf" srcId="{6C099256-A3F1-42A6-931A-474918379EC3}" destId="{1F6056EB-C534-4970-B58E-AD722CC6900E}" srcOrd="0" destOrd="0" presId="urn:microsoft.com/office/officeart/2005/8/layout/chevron1"/>
+    <dgm:cxn modelId="{9B6F3BC8-0B7A-4007-9DC1-5811EBEF3EFB}" type="presOf" srcId="{0259D84A-4796-4366-BA60-D7065EA96C71}" destId="{DF757741-D2C4-47CD-B81F-0494B81FB4EA}" srcOrd="0" destOrd="0" presId="urn:microsoft.com/office/officeart/2005/8/layout/chevron1"/>
+    <dgm:cxn modelId="{1BB15CE7-B5C9-46C5-ACE9-575A249D53C9}" type="presOf" srcId="{68E789BA-346D-43BD-9465-734B217059F0}" destId="{1AA5F17D-B47A-4297-B5BB-8C6B99E6C5DA}" srcOrd="0" destOrd="0" presId="urn:microsoft.com/office/officeart/2005/8/layout/chevron1"/>
+    <dgm:cxn modelId="{ABFCFB45-F5A1-448D-877B-A889F7CCD116}" type="presOf" srcId="{80E5E9DF-95FB-48E6-BD6C-ADC19D57C0A3}" destId="{624C66D0-AA35-4C2D-8400-996503DFD2AE}" srcOrd="0" destOrd="0" presId="urn:microsoft.com/office/officeart/2005/8/layout/chevron1"/>
+    <dgm:cxn modelId="{54CD1257-05B7-4992-90E1-19728B5A48CD}" srcId="{2A76A016-75FB-4EB8-A025-6ACD7A3F5B7D}" destId="{68E789BA-346D-43BD-9465-734B217059F0}" srcOrd="1" destOrd="0" parTransId="{BFCF06E6-B9DC-4E18-9537-7296BC3BCBA2}" sibTransId="{C9B12BE5-522A-43A8-A491-AC2795BA9602}"/>
+    <dgm:cxn modelId="{DAC9D7F0-396E-4DEE-9465-684C88AA5D85}" srcId="{2A76A016-75FB-4EB8-A025-6ACD7A3F5B7D}" destId="{80E5E9DF-95FB-48E6-BD6C-ADC19D57C0A3}" srcOrd="2" destOrd="0" parTransId="{710E6872-57CB-42B7-A54D-88A4118DC8A3}" sibTransId="{B49B5B59-8BFC-448F-B2EE-53202542A6CE}"/>
+    <dgm:cxn modelId="{ACC5D66D-A940-4C16-83F0-C87E584FFD2B}" srcId="{2A76A016-75FB-4EB8-A025-6ACD7A3F5B7D}" destId="{141F5721-50D1-4463-BE0E-D2740313485D}" srcOrd="4" destOrd="0" parTransId="{76CAB4C6-3908-47F3-A9B5-64E31B886BE6}" sibTransId="{3A7DF44F-3F8C-406B-AB9C-2F17AC583398}"/>
+    <dgm:cxn modelId="{BBE49BF6-68F2-4636-90F3-D83871E70E05}" type="presOf" srcId="{141F5721-50D1-4463-BE0E-D2740313485D}" destId="{1137F16A-3FBD-40A3-8437-7FEA55E131EF}" srcOrd="0" destOrd="0" presId="urn:microsoft.com/office/officeart/2005/8/layout/chevron1"/>
+    <dgm:cxn modelId="{80EFFFBC-55C8-4C40-B162-F49EB46A02D1}" type="presOf" srcId="{2A76A016-75FB-4EB8-A025-6ACD7A3F5B7D}" destId="{2DFC64A5-769C-4372-9615-1FA4B1491470}" srcOrd="0" destOrd="0" presId="urn:microsoft.com/office/officeart/2005/8/layout/chevron1"/>
+    <dgm:cxn modelId="{9E6ECD40-56B1-44E6-85F2-97EBD4788D80}" type="presParOf" srcId="{2DFC64A5-769C-4372-9615-1FA4B1491470}" destId="{1F6056EB-C534-4970-B58E-AD722CC6900E}" srcOrd="0" destOrd="0" presId="urn:microsoft.com/office/officeart/2005/8/layout/chevron1"/>
+    <dgm:cxn modelId="{43D39F89-CB86-47B2-A5ED-6BEB1D44023D}" type="presParOf" srcId="{2DFC64A5-769C-4372-9615-1FA4B1491470}" destId="{C077A35C-7EC3-45E8-86F1-4EB37DB15503}" srcOrd="1" destOrd="0" presId="urn:microsoft.com/office/officeart/2005/8/layout/chevron1"/>
+    <dgm:cxn modelId="{13FC60FE-BE3C-40A3-8680-CBF09730BE4D}" type="presParOf" srcId="{2DFC64A5-769C-4372-9615-1FA4B1491470}" destId="{1AA5F17D-B47A-4297-B5BB-8C6B99E6C5DA}" srcOrd="2" destOrd="0" presId="urn:microsoft.com/office/officeart/2005/8/layout/chevron1"/>
+    <dgm:cxn modelId="{16953375-77A2-4BDC-A68E-92ACDA829D66}" type="presParOf" srcId="{2DFC64A5-769C-4372-9615-1FA4B1491470}" destId="{4AB4D21E-58BB-49F4-9B51-BB842C62FFF9}" srcOrd="3" destOrd="0" presId="urn:microsoft.com/office/officeart/2005/8/layout/chevron1"/>
+    <dgm:cxn modelId="{1A45D343-C8C4-4A44-9617-0BCBE4E4AA87}" type="presParOf" srcId="{2DFC64A5-769C-4372-9615-1FA4B1491470}" destId="{624C66D0-AA35-4C2D-8400-996503DFD2AE}" srcOrd="4" destOrd="0" presId="urn:microsoft.com/office/officeart/2005/8/layout/chevron1"/>
+    <dgm:cxn modelId="{543176EA-FD31-48EF-A71E-ECFD88670529}" type="presParOf" srcId="{2DFC64A5-769C-4372-9615-1FA4B1491470}" destId="{C839562D-C2F0-4F43-A440-F8EB257A5ED3}" srcOrd="5" destOrd="0" presId="urn:microsoft.com/office/officeart/2005/8/layout/chevron1"/>
+    <dgm:cxn modelId="{AB4770D7-DE25-4CFE-8078-FD13CEC54AEE}" type="presParOf" srcId="{2DFC64A5-769C-4372-9615-1FA4B1491470}" destId="{DF757741-D2C4-47CD-B81F-0494B81FB4EA}" srcOrd="6" destOrd="0" presId="urn:microsoft.com/office/officeart/2005/8/layout/chevron1"/>
+    <dgm:cxn modelId="{6B6A885B-CE64-43E5-BC66-B32D4461B79F}" type="presParOf" srcId="{2DFC64A5-769C-4372-9615-1FA4B1491470}" destId="{C0385E65-BED5-46A7-8BCB-7BE0B13B97D8}" srcOrd="7" destOrd="0" presId="urn:microsoft.com/office/officeart/2005/8/layout/chevron1"/>
+    <dgm:cxn modelId="{CCACB321-BF66-4A2C-946D-52B0168FED2F}" type="presParOf" srcId="{2DFC64A5-769C-4372-9615-1FA4B1491470}" destId="{1137F16A-3FBD-40A3-8437-7FEA55E131EF}" srcOrd="8" destOrd="0" presId="urn:microsoft.com/office/officeart/2005/8/layout/chevron1"/>
+  </dgm:cxnLst>
+  <dgm:bg/>
+  <dgm:whole>
+    <a:ln w="9525" cap="flat" cmpd="sng" algn="ctr">
+      <a:noFill/>
+      <a:prstDash val="solid"/>
+      <a:round/>
+      <a:headEnd type="none" w="med" len="med"/>
+      <a:tailEnd type="none" w="med" len="med"/>
+    </a:ln>
+  </dgm:whole>
+  <dgm:extLst>
+    <a:ext uri="http://schemas.microsoft.com/office/drawing/2008/diagram">
+      <dsp:dataModelExt xmlns:dsp="http://schemas.microsoft.com/office/drawing/2008/diagram" relId="rId6" minVer="http://schemas.openxmlformats.org/drawingml/2006/diagram"/>
     </a:ext>
   </dgm:extLst>
 </dgm:dataModel>
@@ -10378,7 +11490,7 @@
           <a:avLst/>
         </a:prstGeom>
         <a:solidFill>
-          <a:srgbClr val="FF0000"/>
+          <a:schemeClr val="accent1"/>
         </a:solidFill>
         <a:ln w="15875" cap="rnd" cmpd="sng" algn="ctr">
           <a:solidFill>
@@ -10450,12 +11562,384 @@
           <a:avLst/>
         </a:prstGeom>
         <a:solidFill>
+          <a:srgbClr val="FF0000"/>
+        </a:solidFill>
+        <a:ln w="15875" cap="rnd" cmpd="sng" algn="ctr">
+          <a:solidFill>
+            <a:schemeClr val="lt1">
+              <a:hueOff val="0"/>
+              <a:satOff val="0"/>
+              <a:lumOff val="0"/>
+              <a:alphaOff val="0"/>
+            </a:schemeClr>
+          </a:solidFill>
+          <a:prstDash val="solid"/>
+        </a:ln>
+        <a:effectLst/>
+      </dsp:spPr>
+      <dsp:style>
+        <a:lnRef idx="2">
+          <a:scrgbClr r="0" g="0" b="0"/>
+        </a:lnRef>
+        <a:fillRef idx="1">
+          <a:scrgbClr r="0" g="0" b="0"/>
+        </a:fillRef>
+        <a:effectRef idx="0">
+          <a:scrgbClr r="0" g="0" b="0"/>
+        </a:effectRef>
+        <a:fontRef idx="minor">
+          <a:schemeClr val="lt1"/>
+        </a:fontRef>
+      </dsp:style>
+      <dsp:txBody>
+        <a:bodyPr spcFirstLastPara="0" vert="horz" wrap="square" lIns="68009" tIns="22670" rIns="22670" bIns="22670" numCol="1" spcCol="1270" anchor="ctr" anchorCtr="0">
+          <a:noAutofit/>
+        </a:bodyPr>
+        <a:lstStyle/>
+        <a:p>
+          <a:pPr lvl="0" algn="ctr" defTabSz="755650">
+            <a:lnSpc>
+              <a:spcPct val="90000"/>
+            </a:lnSpc>
+            <a:spcBef>
+              <a:spcPct val="0"/>
+            </a:spcBef>
+            <a:spcAft>
+              <a:spcPct val="35000"/>
+            </a:spcAft>
+          </a:pPr>
+          <a:r>
+            <a:rPr lang="fr-FR" sz="1700" kern="1200" dirty="0" smtClean="0"/>
+            <a:t>Conclusion</a:t>
+          </a:r>
+          <a:endParaRPr lang="fr-FR" sz="1700" kern="1200" dirty="0"/>
+        </a:p>
+      </dsp:txBody>
+      <dsp:txXfrm>
+        <a:off x="9292686" y="0"/>
+        <a:ext cx="2248505" cy="290820"/>
+      </dsp:txXfrm>
+    </dsp:sp>
+  </dsp:spTree>
+</dsp:drawing>
+</file>
+
+<file path=ppt/diagrams/drawing8.xml><?xml version="1.0" encoding="utf-8"?>
+<dsp:drawing xmlns:dgm="http://schemas.openxmlformats.org/drawingml/2006/diagram" xmlns:dsp="http://schemas.microsoft.com/office/drawing/2008/diagram" xmlns:a="http://schemas.openxmlformats.org/drawingml/2006/main">
+  <dsp:spTree>
+    <dsp:nvGrpSpPr>
+      <dsp:cNvPr id="0" name=""/>
+      <dsp:cNvGrpSpPr/>
+    </dsp:nvGrpSpPr>
+    <dsp:grpSpPr/>
+    <dsp:sp modelId="{1F6056EB-C534-4970-B58E-AD722CC6900E}">
+      <dsp:nvSpPr>
+        <dsp:cNvPr id="0" name=""/>
+        <dsp:cNvSpPr/>
+      </dsp:nvSpPr>
+      <dsp:spPr>
+        <a:xfrm>
+          <a:off x="2853" y="0"/>
+          <a:ext cx="2539325" cy="290820"/>
+        </a:xfrm>
+        <a:prstGeom prst="chevron">
+          <a:avLst/>
+        </a:prstGeom>
+        <a:solidFill>
+          <a:schemeClr val="accent1"/>
+        </a:solidFill>
+        <a:ln w="15875" cap="rnd" cmpd="sng" algn="ctr">
+          <a:solidFill>
+            <a:schemeClr val="lt1">
+              <a:hueOff val="0"/>
+              <a:satOff val="0"/>
+              <a:lumOff val="0"/>
+              <a:alphaOff val="0"/>
+            </a:schemeClr>
+          </a:solidFill>
+          <a:prstDash val="solid"/>
+        </a:ln>
+        <a:effectLst/>
+      </dsp:spPr>
+      <dsp:style>
+        <a:lnRef idx="2">
+          <a:scrgbClr r="0" g="0" b="0"/>
+        </a:lnRef>
+        <a:fillRef idx="1">
+          <a:scrgbClr r="0" g="0" b="0"/>
+        </a:fillRef>
+        <a:effectRef idx="0">
+          <a:scrgbClr r="0" g="0" b="0"/>
+        </a:effectRef>
+        <a:fontRef idx="minor">
+          <a:schemeClr val="lt1"/>
+        </a:fontRef>
+      </dsp:style>
+      <dsp:txBody>
+        <a:bodyPr spcFirstLastPara="0" vert="horz" wrap="square" lIns="68009" tIns="22670" rIns="22670" bIns="22670" numCol="1" spcCol="1270" anchor="ctr" anchorCtr="0">
+          <a:noAutofit/>
+        </a:bodyPr>
+        <a:lstStyle/>
+        <a:p>
+          <a:pPr lvl="0" algn="ctr" defTabSz="755650">
+            <a:lnSpc>
+              <a:spcPct val="90000"/>
+            </a:lnSpc>
+            <a:spcBef>
+              <a:spcPct val="0"/>
+            </a:spcBef>
+            <a:spcAft>
+              <a:spcPct val="35000"/>
+            </a:spcAft>
+          </a:pPr>
+          <a:r>
+            <a:rPr lang="fr-FR" sz="1700" kern="1200" dirty="0" smtClean="0"/>
+            <a:t>Introduction</a:t>
+          </a:r>
+          <a:endParaRPr lang="fr-FR" sz="1700" kern="1200" dirty="0"/>
+        </a:p>
+      </dsp:txBody>
+      <dsp:txXfrm>
+        <a:off x="148263" y="0"/>
+        <a:ext cx="2248505" cy="290820"/>
+      </dsp:txXfrm>
+    </dsp:sp>
+    <dsp:sp modelId="{1AA5F17D-B47A-4297-B5BB-8C6B99E6C5DA}">
+      <dsp:nvSpPr>
+        <dsp:cNvPr id="0" name=""/>
+        <dsp:cNvSpPr/>
+      </dsp:nvSpPr>
+      <dsp:spPr>
+        <a:xfrm>
+          <a:off x="2264472" y="0"/>
+          <a:ext cx="2539325" cy="290820"/>
+        </a:xfrm>
+        <a:prstGeom prst="chevron">
+          <a:avLst/>
+        </a:prstGeom>
+        <a:solidFill>
           <a:schemeClr val="accent1">
             <a:hueOff val="0"/>
             <a:satOff val="0"/>
             <a:lumOff val="0"/>
             <a:alphaOff val="0"/>
           </a:schemeClr>
+        </a:solidFill>
+        <a:ln w="15875" cap="rnd" cmpd="sng" algn="ctr">
+          <a:solidFill>
+            <a:schemeClr val="lt1">
+              <a:hueOff val="0"/>
+              <a:satOff val="0"/>
+              <a:lumOff val="0"/>
+              <a:alphaOff val="0"/>
+            </a:schemeClr>
+          </a:solidFill>
+          <a:prstDash val="solid"/>
+        </a:ln>
+        <a:effectLst/>
+      </dsp:spPr>
+      <dsp:style>
+        <a:lnRef idx="2">
+          <a:scrgbClr r="0" g="0" b="0"/>
+        </a:lnRef>
+        <a:fillRef idx="1">
+          <a:scrgbClr r="0" g="0" b="0"/>
+        </a:fillRef>
+        <a:effectRef idx="0">
+          <a:scrgbClr r="0" g="0" b="0"/>
+        </a:effectRef>
+        <a:fontRef idx="minor">
+          <a:schemeClr val="lt1"/>
+        </a:fontRef>
+      </dsp:style>
+      <dsp:txBody>
+        <a:bodyPr spcFirstLastPara="0" vert="horz" wrap="square" lIns="68009" tIns="22670" rIns="22670" bIns="22670" numCol="1" spcCol="1270" anchor="ctr" anchorCtr="0">
+          <a:noAutofit/>
+        </a:bodyPr>
+        <a:lstStyle/>
+        <a:p>
+          <a:pPr lvl="0" algn="ctr" defTabSz="755650">
+            <a:lnSpc>
+              <a:spcPct val="90000"/>
+            </a:lnSpc>
+            <a:spcBef>
+              <a:spcPct val="0"/>
+            </a:spcBef>
+            <a:spcAft>
+              <a:spcPct val="35000"/>
+            </a:spcAft>
+          </a:pPr>
+          <a:r>
+            <a:rPr lang="fr-FR" sz="1700" kern="1200" dirty="0" smtClean="0"/>
+            <a:t>Analyse et prévision</a:t>
+          </a:r>
+          <a:endParaRPr lang="fr-FR" sz="1700" kern="1200" dirty="0"/>
+        </a:p>
+      </dsp:txBody>
+      <dsp:txXfrm>
+        <a:off x="2409882" y="0"/>
+        <a:ext cx="2248505" cy="290820"/>
+      </dsp:txXfrm>
+    </dsp:sp>
+    <dsp:sp modelId="{624C66D0-AA35-4C2D-8400-996503DFD2AE}">
+      <dsp:nvSpPr>
+        <dsp:cNvPr id="0" name=""/>
+        <dsp:cNvSpPr/>
+      </dsp:nvSpPr>
+      <dsp:spPr>
+        <a:xfrm>
+          <a:off x="4573638" y="0"/>
+          <a:ext cx="2539325" cy="290820"/>
+        </a:xfrm>
+        <a:prstGeom prst="chevron">
+          <a:avLst/>
+        </a:prstGeom>
+        <a:solidFill>
+          <a:schemeClr val="accent1"/>
+        </a:solidFill>
+        <a:ln w="15875" cap="rnd" cmpd="sng" algn="ctr">
+          <a:solidFill>
+            <a:schemeClr val="lt1">
+              <a:hueOff val="0"/>
+              <a:satOff val="0"/>
+              <a:lumOff val="0"/>
+              <a:alphaOff val="0"/>
+            </a:schemeClr>
+          </a:solidFill>
+          <a:prstDash val="solid"/>
+        </a:ln>
+        <a:effectLst/>
+      </dsp:spPr>
+      <dsp:style>
+        <a:lnRef idx="2">
+          <a:scrgbClr r="0" g="0" b="0"/>
+        </a:lnRef>
+        <a:fillRef idx="1">
+          <a:scrgbClr r="0" g="0" b="0"/>
+        </a:fillRef>
+        <a:effectRef idx="0">
+          <a:scrgbClr r="0" g="0" b="0"/>
+        </a:effectRef>
+        <a:fontRef idx="minor">
+          <a:schemeClr val="lt1"/>
+        </a:fontRef>
+      </dsp:style>
+      <dsp:txBody>
+        <a:bodyPr spcFirstLastPara="0" vert="horz" wrap="square" lIns="68009" tIns="22670" rIns="22670" bIns="22670" numCol="1" spcCol="1270" anchor="ctr" anchorCtr="0">
+          <a:noAutofit/>
+        </a:bodyPr>
+        <a:lstStyle/>
+        <a:p>
+          <a:pPr lvl="0" algn="ctr" defTabSz="755650">
+            <a:lnSpc>
+              <a:spcPct val="90000"/>
+            </a:lnSpc>
+            <a:spcBef>
+              <a:spcPct val="0"/>
+            </a:spcBef>
+            <a:spcAft>
+              <a:spcPct val="35000"/>
+            </a:spcAft>
+          </a:pPr>
+          <a:r>
+            <a:rPr lang="fr-FR" sz="1700" kern="1200" dirty="0" smtClean="0"/>
+            <a:t>Solutions techniques</a:t>
+          </a:r>
+          <a:endParaRPr lang="fr-FR" sz="1700" kern="1200" dirty="0"/>
+        </a:p>
+      </dsp:txBody>
+      <dsp:txXfrm>
+        <a:off x="4719048" y="0"/>
+        <a:ext cx="2248505" cy="290820"/>
+      </dsp:txXfrm>
+    </dsp:sp>
+    <dsp:sp modelId="{DF757741-D2C4-47CD-B81F-0494B81FB4EA}">
+      <dsp:nvSpPr>
+        <dsp:cNvPr id="0" name=""/>
+        <dsp:cNvSpPr/>
+      </dsp:nvSpPr>
+      <dsp:spPr>
+        <a:xfrm>
+          <a:off x="6859031" y="0"/>
+          <a:ext cx="2539325" cy="290820"/>
+        </a:xfrm>
+        <a:prstGeom prst="chevron">
+          <a:avLst/>
+        </a:prstGeom>
+        <a:solidFill>
+          <a:schemeClr val="accent1"/>
+        </a:solidFill>
+        <a:ln w="15875" cap="rnd" cmpd="sng" algn="ctr">
+          <a:solidFill>
+            <a:schemeClr val="lt1">
+              <a:hueOff val="0"/>
+              <a:satOff val="0"/>
+              <a:lumOff val="0"/>
+              <a:alphaOff val="0"/>
+            </a:schemeClr>
+          </a:solidFill>
+          <a:prstDash val="solid"/>
+        </a:ln>
+        <a:effectLst/>
+      </dsp:spPr>
+      <dsp:style>
+        <a:lnRef idx="2">
+          <a:scrgbClr r="0" g="0" b="0"/>
+        </a:lnRef>
+        <a:fillRef idx="1">
+          <a:scrgbClr r="0" g="0" b="0"/>
+        </a:fillRef>
+        <a:effectRef idx="0">
+          <a:scrgbClr r="0" g="0" b="0"/>
+        </a:effectRef>
+        <a:fontRef idx="minor">
+          <a:schemeClr val="lt1"/>
+        </a:fontRef>
+      </dsp:style>
+      <dsp:txBody>
+        <a:bodyPr spcFirstLastPara="0" vert="horz" wrap="square" lIns="68009" tIns="22670" rIns="22670" bIns="22670" numCol="1" spcCol="1270" anchor="ctr" anchorCtr="0">
+          <a:noAutofit/>
+        </a:bodyPr>
+        <a:lstStyle/>
+        <a:p>
+          <a:pPr lvl="0" algn="ctr" defTabSz="755650">
+            <a:lnSpc>
+              <a:spcPct val="90000"/>
+            </a:lnSpc>
+            <a:spcBef>
+              <a:spcPct val="0"/>
+            </a:spcBef>
+            <a:spcAft>
+              <a:spcPct val="35000"/>
+            </a:spcAft>
+          </a:pPr>
+          <a:r>
+            <a:rPr lang="fr-FR" sz="1700" kern="1200" dirty="0" smtClean="0"/>
+            <a:t>Bilan</a:t>
+          </a:r>
+          <a:endParaRPr lang="fr-FR" sz="1700" kern="1200" dirty="0"/>
+        </a:p>
+      </dsp:txBody>
+      <dsp:txXfrm>
+        <a:off x="7004441" y="0"/>
+        <a:ext cx="2248505" cy="290820"/>
+      </dsp:txXfrm>
+    </dsp:sp>
+    <dsp:sp modelId="{1137F16A-3FBD-40A3-8437-7FEA55E131EF}">
+      <dsp:nvSpPr>
+        <dsp:cNvPr id="0" name=""/>
+        <dsp:cNvSpPr/>
+      </dsp:nvSpPr>
+      <dsp:spPr>
+        <a:xfrm>
+          <a:off x="9147276" y="0"/>
+          <a:ext cx="2539325" cy="290820"/>
+        </a:xfrm>
+        <a:prstGeom prst="chevron">
+          <a:avLst/>
+        </a:prstGeom>
+        <a:solidFill>
+          <a:srgbClr val="FF0000"/>
         </a:solidFill>
         <a:ln w="15875" cap="rnd" cmpd="sng" algn="ctr">
           <a:solidFill>
@@ -12498,6 +13982,289 @@
 </dgm:layoutDef>
 </file>
 
+<file path=ppt/diagrams/layout8.xml><?xml version="1.0" encoding="utf-8"?>
+<dgm:layoutDef xmlns:dgm="http://schemas.openxmlformats.org/drawingml/2006/diagram" xmlns:a="http://schemas.openxmlformats.org/drawingml/2006/main" uniqueId="urn:microsoft.com/office/officeart/2005/8/layout/chevron1">
+  <dgm:title val=""/>
+  <dgm:desc val=""/>
+  <dgm:catLst>
+    <dgm:cat type="process" pri="9000"/>
+  </dgm:catLst>
+  <dgm:sampData useDef="1">
+    <dgm:dataModel>
+      <dgm:ptLst/>
+      <dgm:bg/>
+      <dgm:whole/>
+    </dgm:dataModel>
+  </dgm:sampData>
+  <dgm:styleData>
+    <dgm:dataModel>
+      <dgm:ptLst>
+        <dgm:pt modelId="0" type="doc"/>
+        <dgm:pt modelId="1"/>
+        <dgm:pt modelId="2"/>
+      </dgm:ptLst>
+      <dgm:cxnLst>
+        <dgm:cxn modelId="3" srcId="0" destId="1" srcOrd="0" destOrd="0"/>
+        <dgm:cxn modelId="4" srcId="0" destId="2" srcOrd="1" destOrd="0"/>
+      </dgm:cxnLst>
+      <dgm:bg/>
+      <dgm:whole/>
+    </dgm:dataModel>
+  </dgm:styleData>
+  <dgm:clrData>
+    <dgm:dataModel>
+      <dgm:ptLst>
+        <dgm:pt modelId="0" type="doc"/>
+        <dgm:pt modelId="1"/>
+        <dgm:pt modelId="2"/>
+        <dgm:pt modelId="3"/>
+        <dgm:pt modelId="4"/>
+      </dgm:ptLst>
+      <dgm:cxnLst>
+        <dgm:cxn modelId="5" srcId="0" destId="1" srcOrd="0" destOrd="0"/>
+        <dgm:cxn modelId="6" srcId="0" destId="2" srcOrd="1" destOrd="0"/>
+        <dgm:cxn modelId="7" srcId="0" destId="3" srcOrd="2" destOrd="0"/>
+        <dgm:cxn modelId="8" srcId="0" destId="4" srcOrd="3" destOrd="0"/>
+      </dgm:cxnLst>
+      <dgm:bg/>
+      <dgm:whole/>
+    </dgm:dataModel>
+  </dgm:clrData>
+  <dgm:layoutNode name="Name0">
+    <dgm:varLst>
+      <dgm:dir/>
+      <dgm:animLvl val="lvl"/>
+      <dgm:resizeHandles val="exact"/>
+    </dgm:varLst>
+    <dgm:choose name="Name1">
+      <dgm:if name="Name2" func="var" arg="dir" op="equ" val="norm">
+        <dgm:alg type="lin"/>
+      </dgm:if>
+      <dgm:else name="Name3">
+        <dgm:alg type="lin">
+          <dgm:param type="linDir" val="fromR"/>
+        </dgm:alg>
+      </dgm:else>
+    </dgm:choose>
+    <dgm:shape xmlns:r="http://schemas.openxmlformats.org/officeDocument/2006/relationships" r:blip="">
+      <dgm:adjLst/>
+    </dgm:shape>
+    <dgm:presOf/>
+    <dgm:choose name="Name4">
+      <dgm:if name="Name5" axis="des" func="maxDepth" op="gte" val="2">
+        <dgm:constrLst>
+          <dgm:constr type="h" for="ch" forName="composite" refType="h"/>
+          <dgm:constr type="w" for="ch" forName="composite" refType="w"/>
+          <dgm:constr type="w" for="des" forName="parTx"/>
+          <dgm:constr type="h" for="des" forName="parTx" op="equ"/>
+          <dgm:constr type="w" for="des" forName="desTx"/>
+          <dgm:constr type="h" for="des" forName="desTx" op="equ"/>
+          <dgm:constr type="primFontSz" for="des" forName="parTx" val="65"/>
+          <dgm:constr type="secFontSz" for="des" forName="desTx" refType="primFontSz" refFor="des" refForName="parTx" op="equ"/>
+          <dgm:constr type="h" for="des" forName="parTx" refType="primFontSz" refFor="des" refForName="parTx" fact="1.5"/>
+          <dgm:constr type="h" for="des" forName="desTx" refType="primFontSz" refFor="des" refForName="parTx" fact="0.5"/>
+          <dgm:constr type="w" for="ch" forName="space" op="equ" val="-6"/>
+        </dgm:constrLst>
+        <dgm:ruleLst>
+          <dgm:rule type="w" for="ch" forName="composite" val="0" fact="NaN" max="NaN"/>
+          <dgm:rule type="primFontSz" for="des" forName="parTx" val="5" fact="NaN" max="NaN"/>
+        </dgm:ruleLst>
+        <dgm:forEach name="Name6" axis="ch" ptType="node">
+          <dgm:layoutNode name="composite">
+            <dgm:alg type="composite"/>
+            <dgm:shape xmlns:r="http://schemas.openxmlformats.org/officeDocument/2006/relationships" r:blip="">
+              <dgm:adjLst/>
+            </dgm:shape>
+            <dgm:presOf/>
+            <dgm:choose name="Name7">
+              <dgm:if name="Name8" func="var" arg="dir" op="equ" val="norm">
+                <dgm:constrLst>
+                  <dgm:constr type="l" for="ch" forName="parTx"/>
+                  <dgm:constr type="w" for="ch" forName="parTx" refType="w"/>
+                  <dgm:constr type="t" for="ch" forName="parTx"/>
+                  <dgm:constr type="l" for="ch" forName="desTx"/>
+                  <dgm:constr type="w" for="ch" forName="desTx" refType="w" refFor="ch" refForName="parTx" fact="0.8"/>
+                  <dgm:constr type="t" for="ch" forName="desTx" refType="h" refFor="ch" refForName="parTx" fact="1.125"/>
+                </dgm:constrLst>
+              </dgm:if>
+              <dgm:else name="Name9">
+                <dgm:constrLst>
+                  <dgm:constr type="l" for="ch" forName="parTx"/>
+                  <dgm:constr type="w" for="ch" forName="parTx" refType="w"/>
+                  <dgm:constr type="t" for="ch" forName="parTx"/>
+                  <dgm:constr type="l" for="ch" forName="desTx" refType="w" fact="0.2"/>
+                  <dgm:constr type="w" for="ch" forName="desTx" refType="w" refFor="ch" refForName="parTx" fact="0.8"/>
+                  <dgm:constr type="t" for="ch" forName="desTx" refType="h" refFor="ch" refForName="parTx" fact="1.125"/>
+                </dgm:constrLst>
+              </dgm:else>
+            </dgm:choose>
+            <dgm:ruleLst>
+              <dgm:rule type="h" val="INF" fact="NaN" max="NaN"/>
+            </dgm:ruleLst>
+            <dgm:layoutNode name="parTx">
+              <dgm:varLst>
+                <dgm:chMax val="0"/>
+                <dgm:chPref val="0"/>
+                <dgm:bulletEnabled val="1"/>
+              </dgm:varLst>
+              <dgm:alg type="tx"/>
+              <dgm:choose name="Name10">
+                <dgm:if name="Name11" func="var" arg="dir" op="equ" val="norm">
+                  <dgm:shape xmlns:r="http://schemas.openxmlformats.org/officeDocument/2006/relationships" type="chevron" r:blip="">
+                    <dgm:adjLst/>
+                  </dgm:shape>
+                </dgm:if>
+                <dgm:else name="Name12">
+                  <dgm:shape xmlns:r="http://schemas.openxmlformats.org/officeDocument/2006/relationships" rot="180" type="chevron" r:blip="">
+                    <dgm:adjLst/>
+                  </dgm:shape>
+                </dgm:else>
+              </dgm:choose>
+              <dgm:presOf axis="self" ptType="node"/>
+              <dgm:choose name="Name13">
+                <dgm:if name="Name14" func="var" arg="dir" op="equ" val="norm">
+                  <dgm:constrLst>
+                    <dgm:constr type="h" refType="w" op="lte" fact="0.4"/>
+                    <dgm:constr type="h"/>
+                    <dgm:constr type="tMarg" refType="primFontSz" fact="0.105"/>
+                    <dgm:constr type="bMarg" refType="primFontSz" fact="0.105"/>
+                    <dgm:constr type="lMarg" refType="primFontSz" fact="0.315"/>
+                    <dgm:constr type="rMarg" refType="primFontSz" fact="0.105"/>
+                  </dgm:constrLst>
+                </dgm:if>
+                <dgm:else name="Name15">
+                  <dgm:constrLst>
+                    <dgm:constr type="h" refType="w" op="lte" fact="0.4"/>
+                    <dgm:constr type="h"/>
+                    <dgm:constr type="tMarg" refType="primFontSz" fact="0.105"/>
+                    <dgm:constr type="bMarg" refType="primFontSz" fact="0.105"/>
+                    <dgm:constr type="lMarg" refType="primFontSz" fact="0.105"/>
+                    <dgm:constr type="rMarg" refType="primFontSz" fact="0.315"/>
+                  </dgm:constrLst>
+                </dgm:else>
+              </dgm:choose>
+              <dgm:ruleLst>
+                <dgm:rule type="h" val="INF" fact="NaN" max="NaN"/>
+              </dgm:ruleLst>
+            </dgm:layoutNode>
+            <dgm:layoutNode name="desTx" styleLbl="revTx">
+              <dgm:varLst>
+                <dgm:bulletEnabled val="1"/>
+              </dgm:varLst>
+              <dgm:alg type="tx">
+                <dgm:param type="stBulletLvl" val="1"/>
+              </dgm:alg>
+              <dgm:choose name="Name16">
+                <dgm:if name="Name17" axis="ch" ptType="node" func="cnt" op="gte" val="1">
+                  <dgm:shape xmlns:r="http://schemas.openxmlformats.org/officeDocument/2006/relationships" type="rect" r:blip="">
+                    <dgm:adjLst/>
+                  </dgm:shape>
+                </dgm:if>
+                <dgm:else name="Name18">
+                  <dgm:shape xmlns:r="http://schemas.openxmlformats.org/officeDocument/2006/relationships" type="rect" r:blip="" hideGeom="1">
+                    <dgm:adjLst/>
+                  </dgm:shape>
+                </dgm:else>
+              </dgm:choose>
+              <dgm:presOf axis="des" ptType="node"/>
+              <dgm:constrLst>
+                <dgm:constr type="secFontSz" val="65"/>
+                <dgm:constr type="primFontSz" refType="secFontSz"/>
+                <dgm:constr type="h"/>
+                <dgm:constr type="tMarg"/>
+                <dgm:constr type="bMarg"/>
+                <dgm:constr type="rMarg"/>
+                <dgm:constr type="lMarg"/>
+              </dgm:constrLst>
+              <dgm:ruleLst>
+                <dgm:rule type="h" val="INF" fact="NaN" max="NaN"/>
+              </dgm:ruleLst>
+            </dgm:layoutNode>
+          </dgm:layoutNode>
+          <dgm:forEach name="Name19" axis="followSib" ptType="sibTrans" cnt="1">
+            <dgm:layoutNode name="space">
+              <dgm:alg type="sp"/>
+              <dgm:shape xmlns:r="http://schemas.openxmlformats.org/officeDocument/2006/relationships" r:blip="">
+                <dgm:adjLst/>
+              </dgm:shape>
+              <dgm:presOf/>
+              <dgm:constrLst/>
+              <dgm:ruleLst/>
+            </dgm:layoutNode>
+          </dgm:forEach>
+        </dgm:forEach>
+      </dgm:if>
+      <dgm:else name="Name20">
+        <dgm:constrLst>
+          <dgm:constr type="w" for="ch" forName="parTxOnly" refType="w"/>
+          <dgm:constr type="h" for="des" forName="parTxOnly" op="equ"/>
+          <dgm:constr type="primFontSz" for="des" forName="parTxOnly" op="equ" val="65"/>
+          <dgm:constr type="w" for="ch" forName="parTxOnlySpace" refType="w" refFor="ch" refForName="parTxOnly" fact="-0.1"/>
+        </dgm:constrLst>
+        <dgm:ruleLst/>
+        <dgm:forEach name="Name21" axis="ch" ptType="node">
+          <dgm:layoutNode name="parTxOnly">
+            <dgm:varLst>
+              <dgm:chMax val="0"/>
+              <dgm:chPref val="0"/>
+              <dgm:bulletEnabled val="1"/>
+            </dgm:varLst>
+            <dgm:alg type="tx"/>
+            <dgm:choose name="Name22">
+              <dgm:if name="Name23" func="var" arg="dir" op="equ" val="norm">
+                <dgm:shape xmlns:r="http://schemas.openxmlformats.org/officeDocument/2006/relationships" type="chevron" r:blip="">
+                  <dgm:adjLst/>
+                </dgm:shape>
+              </dgm:if>
+              <dgm:else name="Name24">
+                <dgm:shape xmlns:r="http://schemas.openxmlformats.org/officeDocument/2006/relationships" rot="180" type="chevron" r:blip="">
+                  <dgm:adjLst/>
+                </dgm:shape>
+              </dgm:else>
+            </dgm:choose>
+            <dgm:presOf axis="self" ptType="node"/>
+            <dgm:choose name="Name25">
+              <dgm:if name="Name26" func="var" arg="dir" op="equ" val="norm">
+                <dgm:constrLst>
+                  <dgm:constr type="h" refType="w" op="equ" fact="0.4"/>
+                  <dgm:constr type="tMarg" refType="primFontSz" fact="0.105"/>
+                  <dgm:constr type="bMarg" refType="primFontSz" fact="0.105"/>
+                  <dgm:constr type="lMarg" refType="primFontSz" fact="0.315"/>
+                  <dgm:constr type="rMarg" refType="primFontSz" fact="0.105"/>
+                </dgm:constrLst>
+              </dgm:if>
+              <dgm:else name="Name27">
+                <dgm:constrLst>
+                  <dgm:constr type="h" refType="w" op="equ" fact="0.4"/>
+                  <dgm:constr type="tMarg" refType="primFontSz" fact="0.105"/>
+                  <dgm:constr type="bMarg" refType="primFontSz" fact="0.105"/>
+                  <dgm:constr type="lMarg" refType="primFontSz" fact="0.105"/>
+                  <dgm:constr type="rMarg" refType="primFontSz" fact="0.315"/>
+                </dgm:constrLst>
+              </dgm:else>
+            </dgm:choose>
+            <dgm:ruleLst>
+              <dgm:rule type="primFontSz" val="5" fact="NaN" max="NaN"/>
+            </dgm:ruleLst>
+          </dgm:layoutNode>
+          <dgm:forEach name="Name28" axis="followSib" ptType="sibTrans" cnt="1">
+            <dgm:layoutNode name="parTxOnlySpace">
+              <dgm:alg type="sp"/>
+              <dgm:shape xmlns:r="http://schemas.openxmlformats.org/officeDocument/2006/relationships" r:blip="">
+                <dgm:adjLst/>
+              </dgm:shape>
+              <dgm:presOf/>
+              <dgm:constrLst/>
+              <dgm:ruleLst/>
+            </dgm:layoutNode>
+          </dgm:forEach>
+        </dgm:forEach>
+      </dgm:else>
+    </dgm:choose>
+  </dgm:layoutNode>
+</dgm:layoutDef>
+</file>
+
 <file path=ppt/diagrams/quickStyle1.xml><?xml version="1.0" encoding="utf-8"?>
 <dgm:styleDef xmlns:dgm="http://schemas.openxmlformats.org/drawingml/2006/diagram" xmlns:a="http://schemas.openxmlformats.org/drawingml/2006/main" uniqueId="urn:microsoft.com/office/officeart/2005/8/quickstyle/simple1">
   <dgm:title val=""/>
@@ -18703,6 +20470,1040 @@
 </file>
 
 <file path=ppt/diagrams/quickStyle7.xml><?xml version="1.0" encoding="utf-8"?>
+<dgm:styleDef xmlns:dgm="http://schemas.openxmlformats.org/drawingml/2006/diagram" xmlns:a="http://schemas.openxmlformats.org/drawingml/2006/main" uniqueId="urn:microsoft.com/office/officeart/2005/8/quickstyle/simple1">
+  <dgm:title val=""/>
+  <dgm:desc val=""/>
+  <dgm:catLst>
+    <dgm:cat type="simple" pri="10100"/>
+  </dgm:catLst>
+  <dgm:scene3d>
+    <a:camera prst="orthographicFront"/>
+    <a:lightRig rig="threePt" dir="t"/>
+  </dgm:scene3d>
+  <dgm:styleLbl name="node0">
+    <dgm:scene3d>
+      <a:camera prst="orthographicFront"/>
+      <a:lightRig rig="threePt" dir="t"/>
+    </dgm:scene3d>
+    <dgm:sp3d/>
+    <dgm:txPr/>
+    <dgm:style>
+      <a:lnRef idx="2">
+        <a:scrgbClr r="0" g="0" b="0"/>
+      </a:lnRef>
+      <a:fillRef idx="1">
+        <a:scrgbClr r="0" g="0" b="0"/>
+      </a:fillRef>
+      <a:effectRef idx="0">
+        <a:scrgbClr r="0" g="0" b="0"/>
+      </a:effectRef>
+      <a:fontRef idx="minor">
+        <a:schemeClr val="lt1"/>
+      </a:fontRef>
+    </dgm:style>
+  </dgm:styleLbl>
+  <dgm:styleLbl name="lnNode1">
+    <dgm:scene3d>
+      <a:camera prst="orthographicFront"/>
+      <a:lightRig rig="threePt" dir="t"/>
+    </dgm:scene3d>
+    <dgm:sp3d/>
+    <dgm:txPr/>
+    <dgm:style>
+      <a:lnRef idx="2">
+        <a:scrgbClr r="0" g="0" b="0"/>
+      </a:lnRef>
+      <a:fillRef idx="1">
+        <a:scrgbClr r="0" g="0" b="0"/>
+      </a:fillRef>
+      <a:effectRef idx="0">
+        <a:scrgbClr r="0" g="0" b="0"/>
+      </a:effectRef>
+      <a:fontRef idx="minor">
+        <a:schemeClr val="lt1"/>
+      </a:fontRef>
+    </dgm:style>
+  </dgm:styleLbl>
+  <dgm:styleLbl name="vennNode1">
+    <dgm:scene3d>
+      <a:camera prst="orthographicFront"/>
+      <a:lightRig rig="threePt" dir="t"/>
+    </dgm:scene3d>
+    <dgm:sp3d/>
+    <dgm:txPr/>
+    <dgm:style>
+      <a:lnRef idx="2">
+        <a:scrgbClr r="0" g="0" b="0"/>
+      </a:lnRef>
+      <a:fillRef idx="1">
+        <a:scrgbClr r="0" g="0" b="0"/>
+      </a:fillRef>
+      <a:effectRef idx="0">
+        <a:scrgbClr r="0" g="0" b="0"/>
+      </a:effectRef>
+      <a:fontRef idx="minor">
+        <a:schemeClr val="tx1"/>
+      </a:fontRef>
+    </dgm:style>
+  </dgm:styleLbl>
+  <dgm:styleLbl name="alignNode1">
+    <dgm:scene3d>
+      <a:camera prst="orthographicFront"/>
+      <a:lightRig rig="threePt" dir="t"/>
+    </dgm:scene3d>
+    <dgm:sp3d/>
+    <dgm:txPr/>
+    <dgm:style>
+      <a:lnRef idx="2">
+        <a:scrgbClr r="0" g="0" b="0"/>
+      </a:lnRef>
+      <a:fillRef idx="1">
+        <a:scrgbClr r="0" g="0" b="0"/>
+      </a:fillRef>
+      <a:effectRef idx="0">
+        <a:scrgbClr r="0" g="0" b="0"/>
+      </a:effectRef>
+      <a:fontRef idx="minor">
+        <a:schemeClr val="lt1"/>
+      </a:fontRef>
+    </dgm:style>
+  </dgm:styleLbl>
+  <dgm:styleLbl name="node1">
+    <dgm:scene3d>
+      <a:camera prst="orthographicFront"/>
+      <a:lightRig rig="threePt" dir="t"/>
+    </dgm:scene3d>
+    <dgm:sp3d/>
+    <dgm:txPr/>
+    <dgm:style>
+      <a:lnRef idx="2">
+        <a:scrgbClr r="0" g="0" b="0"/>
+      </a:lnRef>
+      <a:fillRef idx="1">
+        <a:scrgbClr r="0" g="0" b="0"/>
+      </a:fillRef>
+      <a:effectRef idx="0">
+        <a:scrgbClr r="0" g="0" b="0"/>
+      </a:effectRef>
+      <a:fontRef idx="minor">
+        <a:schemeClr val="lt1"/>
+      </a:fontRef>
+    </dgm:style>
+  </dgm:styleLbl>
+  <dgm:styleLbl name="node2">
+    <dgm:scene3d>
+      <a:camera prst="orthographicFront"/>
+      <a:lightRig rig="threePt" dir="t"/>
+    </dgm:scene3d>
+    <dgm:sp3d/>
+    <dgm:txPr/>
+    <dgm:style>
+      <a:lnRef idx="2">
+        <a:scrgbClr r="0" g="0" b="0"/>
+      </a:lnRef>
+      <a:fillRef idx="1">
+        <a:scrgbClr r="0" g="0" b="0"/>
+      </a:fillRef>
+      <a:effectRef idx="0">
+        <a:scrgbClr r="0" g="0" b="0"/>
+      </a:effectRef>
+      <a:fontRef idx="minor">
+        <a:schemeClr val="lt1"/>
+      </a:fontRef>
+    </dgm:style>
+  </dgm:styleLbl>
+  <dgm:styleLbl name="node3">
+    <dgm:scene3d>
+      <a:camera prst="orthographicFront"/>
+      <a:lightRig rig="threePt" dir="t"/>
+    </dgm:scene3d>
+    <dgm:sp3d/>
+    <dgm:txPr/>
+    <dgm:style>
+      <a:lnRef idx="2">
+        <a:scrgbClr r="0" g="0" b="0"/>
+      </a:lnRef>
+      <a:fillRef idx="1">
+        <a:scrgbClr r="0" g="0" b="0"/>
+      </a:fillRef>
+      <a:effectRef idx="0">
+        <a:scrgbClr r="0" g="0" b="0"/>
+      </a:effectRef>
+      <a:fontRef idx="minor">
+        <a:schemeClr val="lt1"/>
+      </a:fontRef>
+    </dgm:style>
+  </dgm:styleLbl>
+  <dgm:styleLbl name="node4">
+    <dgm:scene3d>
+      <a:camera prst="orthographicFront"/>
+      <a:lightRig rig="threePt" dir="t"/>
+    </dgm:scene3d>
+    <dgm:sp3d/>
+    <dgm:txPr/>
+    <dgm:style>
+      <a:lnRef idx="2">
+        <a:scrgbClr r="0" g="0" b="0"/>
+      </a:lnRef>
+      <a:fillRef idx="1">
+        <a:scrgbClr r="0" g="0" b="0"/>
+      </a:fillRef>
+      <a:effectRef idx="0">
+        <a:scrgbClr r="0" g="0" b="0"/>
+      </a:effectRef>
+      <a:fontRef idx="minor">
+        <a:schemeClr val="lt1"/>
+      </a:fontRef>
+    </dgm:style>
+  </dgm:styleLbl>
+  <dgm:styleLbl name="fgImgPlace1">
+    <dgm:scene3d>
+      <a:camera prst="orthographicFront"/>
+      <a:lightRig rig="threePt" dir="t"/>
+    </dgm:scene3d>
+    <dgm:sp3d/>
+    <dgm:txPr/>
+    <dgm:style>
+      <a:lnRef idx="2">
+        <a:scrgbClr r="0" g="0" b="0"/>
+      </a:lnRef>
+      <a:fillRef idx="1">
+        <a:scrgbClr r="0" g="0" b="0"/>
+      </a:fillRef>
+      <a:effectRef idx="0">
+        <a:scrgbClr r="0" g="0" b="0"/>
+      </a:effectRef>
+      <a:fontRef idx="minor"/>
+    </dgm:style>
+  </dgm:styleLbl>
+  <dgm:styleLbl name="alignImgPlace1">
+    <dgm:scene3d>
+      <a:camera prst="orthographicFront"/>
+      <a:lightRig rig="threePt" dir="t"/>
+    </dgm:scene3d>
+    <dgm:sp3d/>
+    <dgm:txPr/>
+    <dgm:style>
+      <a:lnRef idx="2">
+        <a:scrgbClr r="0" g="0" b="0"/>
+      </a:lnRef>
+      <a:fillRef idx="1">
+        <a:scrgbClr r="0" g="0" b="0"/>
+      </a:fillRef>
+      <a:effectRef idx="0">
+        <a:scrgbClr r="0" g="0" b="0"/>
+      </a:effectRef>
+      <a:fontRef idx="minor"/>
+    </dgm:style>
+  </dgm:styleLbl>
+  <dgm:styleLbl name="bgImgPlace1">
+    <dgm:scene3d>
+      <a:camera prst="orthographicFront"/>
+      <a:lightRig rig="threePt" dir="t"/>
+    </dgm:scene3d>
+    <dgm:sp3d/>
+    <dgm:txPr/>
+    <dgm:style>
+      <a:lnRef idx="2">
+        <a:scrgbClr r="0" g="0" b="0"/>
+      </a:lnRef>
+      <a:fillRef idx="1">
+        <a:scrgbClr r="0" g="0" b="0"/>
+      </a:fillRef>
+      <a:effectRef idx="0">
+        <a:scrgbClr r="0" g="0" b="0"/>
+      </a:effectRef>
+      <a:fontRef idx="minor"/>
+    </dgm:style>
+  </dgm:styleLbl>
+  <dgm:styleLbl name="sibTrans2D1">
+    <dgm:scene3d>
+      <a:camera prst="orthographicFront"/>
+      <a:lightRig rig="threePt" dir="t"/>
+    </dgm:scene3d>
+    <dgm:sp3d/>
+    <dgm:txPr/>
+    <dgm:style>
+      <a:lnRef idx="0">
+        <a:scrgbClr r="0" g="0" b="0"/>
+      </a:lnRef>
+      <a:fillRef idx="1">
+        <a:scrgbClr r="0" g="0" b="0"/>
+      </a:fillRef>
+      <a:effectRef idx="0">
+        <a:scrgbClr r="0" g="0" b="0"/>
+      </a:effectRef>
+      <a:fontRef idx="minor">
+        <a:schemeClr val="lt1"/>
+      </a:fontRef>
+    </dgm:style>
+  </dgm:styleLbl>
+  <dgm:styleLbl name="fgSibTrans2D1">
+    <dgm:scene3d>
+      <a:camera prst="orthographicFront"/>
+      <a:lightRig rig="threePt" dir="t"/>
+    </dgm:scene3d>
+    <dgm:sp3d/>
+    <dgm:txPr/>
+    <dgm:style>
+      <a:lnRef idx="0">
+        <a:scrgbClr r="0" g="0" b="0"/>
+      </a:lnRef>
+      <a:fillRef idx="1">
+        <a:scrgbClr r="0" g="0" b="0"/>
+      </a:fillRef>
+      <a:effectRef idx="0">
+        <a:scrgbClr r="0" g="0" b="0"/>
+      </a:effectRef>
+      <a:fontRef idx="minor">
+        <a:schemeClr val="lt1"/>
+      </a:fontRef>
+    </dgm:style>
+  </dgm:styleLbl>
+  <dgm:styleLbl name="bgSibTrans2D1">
+    <dgm:scene3d>
+      <a:camera prst="orthographicFront"/>
+      <a:lightRig rig="threePt" dir="t"/>
+    </dgm:scene3d>
+    <dgm:sp3d/>
+    <dgm:txPr/>
+    <dgm:style>
+      <a:lnRef idx="0">
+        <a:scrgbClr r="0" g="0" b="0"/>
+      </a:lnRef>
+      <a:fillRef idx="1">
+        <a:scrgbClr r="0" g="0" b="0"/>
+      </a:fillRef>
+      <a:effectRef idx="0">
+        <a:scrgbClr r="0" g="0" b="0"/>
+      </a:effectRef>
+      <a:fontRef idx="minor">
+        <a:schemeClr val="lt1"/>
+      </a:fontRef>
+    </dgm:style>
+  </dgm:styleLbl>
+  <dgm:styleLbl name="sibTrans1D1">
+    <dgm:scene3d>
+      <a:camera prst="orthographicFront"/>
+      <a:lightRig rig="threePt" dir="t"/>
+    </dgm:scene3d>
+    <dgm:sp3d/>
+    <dgm:txPr/>
+    <dgm:style>
+      <a:lnRef idx="1">
+        <a:scrgbClr r="0" g="0" b="0"/>
+      </a:lnRef>
+      <a:fillRef idx="0">
+        <a:scrgbClr r="0" g="0" b="0"/>
+      </a:fillRef>
+      <a:effectRef idx="0">
+        <a:scrgbClr r="0" g="0" b="0"/>
+      </a:effectRef>
+      <a:fontRef idx="minor"/>
+    </dgm:style>
+  </dgm:styleLbl>
+  <dgm:styleLbl name="callout">
+    <dgm:scene3d>
+      <a:camera prst="orthographicFront"/>
+      <a:lightRig rig="threePt" dir="t"/>
+    </dgm:scene3d>
+    <dgm:sp3d/>
+    <dgm:txPr/>
+    <dgm:style>
+      <a:lnRef idx="2">
+        <a:scrgbClr r="0" g="0" b="0"/>
+      </a:lnRef>
+      <a:fillRef idx="1">
+        <a:scrgbClr r="0" g="0" b="0"/>
+      </a:fillRef>
+      <a:effectRef idx="0">
+        <a:scrgbClr r="0" g="0" b="0"/>
+      </a:effectRef>
+      <a:fontRef idx="minor"/>
+    </dgm:style>
+  </dgm:styleLbl>
+  <dgm:styleLbl name="asst0">
+    <dgm:scene3d>
+      <a:camera prst="orthographicFront"/>
+      <a:lightRig rig="threePt" dir="t"/>
+    </dgm:scene3d>
+    <dgm:sp3d/>
+    <dgm:txPr/>
+    <dgm:style>
+      <a:lnRef idx="2">
+        <a:scrgbClr r="0" g="0" b="0"/>
+      </a:lnRef>
+      <a:fillRef idx="1">
+        <a:scrgbClr r="0" g="0" b="0"/>
+      </a:fillRef>
+      <a:effectRef idx="0">
+        <a:scrgbClr r="0" g="0" b="0"/>
+      </a:effectRef>
+      <a:fontRef idx="minor">
+        <a:schemeClr val="lt1"/>
+      </a:fontRef>
+    </dgm:style>
+  </dgm:styleLbl>
+  <dgm:styleLbl name="asst1">
+    <dgm:scene3d>
+      <a:camera prst="orthographicFront"/>
+      <a:lightRig rig="threePt" dir="t"/>
+    </dgm:scene3d>
+    <dgm:sp3d/>
+    <dgm:txPr/>
+    <dgm:style>
+      <a:lnRef idx="2">
+        <a:scrgbClr r="0" g="0" b="0"/>
+      </a:lnRef>
+      <a:fillRef idx="1">
+        <a:scrgbClr r="0" g="0" b="0"/>
+      </a:fillRef>
+      <a:effectRef idx="0">
+        <a:scrgbClr r="0" g="0" b="0"/>
+      </a:effectRef>
+      <a:fontRef idx="minor">
+        <a:schemeClr val="lt1"/>
+      </a:fontRef>
+    </dgm:style>
+  </dgm:styleLbl>
+  <dgm:styleLbl name="asst2">
+    <dgm:scene3d>
+      <a:camera prst="orthographicFront"/>
+      <a:lightRig rig="threePt" dir="t"/>
+    </dgm:scene3d>
+    <dgm:sp3d/>
+    <dgm:txPr/>
+    <dgm:style>
+      <a:lnRef idx="2">
+        <a:scrgbClr r="0" g="0" b="0"/>
+      </a:lnRef>
+      <a:fillRef idx="1">
+        <a:scrgbClr r="0" g="0" b="0"/>
+      </a:fillRef>
+      <a:effectRef idx="0">
+        <a:scrgbClr r="0" g="0" b="0"/>
+      </a:effectRef>
+      <a:fontRef idx="minor">
+        <a:schemeClr val="lt1"/>
+      </a:fontRef>
+    </dgm:style>
+  </dgm:styleLbl>
+  <dgm:styleLbl name="asst3">
+    <dgm:scene3d>
+      <a:camera prst="orthographicFront"/>
+      <a:lightRig rig="threePt" dir="t"/>
+    </dgm:scene3d>
+    <dgm:sp3d/>
+    <dgm:txPr/>
+    <dgm:style>
+      <a:lnRef idx="2">
+        <a:scrgbClr r="0" g="0" b="0"/>
+      </a:lnRef>
+      <a:fillRef idx="1">
+        <a:scrgbClr r="0" g="0" b="0"/>
+      </a:fillRef>
+      <a:effectRef idx="0">
+        <a:scrgbClr r="0" g="0" b="0"/>
+      </a:effectRef>
+      <a:fontRef idx="minor">
+        <a:schemeClr val="lt1"/>
+      </a:fontRef>
+    </dgm:style>
+  </dgm:styleLbl>
+  <dgm:styleLbl name="asst4">
+    <dgm:scene3d>
+      <a:camera prst="orthographicFront"/>
+      <a:lightRig rig="threePt" dir="t"/>
+    </dgm:scene3d>
+    <dgm:sp3d/>
+    <dgm:txPr/>
+    <dgm:style>
+      <a:lnRef idx="2">
+        <a:scrgbClr r="0" g="0" b="0"/>
+      </a:lnRef>
+      <a:fillRef idx="1">
+        <a:scrgbClr r="0" g="0" b="0"/>
+      </a:fillRef>
+      <a:effectRef idx="0">
+        <a:scrgbClr r="0" g="0" b="0"/>
+      </a:effectRef>
+      <a:fontRef idx="minor">
+        <a:schemeClr val="lt1"/>
+      </a:fontRef>
+    </dgm:style>
+  </dgm:styleLbl>
+  <dgm:styleLbl name="parChTrans2D1">
+    <dgm:scene3d>
+      <a:camera prst="orthographicFront"/>
+      <a:lightRig rig="threePt" dir="t"/>
+    </dgm:scene3d>
+    <dgm:sp3d/>
+    <dgm:txPr/>
+    <dgm:style>
+      <a:lnRef idx="2">
+        <a:scrgbClr r="0" g="0" b="0"/>
+      </a:lnRef>
+      <a:fillRef idx="1">
+        <a:scrgbClr r="0" g="0" b="0"/>
+      </a:fillRef>
+      <a:effectRef idx="0">
+        <a:scrgbClr r="0" g="0" b="0"/>
+      </a:effectRef>
+      <a:fontRef idx="minor">
+        <a:schemeClr val="lt1"/>
+      </a:fontRef>
+    </dgm:style>
+  </dgm:styleLbl>
+  <dgm:styleLbl name="parChTrans2D2">
+    <dgm:scene3d>
+      <a:camera prst="orthographicFront"/>
+      <a:lightRig rig="threePt" dir="t"/>
+    </dgm:scene3d>
+    <dgm:sp3d/>
+    <dgm:txPr/>
+    <dgm:style>
+      <a:lnRef idx="2">
+        <a:scrgbClr r="0" g="0" b="0"/>
+      </a:lnRef>
+      <a:fillRef idx="1">
+        <a:scrgbClr r="0" g="0" b="0"/>
+      </a:fillRef>
+      <a:effectRef idx="0">
+        <a:scrgbClr r="0" g="0" b="0"/>
+      </a:effectRef>
+      <a:fontRef idx="minor">
+        <a:schemeClr val="lt1"/>
+      </a:fontRef>
+    </dgm:style>
+  </dgm:styleLbl>
+  <dgm:styleLbl name="parChTrans2D3">
+    <dgm:scene3d>
+      <a:camera prst="orthographicFront"/>
+      <a:lightRig rig="threePt" dir="t"/>
+    </dgm:scene3d>
+    <dgm:sp3d/>
+    <dgm:txPr/>
+    <dgm:style>
+      <a:lnRef idx="2">
+        <a:scrgbClr r="0" g="0" b="0"/>
+      </a:lnRef>
+      <a:fillRef idx="1">
+        <a:scrgbClr r="0" g="0" b="0"/>
+      </a:fillRef>
+      <a:effectRef idx="0">
+        <a:scrgbClr r="0" g="0" b="0"/>
+      </a:effectRef>
+      <a:fontRef idx="minor">
+        <a:schemeClr val="lt1"/>
+      </a:fontRef>
+    </dgm:style>
+  </dgm:styleLbl>
+  <dgm:styleLbl name="parChTrans2D4">
+    <dgm:scene3d>
+      <a:camera prst="orthographicFront"/>
+      <a:lightRig rig="threePt" dir="t"/>
+    </dgm:scene3d>
+    <dgm:sp3d/>
+    <dgm:txPr/>
+    <dgm:style>
+      <a:lnRef idx="2">
+        <a:scrgbClr r="0" g="0" b="0"/>
+      </a:lnRef>
+      <a:fillRef idx="1">
+        <a:scrgbClr r="0" g="0" b="0"/>
+      </a:fillRef>
+      <a:effectRef idx="0">
+        <a:scrgbClr r="0" g="0" b="0"/>
+      </a:effectRef>
+      <a:fontRef idx="minor">
+        <a:schemeClr val="lt1"/>
+      </a:fontRef>
+    </dgm:style>
+  </dgm:styleLbl>
+  <dgm:styleLbl name="parChTrans1D1">
+    <dgm:scene3d>
+      <a:camera prst="orthographicFront"/>
+      <a:lightRig rig="threePt" dir="t"/>
+    </dgm:scene3d>
+    <dgm:sp3d/>
+    <dgm:txPr/>
+    <dgm:style>
+      <a:lnRef idx="2">
+        <a:scrgbClr r="0" g="0" b="0"/>
+      </a:lnRef>
+      <a:fillRef idx="0">
+        <a:scrgbClr r="0" g="0" b="0"/>
+      </a:fillRef>
+      <a:effectRef idx="0">
+        <a:scrgbClr r="0" g="0" b="0"/>
+      </a:effectRef>
+      <a:fontRef idx="minor"/>
+    </dgm:style>
+  </dgm:styleLbl>
+  <dgm:styleLbl name="parChTrans1D2">
+    <dgm:scene3d>
+      <a:camera prst="orthographicFront"/>
+      <a:lightRig rig="threePt" dir="t"/>
+    </dgm:scene3d>
+    <dgm:sp3d/>
+    <dgm:txPr/>
+    <dgm:style>
+      <a:lnRef idx="2">
+        <a:scrgbClr r="0" g="0" b="0"/>
+      </a:lnRef>
+      <a:fillRef idx="0">
+        <a:scrgbClr r="0" g="0" b="0"/>
+      </a:fillRef>
+      <a:effectRef idx="0">
+        <a:scrgbClr r="0" g="0" b="0"/>
+      </a:effectRef>
+      <a:fontRef idx="minor"/>
+    </dgm:style>
+  </dgm:styleLbl>
+  <dgm:styleLbl name="parChTrans1D3">
+    <dgm:scene3d>
+      <a:camera prst="orthographicFront"/>
+      <a:lightRig rig="threePt" dir="t"/>
+    </dgm:scene3d>
+    <dgm:sp3d/>
+    <dgm:txPr/>
+    <dgm:style>
+      <a:lnRef idx="2">
+        <a:scrgbClr r="0" g="0" b="0"/>
+      </a:lnRef>
+      <a:fillRef idx="0">
+        <a:scrgbClr r="0" g="0" b="0"/>
+      </a:fillRef>
+      <a:effectRef idx="0">
+        <a:scrgbClr r="0" g="0" b="0"/>
+      </a:effectRef>
+      <a:fontRef idx="minor"/>
+    </dgm:style>
+  </dgm:styleLbl>
+  <dgm:styleLbl name="parChTrans1D4">
+    <dgm:scene3d>
+      <a:camera prst="orthographicFront"/>
+      <a:lightRig rig="threePt" dir="t"/>
+    </dgm:scene3d>
+    <dgm:sp3d/>
+    <dgm:txPr/>
+    <dgm:style>
+      <a:lnRef idx="2">
+        <a:scrgbClr r="0" g="0" b="0"/>
+      </a:lnRef>
+      <a:fillRef idx="0">
+        <a:scrgbClr r="0" g="0" b="0"/>
+      </a:fillRef>
+      <a:effectRef idx="0">
+        <a:scrgbClr r="0" g="0" b="0"/>
+      </a:effectRef>
+      <a:fontRef idx="minor"/>
+    </dgm:style>
+  </dgm:styleLbl>
+  <dgm:styleLbl name="fgAcc1">
+    <dgm:scene3d>
+      <a:camera prst="orthographicFront"/>
+      <a:lightRig rig="threePt" dir="t"/>
+    </dgm:scene3d>
+    <dgm:sp3d/>
+    <dgm:txPr/>
+    <dgm:style>
+      <a:lnRef idx="2">
+        <a:scrgbClr r="0" g="0" b="0"/>
+      </a:lnRef>
+      <a:fillRef idx="1">
+        <a:scrgbClr r="0" g="0" b="0"/>
+      </a:fillRef>
+      <a:effectRef idx="0">
+        <a:scrgbClr r="0" g="0" b="0"/>
+      </a:effectRef>
+      <a:fontRef idx="minor"/>
+    </dgm:style>
+  </dgm:styleLbl>
+  <dgm:styleLbl name="conFgAcc1">
+    <dgm:scene3d>
+      <a:camera prst="orthographicFront"/>
+      <a:lightRig rig="threePt" dir="t"/>
+    </dgm:scene3d>
+    <dgm:sp3d/>
+    <dgm:txPr/>
+    <dgm:style>
+      <a:lnRef idx="2">
+        <a:scrgbClr r="0" g="0" b="0"/>
+      </a:lnRef>
+      <a:fillRef idx="1">
+        <a:scrgbClr r="0" g="0" b="0"/>
+      </a:fillRef>
+      <a:effectRef idx="0">
+        <a:scrgbClr r="0" g="0" b="0"/>
+      </a:effectRef>
+      <a:fontRef idx="minor"/>
+    </dgm:style>
+  </dgm:styleLbl>
+  <dgm:styleLbl name="alignAcc1">
+    <dgm:scene3d>
+      <a:camera prst="orthographicFront"/>
+      <a:lightRig rig="threePt" dir="t"/>
+    </dgm:scene3d>
+    <dgm:sp3d/>
+    <dgm:txPr/>
+    <dgm:style>
+      <a:lnRef idx="2">
+        <a:scrgbClr r="0" g="0" b="0"/>
+      </a:lnRef>
+      <a:fillRef idx="1">
+        <a:scrgbClr r="0" g="0" b="0"/>
+      </a:fillRef>
+      <a:effectRef idx="0">
+        <a:scrgbClr r="0" g="0" b="0"/>
+      </a:effectRef>
+      <a:fontRef idx="minor"/>
+    </dgm:style>
+  </dgm:styleLbl>
+  <dgm:styleLbl name="trAlignAcc1">
+    <dgm:scene3d>
+      <a:camera prst="orthographicFront"/>
+      <a:lightRig rig="threePt" dir="t"/>
+    </dgm:scene3d>
+    <dgm:sp3d/>
+    <dgm:txPr/>
+    <dgm:style>
+      <a:lnRef idx="1">
+        <a:scrgbClr r="0" g="0" b="0"/>
+      </a:lnRef>
+      <a:fillRef idx="1">
+        <a:scrgbClr r="0" g="0" b="0"/>
+      </a:fillRef>
+      <a:effectRef idx="0">
+        <a:scrgbClr r="0" g="0" b="0"/>
+      </a:effectRef>
+      <a:fontRef idx="minor"/>
+    </dgm:style>
+  </dgm:styleLbl>
+  <dgm:styleLbl name="bgAcc1">
+    <dgm:scene3d>
+      <a:camera prst="orthographicFront"/>
+      <a:lightRig rig="threePt" dir="t"/>
+    </dgm:scene3d>
+    <dgm:sp3d/>
+    <dgm:txPr/>
+    <dgm:style>
+      <a:lnRef idx="2">
+        <a:scrgbClr r="0" g="0" b="0"/>
+      </a:lnRef>
+      <a:fillRef idx="1">
+        <a:scrgbClr r="0" g="0" b="0"/>
+      </a:fillRef>
+      <a:effectRef idx="0">
+        <a:scrgbClr r="0" g="0" b="0"/>
+      </a:effectRef>
+      <a:fontRef idx="minor"/>
+    </dgm:style>
+  </dgm:styleLbl>
+  <dgm:styleLbl name="solidFgAcc1">
+    <dgm:scene3d>
+      <a:camera prst="orthographicFront"/>
+      <a:lightRig rig="threePt" dir="t"/>
+    </dgm:scene3d>
+    <dgm:sp3d/>
+    <dgm:txPr/>
+    <dgm:style>
+      <a:lnRef idx="2">
+        <a:scrgbClr r="0" g="0" b="0"/>
+      </a:lnRef>
+      <a:fillRef idx="1">
+        <a:scrgbClr r="0" g="0" b="0"/>
+      </a:fillRef>
+      <a:effectRef idx="0">
+        <a:scrgbClr r="0" g="0" b="0"/>
+      </a:effectRef>
+      <a:fontRef idx="minor"/>
+    </dgm:style>
+  </dgm:styleLbl>
+  <dgm:styleLbl name="solidAlignAcc1">
+    <dgm:scene3d>
+      <a:camera prst="orthographicFront"/>
+      <a:lightRig rig="threePt" dir="t"/>
+    </dgm:scene3d>
+    <dgm:sp3d/>
+    <dgm:txPr/>
+    <dgm:style>
+      <a:lnRef idx="2">
+        <a:scrgbClr r="0" g="0" b="0"/>
+      </a:lnRef>
+      <a:fillRef idx="1">
+        <a:scrgbClr r="0" g="0" b="0"/>
+      </a:fillRef>
+      <a:effectRef idx="0">
+        <a:scrgbClr r="0" g="0" b="0"/>
+      </a:effectRef>
+      <a:fontRef idx="minor"/>
+    </dgm:style>
+  </dgm:styleLbl>
+  <dgm:styleLbl name="solidBgAcc1">
+    <dgm:scene3d>
+      <a:camera prst="orthographicFront"/>
+      <a:lightRig rig="threePt" dir="t"/>
+    </dgm:scene3d>
+    <dgm:sp3d/>
+    <dgm:txPr/>
+    <dgm:style>
+      <a:lnRef idx="2">
+        <a:scrgbClr r="0" g="0" b="0"/>
+      </a:lnRef>
+      <a:fillRef idx="1">
+        <a:scrgbClr r="0" g="0" b="0"/>
+      </a:fillRef>
+      <a:effectRef idx="0">
+        <a:scrgbClr r="0" g="0" b="0"/>
+      </a:effectRef>
+      <a:fontRef idx="minor"/>
+    </dgm:style>
+  </dgm:styleLbl>
+  <dgm:styleLbl name="fgAccFollowNode1">
+    <dgm:scene3d>
+      <a:camera prst="orthographicFront"/>
+      <a:lightRig rig="threePt" dir="t"/>
+    </dgm:scene3d>
+    <dgm:sp3d/>
+    <dgm:txPr/>
+    <dgm:style>
+      <a:lnRef idx="2">
+        <a:scrgbClr r="0" g="0" b="0"/>
+      </a:lnRef>
+      <a:fillRef idx="1">
+        <a:scrgbClr r="0" g="0" b="0"/>
+      </a:fillRef>
+      <a:effectRef idx="0">
+        <a:scrgbClr r="0" g="0" b="0"/>
+      </a:effectRef>
+      <a:fontRef idx="minor"/>
+    </dgm:style>
+  </dgm:styleLbl>
+  <dgm:styleLbl name="alignAccFollowNode1">
+    <dgm:scene3d>
+      <a:camera prst="orthographicFront"/>
+      <a:lightRig rig="threePt" dir="t"/>
+    </dgm:scene3d>
+    <dgm:sp3d/>
+    <dgm:txPr/>
+    <dgm:style>
+      <a:lnRef idx="2">
+        <a:scrgbClr r="0" g="0" b="0"/>
+      </a:lnRef>
+      <a:fillRef idx="1">
+        <a:scrgbClr r="0" g="0" b="0"/>
+      </a:fillRef>
+      <a:effectRef idx="0">
+        <a:scrgbClr r="0" g="0" b="0"/>
+      </a:effectRef>
+      <a:fontRef idx="minor"/>
+    </dgm:style>
+  </dgm:styleLbl>
+  <dgm:styleLbl name="bgAccFollowNode1">
+    <dgm:scene3d>
+      <a:camera prst="orthographicFront"/>
+      <a:lightRig rig="threePt" dir="t"/>
+    </dgm:scene3d>
+    <dgm:sp3d/>
+    <dgm:txPr/>
+    <dgm:style>
+      <a:lnRef idx="2">
+        <a:scrgbClr r="0" g="0" b="0"/>
+      </a:lnRef>
+      <a:fillRef idx="1">
+        <a:scrgbClr r="0" g="0" b="0"/>
+      </a:fillRef>
+      <a:effectRef idx="0">
+        <a:scrgbClr r="0" g="0" b="0"/>
+      </a:effectRef>
+      <a:fontRef idx="minor"/>
+    </dgm:style>
+  </dgm:styleLbl>
+  <dgm:styleLbl name="fgAcc0">
+    <dgm:scene3d>
+      <a:camera prst="orthographicFront"/>
+      <a:lightRig rig="threePt" dir="t"/>
+    </dgm:scene3d>
+    <dgm:sp3d/>
+    <dgm:txPr/>
+    <dgm:style>
+      <a:lnRef idx="2">
+        <a:scrgbClr r="0" g="0" b="0"/>
+      </a:lnRef>
+      <a:fillRef idx="1">
+        <a:scrgbClr r="0" g="0" b="0"/>
+      </a:fillRef>
+      <a:effectRef idx="0">
+        <a:scrgbClr r="0" g="0" b="0"/>
+      </a:effectRef>
+      <a:fontRef idx="minor"/>
+    </dgm:style>
+  </dgm:styleLbl>
+  <dgm:styleLbl name="fgAcc2">
+    <dgm:scene3d>
+      <a:camera prst="orthographicFront"/>
+      <a:lightRig rig="threePt" dir="t"/>
+    </dgm:scene3d>
+    <dgm:sp3d/>
+    <dgm:txPr/>
+    <dgm:style>
+      <a:lnRef idx="2">
+        <a:scrgbClr r="0" g="0" b="0"/>
+      </a:lnRef>
+      <a:fillRef idx="1">
+        <a:scrgbClr r="0" g="0" b="0"/>
+      </a:fillRef>
+      <a:effectRef idx="0">
+        <a:scrgbClr r="0" g="0" b="0"/>
+      </a:effectRef>
+      <a:fontRef idx="minor"/>
+    </dgm:style>
+  </dgm:styleLbl>
+  <dgm:styleLbl name="fgAcc3">
+    <dgm:scene3d>
+      <a:camera prst="orthographicFront"/>
+      <a:lightRig rig="threePt" dir="t"/>
+    </dgm:scene3d>
+    <dgm:sp3d/>
+    <dgm:txPr/>
+    <dgm:style>
+      <a:lnRef idx="2">
+        <a:scrgbClr r="0" g="0" b="0"/>
+      </a:lnRef>
+      <a:fillRef idx="1">
+        <a:scrgbClr r="0" g="0" b="0"/>
+      </a:fillRef>
+      <a:effectRef idx="0">
+        <a:scrgbClr r="0" g="0" b="0"/>
+      </a:effectRef>
+      <a:fontRef idx="minor"/>
+    </dgm:style>
+  </dgm:styleLbl>
+  <dgm:styleLbl name="fgAcc4">
+    <dgm:scene3d>
+      <a:camera prst="orthographicFront"/>
+      <a:lightRig rig="threePt" dir="t"/>
+    </dgm:scene3d>
+    <dgm:sp3d/>
+    <dgm:txPr/>
+    <dgm:style>
+      <a:lnRef idx="2">
+        <a:scrgbClr r="0" g="0" b="0"/>
+      </a:lnRef>
+      <a:fillRef idx="1">
+        <a:scrgbClr r="0" g="0" b="0"/>
+      </a:fillRef>
+      <a:effectRef idx="0">
+        <a:scrgbClr r="0" g="0" b="0"/>
+      </a:effectRef>
+      <a:fontRef idx="minor"/>
+    </dgm:style>
+  </dgm:styleLbl>
+  <dgm:styleLbl name="bgShp">
+    <dgm:scene3d>
+      <a:camera prst="orthographicFront"/>
+      <a:lightRig rig="threePt" dir="t"/>
+    </dgm:scene3d>
+    <dgm:sp3d/>
+    <dgm:txPr/>
+    <dgm:style>
+      <a:lnRef idx="0">
+        <a:scrgbClr r="0" g="0" b="0"/>
+      </a:lnRef>
+      <a:fillRef idx="1">
+        <a:scrgbClr r="0" g="0" b="0"/>
+      </a:fillRef>
+      <a:effectRef idx="0">
+        <a:scrgbClr r="0" g="0" b="0"/>
+      </a:effectRef>
+      <a:fontRef idx="minor"/>
+    </dgm:style>
+  </dgm:styleLbl>
+  <dgm:styleLbl name="dkBgShp">
+    <dgm:scene3d>
+      <a:camera prst="orthographicFront"/>
+      <a:lightRig rig="threePt" dir="t"/>
+    </dgm:scene3d>
+    <dgm:sp3d/>
+    <dgm:txPr/>
+    <dgm:style>
+      <a:lnRef idx="0">
+        <a:scrgbClr r="0" g="0" b="0"/>
+      </a:lnRef>
+      <a:fillRef idx="1">
+        <a:scrgbClr r="0" g="0" b="0"/>
+      </a:fillRef>
+      <a:effectRef idx="0">
+        <a:scrgbClr r="0" g="0" b="0"/>
+      </a:effectRef>
+      <a:fontRef idx="minor"/>
+    </dgm:style>
+  </dgm:styleLbl>
+  <dgm:styleLbl name="trBgShp">
+    <dgm:scene3d>
+      <a:camera prst="orthographicFront"/>
+      <a:lightRig rig="threePt" dir="t"/>
+    </dgm:scene3d>
+    <dgm:sp3d/>
+    <dgm:txPr/>
+    <dgm:style>
+      <a:lnRef idx="0">
+        <a:scrgbClr r="0" g="0" b="0"/>
+      </a:lnRef>
+      <a:fillRef idx="1">
+        <a:scrgbClr r="0" g="0" b="0"/>
+      </a:fillRef>
+      <a:effectRef idx="0">
+        <a:scrgbClr r="0" g="0" b="0"/>
+      </a:effectRef>
+      <a:fontRef idx="minor"/>
+    </dgm:style>
+  </dgm:styleLbl>
+  <dgm:styleLbl name="fgShp">
+    <dgm:scene3d>
+      <a:camera prst="orthographicFront"/>
+      <a:lightRig rig="threePt" dir="t"/>
+    </dgm:scene3d>
+    <dgm:sp3d/>
+    <dgm:txPr/>
+    <dgm:style>
+      <a:lnRef idx="2">
+        <a:scrgbClr r="0" g="0" b="0"/>
+      </a:lnRef>
+      <a:fillRef idx="1">
+        <a:scrgbClr r="0" g="0" b="0"/>
+      </a:fillRef>
+      <a:effectRef idx="0">
+        <a:scrgbClr r="0" g="0" b="0"/>
+      </a:effectRef>
+      <a:fontRef idx="minor"/>
+    </dgm:style>
+  </dgm:styleLbl>
+  <dgm:styleLbl name="revTx">
+    <dgm:scene3d>
+      <a:camera prst="orthographicFront"/>
+      <a:lightRig rig="threePt" dir="t"/>
+    </dgm:scene3d>
+    <dgm:sp3d/>
+    <dgm:txPr/>
+    <dgm:style>
+      <a:lnRef idx="0">
+        <a:scrgbClr r="0" g="0" b="0"/>
+      </a:lnRef>
+      <a:fillRef idx="0">
+        <a:scrgbClr r="0" g="0" b="0"/>
+      </a:fillRef>
+      <a:effectRef idx="0">
+        <a:scrgbClr r="0" g="0" b="0"/>
+      </a:effectRef>
+      <a:fontRef idx="minor"/>
+    </dgm:style>
+  </dgm:styleLbl>
+</dgm:styleDef>
+</file>
+
+<file path=ppt/diagrams/quickStyle8.xml><?xml version="1.0" encoding="utf-8"?>
 <dgm:styleDef xmlns:dgm="http://schemas.openxmlformats.org/drawingml/2006/diagram" xmlns:a="http://schemas.openxmlformats.org/drawingml/2006/main" uniqueId="urn:microsoft.com/office/officeart/2005/8/quickstyle/simple1">
   <dgm:title val=""/>
   <dgm:desc val=""/>
@@ -19818,7 +22619,7 @@
           <a:p>
             <a:fld id="{E0D73947-CED3-4729-B2B6-FDB8EDD0C21A}" type="datetimeFigureOut">
               <a:rPr lang="fr-FR" smtClean="0"/>
-              <a:t>15/12/2016</a:t>
+              <a:t>05/01/2017</a:t>
             </a:fld>
             <a:endParaRPr lang="fr-FR"/>
           </a:p>
@@ -20235,7 +23036,7 @@
           <a:p>
             <a:fld id="{55C26200-88C1-4553-AAFD-7D9FCEE8BD26}" type="slidenum">
               <a:rPr lang="fr-FR" smtClean="0"/>
-              <a:t>7</a:t>
+              <a:t>6</a:t>
             </a:fld>
             <a:endParaRPr lang="fr-FR"/>
           </a:p>
@@ -20442,7 +23243,7 @@
           <a:p>
             <a:fld id="{3A213F58-3852-424B-87CB-96F4F4F602A9}" type="datetime1">
               <a:rPr lang="en-US" smtClean="0"/>
-              <a:t>12/15/2016</a:t>
+              <a:t>1/5/2017</a:t>
             </a:fld>
             <a:endParaRPr lang="en-US" dirty="0"/>
           </a:p>
@@ -20792,7 +23593,7 @@
           <a:p>
             <a:fld id="{D854F0A2-9B86-4E90-8D17-A2CCAF6E5B82}" type="datetime1">
               <a:rPr lang="en-US" smtClean="0"/>
-              <a:t>12/15/2016</a:t>
+              <a:t>1/5/2017</a:t>
             </a:fld>
             <a:endParaRPr lang="en-US" dirty="0"/>
           </a:p>
@@ -21205,7 +24006,7 @@
           <a:p>
             <a:fld id="{3179B0B1-CD9F-4A33-8B69-EAB316917FB3}" type="datetime1">
               <a:rPr lang="en-US" smtClean="0"/>
-              <a:t>12/15/2016</a:t>
+              <a:t>1/5/2017</a:t>
             </a:fld>
             <a:endParaRPr lang="en-US" dirty="0"/>
           </a:p>
@@ -21553,7 +24354,7 @@
           <a:p>
             <a:fld id="{3C075D83-5862-4F0A-93A8-64B2D2B61333}" type="datetime1">
               <a:rPr lang="en-US" smtClean="0"/>
-              <a:t>12/15/2016</a:t>
+              <a:t>1/5/2017</a:t>
             </a:fld>
             <a:endParaRPr lang="en-US" dirty="0"/>
           </a:p>
@@ -21885,7 +24686,7 @@
           <a:p>
             <a:fld id="{80006A4A-A824-45F6-BE04-CC3CA8D3BAC2}" type="datetime1">
               <a:rPr lang="en-US" smtClean="0"/>
-              <a:t>12/15/2016</a:t>
+              <a:t>1/5/2017</a:t>
             </a:fld>
             <a:endParaRPr lang="en-US" dirty="0"/>
           </a:p>
@@ -22293,7 +25094,7 @@
           <a:p>
             <a:fld id="{4DA49DD5-57D1-4866-877D-584A5FB34A46}" type="datetime1">
               <a:rPr lang="en-US" smtClean="0"/>
-              <a:t>12/15/2016</a:t>
+              <a:t>1/5/2017</a:t>
             </a:fld>
             <a:endParaRPr lang="en-US" dirty="0"/>
           </a:p>
@@ -22562,7 +25363,7 @@
           <a:p>
             <a:fld id="{CBA5E7C4-4275-43EF-B081-1606F9BA2641}" type="datetime1">
               <a:rPr lang="en-US" smtClean="0"/>
-              <a:t>12/15/2016</a:t>
+              <a:t>1/5/2017</a:t>
             </a:fld>
             <a:endParaRPr lang="en-US" dirty="0"/>
           </a:p>
@@ -22836,7 +25637,7 @@
           <a:p>
             <a:fld id="{61378696-F5F8-430F-BE84-D434C4D4EB8B}" type="datetime1">
               <a:rPr lang="en-US" smtClean="0"/>
-              <a:t>12/15/2016</a:t>
+              <a:t>1/5/2017</a:t>
             </a:fld>
             <a:endParaRPr lang="en-US" dirty="0"/>
           </a:p>
@@ -23110,7 +25911,7 @@
           <a:p>
             <a:fld id="{02C9A2DD-E91A-4022-91F7-282972AA0488}" type="datetime1">
               <a:rPr lang="en-US" smtClean="0"/>
-              <a:t>12/15/2016</a:t>
+              <a:t>1/5/2017</a:t>
             </a:fld>
             <a:endParaRPr lang="en-US" dirty="0"/>
           </a:p>
@@ -23451,7 +26252,7 @@
           <a:p>
             <a:fld id="{517EA931-7F90-456B-85C9-ACE2028EF430}" type="datetime1">
               <a:rPr lang="en-US" smtClean="0"/>
-              <a:t>12/15/2016</a:t>
+              <a:t>1/5/2017</a:t>
             </a:fld>
             <a:endParaRPr lang="en-US" dirty="0"/>
           </a:p>
@@ -23786,7 +26587,7 @@
           <a:p>
             <a:fld id="{B81340F5-93AD-4489-ACED-BEE9CDC5CC2B}" type="datetime1">
               <a:rPr lang="en-US" smtClean="0"/>
-              <a:t>12/15/2016</a:t>
+              <a:t>1/5/2017</a:t>
             </a:fld>
             <a:endParaRPr lang="en-US" dirty="0"/>
           </a:p>
@@ -24255,7 +27056,7 @@
           <a:p>
             <a:fld id="{AC7D3ADB-10F5-43FD-9A85-3BA2A79F8BD1}" type="datetime1">
               <a:rPr lang="en-US" smtClean="0"/>
-              <a:t>12/15/2016</a:t>
+              <a:t>1/5/2017</a:t>
             </a:fld>
             <a:endParaRPr lang="en-US" dirty="0"/>
           </a:p>
@@ -24472,7 +27273,7 @@
           <a:p>
             <a:fld id="{C6ED64C4-8600-416B-9E37-65C3D1772161}" type="datetime1">
               <a:rPr lang="en-US" smtClean="0"/>
-              <a:t>12/15/2016</a:t>
+              <a:t>1/5/2017</a:t>
             </a:fld>
             <a:endParaRPr lang="en-US" dirty="0"/>
           </a:p>
@@ -24661,7 +27462,7 @@
           <a:p>
             <a:fld id="{190285A4-5E48-4659-8557-EEBD26586683}" type="datetime1">
               <a:rPr lang="en-US" smtClean="0"/>
-              <a:t>12/15/2016</a:t>
+              <a:t>1/5/2017</a:t>
             </a:fld>
             <a:endParaRPr lang="en-US" dirty="0"/>
           </a:p>
@@ -25006,7 +27807,7 @@
           <a:p>
             <a:fld id="{FB0ED0D8-1B03-40A2-BA20-A3DF9DC1E44D}" type="datetime1">
               <a:rPr lang="en-US" smtClean="0"/>
-              <a:t>12/15/2016</a:t>
+              <a:t>1/5/2017</a:t>
             </a:fld>
             <a:endParaRPr lang="en-US" dirty="0"/>
           </a:p>
@@ -25363,7 +28164,7 @@
           <a:p>
             <a:fld id="{8DF2AF96-B1FB-4BD6-9E4E-8A5E503A90DB}" type="datetime1">
               <a:rPr lang="en-US" smtClean="0"/>
-              <a:t>12/15/2016</a:t>
+              <a:t>1/5/2017</a:t>
             </a:fld>
             <a:endParaRPr lang="en-US" dirty="0"/>
           </a:p>
@@ -27492,7 +30293,7 @@
           <a:p>
             <a:fld id="{56AD9686-7EB0-4ADF-B47E-D8E49D123469}" type="datetime1">
               <a:rPr lang="en-US" smtClean="0"/>
-              <a:t>12/15/2016</a:t>
+              <a:t>1/5/2017</a:t>
             </a:fld>
             <a:endParaRPr lang="en-US" dirty="0"/>
           </a:p>
@@ -29082,442 +31883,6 @@
             <p:ph type="title"/>
           </p:nvPr>
         </p:nvSpPr>
-        <p:spPr/>
-        <p:txBody>
-          <a:bodyPr/>
-          <a:lstStyle/>
-          <a:p>
-            <a:r>
-              <a:rPr lang="fr-FR" dirty="0" smtClean="0"/>
-              <a:t>Bilan technique</a:t>
-            </a:r>
-            <a:endParaRPr lang="fr-FR" dirty="0"/>
-          </a:p>
-        </p:txBody>
-      </p:sp>
-      <p:sp>
-        <p:nvSpPr>
-          <p:cNvPr id="3" name="Espace réservé du contenu 2"/>
-          <p:cNvSpPr>
-            <a:spLocks noGrp="1"/>
-          </p:cNvSpPr>
-          <p:nvPr>
-            <p:ph idx="1"/>
-          </p:nvPr>
-        </p:nvSpPr>
-        <p:spPr/>
-        <p:txBody>
-          <a:bodyPr/>
-          <a:lstStyle/>
-          <a:p>
-            <a:r>
-              <a:rPr lang="fr-FR" dirty="0" smtClean="0"/>
-              <a:t>Méthode agile</a:t>
-            </a:r>
-          </a:p>
-          <a:p>
-            <a:pPr lvl="1"/>
-            <a:r>
-              <a:rPr lang="fr-FR" dirty="0" smtClean="0"/>
-              <a:t>Créer et modifier </a:t>
-            </a:r>
-            <a:r>
-              <a:rPr lang="fr-FR" dirty="0" smtClean="0"/>
-              <a:t>grille</a:t>
-            </a:r>
-          </a:p>
-          <a:p>
-            <a:pPr lvl="1"/>
-            <a:endParaRPr lang="fr-FR" dirty="0"/>
-          </a:p>
-          <a:p>
-            <a:pPr lvl="1"/>
-            <a:endParaRPr lang="fr-FR" dirty="0" smtClean="0"/>
-          </a:p>
-          <a:p>
-            <a:pPr lvl="1"/>
-            <a:endParaRPr lang="fr-FR" dirty="0"/>
-          </a:p>
-          <a:p>
-            <a:pPr lvl="1"/>
-            <a:endParaRPr lang="fr-FR" dirty="0" smtClean="0"/>
-          </a:p>
-          <a:p>
-            <a:pPr lvl="1"/>
-            <a:endParaRPr lang="fr-FR" dirty="0"/>
-          </a:p>
-          <a:p>
-            <a:r>
-              <a:rPr lang="fr-FR" dirty="0" smtClean="0"/>
-              <a:t>340 lignes de code</a:t>
-            </a:r>
-            <a:endParaRPr lang="fr-FR" dirty="0" smtClean="0"/>
-          </a:p>
-          <a:p>
-            <a:pPr lvl="1"/>
-            <a:endParaRPr lang="fr-FR" dirty="0"/>
-          </a:p>
-          <a:p>
-            <a:pPr lvl="1"/>
-            <a:endParaRPr lang="fr-FR" dirty="0" smtClean="0"/>
-          </a:p>
-          <a:p>
-            <a:pPr lvl="1"/>
-            <a:endParaRPr lang="fr-FR" dirty="0" smtClean="0"/>
-          </a:p>
-          <a:p>
-            <a:pPr lvl="1"/>
-            <a:endParaRPr lang="fr-FR" dirty="0"/>
-          </a:p>
-        </p:txBody>
-      </p:sp>
-      <p:sp>
-        <p:nvSpPr>
-          <p:cNvPr id="4" name="Espace réservé du numéro de diapositive 3"/>
-          <p:cNvSpPr>
-            <a:spLocks noGrp="1"/>
-          </p:cNvSpPr>
-          <p:nvPr>
-            <p:ph type="sldNum" sz="quarter" idx="12"/>
-          </p:nvPr>
-        </p:nvSpPr>
-        <p:spPr/>
-        <p:txBody>
-          <a:bodyPr/>
-          <a:lstStyle/>
-          <a:p>
-            <a:fld id="{D57F1E4F-1CFF-5643-939E-217C01CDF565}" type="slidenum">
-              <a:rPr lang="en-US" smtClean="0"/>
-              <a:pPr/>
-              <a:t>4</a:t>
-            </a:fld>
-            <a:r>
-              <a:rPr lang="en-US" dirty="0" smtClean="0"/>
-              <a:t>/8</a:t>
-            </a:r>
-            <a:endParaRPr lang="en-US" dirty="0"/>
-          </a:p>
-        </p:txBody>
-      </p:sp>
-      <p:pic>
-        <p:nvPicPr>
-          <p:cNvPr id="7" name="Espace réservé du contenu 5"/>
-          <p:cNvPicPr>
-            <a:picLocks noChangeAspect="1"/>
-          </p:cNvPicPr>
-          <p:nvPr/>
-        </p:nvPicPr>
-        <p:blipFill rotWithShape="1">
-          <a:blip r:embed="rId2"/>
-          <a:srcRect l="23714" t="37395" r="56311" b="12618"/>
-          <a:stretch/>
-        </p:blipFill>
-        <p:spPr>
-          <a:xfrm>
-            <a:off x="6027793" y="1413703"/>
-            <a:ext cx="3906272" cy="5217416"/>
-          </a:xfrm>
-          <a:prstGeom prst="rect">
-            <a:avLst/>
-          </a:prstGeom>
-        </p:spPr>
-      </p:pic>
-      <p:sp>
-        <p:nvSpPr>
-          <p:cNvPr id="8" name="ZoneTexte 7"/>
-          <p:cNvSpPr txBox="1"/>
-          <p:nvPr/>
-        </p:nvSpPr>
-        <p:spPr>
-          <a:xfrm>
-            <a:off x="9975922" y="2182609"/>
-            <a:ext cx="3786623" cy="1200329"/>
-          </a:xfrm>
-          <a:prstGeom prst="rect">
-            <a:avLst/>
-          </a:prstGeom>
-          <a:noFill/>
-        </p:spPr>
-        <p:txBody>
-          <a:bodyPr wrap="square" rtlCol="0">
-            <a:spAutoFit/>
-          </a:bodyPr>
-          <a:lstStyle/>
-          <a:p>
-            <a:pPr marL="285750" indent="-285750">
-              <a:buFont typeface="Arial" panose="020B0604020202020204" pitchFamily="34" charset="0"/>
-              <a:buChar char="•"/>
-            </a:pPr>
-            <a:r>
-              <a:rPr lang="fr-FR" sz="2400" dirty="0" smtClean="0"/>
-              <a:t>Semaine 50</a:t>
-            </a:r>
-          </a:p>
-          <a:p>
-            <a:pPr marL="285750" indent="-285750">
-              <a:buFont typeface="Arial" panose="020B0604020202020204" pitchFamily="34" charset="0"/>
-              <a:buChar char="•"/>
-            </a:pPr>
-            <a:endParaRPr lang="fr-FR" sz="2400" dirty="0"/>
-          </a:p>
-          <a:p>
-            <a:endParaRPr lang="fr-FR" sz="2400" dirty="0" smtClean="0"/>
-          </a:p>
-        </p:txBody>
-      </p:sp>
-      <p:sp>
-        <p:nvSpPr>
-          <p:cNvPr id="9" name="ZoneTexte 8"/>
-          <p:cNvSpPr txBox="1"/>
-          <p:nvPr/>
-        </p:nvSpPr>
-        <p:spPr>
-          <a:xfrm>
-            <a:off x="9975922" y="3011374"/>
-            <a:ext cx="3786623" cy="1200329"/>
-          </a:xfrm>
-          <a:prstGeom prst="rect">
-            <a:avLst/>
-          </a:prstGeom>
-          <a:noFill/>
-        </p:spPr>
-        <p:txBody>
-          <a:bodyPr wrap="square" rtlCol="0">
-            <a:spAutoFit/>
-          </a:bodyPr>
-          <a:lstStyle/>
-          <a:p>
-            <a:pPr marL="285750" indent="-285750">
-              <a:buFont typeface="Arial" panose="020B0604020202020204" pitchFamily="34" charset="0"/>
-              <a:buChar char="•"/>
-            </a:pPr>
-            <a:r>
-              <a:rPr lang="fr-FR" sz="2400" dirty="0" smtClean="0"/>
-              <a:t>Semaine 50</a:t>
-            </a:r>
-          </a:p>
-          <a:p>
-            <a:pPr marL="285750" indent="-285750">
-              <a:buFont typeface="Arial" panose="020B0604020202020204" pitchFamily="34" charset="0"/>
-              <a:buChar char="•"/>
-            </a:pPr>
-            <a:endParaRPr lang="fr-FR" sz="2400" dirty="0"/>
-          </a:p>
-          <a:p>
-            <a:endParaRPr lang="fr-FR" sz="2400" dirty="0" smtClean="0"/>
-          </a:p>
-        </p:txBody>
-      </p:sp>
-      <p:sp>
-        <p:nvSpPr>
-          <p:cNvPr id="10" name="ZoneTexte 9"/>
-          <p:cNvSpPr txBox="1"/>
-          <p:nvPr/>
-        </p:nvSpPr>
-        <p:spPr>
-          <a:xfrm>
-            <a:off x="9975922" y="3918102"/>
-            <a:ext cx="3786623" cy="1200329"/>
-          </a:xfrm>
-          <a:prstGeom prst="rect">
-            <a:avLst/>
-          </a:prstGeom>
-          <a:noFill/>
-        </p:spPr>
-        <p:txBody>
-          <a:bodyPr wrap="square" rtlCol="0">
-            <a:spAutoFit/>
-          </a:bodyPr>
-          <a:lstStyle/>
-          <a:p>
-            <a:pPr marL="285750" indent="-285750">
-              <a:buFont typeface="Arial" panose="020B0604020202020204" pitchFamily="34" charset="0"/>
-              <a:buChar char="•"/>
-            </a:pPr>
-            <a:r>
-              <a:rPr lang="fr-FR" sz="2400" dirty="0" smtClean="0"/>
-              <a:t>Semaine 1</a:t>
-            </a:r>
-          </a:p>
-          <a:p>
-            <a:pPr marL="285750" indent="-285750">
-              <a:buFont typeface="Arial" panose="020B0604020202020204" pitchFamily="34" charset="0"/>
-              <a:buChar char="•"/>
-            </a:pPr>
-            <a:endParaRPr lang="fr-FR" sz="2400" dirty="0"/>
-          </a:p>
-          <a:p>
-            <a:endParaRPr lang="fr-FR" sz="2400" dirty="0" smtClean="0"/>
-          </a:p>
-        </p:txBody>
-      </p:sp>
-      <p:sp>
-        <p:nvSpPr>
-          <p:cNvPr id="11" name="ZoneTexte 10"/>
-          <p:cNvSpPr txBox="1"/>
-          <p:nvPr/>
-        </p:nvSpPr>
-        <p:spPr>
-          <a:xfrm>
-            <a:off x="9975922" y="4830984"/>
-            <a:ext cx="3786623" cy="1200329"/>
-          </a:xfrm>
-          <a:prstGeom prst="rect">
-            <a:avLst/>
-          </a:prstGeom>
-          <a:noFill/>
-        </p:spPr>
-        <p:txBody>
-          <a:bodyPr wrap="square" rtlCol="0">
-            <a:spAutoFit/>
-          </a:bodyPr>
-          <a:lstStyle/>
-          <a:p>
-            <a:pPr marL="285750" indent="-285750">
-              <a:buFont typeface="Arial" panose="020B0604020202020204" pitchFamily="34" charset="0"/>
-              <a:buChar char="•"/>
-            </a:pPr>
-            <a:r>
-              <a:rPr lang="fr-FR" sz="2400" dirty="0" smtClean="0"/>
-              <a:t>Semaine 2</a:t>
-            </a:r>
-          </a:p>
-          <a:p>
-            <a:pPr marL="285750" indent="-285750">
-              <a:buFont typeface="Arial" panose="020B0604020202020204" pitchFamily="34" charset="0"/>
-              <a:buChar char="•"/>
-            </a:pPr>
-            <a:endParaRPr lang="fr-FR" sz="2400" dirty="0"/>
-          </a:p>
-          <a:p>
-            <a:endParaRPr lang="fr-FR" sz="2400" dirty="0" smtClean="0"/>
-          </a:p>
-        </p:txBody>
-      </p:sp>
-      <p:sp>
-        <p:nvSpPr>
-          <p:cNvPr id="12" name="ZoneTexte 11"/>
-          <p:cNvSpPr txBox="1"/>
-          <p:nvPr/>
-        </p:nvSpPr>
-        <p:spPr>
-          <a:xfrm>
-            <a:off x="10017779" y="5767499"/>
-            <a:ext cx="3786623" cy="1200329"/>
-          </a:xfrm>
-          <a:prstGeom prst="rect">
-            <a:avLst/>
-          </a:prstGeom>
-          <a:noFill/>
-        </p:spPr>
-        <p:txBody>
-          <a:bodyPr wrap="square" rtlCol="0">
-            <a:spAutoFit/>
-          </a:bodyPr>
-          <a:lstStyle/>
-          <a:p>
-            <a:pPr marL="285750" indent="-285750">
-              <a:buFont typeface="Arial" panose="020B0604020202020204" pitchFamily="34" charset="0"/>
-              <a:buChar char="•"/>
-            </a:pPr>
-            <a:r>
-              <a:rPr lang="fr-FR" sz="2400" dirty="0" smtClean="0"/>
-              <a:t>Semaine 3</a:t>
-            </a:r>
-          </a:p>
-          <a:p>
-            <a:pPr marL="285750" indent="-285750">
-              <a:buFont typeface="Arial" panose="020B0604020202020204" pitchFamily="34" charset="0"/>
-              <a:buChar char="•"/>
-            </a:pPr>
-            <a:endParaRPr lang="fr-FR" sz="2400" dirty="0"/>
-          </a:p>
-          <a:p>
-            <a:endParaRPr lang="fr-FR" sz="2400" dirty="0" smtClean="0"/>
-          </a:p>
-        </p:txBody>
-      </p:sp>
-      <p:graphicFrame>
-        <p:nvGraphicFramePr>
-          <p:cNvPr id="13" name="Diagramme 12"/>
-          <p:cNvGraphicFramePr/>
-          <p:nvPr>
-            <p:extLst>
-              <p:ext uri="{D42A27DB-BD31-4B8C-83A1-F6EECF244321}">
-                <p14:modId xmlns:p14="http://schemas.microsoft.com/office/powerpoint/2010/main" val="1877490096"/>
-              </p:ext>
-            </p:extLst>
-          </p:nvPr>
-        </p:nvGraphicFramePr>
-        <p:xfrm>
-          <a:off x="324740" y="119379"/>
-          <a:ext cx="11686602" cy="290820"/>
-        </p:xfrm>
-        <a:graphic>
-          <a:graphicData uri="http://schemas.openxmlformats.org/drawingml/2006/diagram">
-            <dgm:relIds xmlns:dgm="http://schemas.openxmlformats.org/drawingml/2006/diagram" xmlns:r="http://schemas.openxmlformats.org/officeDocument/2006/relationships" r:dm="rId3" r:lo="rId4" r:qs="rId5" r:cs="rId6"/>
-          </a:graphicData>
-        </a:graphic>
-      </p:graphicFrame>
-    </p:spTree>
-    <p:extLst>
-      <p:ext uri="{BB962C8B-B14F-4D97-AF65-F5344CB8AC3E}">
-        <p14:creationId xmlns:p14="http://schemas.microsoft.com/office/powerpoint/2010/main" val="1792170242"/>
-      </p:ext>
-    </p:extLst>
-  </p:cSld>
-  <p:clrMapOvr>
-    <a:masterClrMapping/>
-  </p:clrMapOvr>
-  <mc:AlternateContent xmlns:mc="http://schemas.openxmlformats.org/markup-compatibility/2006" xmlns:p14="http://schemas.microsoft.com/office/powerpoint/2010/main">
-    <mc:Choice Requires="p14">
-      <p:transition spd="slow" p14:dur="1250">
-        <p14:switch dir="r"/>
-      </p:transition>
-    </mc:Choice>
-    <mc:Fallback xmlns="">
-      <p:transition spd="slow">
-        <p:fade/>
-      </p:transition>
-    </mc:Fallback>
-  </mc:AlternateContent>
-  <p:timing>
-    <p:tnLst>
-      <p:par>
-        <p:cTn id="1" dur="indefinite" restart="never" nodeType="tmRoot"/>
-      </p:par>
-    </p:tnLst>
-  </p:timing>
-</p:sld>
-</file>
-
-<file path=ppt/slides/slide5.xml><?xml version="1.0" encoding="utf-8"?>
-<p:sld xmlns:a="http://schemas.openxmlformats.org/drawingml/2006/main" xmlns:r="http://schemas.openxmlformats.org/officeDocument/2006/relationships" xmlns:p="http://schemas.openxmlformats.org/presentationml/2006/main">
-  <p:cSld>
-    <p:spTree>
-      <p:nvGrpSpPr>
-        <p:cNvPr id="1" name=""/>
-        <p:cNvGrpSpPr/>
-        <p:nvPr/>
-      </p:nvGrpSpPr>
-      <p:grpSpPr>
-        <a:xfrm>
-          <a:off x="0" y="0"/>
-          <a:ext cx="0" cy="0"/>
-          <a:chOff x="0" y="0"/>
-          <a:chExt cx="0" cy="0"/>
-        </a:xfrm>
-      </p:grpSpPr>
-      <p:sp>
-        <p:nvSpPr>
-          <p:cNvPr id="2" name="Titre 1"/>
-          <p:cNvSpPr>
-            <a:spLocks noGrp="1"/>
-          </p:cNvSpPr>
-          <p:nvPr>
-            <p:ph type="title"/>
-          </p:nvPr>
-        </p:nvSpPr>
         <p:spPr>
           <a:xfrm>
             <a:off x="1838545" y="577223"/>
@@ -29530,7 +31895,7 @@
           <a:p>
             <a:r>
               <a:rPr lang="fr-FR" dirty="0" smtClean="0"/>
-              <a:t>Méthode </a:t>
+              <a:t>1)Méthode </a:t>
             </a:r>
             <a:r>
               <a:rPr lang="fr-FR" dirty="0" err="1" smtClean="0"/>
@@ -29800,7 +32165,7 @@
             <a:fld id="{D57F1E4F-1CFF-5643-939E-217C01CDF565}" type="slidenum">
               <a:rPr lang="en-US" smtClean="0"/>
               <a:pPr/>
-              <a:t>5</a:t>
+              <a:t>4</a:t>
             </a:fld>
             <a:r>
               <a:rPr lang="en-US" dirty="0" smtClean="0"/>
@@ -29884,7 +32249,7 @@
         </p:blipFill>
         <p:spPr>
           <a:xfrm>
-            <a:off x="6168041" y="410199"/>
+            <a:off x="6643171" y="481916"/>
             <a:ext cx="3763217" cy="6176585"/>
           </a:xfrm>
           <a:prstGeom prst="rect">
@@ -29894,61 +32259,13 @@
       </p:pic>
       <p:sp>
         <p:nvSpPr>
-          <p:cNvPr id="17" name="Flèche droite 16"/>
-          <p:cNvSpPr/>
-          <p:nvPr/>
-        </p:nvSpPr>
-        <p:spPr>
-          <a:xfrm>
-            <a:off x="9580738" y="1223548"/>
-            <a:ext cx="584342" cy="369031"/>
-          </a:xfrm>
-          <a:prstGeom prst="rightArrow">
-            <a:avLst/>
-          </a:prstGeom>
-          <a:solidFill>
-            <a:schemeClr val="bg1"/>
-          </a:solidFill>
-          <a:ln>
-            <a:solidFill>
-              <a:schemeClr val="tx1"/>
-            </a:solidFill>
-          </a:ln>
-        </p:spPr>
-        <p:style>
-          <a:lnRef idx="2">
-            <a:schemeClr val="accent1">
-              <a:shade val="50000"/>
-            </a:schemeClr>
-          </a:lnRef>
-          <a:fillRef idx="1">
-            <a:schemeClr val="accent1"/>
-          </a:fillRef>
-          <a:effectRef idx="0">
-            <a:schemeClr val="accent1"/>
-          </a:effectRef>
-          <a:fontRef idx="minor">
-            <a:schemeClr val="lt1"/>
-          </a:fontRef>
-        </p:style>
-        <p:txBody>
-          <a:bodyPr rtlCol="0" anchor="ctr"/>
-          <a:lstStyle/>
-          <a:p>
-            <a:pPr algn="ctr"/>
-            <a:endParaRPr lang="fr-FR"/>
-          </a:p>
-        </p:txBody>
-      </p:sp>
-      <p:sp>
-        <p:nvSpPr>
           <p:cNvPr id="19" name="Flèche droite 18"/>
           <p:cNvSpPr/>
           <p:nvPr/>
         </p:nvSpPr>
         <p:spPr>
           <a:xfrm>
-            <a:off x="9580738" y="1942061"/>
+            <a:off x="9829231" y="2026009"/>
             <a:ext cx="584342" cy="369031"/>
           </a:xfrm>
           <a:prstGeom prst="rightArrow">
@@ -29996,7 +32313,7 @@
         </p:nvSpPr>
         <p:spPr>
           <a:xfrm>
-            <a:off x="10252686" y="1076707"/>
+            <a:off x="10446766" y="1146316"/>
             <a:ext cx="1293339" cy="646331"/>
           </a:xfrm>
           <a:prstGeom prst="rect">
@@ -30026,7 +32343,7 @@
         </p:nvSpPr>
         <p:spPr>
           <a:xfrm>
-            <a:off x="10264277" y="1803411"/>
+            <a:off x="10458357" y="1873020"/>
             <a:ext cx="1478143" cy="646331"/>
           </a:xfrm>
           <a:prstGeom prst="rect">
@@ -30045,6 +32362,54 @@
               <a:t>100%</a:t>
             </a:r>
             <a:endParaRPr lang="fr-FR" sz="3600" b="1" dirty="0"/>
+          </a:p>
+        </p:txBody>
+      </p:sp>
+      <p:sp>
+        <p:nvSpPr>
+          <p:cNvPr id="20" name="Flèche droite 19"/>
+          <p:cNvSpPr/>
+          <p:nvPr/>
+        </p:nvSpPr>
+        <p:spPr>
+          <a:xfrm>
+            <a:off x="9829231" y="1301616"/>
+            <a:ext cx="584342" cy="369031"/>
+          </a:xfrm>
+          <a:prstGeom prst="rightArrow">
+            <a:avLst/>
+          </a:prstGeom>
+          <a:solidFill>
+            <a:schemeClr val="bg1"/>
+          </a:solidFill>
+          <a:ln>
+            <a:solidFill>
+              <a:schemeClr val="tx1"/>
+            </a:solidFill>
+          </a:ln>
+        </p:spPr>
+        <p:style>
+          <a:lnRef idx="2">
+            <a:schemeClr val="accent1">
+              <a:shade val="50000"/>
+            </a:schemeClr>
+          </a:lnRef>
+          <a:fillRef idx="1">
+            <a:schemeClr val="accent1"/>
+          </a:fillRef>
+          <a:effectRef idx="0">
+            <a:schemeClr val="accent1"/>
+          </a:effectRef>
+          <a:fontRef idx="minor">
+            <a:schemeClr val="lt1"/>
+          </a:fontRef>
+        </p:style>
+        <p:txBody>
+          <a:bodyPr rtlCol="0" anchor="ctr"/>
+          <a:lstStyle/>
+          <a:p>
+            <a:pPr algn="ctr"/>
+            <a:endParaRPr lang="fr-FR"/>
           </a:p>
         </p:txBody>
       </p:sp>
@@ -30080,7 +32445,7 @@
 </p:sld>
 </file>
 
-<file path=ppt/slides/slide6.xml><?xml version="1.0" encoding="utf-8"?>
+<file path=ppt/slides/slide5.xml><?xml version="1.0" encoding="utf-8"?>
 <p:sld xmlns:a="http://schemas.openxmlformats.org/drawingml/2006/main" xmlns:r="http://schemas.openxmlformats.org/officeDocument/2006/relationships" xmlns:p="http://schemas.openxmlformats.org/presentationml/2006/main">
   <p:cSld>
     <p:spTree>
@@ -30115,7 +32480,7 @@
             <a:fld id="{D57F1E4F-1CFF-5643-939E-217C01CDF565}" type="slidenum">
               <a:rPr lang="en-US" smtClean="0"/>
               <a:pPr/>
-              <a:t>6</a:t>
+              <a:t>5</a:t>
             </a:fld>
             <a:r>
               <a:rPr lang="en-US" dirty="0" smtClean="0"/>
@@ -30244,7 +32609,11 @@
           <a:p>
             <a:r>
               <a:rPr lang="fr-FR" dirty="0" smtClean="0"/>
-              <a:t>Avancement de l’interface</a:t>
+              <a:t>2)Avancement </a:t>
+            </a:r>
+            <a:r>
+              <a:rPr lang="fr-FR" dirty="0" smtClean="0"/>
+              <a:t>de l’interface</a:t>
             </a:r>
             <a:endParaRPr lang="fr-FR" dirty="0"/>
           </a:p>
@@ -30411,7 +32780,7 @@
 </p:sld>
 </file>
 
-<file path=ppt/slides/slide7.xml><?xml version="1.0" encoding="utf-8"?>
+<file path=ppt/slides/slide6.xml><?xml version="1.0" encoding="utf-8"?>
 <p:sld xmlns:a="http://schemas.openxmlformats.org/drawingml/2006/main" xmlns:r="http://schemas.openxmlformats.org/officeDocument/2006/relationships" xmlns:p="http://schemas.openxmlformats.org/presentationml/2006/main">
   <p:cSld>
     <p:spTree>
@@ -30444,8 +32813,8 @@
           <a:lstStyle/>
           <a:p>
             <a:r>
-              <a:rPr lang="fr-FR" dirty="0"/>
-              <a:t>Bilan </a:t>
+              <a:rPr lang="fr-FR" dirty="0" smtClean="0"/>
+              <a:t>3) Bilan </a:t>
             </a:r>
             <a:r>
               <a:rPr lang="fr-FR" dirty="0" smtClean="0"/>
@@ -30574,7 +32943,7 @@
             <a:fld id="{D57F1E4F-1CFF-5643-939E-217C01CDF565}" type="slidenum">
               <a:rPr lang="en-US" smtClean="0"/>
               <a:pPr/>
-              <a:t>7</a:t>
+              <a:t>6</a:t>
             </a:fld>
             <a:r>
               <a:rPr lang="en-US" dirty="0" smtClean="0"/>
@@ -30736,6 +33105,52 @@
           </a:p>
         </p:txBody>
       </p:sp>
+      <p:sp>
+        <p:nvSpPr>
+          <p:cNvPr id="4" name="Ellipse 3"/>
+          <p:cNvSpPr/>
+          <p:nvPr/>
+        </p:nvSpPr>
+        <p:spPr>
+          <a:xfrm>
+            <a:off x="4096871" y="3874324"/>
+            <a:ext cx="1237130" cy="806823"/>
+          </a:xfrm>
+          <a:prstGeom prst="ellipse">
+            <a:avLst/>
+          </a:prstGeom>
+          <a:noFill/>
+          <a:ln w="38100">
+            <a:solidFill>
+              <a:srgbClr val="FF0000"/>
+            </a:solidFill>
+          </a:ln>
+        </p:spPr>
+        <p:style>
+          <a:lnRef idx="2">
+            <a:schemeClr val="accent1">
+              <a:shade val="50000"/>
+            </a:schemeClr>
+          </a:lnRef>
+          <a:fillRef idx="1">
+            <a:schemeClr val="accent1"/>
+          </a:fillRef>
+          <a:effectRef idx="0">
+            <a:schemeClr val="accent1"/>
+          </a:effectRef>
+          <a:fontRef idx="minor">
+            <a:schemeClr val="lt1"/>
+          </a:fontRef>
+        </p:style>
+        <p:txBody>
+          <a:bodyPr rtlCol="0" anchor="ctr"/>
+          <a:lstStyle/>
+          <a:p>
+            <a:pPr algn="ctr"/>
+            <a:endParaRPr lang="fr-FR"/>
+          </a:p>
+        </p:txBody>
+      </p:sp>
     </p:spTree>
     <p:extLst>
       <p:ext uri="{BB962C8B-B14F-4D97-AF65-F5344CB8AC3E}">
@@ -30768,7 +33183,7 @@
 </p:sld>
 </file>
 
-<file path=ppt/slides/slide8.xml><?xml version="1.0" encoding="utf-8"?>
+<file path=ppt/slides/slide7.xml><?xml version="1.0" encoding="utf-8"?>
 <p:sld xmlns:a="http://schemas.openxmlformats.org/drawingml/2006/main" xmlns:r="http://schemas.openxmlformats.org/officeDocument/2006/relationships" xmlns:p="http://schemas.openxmlformats.org/presentationml/2006/main">
   <p:cSld>
     <p:spTree>
@@ -30802,65 +33217,11 @@
           <a:p>
             <a:r>
               <a:rPr lang="fr-FR" dirty="0" smtClean="0"/>
-              <a:t>Bilan humain</a:t>
+              <a:t>4)Bilan </a:t>
             </a:r>
-            <a:endParaRPr lang="fr-FR" dirty="0"/>
-          </a:p>
-        </p:txBody>
-      </p:sp>
-      <p:sp>
-        <p:nvSpPr>
-          <p:cNvPr id="3" name="Espace réservé du contenu 2"/>
-          <p:cNvSpPr>
-            <a:spLocks noGrp="1"/>
-          </p:cNvSpPr>
-          <p:nvPr>
-            <p:ph idx="1"/>
-          </p:nvPr>
-        </p:nvSpPr>
-        <p:spPr>
-          <a:xfrm>
-            <a:off x="1311579" y="2247086"/>
-            <a:ext cx="5274628" cy="3777622"/>
-          </a:xfrm>
-        </p:spPr>
-        <p:txBody>
-          <a:bodyPr/>
-          <a:lstStyle/>
-          <a:p>
             <a:r>
               <a:rPr lang="fr-FR" dirty="0" smtClean="0"/>
-              <a:t>Réunions dimanches</a:t>
-            </a:r>
-          </a:p>
-          <a:p>
-            <a:pPr marL="0" indent="0">
-              <a:buNone/>
-            </a:pPr>
-            <a:endParaRPr lang="fr-FR" dirty="0" smtClean="0"/>
-          </a:p>
-          <a:p>
-            <a:r>
-              <a:rPr lang="fr-FR" dirty="0" smtClean="0"/>
-              <a:t>Respect de la parole de chacun</a:t>
-            </a:r>
-          </a:p>
-          <a:p>
-            <a:endParaRPr lang="fr-FR" dirty="0"/>
-          </a:p>
-          <a:p>
-            <a:r>
-              <a:rPr lang="fr-FR" dirty="0" smtClean="0"/>
-              <a:t> Partage de responsabilité</a:t>
-            </a:r>
-          </a:p>
-          <a:p>
-            <a:endParaRPr lang="fr-FR" dirty="0"/>
-          </a:p>
-          <a:p>
-            <a:r>
-              <a:rPr lang="fr-FR" dirty="0" smtClean="0"/>
-              <a:t>Communication </a:t>
+              <a:t>humain</a:t>
             </a:r>
             <a:endParaRPr lang="fr-FR" dirty="0"/>
           </a:p>
@@ -30884,7 +33245,7 @@
             <a:fld id="{D57F1E4F-1CFF-5643-939E-217C01CDF565}" type="slidenum">
               <a:rPr lang="en-US" smtClean="0"/>
               <a:pPr/>
-              <a:t>8</a:t>
+              <a:t>7</a:t>
             </a:fld>
             <a:r>
               <a:rPr lang="en-US" dirty="0" smtClean="0"/>
@@ -30894,96 +33255,6 @@
           </a:p>
         </p:txBody>
       </p:sp>
-      <p:pic>
-        <p:nvPicPr>
-          <p:cNvPr id="7" name="Image 6"/>
-          <p:cNvPicPr>
-            <a:picLocks noChangeAspect="1"/>
-          </p:cNvPicPr>
-          <p:nvPr/>
-        </p:nvPicPr>
-        <p:blipFill>
-          <a:blip r:embed="rId2">
-            <a:extLst>
-              <a:ext uri="{28A0092B-C50C-407E-A947-70E740481C1C}">
-                <a14:useLocalDpi xmlns:a14="http://schemas.microsoft.com/office/drawing/2010/main" val="0"/>
-              </a:ext>
-            </a:extLst>
-          </a:blip>
-          <a:stretch>
-            <a:fillRect/>
-          </a:stretch>
-        </p:blipFill>
-        <p:spPr>
-          <a:xfrm>
-            <a:off x="4323317" y="1977982"/>
-            <a:ext cx="684173" cy="684173"/>
-          </a:xfrm>
-          <a:prstGeom prst="rect">
-            <a:avLst/>
-          </a:prstGeom>
-        </p:spPr>
-      </p:pic>
-      <p:pic>
-        <p:nvPicPr>
-          <p:cNvPr id="8" name="Image 7"/>
-          <p:cNvPicPr>
-            <a:picLocks noChangeAspect="1"/>
-          </p:cNvPicPr>
-          <p:nvPr/>
-        </p:nvPicPr>
-        <p:blipFill>
-          <a:blip r:embed="rId2">
-            <a:extLst>
-              <a:ext uri="{28A0092B-C50C-407E-A947-70E740481C1C}">
-                <a14:useLocalDpi xmlns:a14="http://schemas.microsoft.com/office/drawing/2010/main" val="0"/>
-              </a:ext>
-            </a:extLst>
-          </a:blip>
-          <a:stretch>
-            <a:fillRect/>
-          </a:stretch>
-        </p:blipFill>
-        <p:spPr>
-          <a:xfrm>
-            <a:off x="5683625" y="2717210"/>
-            <a:ext cx="684173" cy="684173"/>
-          </a:xfrm>
-          <a:prstGeom prst="rect">
-            <a:avLst/>
-          </a:prstGeom>
-        </p:spPr>
-      </p:pic>
-      <p:pic>
-        <p:nvPicPr>
-          <p:cNvPr id="9" name="Image 8"/>
-          <p:cNvPicPr>
-            <a:picLocks noChangeAspect="1"/>
-          </p:cNvPicPr>
-          <p:nvPr/>
-        </p:nvPicPr>
-        <p:blipFill>
-          <a:blip r:embed="rId2">
-            <a:extLst>
-              <a:ext uri="{28A0092B-C50C-407E-A947-70E740481C1C}">
-                <a14:useLocalDpi xmlns:a14="http://schemas.microsoft.com/office/drawing/2010/main" val="0"/>
-              </a:ext>
-            </a:extLst>
-          </a:blip>
-          <a:stretch>
-            <a:fillRect/>
-          </a:stretch>
-        </p:blipFill>
-        <p:spPr>
-          <a:xfrm>
-            <a:off x="5007490" y="3558394"/>
-            <a:ext cx="684173" cy="684173"/>
-          </a:xfrm>
-          <a:prstGeom prst="rect">
-            <a:avLst/>
-          </a:prstGeom>
-        </p:spPr>
-      </p:pic>
       <p:sp>
         <p:nvSpPr>
           <p:cNvPr id="10" name="Espace réservé du contenu 2"/>
@@ -30994,7 +33265,7 @@
         </p:nvSpPr>
         <p:spPr>
           <a:xfrm>
-            <a:off x="6852724" y="2247086"/>
+            <a:off x="1311579" y="2072274"/>
             <a:ext cx="5274628" cy="3777622"/>
           </a:xfrm>
           <a:prstGeom prst="rect">
@@ -31272,7 +33543,7 @@
         </p:nvSpPr>
         <p:spPr>
           <a:xfrm>
-            <a:off x="7200433" y="2589172"/>
+            <a:off x="1659288" y="2389727"/>
             <a:ext cx="5274628" cy="3777622"/>
           </a:xfrm>
           <a:prstGeom prst="rect">
@@ -31558,20 +33829,20 @@
         </p:xfrm>
         <a:graphic>
           <a:graphicData uri="http://schemas.openxmlformats.org/drawingml/2006/diagram">
-            <dgm:relIds xmlns:dgm="http://schemas.openxmlformats.org/drawingml/2006/diagram" xmlns:r="http://schemas.openxmlformats.org/officeDocument/2006/relationships" r:dm="rId3" r:lo="rId4" r:qs="rId5" r:cs="rId6"/>
+            <dgm:relIds xmlns:dgm="http://schemas.openxmlformats.org/drawingml/2006/diagram" xmlns:r="http://schemas.openxmlformats.org/officeDocument/2006/relationships" r:dm="rId2" r:lo="rId3" r:qs="rId4" r:cs="rId5"/>
           </a:graphicData>
         </a:graphic>
       </p:graphicFrame>
       <p:pic>
         <p:nvPicPr>
-          <p:cNvPr id="13" name="Image 12"/>
+          <p:cNvPr id="14" name="Image 13"/>
           <p:cNvPicPr>
             <a:picLocks noChangeAspect="1"/>
           </p:cNvPicPr>
           <p:nvPr/>
         </p:nvPicPr>
         <p:blipFill>
-          <a:blip r:embed="rId2">
+          <a:blip r:embed="rId7">
             <a:extLst>
               <a:ext uri="{28A0092B-C50C-407E-A947-70E740481C1C}">
                 <a14:useLocalDpi xmlns:a14="http://schemas.microsoft.com/office/drawing/2010/main" val="0"/>
@@ -31584,17 +33855,75 @@
         </p:blipFill>
         <p:spPr>
           <a:xfrm>
-            <a:off x="3818770" y="4453350"/>
-            <a:ext cx="684173" cy="684173"/>
+            <a:off x="8513435" y="5382016"/>
+            <a:ext cx="1253214" cy="1253214"/>
           </a:xfrm>
           <a:prstGeom prst="rect">
             <a:avLst/>
           </a:prstGeom>
         </p:spPr>
       </p:pic>
+      <p:sp>
+        <p:nvSpPr>
+          <p:cNvPr id="15" name="Espace réservé du contenu 2"/>
+          <p:cNvSpPr>
+            <a:spLocks noGrp="1"/>
+          </p:cNvSpPr>
+          <p:nvPr>
+            <p:ph idx="1"/>
+          </p:nvPr>
+        </p:nvSpPr>
+        <p:spPr>
+          <a:xfrm>
+            <a:off x="6917372" y="2072274"/>
+            <a:ext cx="5274628" cy="3777622"/>
+          </a:xfrm>
+        </p:spPr>
+        <p:txBody>
+          <a:bodyPr/>
+          <a:lstStyle/>
+          <a:p>
+            <a:r>
+              <a:rPr lang="fr-FR" dirty="0" smtClean="0"/>
+              <a:t>Réunions dimanches</a:t>
+            </a:r>
+          </a:p>
+          <a:p>
+            <a:pPr marL="0" indent="0">
+              <a:buNone/>
+            </a:pPr>
+            <a:endParaRPr lang="fr-FR" dirty="0" smtClean="0"/>
+          </a:p>
+          <a:p>
+            <a:r>
+              <a:rPr lang="fr-FR" dirty="0" smtClean="0"/>
+              <a:t>Respect de la parole de chacun</a:t>
+            </a:r>
+          </a:p>
+          <a:p>
+            <a:endParaRPr lang="fr-FR" dirty="0"/>
+          </a:p>
+          <a:p>
+            <a:r>
+              <a:rPr lang="fr-FR" dirty="0" smtClean="0"/>
+              <a:t> Partage de responsabilité</a:t>
+            </a:r>
+          </a:p>
+          <a:p>
+            <a:endParaRPr lang="fr-FR" dirty="0"/>
+          </a:p>
+          <a:p>
+            <a:r>
+              <a:rPr lang="fr-FR" dirty="0" smtClean="0"/>
+              <a:t>Communication </a:t>
+            </a:r>
+            <a:endParaRPr lang="fr-FR" dirty="0"/>
+          </a:p>
+        </p:txBody>
+      </p:sp>
       <p:pic>
         <p:nvPicPr>
-          <p:cNvPr id="14" name="Image 13"/>
+          <p:cNvPr id="16" name="Image 15"/>
           <p:cNvPicPr>
             <a:picLocks noChangeAspect="1"/>
           </p:cNvPicPr>
@@ -31614,8 +33943,98 @@
         </p:blipFill>
         <p:spPr>
           <a:xfrm>
-            <a:off x="3876336" y="5407155"/>
-            <a:ext cx="1253214" cy="1253214"/>
+            <a:off x="9929110" y="1803170"/>
+            <a:ext cx="684173" cy="684173"/>
+          </a:xfrm>
+          <a:prstGeom prst="rect">
+            <a:avLst/>
+          </a:prstGeom>
+        </p:spPr>
+      </p:pic>
+      <p:pic>
+        <p:nvPicPr>
+          <p:cNvPr id="17" name="Image 16"/>
+          <p:cNvPicPr>
+            <a:picLocks noChangeAspect="1"/>
+          </p:cNvPicPr>
+          <p:nvPr/>
+        </p:nvPicPr>
+        <p:blipFill>
+          <a:blip r:embed="rId8">
+            <a:extLst>
+              <a:ext uri="{28A0092B-C50C-407E-A947-70E740481C1C}">
+                <a14:useLocalDpi xmlns:a14="http://schemas.microsoft.com/office/drawing/2010/main" val="0"/>
+              </a:ext>
+            </a:extLst>
+          </a:blip>
+          <a:stretch>
+            <a:fillRect/>
+          </a:stretch>
+        </p:blipFill>
+        <p:spPr>
+          <a:xfrm>
+            <a:off x="11289418" y="2542398"/>
+            <a:ext cx="684173" cy="684173"/>
+          </a:xfrm>
+          <a:prstGeom prst="rect">
+            <a:avLst/>
+          </a:prstGeom>
+        </p:spPr>
+      </p:pic>
+      <p:pic>
+        <p:nvPicPr>
+          <p:cNvPr id="18" name="Image 17"/>
+          <p:cNvPicPr>
+            <a:picLocks noChangeAspect="1"/>
+          </p:cNvPicPr>
+          <p:nvPr/>
+        </p:nvPicPr>
+        <p:blipFill>
+          <a:blip r:embed="rId8">
+            <a:extLst>
+              <a:ext uri="{28A0092B-C50C-407E-A947-70E740481C1C}">
+                <a14:useLocalDpi xmlns:a14="http://schemas.microsoft.com/office/drawing/2010/main" val="0"/>
+              </a:ext>
+            </a:extLst>
+          </a:blip>
+          <a:stretch>
+            <a:fillRect/>
+          </a:stretch>
+        </p:blipFill>
+        <p:spPr>
+          <a:xfrm>
+            <a:off x="10613283" y="3383582"/>
+            <a:ext cx="684173" cy="684173"/>
+          </a:xfrm>
+          <a:prstGeom prst="rect">
+            <a:avLst/>
+          </a:prstGeom>
+        </p:spPr>
+      </p:pic>
+      <p:pic>
+        <p:nvPicPr>
+          <p:cNvPr id="19" name="Image 18"/>
+          <p:cNvPicPr>
+            <a:picLocks noChangeAspect="1"/>
+          </p:cNvPicPr>
+          <p:nvPr/>
+        </p:nvPicPr>
+        <p:blipFill>
+          <a:blip r:embed="rId8">
+            <a:extLst>
+              <a:ext uri="{28A0092B-C50C-407E-A947-70E740481C1C}">
+                <a14:useLocalDpi xmlns:a14="http://schemas.microsoft.com/office/drawing/2010/main" val="0"/>
+              </a:ext>
+            </a:extLst>
+          </a:blip>
+          <a:stretch>
+            <a:fillRect/>
+          </a:stretch>
+        </p:blipFill>
+        <p:spPr>
+          <a:xfrm>
+            <a:off x="9424563" y="4278538"/>
+            <a:ext cx="684173" cy="684173"/>
           </a:xfrm>
           <a:prstGeom prst="rect">
             <a:avLst/>
@@ -31626,6 +34045,1344 @@
     <p:extLst>
       <p:ext uri="{BB962C8B-B14F-4D97-AF65-F5344CB8AC3E}">
         <p14:creationId xmlns:p14="http://schemas.microsoft.com/office/powerpoint/2010/main" val="635432600"/>
+      </p:ext>
+    </p:extLst>
+  </p:cSld>
+  <p:clrMapOvr>
+    <a:masterClrMapping/>
+  </p:clrMapOvr>
+  <mc:AlternateContent xmlns:mc="http://schemas.openxmlformats.org/markup-compatibility/2006" xmlns:p14="http://schemas.microsoft.com/office/powerpoint/2010/main">
+    <mc:Choice Requires="p14">
+      <p:transition spd="slow" p14:dur="1250">
+        <p14:switch dir="r"/>
+      </p:transition>
+    </mc:Choice>
+    <mc:Fallback xmlns="">
+      <p:transition spd="slow">
+        <p:fade/>
+      </p:transition>
+    </mc:Fallback>
+  </mc:AlternateContent>
+  <p:timing>
+    <p:tnLst>
+      <p:par>
+        <p:cTn id="1" dur="indefinite" restart="never" nodeType="tmRoot">
+          <p:childTnLst>
+            <p:seq concurrent="1" nextAc="seek">
+              <p:cTn id="2" dur="indefinite" nodeType="mainSeq">
+                <p:childTnLst>
+                  <p:par>
+                    <p:cTn id="3" fill="hold">
+                      <p:stCondLst>
+                        <p:cond delay="indefinite"/>
+                      </p:stCondLst>
+                      <p:childTnLst>
+                        <p:par>
+                          <p:cTn id="4" fill="hold">
+                            <p:stCondLst>
+                              <p:cond delay="0"/>
+                            </p:stCondLst>
+                            <p:childTnLst>
+                              <p:par>
+                                <p:cTn id="5" presetID="10" presetClass="entr" presetSubtype="0" fill="hold" grpId="0" nodeType="clickEffect">
+                                  <p:stCondLst>
+                                    <p:cond delay="0"/>
+                                  </p:stCondLst>
+                                  <p:childTnLst>
+                                    <p:set>
+                                      <p:cBhvr>
+                                        <p:cTn id="6" dur="1" fill="hold">
+                                          <p:stCondLst>
+                                            <p:cond delay="0"/>
+                                          </p:stCondLst>
+                                        </p:cTn>
+                                        <p:tgtEl>
+                                          <p:spTgt spid="10"/>
+                                        </p:tgtEl>
+                                        <p:attrNameLst>
+                                          <p:attrName>style.visibility</p:attrName>
+                                        </p:attrNameLst>
+                                      </p:cBhvr>
+                                      <p:to>
+                                        <p:strVal val="visible"/>
+                                      </p:to>
+                                    </p:set>
+                                    <p:animEffect transition="in" filter="fade">
+                                      <p:cBhvr>
+                                        <p:cTn id="7" dur="500"/>
+                                        <p:tgtEl>
+                                          <p:spTgt spid="10"/>
+                                        </p:tgtEl>
+                                      </p:cBhvr>
+                                    </p:animEffect>
+                                  </p:childTnLst>
+                                </p:cTn>
+                              </p:par>
+                            </p:childTnLst>
+                          </p:cTn>
+                        </p:par>
+                      </p:childTnLst>
+                    </p:cTn>
+                  </p:par>
+                  <p:par>
+                    <p:cTn id="8" fill="hold">
+                      <p:stCondLst>
+                        <p:cond delay="indefinite"/>
+                      </p:stCondLst>
+                      <p:childTnLst>
+                        <p:par>
+                          <p:cTn id="9" fill="hold">
+                            <p:stCondLst>
+                              <p:cond delay="0"/>
+                            </p:stCondLst>
+                            <p:childTnLst>
+                              <p:par>
+                                <p:cTn id="10" presetID="10" presetClass="entr" presetSubtype="0" fill="hold" grpId="0" nodeType="clickEffect">
+                                  <p:stCondLst>
+                                    <p:cond delay="0"/>
+                                  </p:stCondLst>
+                                  <p:childTnLst>
+                                    <p:set>
+                                      <p:cBhvr>
+                                        <p:cTn id="11" dur="1" fill="hold">
+                                          <p:stCondLst>
+                                            <p:cond delay="0"/>
+                                          </p:stCondLst>
+                                        </p:cTn>
+                                        <p:tgtEl>
+                                          <p:spTgt spid="11"/>
+                                        </p:tgtEl>
+                                        <p:attrNameLst>
+                                          <p:attrName>style.visibility</p:attrName>
+                                        </p:attrNameLst>
+                                      </p:cBhvr>
+                                      <p:to>
+                                        <p:strVal val="visible"/>
+                                      </p:to>
+                                    </p:set>
+                                    <p:animEffect transition="in" filter="fade">
+                                      <p:cBhvr>
+                                        <p:cTn id="12" dur="500"/>
+                                        <p:tgtEl>
+                                          <p:spTgt spid="11"/>
+                                        </p:tgtEl>
+                                      </p:cBhvr>
+                                    </p:animEffect>
+                                  </p:childTnLst>
+                                </p:cTn>
+                              </p:par>
+                            </p:childTnLst>
+                          </p:cTn>
+                        </p:par>
+                      </p:childTnLst>
+                    </p:cTn>
+                  </p:par>
+                  <p:par>
+                    <p:cTn id="13" fill="hold">
+                      <p:stCondLst>
+                        <p:cond delay="indefinite"/>
+                      </p:stCondLst>
+                      <p:childTnLst>
+                        <p:par>
+                          <p:cTn id="14" fill="hold">
+                            <p:stCondLst>
+                              <p:cond delay="0"/>
+                            </p:stCondLst>
+                            <p:childTnLst>
+                              <p:par>
+                                <p:cTn id="15" presetID="10" presetClass="entr" presetSubtype="0" fill="hold" nodeType="clickEffect">
+                                  <p:stCondLst>
+                                    <p:cond delay="0"/>
+                                  </p:stCondLst>
+                                  <p:childTnLst>
+                                    <p:set>
+                                      <p:cBhvr>
+                                        <p:cTn id="16" dur="1" fill="hold">
+                                          <p:stCondLst>
+                                            <p:cond delay="0"/>
+                                          </p:stCondLst>
+                                        </p:cTn>
+                                        <p:tgtEl>
+                                          <p:spTgt spid="15">
+                                            <p:txEl>
+                                              <p:pRg st="0" end="0"/>
+                                            </p:txEl>
+                                          </p:spTgt>
+                                        </p:tgtEl>
+                                        <p:attrNameLst>
+                                          <p:attrName>style.visibility</p:attrName>
+                                        </p:attrNameLst>
+                                      </p:cBhvr>
+                                      <p:to>
+                                        <p:strVal val="visible"/>
+                                      </p:to>
+                                    </p:set>
+                                    <p:animEffect transition="in" filter="fade">
+                                      <p:cBhvr>
+                                        <p:cTn id="17" dur="500"/>
+                                        <p:tgtEl>
+                                          <p:spTgt spid="15">
+                                            <p:txEl>
+                                              <p:pRg st="0" end="0"/>
+                                            </p:txEl>
+                                          </p:spTgt>
+                                        </p:tgtEl>
+                                      </p:cBhvr>
+                                    </p:animEffect>
+                                  </p:childTnLst>
+                                </p:cTn>
+                              </p:par>
+                              <p:par>
+                                <p:cTn id="18" presetID="10" presetClass="entr" presetSubtype="0" fill="hold" nodeType="withEffect">
+                                  <p:stCondLst>
+                                    <p:cond delay="0"/>
+                                  </p:stCondLst>
+                                  <p:childTnLst>
+                                    <p:set>
+                                      <p:cBhvr>
+                                        <p:cTn id="19" dur="1" fill="hold">
+                                          <p:stCondLst>
+                                            <p:cond delay="0"/>
+                                          </p:stCondLst>
+                                        </p:cTn>
+                                        <p:tgtEl>
+                                          <p:spTgt spid="15">
+                                            <p:txEl>
+                                              <p:pRg st="2" end="2"/>
+                                            </p:txEl>
+                                          </p:spTgt>
+                                        </p:tgtEl>
+                                        <p:attrNameLst>
+                                          <p:attrName>style.visibility</p:attrName>
+                                        </p:attrNameLst>
+                                      </p:cBhvr>
+                                      <p:to>
+                                        <p:strVal val="visible"/>
+                                      </p:to>
+                                    </p:set>
+                                    <p:animEffect transition="in" filter="fade">
+                                      <p:cBhvr>
+                                        <p:cTn id="20" dur="500"/>
+                                        <p:tgtEl>
+                                          <p:spTgt spid="15">
+                                            <p:txEl>
+                                              <p:pRg st="2" end="2"/>
+                                            </p:txEl>
+                                          </p:spTgt>
+                                        </p:tgtEl>
+                                      </p:cBhvr>
+                                    </p:animEffect>
+                                  </p:childTnLst>
+                                </p:cTn>
+                              </p:par>
+                              <p:par>
+                                <p:cTn id="21" presetID="10" presetClass="entr" presetSubtype="0" fill="hold" nodeType="withEffect">
+                                  <p:stCondLst>
+                                    <p:cond delay="0"/>
+                                  </p:stCondLst>
+                                  <p:childTnLst>
+                                    <p:set>
+                                      <p:cBhvr>
+                                        <p:cTn id="22" dur="1" fill="hold">
+                                          <p:stCondLst>
+                                            <p:cond delay="0"/>
+                                          </p:stCondLst>
+                                        </p:cTn>
+                                        <p:tgtEl>
+                                          <p:spTgt spid="15">
+                                            <p:txEl>
+                                              <p:pRg st="4" end="4"/>
+                                            </p:txEl>
+                                          </p:spTgt>
+                                        </p:tgtEl>
+                                        <p:attrNameLst>
+                                          <p:attrName>style.visibility</p:attrName>
+                                        </p:attrNameLst>
+                                      </p:cBhvr>
+                                      <p:to>
+                                        <p:strVal val="visible"/>
+                                      </p:to>
+                                    </p:set>
+                                    <p:animEffect transition="in" filter="fade">
+                                      <p:cBhvr>
+                                        <p:cTn id="23" dur="500"/>
+                                        <p:tgtEl>
+                                          <p:spTgt spid="15">
+                                            <p:txEl>
+                                              <p:pRg st="4" end="4"/>
+                                            </p:txEl>
+                                          </p:spTgt>
+                                        </p:tgtEl>
+                                      </p:cBhvr>
+                                    </p:animEffect>
+                                  </p:childTnLst>
+                                </p:cTn>
+                              </p:par>
+                              <p:par>
+                                <p:cTn id="24" presetID="10" presetClass="entr" presetSubtype="0" fill="hold" nodeType="withEffect">
+                                  <p:stCondLst>
+                                    <p:cond delay="0"/>
+                                  </p:stCondLst>
+                                  <p:childTnLst>
+                                    <p:set>
+                                      <p:cBhvr>
+                                        <p:cTn id="25" dur="1" fill="hold">
+                                          <p:stCondLst>
+                                            <p:cond delay="0"/>
+                                          </p:stCondLst>
+                                        </p:cTn>
+                                        <p:tgtEl>
+                                          <p:spTgt spid="15">
+                                            <p:txEl>
+                                              <p:pRg st="6" end="6"/>
+                                            </p:txEl>
+                                          </p:spTgt>
+                                        </p:tgtEl>
+                                        <p:attrNameLst>
+                                          <p:attrName>style.visibility</p:attrName>
+                                        </p:attrNameLst>
+                                      </p:cBhvr>
+                                      <p:to>
+                                        <p:strVal val="visible"/>
+                                      </p:to>
+                                    </p:set>
+                                    <p:animEffect transition="in" filter="fade">
+                                      <p:cBhvr>
+                                        <p:cTn id="26" dur="500"/>
+                                        <p:tgtEl>
+                                          <p:spTgt spid="15">
+                                            <p:txEl>
+                                              <p:pRg st="6" end="6"/>
+                                            </p:txEl>
+                                          </p:spTgt>
+                                        </p:tgtEl>
+                                      </p:cBhvr>
+                                    </p:animEffect>
+                                  </p:childTnLst>
+                                </p:cTn>
+                              </p:par>
+                            </p:childTnLst>
+                          </p:cTn>
+                        </p:par>
+                      </p:childTnLst>
+                    </p:cTn>
+                  </p:par>
+                  <p:par>
+                    <p:cTn id="27" fill="hold">
+                      <p:stCondLst>
+                        <p:cond delay="indefinite"/>
+                      </p:stCondLst>
+                      <p:childTnLst>
+                        <p:par>
+                          <p:cTn id="28" fill="hold">
+                            <p:stCondLst>
+                              <p:cond delay="0"/>
+                            </p:stCondLst>
+                            <p:childTnLst>
+                              <p:par>
+                                <p:cTn id="29" presetID="10" presetClass="entr" presetSubtype="0" fill="hold" nodeType="clickEffect">
+                                  <p:stCondLst>
+                                    <p:cond delay="0"/>
+                                  </p:stCondLst>
+                                  <p:childTnLst>
+                                    <p:set>
+                                      <p:cBhvr>
+                                        <p:cTn id="30" dur="1" fill="hold">
+                                          <p:stCondLst>
+                                            <p:cond delay="0"/>
+                                          </p:stCondLst>
+                                        </p:cTn>
+                                        <p:tgtEl>
+                                          <p:spTgt spid="16"/>
+                                        </p:tgtEl>
+                                        <p:attrNameLst>
+                                          <p:attrName>style.visibility</p:attrName>
+                                        </p:attrNameLst>
+                                      </p:cBhvr>
+                                      <p:to>
+                                        <p:strVal val="visible"/>
+                                      </p:to>
+                                    </p:set>
+                                    <p:animEffect transition="in" filter="fade">
+                                      <p:cBhvr>
+                                        <p:cTn id="31" dur="500"/>
+                                        <p:tgtEl>
+                                          <p:spTgt spid="16"/>
+                                        </p:tgtEl>
+                                      </p:cBhvr>
+                                    </p:animEffect>
+                                  </p:childTnLst>
+                                </p:cTn>
+                              </p:par>
+                            </p:childTnLst>
+                          </p:cTn>
+                        </p:par>
+                      </p:childTnLst>
+                    </p:cTn>
+                  </p:par>
+                  <p:par>
+                    <p:cTn id="32" fill="hold">
+                      <p:stCondLst>
+                        <p:cond delay="indefinite"/>
+                      </p:stCondLst>
+                      <p:childTnLst>
+                        <p:par>
+                          <p:cTn id="33" fill="hold">
+                            <p:stCondLst>
+                              <p:cond delay="0"/>
+                            </p:stCondLst>
+                            <p:childTnLst>
+                              <p:par>
+                                <p:cTn id="34" presetID="10" presetClass="entr" presetSubtype="0" fill="hold" nodeType="clickEffect">
+                                  <p:stCondLst>
+                                    <p:cond delay="0"/>
+                                  </p:stCondLst>
+                                  <p:childTnLst>
+                                    <p:set>
+                                      <p:cBhvr>
+                                        <p:cTn id="35" dur="1" fill="hold">
+                                          <p:stCondLst>
+                                            <p:cond delay="0"/>
+                                          </p:stCondLst>
+                                        </p:cTn>
+                                        <p:tgtEl>
+                                          <p:spTgt spid="17"/>
+                                        </p:tgtEl>
+                                        <p:attrNameLst>
+                                          <p:attrName>style.visibility</p:attrName>
+                                        </p:attrNameLst>
+                                      </p:cBhvr>
+                                      <p:to>
+                                        <p:strVal val="visible"/>
+                                      </p:to>
+                                    </p:set>
+                                    <p:animEffect transition="in" filter="fade">
+                                      <p:cBhvr>
+                                        <p:cTn id="36" dur="500"/>
+                                        <p:tgtEl>
+                                          <p:spTgt spid="17"/>
+                                        </p:tgtEl>
+                                      </p:cBhvr>
+                                    </p:animEffect>
+                                  </p:childTnLst>
+                                </p:cTn>
+                              </p:par>
+                            </p:childTnLst>
+                          </p:cTn>
+                        </p:par>
+                      </p:childTnLst>
+                    </p:cTn>
+                  </p:par>
+                  <p:par>
+                    <p:cTn id="37" fill="hold">
+                      <p:stCondLst>
+                        <p:cond delay="indefinite"/>
+                      </p:stCondLst>
+                      <p:childTnLst>
+                        <p:par>
+                          <p:cTn id="38" fill="hold">
+                            <p:stCondLst>
+                              <p:cond delay="0"/>
+                            </p:stCondLst>
+                            <p:childTnLst>
+                              <p:par>
+                                <p:cTn id="39" presetID="10" presetClass="entr" presetSubtype="0" fill="hold" nodeType="clickEffect">
+                                  <p:stCondLst>
+                                    <p:cond delay="0"/>
+                                  </p:stCondLst>
+                                  <p:childTnLst>
+                                    <p:set>
+                                      <p:cBhvr>
+                                        <p:cTn id="40" dur="1" fill="hold">
+                                          <p:stCondLst>
+                                            <p:cond delay="0"/>
+                                          </p:stCondLst>
+                                        </p:cTn>
+                                        <p:tgtEl>
+                                          <p:spTgt spid="18"/>
+                                        </p:tgtEl>
+                                        <p:attrNameLst>
+                                          <p:attrName>style.visibility</p:attrName>
+                                        </p:attrNameLst>
+                                      </p:cBhvr>
+                                      <p:to>
+                                        <p:strVal val="visible"/>
+                                      </p:to>
+                                    </p:set>
+                                    <p:animEffect transition="in" filter="fade">
+                                      <p:cBhvr>
+                                        <p:cTn id="41" dur="500"/>
+                                        <p:tgtEl>
+                                          <p:spTgt spid="18"/>
+                                        </p:tgtEl>
+                                      </p:cBhvr>
+                                    </p:animEffect>
+                                  </p:childTnLst>
+                                </p:cTn>
+                              </p:par>
+                            </p:childTnLst>
+                          </p:cTn>
+                        </p:par>
+                      </p:childTnLst>
+                    </p:cTn>
+                  </p:par>
+                  <p:par>
+                    <p:cTn id="42" fill="hold">
+                      <p:stCondLst>
+                        <p:cond delay="indefinite"/>
+                      </p:stCondLst>
+                      <p:childTnLst>
+                        <p:par>
+                          <p:cTn id="43" fill="hold">
+                            <p:stCondLst>
+                              <p:cond delay="0"/>
+                            </p:stCondLst>
+                            <p:childTnLst>
+                              <p:par>
+                                <p:cTn id="44" presetID="10" presetClass="entr" presetSubtype="0" fill="hold" nodeType="clickEffect">
+                                  <p:stCondLst>
+                                    <p:cond delay="0"/>
+                                  </p:stCondLst>
+                                  <p:childTnLst>
+                                    <p:set>
+                                      <p:cBhvr>
+                                        <p:cTn id="45" dur="1" fill="hold">
+                                          <p:stCondLst>
+                                            <p:cond delay="0"/>
+                                          </p:stCondLst>
+                                        </p:cTn>
+                                        <p:tgtEl>
+                                          <p:spTgt spid="19"/>
+                                        </p:tgtEl>
+                                        <p:attrNameLst>
+                                          <p:attrName>style.visibility</p:attrName>
+                                        </p:attrNameLst>
+                                      </p:cBhvr>
+                                      <p:to>
+                                        <p:strVal val="visible"/>
+                                      </p:to>
+                                    </p:set>
+                                    <p:animEffect transition="in" filter="fade">
+                                      <p:cBhvr>
+                                        <p:cTn id="46" dur="500"/>
+                                        <p:tgtEl>
+                                          <p:spTgt spid="19"/>
+                                        </p:tgtEl>
+                                      </p:cBhvr>
+                                    </p:animEffect>
+                                  </p:childTnLst>
+                                </p:cTn>
+                              </p:par>
+                            </p:childTnLst>
+                          </p:cTn>
+                        </p:par>
+                      </p:childTnLst>
+                    </p:cTn>
+                  </p:par>
+                </p:childTnLst>
+              </p:cTn>
+              <p:prevCondLst>
+                <p:cond evt="onPrev" delay="0">
+                  <p:tgtEl>
+                    <p:sldTgt/>
+                  </p:tgtEl>
+                </p:cond>
+              </p:prevCondLst>
+              <p:nextCondLst>
+                <p:cond evt="onNext" delay="0">
+                  <p:tgtEl>
+                    <p:sldTgt/>
+                  </p:tgtEl>
+                </p:cond>
+              </p:nextCondLst>
+            </p:seq>
+          </p:childTnLst>
+        </p:cTn>
+      </p:par>
+    </p:tnLst>
+    <p:bldLst>
+      <p:bldP spid="10" grpId="0"/>
+      <p:bldP spid="11" grpId="0"/>
+    </p:bldLst>
+  </p:timing>
+</p:sld>
+</file>
+
+<file path=ppt/slides/slide8.xml><?xml version="1.0" encoding="utf-8"?>
+<p:sld xmlns:a="http://schemas.openxmlformats.org/drawingml/2006/main" xmlns:r="http://schemas.openxmlformats.org/officeDocument/2006/relationships" xmlns:p="http://schemas.openxmlformats.org/presentationml/2006/main">
+  <p:cSld>
+    <p:spTree>
+      <p:nvGrpSpPr>
+        <p:cNvPr id="1" name=""/>
+        <p:cNvGrpSpPr/>
+        <p:nvPr/>
+      </p:nvGrpSpPr>
+      <p:grpSpPr>
+        <a:xfrm>
+          <a:off x="0" y="0"/>
+          <a:ext cx="0" cy="0"/>
+          <a:chOff x="0" y="0"/>
+          <a:chExt cx="0" cy="0"/>
+        </a:xfrm>
+      </p:grpSpPr>
+      <p:sp>
+        <p:nvSpPr>
+          <p:cNvPr id="2" name="Espace réservé du numéro de diapositive 1"/>
+          <p:cNvSpPr>
+            <a:spLocks noGrp="1"/>
+          </p:cNvSpPr>
+          <p:nvPr>
+            <p:ph type="sldNum" sz="quarter" idx="12"/>
+          </p:nvPr>
+        </p:nvSpPr>
+        <p:spPr/>
+        <p:txBody>
+          <a:bodyPr/>
+          <a:lstStyle/>
+          <a:p>
+            <a:fld id="{D57F1E4F-1CFF-5643-939E-217C01CDF565}" type="slidenum">
+              <a:rPr lang="en-US" smtClean="0"/>
+              <a:pPr/>
+              <a:t>8</a:t>
+            </a:fld>
+            <a:r>
+              <a:rPr lang="en-US" dirty="0" smtClean="0"/>
+              <a:t>/8</a:t>
+            </a:r>
+            <a:endParaRPr lang="en-US" dirty="0"/>
+          </a:p>
+        </p:txBody>
+      </p:sp>
+      <p:sp>
+        <p:nvSpPr>
+          <p:cNvPr id="10" name="Titre 1"/>
+          <p:cNvSpPr>
+            <a:spLocks noGrp="1"/>
+          </p:cNvSpPr>
+          <p:nvPr>
+            <p:ph type="title"/>
+          </p:nvPr>
+        </p:nvSpPr>
+        <p:spPr>
+          <a:xfrm>
+            <a:off x="3280313" y="2751024"/>
+            <a:ext cx="8911687" cy="1280890"/>
+          </a:xfrm>
+        </p:spPr>
+        <p:txBody>
+          <a:bodyPr>
+            <a:normAutofit fontScale="90000"/>
+          </a:bodyPr>
+          <a:lstStyle/>
+          <a:p>
+            <a:r>
+              <a:rPr lang="fr-FR" sz="7300" dirty="0" smtClean="0">
+                <a:solidFill>
+                  <a:srgbClr val="A53010"/>
+                </a:solidFill>
+              </a:rPr>
+              <a:t>IV. Conclusion</a:t>
+            </a:r>
+            <a:r>
+              <a:rPr lang="fr-FR" dirty="0" smtClean="0"/>
+              <a:t/>
+            </a:r>
+            <a:br>
+              <a:rPr lang="fr-FR" dirty="0" smtClean="0"/>
+            </a:br>
+            <a:endParaRPr lang="fr-FR" dirty="0"/>
+          </a:p>
+        </p:txBody>
+      </p:sp>
+      <p:graphicFrame>
+        <p:nvGraphicFramePr>
+          <p:cNvPr id="5" name="Diagramme 4"/>
+          <p:cNvGraphicFramePr/>
+          <p:nvPr>
+            <p:extLst>
+              <p:ext uri="{D42A27DB-BD31-4B8C-83A1-F6EECF244321}">
+                <p14:modId xmlns:p14="http://schemas.microsoft.com/office/powerpoint/2010/main" val="1476274584"/>
+              </p:ext>
+            </p:extLst>
+          </p:nvPr>
+        </p:nvGraphicFramePr>
+        <p:xfrm>
+          <a:off x="324740" y="119379"/>
+          <a:ext cx="11686602" cy="290820"/>
+        </p:xfrm>
+        <a:graphic>
+          <a:graphicData uri="http://schemas.openxmlformats.org/drawingml/2006/diagram">
+            <dgm:relIds xmlns:dgm="http://schemas.openxmlformats.org/drawingml/2006/diagram" xmlns:r="http://schemas.openxmlformats.org/officeDocument/2006/relationships" r:dm="rId2" r:lo="rId3" r:qs="rId4" r:cs="rId5"/>
+          </a:graphicData>
+        </a:graphic>
+      </p:graphicFrame>
+    </p:spTree>
+    <p:extLst>
+      <p:ext uri="{BB962C8B-B14F-4D97-AF65-F5344CB8AC3E}">
+        <p14:creationId xmlns:p14="http://schemas.microsoft.com/office/powerpoint/2010/main" val="324349159"/>
+      </p:ext>
+    </p:extLst>
+  </p:cSld>
+  <p:clrMapOvr>
+    <a:masterClrMapping/>
+  </p:clrMapOvr>
+  <mc:AlternateContent xmlns:mc="http://schemas.openxmlformats.org/markup-compatibility/2006" xmlns:p14="http://schemas.microsoft.com/office/powerpoint/2010/main">
+    <mc:Choice Requires="p14">
+      <p:transition spd="slow" p14:dur="1250">
+        <p14:switch dir="r"/>
+      </p:transition>
+    </mc:Choice>
+    <mc:Fallback xmlns="">
+      <p:transition spd="slow">
+        <p:fade/>
+      </p:transition>
+    </mc:Fallback>
+  </mc:AlternateContent>
+  <p:timing>
+    <p:tnLst>
+      <p:par>
+        <p:cTn id="1" dur="indefinite" restart="never" nodeType="tmRoot"/>
+      </p:par>
+    </p:tnLst>
+  </p:timing>
+</p:sld>
+</file>
+
+<file path=ppt/slides/slide9.xml><?xml version="1.0" encoding="utf-8"?>
+<p:sld xmlns:a="http://schemas.openxmlformats.org/drawingml/2006/main" xmlns:r="http://schemas.openxmlformats.org/officeDocument/2006/relationships" xmlns:p="http://schemas.openxmlformats.org/presentationml/2006/main">
+  <p:cSld>
+    <p:spTree>
+      <p:nvGrpSpPr>
+        <p:cNvPr id="1" name=""/>
+        <p:cNvGrpSpPr/>
+        <p:nvPr/>
+      </p:nvGrpSpPr>
+      <p:grpSpPr>
+        <a:xfrm>
+          <a:off x="0" y="0"/>
+          <a:ext cx="0" cy="0"/>
+          <a:chOff x="0" y="0"/>
+          <a:chExt cx="0" cy="0"/>
+        </a:xfrm>
+      </p:grpSpPr>
+      <p:sp>
+        <p:nvSpPr>
+          <p:cNvPr id="2" name="Espace réservé du numéro de diapositive 1"/>
+          <p:cNvSpPr>
+            <a:spLocks noGrp="1"/>
+          </p:cNvSpPr>
+          <p:nvPr>
+            <p:ph type="sldNum" sz="quarter" idx="12"/>
+          </p:nvPr>
+        </p:nvSpPr>
+        <p:spPr/>
+        <p:txBody>
+          <a:bodyPr/>
+          <a:lstStyle/>
+          <a:p>
+            <a:fld id="{D57F1E4F-1CFF-5643-939E-217C01CDF565}" type="slidenum">
+              <a:rPr lang="en-US" smtClean="0"/>
+              <a:pPr/>
+              <a:t>9</a:t>
+            </a:fld>
+            <a:r>
+              <a:rPr lang="en-US" dirty="0" smtClean="0"/>
+              <a:t>/8</a:t>
+            </a:r>
+            <a:endParaRPr lang="en-US" dirty="0"/>
+          </a:p>
+        </p:txBody>
+      </p:sp>
+      <p:graphicFrame>
+        <p:nvGraphicFramePr>
+          <p:cNvPr id="5" name="Diagramme 4"/>
+          <p:cNvGraphicFramePr/>
+          <p:nvPr>
+            <p:extLst/>
+          </p:nvPr>
+        </p:nvGraphicFramePr>
+        <p:xfrm>
+          <a:off x="324740" y="119379"/>
+          <a:ext cx="11686602" cy="290820"/>
+        </p:xfrm>
+        <a:graphic>
+          <a:graphicData uri="http://schemas.openxmlformats.org/drawingml/2006/diagram">
+            <dgm:relIds xmlns:dgm="http://schemas.openxmlformats.org/drawingml/2006/diagram" xmlns:r="http://schemas.openxmlformats.org/officeDocument/2006/relationships" r:dm="rId2" r:lo="rId3" r:qs="rId4" r:cs="rId5"/>
+          </a:graphicData>
+        </a:graphic>
+      </p:graphicFrame>
+      <p:sp>
+        <p:nvSpPr>
+          <p:cNvPr id="7" name="Espace réservé du contenu 2"/>
+          <p:cNvSpPr txBox="1">
+            <a:spLocks/>
+          </p:cNvSpPr>
+          <p:nvPr/>
+        </p:nvSpPr>
+        <p:spPr>
+          <a:xfrm>
+            <a:off x="1186073" y="1901944"/>
+            <a:ext cx="5734680" cy="4552644"/>
+          </a:xfrm>
+          <a:prstGeom prst="rect">
+            <a:avLst/>
+          </a:prstGeom>
+        </p:spPr>
+        <p:txBody>
+          <a:bodyPr vert="horz" lIns="91440" tIns="45720" rIns="91440" bIns="45720" rtlCol="0">
+            <a:normAutofit/>
+          </a:bodyPr>
+          <a:lstStyle>
+            <a:lvl1pPr marL="342900" indent="-342900" algn="l" defTabSz="457200" rtl="0" eaLnBrk="1" latinLnBrk="0" hangingPunct="1">
+              <a:spcBef>
+                <a:spcPts val="1000"/>
+              </a:spcBef>
+              <a:spcAft>
+                <a:spcPts val="0"/>
+              </a:spcAft>
+              <a:buClr>
+                <a:schemeClr val="accent1"/>
+              </a:buClr>
+              <a:buFont typeface="Wingdings 3" charset="2"/>
+              <a:buChar char=""/>
+              <a:defRPr sz="1800" kern="1200">
+                <a:solidFill>
+                  <a:schemeClr val="tx1">
+                    <a:lumMod val="75000"/>
+                    <a:lumOff val="25000"/>
+                  </a:schemeClr>
+                </a:solidFill>
+                <a:latin typeface="+mn-lt"/>
+                <a:ea typeface="+mn-ea"/>
+                <a:cs typeface="+mn-cs"/>
+              </a:defRPr>
+            </a:lvl1pPr>
+            <a:lvl2pPr marL="742950" indent="-285750" algn="l" defTabSz="457200" rtl="0" eaLnBrk="1" latinLnBrk="0" hangingPunct="1">
+              <a:spcBef>
+                <a:spcPts val="1000"/>
+              </a:spcBef>
+              <a:spcAft>
+                <a:spcPts val="0"/>
+              </a:spcAft>
+              <a:buClr>
+                <a:schemeClr val="accent1"/>
+              </a:buClr>
+              <a:buFont typeface="Wingdings 3" charset="2"/>
+              <a:buChar char=""/>
+              <a:defRPr sz="1600" kern="1200">
+                <a:solidFill>
+                  <a:schemeClr val="tx1">
+                    <a:lumMod val="75000"/>
+                    <a:lumOff val="25000"/>
+                  </a:schemeClr>
+                </a:solidFill>
+                <a:latin typeface="+mn-lt"/>
+                <a:ea typeface="+mn-ea"/>
+                <a:cs typeface="+mn-cs"/>
+              </a:defRPr>
+            </a:lvl2pPr>
+            <a:lvl3pPr marL="1143000" indent="-228600" algn="l" defTabSz="457200" rtl="0" eaLnBrk="1" latinLnBrk="0" hangingPunct="1">
+              <a:spcBef>
+                <a:spcPts val="1000"/>
+              </a:spcBef>
+              <a:spcAft>
+                <a:spcPts val="0"/>
+              </a:spcAft>
+              <a:buClr>
+                <a:schemeClr val="accent1"/>
+              </a:buClr>
+              <a:buFont typeface="Wingdings 3" charset="2"/>
+              <a:buChar char=""/>
+              <a:defRPr sz="1400" kern="1200">
+                <a:solidFill>
+                  <a:schemeClr val="tx1">
+                    <a:lumMod val="75000"/>
+                    <a:lumOff val="25000"/>
+                  </a:schemeClr>
+                </a:solidFill>
+                <a:latin typeface="+mn-lt"/>
+                <a:ea typeface="+mn-ea"/>
+                <a:cs typeface="+mn-cs"/>
+              </a:defRPr>
+            </a:lvl3pPr>
+            <a:lvl4pPr marL="1600200" indent="-228600" algn="l" defTabSz="457200" rtl="0" eaLnBrk="1" latinLnBrk="0" hangingPunct="1">
+              <a:spcBef>
+                <a:spcPts val="1000"/>
+              </a:spcBef>
+              <a:spcAft>
+                <a:spcPts val="0"/>
+              </a:spcAft>
+              <a:buClr>
+                <a:schemeClr val="accent1"/>
+              </a:buClr>
+              <a:buFont typeface="Wingdings 3" charset="2"/>
+              <a:buChar char=""/>
+              <a:defRPr sz="1200" kern="1200">
+                <a:solidFill>
+                  <a:schemeClr val="tx1">
+                    <a:lumMod val="75000"/>
+                    <a:lumOff val="25000"/>
+                  </a:schemeClr>
+                </a:solidFill>
+                <a:latin typeface="+mn-lt"/>
+                <a:ea typeface="+mn-ea"/>
+                <a:cs typeface="+mn-cs"/>
+              </a:defRPr>
+            </a:lvl4pPr>
+            <a:lvl5pPr marL="2057400" indent="-228600" algn="l" defTabSz="457200" rtl="0" eaLnBrk="1" latinLnBrk="0" hangingPunct="1">
+              <a:spcBef>
+                <a:spcPts val="1000"/>
+              </a:spcBef>
+              <a:spcAft>
+                <a:spcPts val="0"/>
+              </a:spcAft>
+              <a:buClr>
+                <a:schemeClr val="accent1"/>
+              </a:buClr>
+              <a:buFont typeface="Wingdings 3" charset="2"/>
+              <a:buChar char=""/>
+              <a:defRPr sz="1200" kern="1200">
+                <a:solidFill>
+                  <a:schemeClr val="tx1">
+                    <a:lumMod val="75000"/>
+                    <a:lumOff val="25000"/>
+                  </a:schemeClr>
+                </a:solidFill>
+                <a:latin typeface="+mn-lt"/>
+                <a:ea typeface="+mn-ea"/>
+                <a:cs typeface="+mn-cs"/>
+              </a:defRPr>
+            </a:lvl5pPr>
+            <a:lvl6pPr marL="2514600" indent="-228600" algn="l" defTabSz="457200" rtl="0" eaLnBrk="1" latinLnBrk="0" hangingPunct="1">
+              <a:spcBef>
+                <a:spcPts val="1000"/>
+              </a:spcBef>
+              <a:spcAft>
+                <a:spcPts val="0"/>
+              </a:spcAft>
+              <a:buClr>
+                <a:schemeClr val="accent1"/>
+              </a:buClr>
+              <a:buFont typeface="Wingdings 3" charset="2"/>
+              <a:buChar char=""/>
+              <a:defRPr sz="1200" kern="1200">
+                <a:solidFill>
+                  <a:schemeClr val="tx1">
+                    <a:lumMod val="75000"/>
+                    <a:lumOff val="25000"/>
+                  </a:schemeClr>
+                </a:solidFill>
+                <a:latin typeface="+mn-lt"/>
+                <a:ea typeface="+mn-ea"/>
+                <a:cs typeface="+mn-cs"/>
+              </a:defRPr>
+            </a:lvl6pPr>
+            <a:lvl7pPr marL="2971800" indent="-228600" algn="l" defTabSz="457200" rtl="0" eaLnBrk="1" latinLnBrk="0" hangingPunct="1">
+              <a:spcBef>
+                <a:spcPts val="1000"/>
+              </a:spcBef>
+              <a:spcAft>
+                <a:spcPts val="0"/>
+              </a:spcAft>
+              <a:buClr>
+                <a:schemeClr val="accent1"/>
+              </a:buClr>
+              <a:buFont typeface="Wingdings 3" charset="2"/>
+              <a:buChar char=""/>
+              <a:defRPr sz="1200" kern="1200">
+                <a:solidFill>
+                  <a:schemeClr val="tx1">
+                    <a:lumMod val="75000"/>
+                    <a:lumOff val="25000"/>
+                  </a:schemeClr>
+                </a:solidFill>
+                <a:latin typeface="+mn-lt"/>
+                <a:ea typeface="+mn-ea"/>
+                <a:cs typeface="+mn-cs"/>
+              </a:defRPr>
+            </a:lvl7pPr>
+            <a:lvl8pPr marL="3429000" indent="-228600" algn="l" defTabSz="457200" rtl="0" eaLnBrk="1" latinLnBrk="0" hangingPunct="1">
+              <a:spcBef>
+                <a:spcPts val="1000"/>
+              </a:spcBef>
+              <a:spcAft>
+                <a:spcPts val="0"/>
+              </a:spcAft>
+              <a:buClr>
+                <a:schemeClr val="accent1"/>
+              </a:buClr>
+              <a:buFont typeface="Wingdings 3" charset="2"/>
+              <a:buChar char=""/>
+              <a:defRPr sz="1200" kern="1200">
+                <a:solidFill>
+                  <a:schemeClr val="tx1">
+                    <a:lumMod val="75000"/>
+                    <a:lumOff val="25000"/>
+                  </a:schemeClr>
+                </a:solidFill>
+                <a:latin typeface="+mn-lt"/>
+                <a:ea typeface="+mn-ea"/>
+                <a:cs typeface="+mn-cs"/>
+              </a:defRPr>
+            </a:lvl8pPr>
+            <a:lvl9pPr marL="3886200" indent="-228600" algn="l" defTabSz="457200" rtl="0" eaLnBrk="1" latinLnBrk="0" hangingPunct="1">
+              <a:spcBef>
+                <a:spcPts val="1000"/>
+              </a:spcBef>
+              <a:spcAft>
+                <a:spcPts val="0"/>
+              </a:spcAft>
+              <a:buClr>
+                <a:schemeClr val="accent1"/>
+              </a:buClr>
+              <a:buFont typeface="Wingdings 3" charset="2"/>
+              <a:buChar char=""/>
+              <a:defRPr sz="1200" kern="1200">
+                <a:solidFill>
+                  <a:schemeClr val="tx1">
+                    <a:lumMod val="75000"/>
+                    <a:lumOff val="25000"/>
+                  </a:schemeClr>
+                </a:solidFill>
+                <a:latin typeface="+mn-lt"/>
+                <a:ea typeface="+mn-ea"/>
+                <a:cs typeface="+mn-cs"/>
+              </a:defRPr>
+            </a:lvl9pPr>
+          </a:lstStyle>
+          <a:p>
+            <a:r>
+              <a:rPr lang="fr-FR" dirty="0" smtClean="0"/>
+              <a:t>Expérience préparant au milieu professionnel</a:t>
+            </a:r>
+          </a:p>
+          <a:p>
+            <a:pPr lvl="1"/>
+            <a:r>
+              <a:rPr lang="fr-FR" dirty="0" smtClean="0"/>
+              <a:t>Relation client</a:t>
+            </a:r>
+          </a:p>
+          <a:p>
+            <a:pPr lvl="1"/>
+            <a:r>
+              <a:rPr lang="fr-FR" dirty="0" smtClean="0"/>
+              <a:t>Présentation d’un projet </a:t>
+            </a:r>
+          </a:p>
+          <a:p>
+            <a:endParaRPr lang="fr-FR" dirty="0"/>
+          </a:p>
+          <a:p>
+            <a:r>
+              <a:rPr lang="fr-FR" dirty="0" smtClean="0"/>
+              <a:t>Travail en équipe </a:t>
+            </a:r>
+          </a:p>
+          <a:p>
+            <a:pPr lvl="1"/>
+            <a:r>
+              <a:rPr lang="fr-FR" dirty="0" smtClean="0"/>
+              <a:t>Communication </a:t>
+            </a:r>
+          </a:p>
+          <a:p>
+            <a:pPr lvl="1"/>
+            <a:r>
+              <a:rPr lang="fr-FR" dirty="0" smtClean="0"/>
+              <a:t>Partage des fichiers</a:t>
+            </a:r>
+            <a:endParaRPr lang="fr-FR" dirty="0"/>
+          </a:p>
+          <a:p>
+            <a:pPr lvl="1"/>
+            <a:endParaRPr lang="fr-FR" dirty="0" smtClean="0"/>
+          </a:p>
+          <a:p>
+            <a:endParaRPr lang="fr-FR" dirty="0"/>
+          </a:p>
+        </p:txBody>
+      </p:sp>
+      <p:sp>
+        <p:nvSpPr>
+          <p:cNvPr id="8" name="Espace réservé du contenu 2"/>
+          <p:cNvSpPr txBox="1">
+            <a:spLocks/>
+          </p:cNvSpPr>
+          <p:nvPr/>
+        </p:nvSpPr>
+        <p:spPr>
+          <a:xfrm>
+            <a:off x="6920753" y="2661372"/>
+            <a:ext cx="5734680" cy="4552644"/>
+          </a:xfrm>
+          <a:prstGeom prst="rect">
+            <a:avLst/>
+          </a:prstGeom>
+        </p:spPr>
+        <p:txBody>
+          <a:bodyPr vert="horz" lIns="91440" tIns="45720" rIns="91440" bIns="45720" rtlCol="0">
+            <a:normAutofit/>
+          </a:bodyPr>
+          <a:lstStyle>
+            <a:lvl1pPr marL="342900" indent="-342900" algn="l" defTabSz="457200" rtl="0" eaLnBrk="1" latinLnBrk="0" hangingPunct="1">
+              <a:spcBef>
+                <a:spcPts val="1000"/>
+              </a:spcBef>
+              <a:spcAft>
+                <a:spcPts val="0"/>
+              </a:spcAft>
+              <a:buClr>
+                <a:schemeClr val="accent1"/>
+              </a:buClr>
+              <a:buFont typeface="Wingdings 3" charset="2"/>
+              <a:buChar char=""/>
+              <a:defRPr sz="1800" kern="1200">
+                <a:solidFill>
+                  <a:schemeClr val="tx1">
+                    <a:lumMod val="75000"/>
+                    <a:lumOff val="25000"/>
+                  </a:schemeClr>
+                </a:solidFill>
+                <a:latin typeface="+mn-lt"/>
+                <a:ea typeface="+mn-ea"/>
+                <a:cs typeface="+mn-cs"/>
+              </a:defRPr>
+            </a:lvl1pPr>
+            <a:lvl2pPr marL="742950" indent="-285750" algn="l" defTabSz="457200" rtl="0" eaLnBrk="1" latinLnBrk="0" hangingPunct="1">
+              <a:spcBef>
+                <a:spcPts val="1000"/>
+              </a:spcBef>
+              <a:spcAft>
+                <a:spcPts val="0"/>
+              </a:spcAft>
+              <a:buClr>
+                <a:schemeClr val="accent1"/>
+              </a:buClr>
+              <a:buFont typeface="Wingdings 3" charset="2"/>
+              <a:buChar char=""/>
+              <a:defRPr sz="1600" kern="1200">
+                <a:solidFill>
+                  <a:schemeClr val="tx1">
+                    <a:lumMod val="75000"/>
+                    <a:lumOff val="25000"/>
+                  </a:schemeClr>
+                </a:solidFill>
+                <a:latin typeface="+mn-lt"/>
+                <a:ea typeface="+mn-ea"/>
+                <a:cs typeface="+mn-cs"/>
+              </a:defRPr>
+            </a:lvl2pPr>
+            <a:lvl3pPr marL="1143000" indent="-228600" algn="l" defTabSz="457200" rtl="0" eaLnBrk="1" latinLnBrk="0" hangingPunct="1">
+              <a:spcBef>
+                <a:spcPts val="1000"/>
+              </a:spcBef>
+              <a:spcAft>
+                <a:spcPts val="0"/>
+              </a:spcAft>
+              <a:buClr>
+                <a:schemeClr val="accent1"/>
+              </a:buClr>
+              <a:buFont typeface="Wingdings 3" charset="2"/>
+              <a:buChar char=""/>
+              <a:defRPr sz="1400" kern="1200">
+                <a:solidFill>
+                  <a:schemeClr val="tx1">
+                    <a:lumMod val="75000"/>
+                    <a:lumOff val="25000"/>
+                  </a:schemeClr>
+                </a:solidFill>
+                <a:latin typeface="+mn-lt"/>
+                <a:ea typeface="+mn-ea"/>
+                <a:cs typeface="+mn-cs"/>
+              </a:defRPr>
+            </a:lvl3pPr>
+            <a:lvl4pPr marL="1600200" indent="-228600" algn="l" defTabSz="457200" rtl="0" eaLnBrk="1" latinLnBrk="0" hangingPunct="1">
+              <a:spcBef>
+                <a:spcPts val="1000"/>
+              </a:spcBef>
+              <a:spcAft>
+                <a:spcPts val="0"/>
+              </a:spcAft>
+              <a:buClr>
+                <a:schemeClr val="accent1"/>
+              </a:buClr>
+              <a:buFont typeface="Wingdings 3" charset="2"/>
+              <a:buChar char=""/>
+              <a:defRPr sz="1200" kern="1200">
+                <a:solidFill>
+                  <a:schemeClr val="tx1">
+                    <a:lumMod val="75000"/>
+                    <a:lumOff val="25000"/>
+                  </a:schemeClr>
+                </a:solidFill>
+                <a:latin typeface="+mn-lt"/>
+                <a:ea typeface="+mn-ea"/>
+                <a:cs typeface="+mn-cs"/>
+              </a:defRPr>
+            </a:lvl4pPr>
+            <a:lvl5pPr marL="2057400" indent="-228600" algn="l" defTabSz="457200" rtl="0" eaLnBrk="1" latinLnBrk="0" hangingPunct="1">
+              <a:spcBef>
+                <a:spcPts val="1000"/>
+              </a:spcBef>
+              <a:spcAft>
+                <a:spcPts val="0"/>
+              </a:spcAft>
+              <a:buClr>
+                <a:schemeClr val="accent1"/>
+              </a:buClr>
+              <a:buFont typeface="Wingdings 3" charset="2"/>
+              <a:buChar char=""/>
+              <a:defRPr sz="1200" kern="1200">
+                <a:solidFill>
+                  <a:schemeClr val="tx1">
+                    <a:lumMod val="75000"/>
+                    <a:lumOff val="25000"/>
+                  </a:schemeClr>
+                </a:solidFill>
+                <a:latin typeface="+mn-lt"/>
+                <a:ea typeface="+mn-ea"/>
+                <a:cs typeface="+mn-cs"/>
+              </a:defRPr>
+            </a:lvl5pPr>
+            <a:lvl6pPr marL="2514600" indent="-228600" algn="l" defTabSz="457200" rtl="0" eaLnBrk="1" latinLnBrk="0" hangingPunct="1">
+              <a:spcBef>
+                <a:spcPts val="1000"/>
+              </a:spcBef>
+              <a:spcAft>
+                <a:spcPts val="0"/>
+              </a:spcAft>
+              <a:buClr>
+                <a:schemeClr val="accent1"/>
+              </a:buClr>
+              <a:buFont typeface="Wingdings 3" charset="2"/>
+              <a:buChar char=""/>
+              <a:defRPr sz="1200" kern="1200">
+                <a:solidFill>
+                  <a:schemeClr val="tx1">
+                    <a:lumMod val="75000"/>
+                    <a:lumOff val="25000"/>
+                  </a:schemeClr>
+                </a:solidFill>
+                <a:latin typeface="+mn-lt"/>
+                <a:ea typeface="+mn-ea"/>
+                <a:cs typeface="+mn-cs"/>
+              </a:defRPr>
+            </a:lvl6pPr>
+            <a:lvl7pPr marL="2971800" indent="-228600" algn="l" defTabSz="457200" rtl="0" eaLnBrk="1" latinLnBrk="0" hangingPunct="1">
+              <a:spcBef>
+                <a:spcPts val="1000"/>
+              </a:spcBef>
+              <a:spcAft>
+                <a:spcPts val="0"/>
+              </a:spcAft>
+              <a:buClr>
+                <a:schemeClr val="accent1"/>
+              </a:buClr>
+              <a:buFont typeface="Wingdings 3" charset="2"/>
+              <a:buChar char=""/>
+              <a:defRPr sz="1200" kern="1200">
+                <a:solidFill>
+                  <a:schemeClr val="tx1">
+                    <a:lumMod val="75000"/>
+                    <a:lumOff val="25000"/>
+                  </a:schemeClr>
+                </a:solidFill>
+                <a:latin typeface="+mn-lt"/>
+                <a:ea typeface="+mn-ea"/>
+                <a:cs typeface="+mn-cs"/>
+              </a:defRPr>
+            </a:lvl7pPr>
+            <a:lvl8pPr marL="3429000" indent="-228600" algn="l" defTabSz="457200" rtl="0" eaLnBrk="1" latinLnBrk="0" hangingPunct="1">
+              <a:spcBef>
+                <a:spcPts val="1000"/>
+              </a:spcBef>
+              <a:spcAft>
+                <a:spcPts val="0"/>
+              </a:spcAft>
+              <a:buClr>
+                <a:schemeClr val="accent1"/>
+              </a:buClr>
+              <a:buFont typeface="Wingdings 3" charset="2"/>
+              <a:buChar char=""/>
+              <a:defRPr sz="1200" kern="1200">
+                <a:solidFill>
+                  <a:schemeClr val="tx1">
+                    <a:lumMod val="75000"/>
+                    <a:lumOff val="25000"/>
+                  </a:schemeClr>
+                </a:solidFill>
+                <a:latin typeface="+mn-lt"/>
+                <a:ea typeface="+mn-ea"/>
+                <a:cs typeface="+mn-cs"/>
+              </a:defRPr>
+            </a:lvl8pPr>
+            <a:lvl9pPr marL="3886200" indent="-228600" algn="l" defTabSz="457200" rtl="0" eaLnBrk="1" latinLnBrk="0" hangingPunct="1">
+              <a:spcBef>
+                <a:spcPts val="1000"/>
+              </a:spcBef>
+              <a:spcAft>
+                <a:spcPts val="0"/>
+              </a:spcAft>
+              <a:buClr>
+                <a:schemeClr val="accent1"/>
+              </a:buClr>
+              <a:buFont typeface="Wingdings 3" charset="2"/>
+              <a:buChar char=""/>
+              <a:defRPr sz="1200" kern="1200">
+                <a:solidFill>
+                  <a:schemeClr val="tx1">
+                    <a:lumMod val="75000"/>
+                    <a:lumOff val="25000"/>
+                  </a:schemeClr>
+                </a:solidFill>
+                <a:latin typeface="+mn-lt"/>
+                <a:ea typeface="+mn-ea"/>
+                <a:cs typeface="+mn-cs"/>
+              </a:defRPr>
+            </a:lvl9pPr>
+          </a:lstStyle>
+          <a:p>
+            <a:r>
+              <a:rPr lang="fr-FR" dirty="0" smtClean="0"/>
+              <a:t>Ce qu’on retient :</a:t>
+            </a:r>
+          </a:p>
+          <a:p>
+            <a:pPr lvl="1"/>
+            <a:r>
+              <a:rPr lang="fr-FR" dirty="0" smtClean="0"/>
+              <a:t>Définir temps de travail / objectifs</a:t>
+            </a:r>
+          </a:p>
+          <a:p>
+            <a:pPr lvl="1"/>
+            <a:r>
+              <a:rPr lang="fr-FR" dirty="0" smtClean="0"/>
+              <a:t>Communiquer au maximum</a:t>
+            </a:r>
+          </a:p>
+          <a:p>
+            <a:pPr lvl="1"/>
+            <a:r>
+              <a:rPr lang="fr-FR" dirty="0" smtClean="0"/>
+              <a:t>Présentation et documentation</a:t>
+            </a:r>
+            <a:endParaRPr lang="fr-FR" dirty="0"/>
+          </a:p>
+          <a:p>
+            <a:pPr lvl="1"/>
+            <a:endParaRPr lang="fr-FR" dirty="0" smtClean="0"/>
+          </a:p>
+          <a:p>
+            <a:endParaRPr lang="fr-FR" dirty="0"/>
+          </a:p>
+        </p:txBody>
+      </p:sp>
+    </p:spTree>
+    <p:extLst>
+      <p:ext uri="{BB962C8B-B14F-4D97-AF65-F5344CB8AC3E}">
+        <p14:creationId xmlns:p14="http://schemas.microsoft.com/office/powerpoint/2010/main" val="4113900415"/>
       </p:ext>
     </p:extLst>
   </p:cSld>
@@ -31678,7 +35435,11 @@
                                           </p:stCondLst>
                                         </p:cTn>
                                         <p:tgtEl>
-                                          <p:spTgt spid="7"/>
+                                          <p:spTgt spid="7">
+                                            <p:txEl>
+                                              <p:pRg st="0" end="0"/>
+                                            </p:txEl>
+                                          </p:spTgt>
                                         </p:tgtEl>
                                         <p:attrNameLst>
                                           <p:attrName>style.visibility</p:attrName>
@@ -31692,46 +35453,36 @@
                                       <p:cBhvr>
                                         <p:cTn id="7" dur="500"/>
                                         <p:tgtEl>
-                                          <p:spTgt spid="7"/>
+                                          <p:spTgt spid="7">
+                                            <p:txEl>
+                                              <p:pRg st="0" end="0"/>
+                                            </p:txEl>
+                                          </p:spTgt>
                                         </p:tgtEl>
                                       </p:cBhvr>
                                     </p:animEffect>
                                   </p:childTnLst>
                                 </p:cTn>
                               </p:par>
-                            </p:childTnLst>
-                          </p:cTn>
-                        </p:par>
-                      </p:childTnLst>
-                    </p:cTn>
-                  </p:par>
-                  <p:par>
-                    <p:cTn id="8" fill="hold">
-                      <p:stCondLst>
-                        <p:cond delay="indefinite"/>
-                      </p:stCondLst>
-                      <p:childTnLst>
-                        <p:par>
-                          <p:cTn id="9" fill="hold">
-                            <p:stCondLst>
-                              <p:cond delay="0"/>
-                            </p:stCondLst>
-                            <p:childTnLst>
                               <p:par>
-                                <p:cTn id="10" presetID="10" presetClass="entr" presetSubtype="0" fill="hold" nodeType="clickEffect">
+                                <p:cTn id="8" presetID="10" presetClass="entr" presetSubtype="0" fill="hold" nodeType="withEffect">
                                   <p:stCondLst>
                                     <p:cond delay="0"/>
                                   </p:stCondLst>
                                   <p:childTnLst>
                                     <p:set>
                                       <p:cBhvr>
-                                        <p:cTn id="11" dur="1" fill="hold">
+                                        <p:cTn id="9" dur="1" fill="hold">
                                           <p:stCondLst>
                                             <p:cond delay="0"/>
                                           </p:stCondLst>
                                         </p:cTn>
                                         <p:tgtEl>
-                                          <p:spTgt spid="8"/>
+                                          <p:spTgt spid="7">
+                                            <p:txEl>
+                                              <p:pRg st="1" end="1"/>
+                                            </p:txEl>
+                                          </p:spTgt>
                                         </p:tgtEl>
                                         <p:attrNameLst>
                                           <p:attrName>style.visibility</p:attrName>
@@ -31743,48 +35494,38 @@
                                     </p:set>
                                     <p:animEffect transition="in" filter="fade">
                                       <p:cBhvr>
-                                        <p:cTn id="12" dur="500"/>
+                                        <p:cTn id="10" dur="500"/>
                                         <p:tgtEl>
-                                          <p:spTgt spid="8"/>
+                                          <p:spTgt spid="7">
+                                            <p:txEl>
+                                              <p:pRg st="1" end="1"/>
+                                            </p:txEl>
+                                          </p:spTgt>
                                         </p:tgtEl>
                                       </p:cBhvr>
                                     </p:animEffect>
                                   </p:childTnLst>
                                 </p:cTn>
                               </p:par>
-                            </p:childTnLst>
-                          </p:cTn>
-                        </p:par>
-                      </p:childTnLst>
-                    </p:cTn>
-                  </p:par>
-                  <p:par>
-                    <p:cTn id="13" fill="hold">
-                      <p:stCondLst>
-                        <p:cond delay="indefinite"/>
-                      </p:stCondLst>
-                      <p:childTnLst>
-                        <p:par>
-                          <p:cTn id="14" fill="hold">
-                            <p:stCondLst>
-                              <p:cond delay="0"/>
-                            </p:stCondLst>
-                            <p:childTnLst>
                               <p:par>
-                                <p:cTn id="15" presetID="10" presetClass="entr" presetSubtype="0" fill="hold" nodeType="clickEffect">
+                                <p:cTn id="11" presetID="10" presetClass="entr" presetSubtype="0" fill="hold" nodeType="withEffect">
                                   <p:stCondLst>
                                     <p:cond delay="0"/>
                                   </p:stCondLst>
                                   <p:childTnLst>
                                     <p:set>
                                       <p:cBhvr>
-                                        <p:cTn id="16" dur="1" fill="hold">
+                                        <p:cTn id="12" dur="1" fill="hold">
                                           <p:stCondLst>
                                             <p:cond delay="0"/>
                                           </p:stCondLst>
                                         </p:cTn>
                                         <p:tgtEl>
-                                          <p:spTgt spid="9"/>
+                                          <p:spTgt spid="7">
+                                            <p:txEl>
+                                              <p:pRg st="2" end="2"/>
+                                            </p:txEl>
+                                          </p:spTgt>
                                         </p:tgtEl>
                                         <p:attrNameLst>
                                           <p:attrName>style.visibility</p:attrName>
@@ -31796,35 +35537,107 @@
                                     </p:set>
                                     <p:animEffect transition="in" filter="fade">
                                       <p:cBhvr>
-                                        <p:cTn id="17" dur="500"/>
+                                        <p:cTn id="13" dur="500"/>
                                         <p:tgtEl>
-                                          <p:spTgt spid="9"/>
+                                          <p:spTgt spid="7">
+                                            <p:txEl>
+                                              <p:pRg st="2" end="2"/>
+                                            </p:txEl>
+                                          </p:spTgt>
                                         </p:tgtEl>
                                       </p:cBhvr>
                                     </p:animEffect>
                                   </p:childTnLst>
                                 </p:cTn>
                               </p:par>
-                            </p:childTnLst>
-                          </p:cTn>
-                        </p:par>
-                      </p:childTnLst>
-                    </p:cTn>
-                  </p:par>
-                  <p:par>
-                    <p:cTn id="18" fill="hold">
-                      <p:stCondLst>
-                        <p:cond delay="indefinite"/>
-                      </p:stCondLst>
-                      <p:childTnLst>
-                        <p:par>
-                          <p:cTn id="19" fill="hold">
-                            <p:stCondLst>
-                              <p:cond delay="0"/>
-                            </p:stCondLst>
-                            <p:childTnLst>
                               <p:par>
-                                <p:cTn id="20" presetID="10" presetClass="entr" presetSubtype="0" fill="hold" nodeType="clickEffect">
+                                <p:cTn id="14" presetID="10" presetClass="entr" presetSubtype="0" fill="hold" nodeType="withEffect">
+                                  <p:stCondLst>
+                                    <p:cond delay="0"/>
+                                  </p:stCondLst>
+                                  <p:childTnLst>
+                                    <p:set>
+                                      <p:cBhvr>
+                                        <p:cTn id="15" dur="1" fill="hold">
+                                          <p:stCondLst>
+                                            <p:cond delay="0"/>
+                                          </p:stCondLst>
+                                        </p:cTn>
+                                        <p:tgtEl>
+                                          <p:spTgt spid="7">
+                                            <p:txEl>
+                                              <p:pRg st="4" end="4"/>
+                                            </p:txEl>
+                                          </p:spTgt>
+                                        </p:tgtEl>
+                                        <p:attrNameLst>
+                                          <p:attrName>style.visibility</p:attrName>
+                                        </p:attrNameLst>
+                                      </p:cBhvr>
+                                      <p:to>
+                                        <p:strVal val="visible"/>
+                                      </p:to>
+                                    </p:set>
+                                    <p:animEffect transition="in" filter="fade">
+                                      <p:cBhvr>
+                                        <p:cTn id="16" dur="500"/>
+                                        <p:tgtEl>
+                                          <p:spTgt spid="7">
+                                            <p:txEl>
+                                              <p:pRg st="4" end="4"/>
+                                            </p:txEl>
+                                          </p:spTgt>
+                                        </p:tgtEl>
+                                      </p:cBhvr>
+                                    </p:animEffect>
+                                  </p:childTnLst>
+                                </p:cTn>
+                              </p:par>
+                              <p:par>
+                                <p:cTn id="17" presetID="10" presetClass="entr" presetSubtype="0" fill="hold" nodeType="withEffect">
+                                  <p:stCondLst>
+                                    <p:cond delay="0"/>
+                                  </p:stCondLst>
+                                  <p:childTnLst>
+                                    <p:set>
+                                      <p:cBhvr>
+                                        <p:cTn id="18" dur="1" fill="hold">
+                                          <p:stCondLst>
+                                            <p:cond delay="0"/>
+                                          </p:stCondLst>
+                                        </p:cTn>
+                                        <p:tgtEl>
+                                          <p:spTgt spid="7">
+                                            <p:txEl>
+                                              <p:pRg st="5" end="5"/>
+                                            </p:txEl>
+                                          </p:spTgt>
+                                        </p:tgtEl>
+                                        <p:attrNameLst>
+                                          <p:attrName>style.visibility</p:attrName>
+                                        </p:attrNameLst>
+                                      </p:cBhvr>
+                                      <p:to>
+                                        <p:strVal val="visible"/>
+                                      </p:to>
+                                    </p:set>
+                                    <p:animEffect transition="in" filter="fade">
+                                      <p:cBhvr>
+                                        <p:cTn id="19" dur="500"/>
+                                        <p:tgtEl>
+                                          <p:spTgt spid="7">
+                                            <p:txEl>
+                                              <p:pRg st="5" end="5"/>
+                                            </p:txEl>
+                                          </p:spTgt>
+                                        </p:tgtEl>
+                                      </p:cBhvr>
+                                    </p:animEffect>
+                                  </p:childTnLst>
+                                </p:cTn>
+                              </p:par>
+                              <p:par>
+                                <p:cTn id="20" presetID="10" presetClass="entr" presetSubtype="0" fill="hold" nodeType="withEffect">
                                   <p:stCondLst>
                                     <p:cond delay="0"/>
                                   </p:stCondLst>
@@ -31837,7 +35650,11 @@
                                           </p:stCondLst>
                                         </p:cTn>
                                         <p:tgtEl>
-                                          <p:spTgt spid="13"/>
+                                          <p:spTgt spid="7">
+                                            <p:txEl>
+                                              <p:pRg st="6" end="6"/>
+                                            </p:txEl>
+                                          </p:spTgt>
                                         </p:tgtEl>
                                         <p:attrNameLst>
                                           <p:attrName>style.visibility</p:attrName>
@@ -31851,7 +35668,11 @@
                                       <p:cBhvr>
                                         <p:cTn id="22" dur="500"/>
                                         <p:tgtEl>
-                                          <p:spTgt spid="13"/>
+                                          <p:spTgt spid="7">
+                                            <p:txEl>
+                                              <p:pRg st="6" end="6"/>
+                                            </p:txEl>
+                                          </p:spTgt>
                                         </p:tgtEl>
                                       </p:cBhvr>
                                     </p:animEffect>
@@ -31877,7 +35698,7 @@
                             </p:stCondLst>
                             <p:childTnLst>
                               <p:par>
-                                <p:cTn id="25" presetID="10" presetClass="entr" presetSubtype="0" fill="hold" grpId="0" nodeType="clickEffect">
+                                <p:cTn id="25" presetID="10" presetClass="entr" presetSubtype="0" fill="hold" nodeType="clickEffect">
                                   <p:stCondLst>
                                     <p:cond delay="0"/>
                                   </p:stCondLst>
@@ -31890,7 +35711,11 @@
                                           </p:stCondLst>
                                         </p:cTn>
                                         <p:tgtEl>
-                                          <p:spTgt spid="10"/>
+                                          <p:spTgt spid="8">
+                                            <p:txEl>
+                                              <p:pRg st="0" end="0"/>
+                                            </p:txEl>
+                                          </p:spTgt>
                                         </p:tgtEl>
                                         <p:attrNameLst>
                                           <p:attrName>style.visibility</p:attrName>
@@ -31904,46 +35729,36 @@
                                       <p:cBhvr>
                                         <p:cTn id="27" dur="500"/>
                                         <p:tgtEl>
-                                          <p:spTgt spid="10"/>
+                                          <p:spTgt spid="8">
+                                            <p:txEl>
+                                              <p:pRg st="0" end="0"/>
+                                            </p:txEl>
+                                          </p:spTgt>
                                         </p:tgtEl>
                                       </p:cBhvr>
                                     </p:animEffect>
                                   </p:childTnLst>
                                 </p:cTn>
                               </p:par>
-                            </p:childTnLst>
-                          </p:cTn>
-                        </p:par>
-                      </p:childTnLst>
-                    </p:cTn>
-                  </p:par>
-                  <p:par>
-                    <p:cTn id="28" fill="hold">
-                      <p:stCondLst>
-                        <p:cond delay="indefinite"/>
-                      </p:stCondLst>
-                      <p:childTnLst>
-                        <p:par>
-                          <p:cTn id="29" fill="hold">
-                            <p:stCondLst>
-                              <p:cond delay="0"/>
-                            </p:stCondLst>
-                            <p:childTnLst>
                               <p:par>
-                                <p:cTn id="30" presetID="10" presetClass="entr" presetSubtype="0" fill="hold" grpId="0" nodeType="clickEffect">
+                                <p:cTn id="28" presetID="10" presetClass="entr" presetSubtype="0" fill="hold" nodeType="withEffect">
                                   <p:stCondLst>
                                     <p:cond delay="0"/>
                                   </p:stCondLst>
                                   <p:childTnLst>
                                     <p:set>
                                       <p:cBhvr>
-                                        <p:cTn id="31" dur="1" fill="hold">
+                                        <p:cTn id="29" dur="1" fill="hold">
                                           <p:stCondLst>
                                             <p:cond delay="0"/>
                                           </p:stCondLst>
                                         </p:cTn>
                                         <p:tgtEl>
-                                          <p:spTgt spid="11"/>
+                                          <p:spTgt spid="8">
+                                            <p:txEl>
+                                              <p:pRg st="1" end="1"/>
+                                            </p:txEl>
+                                          </p:spTgt>
                                         </p:tgtEl>
                                         <p:attrNameLst>
                                           <p:attrName>style.visibility</p:attrName>
@@ -31955,9 +35770,99 @@
                                     </p:set>
                                     <p:animEffect transition="in" filter="fade">
                                       <p:cBhvr>
-                                        <p:cTn id="32" dur="500"/>
+                                        <p:cTn id="30" dur="500"/>
                                         <p:tgtEl>
-                                          <p:spTgt spid="11"/>
+                                          <p:spTgt spid="8">
+                                            <p:txEl>
+                                              <p:pRg st="1" end="1"/>
+                                            </p:txEl>
+                                          </p:spTgt>
+                                        </p:tgtEl>
+                                      </p:cBhvr>
+                                    </p:animEffect>
+                                  </p:childTnLst>
+                                </p:cTn>
+                              </p:par>
+                              <p:par>
+                                <p:cTn id="31" presetID="10" presetClass="entr" presetSubtype="0" fill="hold" nodeType="withEffect">
+                                  <p:stCondLst>
+                                    <p:cond delay="0"/>
+                                  </p:stCondLst>
+                                  <p:childTnLst>
+                                    <p:set>
+                                      <p:cBhvr>
+                                        <p:cTn id="32" dur="1" fill="hold">
+                                          <p:stCondLst>
+                                            <p:cond delay="0"/>
+                                          </p:stCondLst>
+                                        </p:cTn>
+                                        <p:tgtEl>
+                                          <p:spTgt spid="8">
+                                            <p:txEl>
+                                              <p:pRg st="2" end="2"/>
+                                            </p:txEl>
+                                          </p:spTgt>
+                                        </p:tgtEl>
+                                        <p:attrNameLst>
+                                          <p:attrName>style.visibility</p:attrName>
+                                        </p:attrNameLst>
+                                      </p:cBhvr>
+                                      <p:to>
+                                        <p:strVal val="visible"/>
+                                      </p:to>
+                                    </p:set>
+                                    <p:animEffect transition="in" filter="fade">
+                                      <p:cBhvr>
+                                        <p:cTn id="33" dur="500"/>
+                                        <p:tgtEl>
+                                          <p:spTgt spid="8">
+                                            <p:txEl>
+                                              <p:pRg st="2" end="2"/>
+                                            </p:txEl>
+                                          </p:spTgt>
+                                        </p:tgtEl>
+                                      </p:cBhvr>
+                                    </p:animEffect>
+                                  </p:childTnLst>
+                                </p:cTn>
+                              </p:par>
+                              <p:par>
+                                <p:cTn id="34" presetID="10" presetClass="entr" presetSubtype="0" fill="hold" nodeType="withEffect">
+                                  <p:stCondLst>
+                                    <p:cond delay="0"/>
+                                  </p:stCondLst>
+                                  <p:childTnLst>
+                                    <p:set>
+                                      <p:cBhvr>
+                                        <p:cTn id="35" dur="1" fill="hold">
+                                          <p:stCondLst>
+                                            <p:cond delay="0"/>
+                                          </p:stCondLst>
+                                        </p:cTn>
+                                        <p:tgtEl>
+                                          <p:spTgt spid="8">
+                                            <p:txEl>
+                                              <p:pRg st="3" end="3"/>
+                                            </p:txEl>
+                                          </p:spTgt>
+                                        </p:tgtEl>
+                                        <p:attrNameLst>
+                                          <p:attrName>style.visibility</p:attrName>
+                                        </p:attrNameLst>
+                                      </p:cBhvr>
+                                      <p:to>
+                                        <p:strVal val="visible"/>
+                                      </p:to>
+                                    </p:set>
+                                    <p:animEffect transition="in" filter="fade">
+                                      <p:cBhvr>
+                                        <p:cTn id="36" dur="500"/>
+                                        <p:tgtEl>
+                                          <p:spTgt spid="8">
+                                            <p:txEl>
+                                              <p:pRg st="3" end="3"/>
+                                            </p:txEl>
+                                          </p:spTgt>
                                         </p:tgtEl>
                                       </p:cBhvr>
                                     </p:animEffect>
@@ -31991,10 +35896,6 @@
         </p:cTn>
       </p:par>
     </p:tnLst>
-    <p:bldLst>
-      <p:bldP spid="10" grpId="0"/>
-      <p:bldP spid="11" grpId="0"/>
-    </p:bldLst>
   </p:timing>
 </p:sld>
 </file>
